--- a/Domain_Telecom_Churn.pptx
+++ b/Domain_Telecom_Churn.pptx
@@ -9,12 +9,10 @@
     <p:sldId id="257" r:id="rId3"/>
     <p:sldId id="270" r:id="rId4"/>
     <p:sldId id="271" r:id="rId5"/>
-    <p:sldId id="272" r:id="rId6"/>
-    <p:sldId id="273" r:id="rId7"/>
-    <p:sldId id="274" r:id="rId8"/>
-    <p:sldId id="269" r:id="rId9"/>
-    <p:sldId id="268" r:id="rId10"/>
-    <p:sldId id="266" r:id="rId11"/>
+    <p:sldId id="275" r:id="rId6"/>
+    <p:sldId id="274" r:id="rId7"/>
+    <p:sldId id="269" r:id="rId8"/>
+    <p:sldId id="266" r:id="rId9"/>
   </p:sldIdLst>
   <p:sldSz cx="9144000" cy="5143500" type="screen16x9"/>
   <p:notesSz cx="9144000" cy="5143500"/>
@@ -137,6 +135,7 @@
   <p1510:revLst>
     <p1510:client id="{69E349AB-0127-43E1-A866-378FD7857B31}" v="6" dt="2025-02-04T13:16:45.310"/>
     <p1510:client id="{9581E4AB-AE27-4C21-933E-40CF3EA26EB6}" v="25" dt="2025-02-04T13:07:09.275"/>
+    <p1510:client id="{ACA01254-E322-4CC3-B12B-5BE06A5341F5}" v="4" dt="2025-02-04T16:57:24.119"/>
   </p1510:revLst>
 </p1510:revInfo>
 </file>
@@ -386,19 +385,420 @@
   </pc:docChgLst>
   <pc:docChgLst>
     <pc:chgData name="Tallapragada, Mohan" userId="4944b131-e5bf-4343-bb80-a58175e245d3" providerId="ADAL" clId="{ACA01254-E322-4CC3-B12B-5BE06A5341F5}"/>
-    <pc:docChg chg="custSel modSld">
-      <pc:chgData name="Tallapragada, Mohan" userId="4944b131-e5bf-4343-bb80-a58175e245d3" providerId="ADAL" clId="{ACA01254-E322-4CC3-B12B-5BE06A5341F5}" dt="2025-02-04T16:20:37.420" v="32" actId="207"/>
+    <pc:docChg chg="undo custSel addSld delSld modSld sldOrd">
+      <pc:chgData name="Tallapragada, Mohan" userId="4944b131-e5bf-4343-bb80-a58175e245d3" providerId="ADAL" clId="{ACA01254-E322-4CC3-B12B-5BE06A5341F5}" dt="2025-02-04T16:58:54.393" v="181" actId="14100"/>
       <pc:docMkLst>
         <pc:docMk/>
       </pc:docMkLst>
-      <pc:sldChg chg="modSp mod">
-        <pc:chgData name="Tallapragada, Mohan" userId="4944b131-e5bf-4343-bb80-a58175e245d3" providerId="ADAL" clId="{ACA01254-E322-4CC3-B12B-5BE06A5341F5}" dt="2025-02-04T16:20:37.420" v="32" actId="207"/>
+      <pc:sldChg chg="addSp delSp modSp mod setBg">
+        <pc:chgData name="Tallapragada, Mohan" userId="4944b131-e5bf-4343-bb80-a58175e245d3" providerId="ADAL" clId="{ACA01254-E322-4CC3-B12B-5BE06A5341F5}" dt="2025-02-04T16:58:54.393" v="181" actId="14100"/>
+        <pc:sldMkLst>
+          <pc:docMk/>
+          <pc:sldMk cId="4251615600" sldId="267"/>
+        </pc:sldMkLst>
+        <pc:spChg chg="mod">
+          <ac:chgData name="Tallapragada, Mohan" userId="4944b131-e5bf-4343-bb80-a58175e245d3" providerId="ADAL" clId="{ACA01254-E322-4CC3-B12B-5BE06A5341F5}" dt="2025-02-04T16:58:45.480" v="179" actId="26606"/>
+          <ac:spMkLst>
+            <pc:docMk/>
+            <pc:sldMk cId="4251615600" sldId="267"/>
+            <ac:spMk id="2" creationId="{9A3C0013-1BCA-8B20-8ABB-7E4073EEFA58}"/>
+          </ac:spMkLst>
+        </pc:spChg>
+        <pc:spChg chg="mod">
+          <ac:chgData name="Tallapragada, Mohan" userId="4944b131-e5bf-4343-bb80-a58175e245d3" providerId="ADAL" clId="{ACA01254-E322-4CC3-B12B-5BE06A5341F5}" dt="2025-02-04T16:58:54.393" v="181" actId="14100"/>
+          <ac:spMkLst>
+            <pc:docMk/>
+            <pc:sldMk cId="4251615600" sldId="267"/>
+            <ac:spMk id="4" creationId="{1760D0B5-BA7B-AD22-4F5B-95391A727529}"/>
+          </ac:spMkLst>
+        </pc:spChg>
+        <pc:spChg chg="add del">
+          <ac:chgData name="Tallapragada, Mohan" userId="4944b131-e5bf-4343-bb80-a58175e245d3" providerId="ADAL" clId="{ACA01254-E322-4CC3-B12B-5BE06A5341F5}" dt="2025-02-04T16:58:45.480" v="179" actId="26606"/>
+          <ac:spMkLst>
+            <pc:docMk/>
+            <pc:sldMk cId="4251615600" sldId="267"/>
+            <ac:spMk id="52" creationId="{6BFC9644-673A-459F-B3C5-9310A4E50E3B}"/>
+          </ac:spMkLst>
+        </pc:spChg>
+        <pc:spChg chg="add del">
+          <ac:chgData name="Tallapragada, Mohan" userId="4944b131-e5bf-4343-bb80-a58175e245d3" providerId="ADAL" clId="{ACA01254-E322-4CC3-B12B-5BE06A5341F5}" dt="2025-02-04T16:58:45.480" v="179" actId="26606"/>
+          <ac:spMkLst>
+            <pc:docMk/>
+            <pc:sldMk cId="4251615600" sldId="267"/>
+            <ac:spMk id="83" creationId="{7D1C411D-0818-4640-8657-2AF78250C802}"/>
+          </ac:spMkLst>
+        </pc:spChg>
+        <pc:grpChg chg="add del">
+          <ac:chgData name="Tallapragada, Mohan" userId="4944b131-e5bf-4343-bb80-a58175e245d3" providerId="ADAL" clId="{ACA01254-E322-4CC3-B12B-5BE06A5341F5}" dt="2025-02-04T16:58:45.480" v="179" actId="26606"/>
+          <ac:grpSpMkLst>
+            <pc:docMk/>
+            <pc:sldMk cId="4251615600" sldId="267"/>
+            <ac:grpSpMk id="11" creationId="{3BAEF7DA-43C4-4736-B5A3-B48E6125AB2D}"/>
+          </ac:grpSpMkLst>
+        </pc:grpChg>
+        <pc:grpChg chg="add del">
+          <ac:chgData name="Tallapragada, Mohan" userId="4944b131-e5bf-4343-bb80-a58175e245d3" providerId="ADAL" clId="{ACA01254-E322-4CC3-B12B-5BE06A5341F5}" dt="2025-02-04T16:58:45.480" v="179" actId="26606"/>
+          <ac:grpSpMkLst>
+            <pc:docMk/>
+            <pc:sldMk cId="4251615600" sldId="267"/>
+            <ac:grpSpMk id="54" creationId="{4ADB9295-9645-4BF2-ADFD-75800B7FAD06}"/>
+          </ac:grpSpMkLst>
+        </pc:grpChg>
+        <pc:picChg chg="add del">
+          <ac:chgData name="Tallapragada, Mohan" userId="4944b131-e5bf-4343-bb80-a58175e245d3" providerId="ADAL" clId="{ACA01254-E322-4CC3-B12B-5BE06A5341F5}" dt="2025-02-04T16:58:45.480" v="179" actId="26606"/>
+          <ac:picMkLst>
+            <pc:docMk/>
+            <pc:sldMk cId="4251615600" sldId="267"/>
+            <ac:picMk id="9" creationId="{9FBB3149-8289-4060-BB01-ED3047C53146}"/>
+          </ac:picMkLst>
+        </pc:picChg>
+      </pc:sldChg>
+      <pc:sldChg chg="del">
+        <pc:chgData name="Tallapragada, Mohan" userId="4944b131-e5bf-4343-bb80-a58175e245d3" providerId="ADAL" clId="{ACA01254-E322-4CC3-B12B-5BE06A5341F5}" dt="2025-02-04T16:56:32.435" v="143" actId="47"/>
+        <pc:sldMkLst>
+          <pc:docMk/>
+          <pc:sldMk cId="232802554" sldId="268"/>
+        </pc:sldMkLst>
+      </pc:sldChg>
+      <pc:sldChg chg="modSp mod ord">
+        <pc:chgData name="Tallapragada, Mohan" userId="4944b131-e5bf-4343-bb80-a58175e245d3" providerId="ADAL" clId="{ACA01254-E322-4CC3-B12B-5BE06A5341F5}" dt="2025-02-04T16:56:38.565" v="147"/>
+        <pc:sldMkLst>
+          <pc:docMk/>
+          <pc:sldMk cId="3529415568" sldId="269"/>
+        </pc:sldMkLst>
+        <pc:spChg chg="mod">
+          <ac:chgData name="Tallapragada, Mohan" userId="4944b131-e5bf-4343-bb80-a58175e245d3" providerId="ADAL" clId="{ACA01254-E322-4CC3-B12B-5BE06A5341F5}" dt="2025-02-04T16:47:53.984" v="55" actId="20577"/>
+          <ac:spMkLst>
+            <pc:docMk/>
+            <pc:sldMk cId="3529415568" sldId="269"/>
+            <ac:spMk id="3" creationId="{5884C10A-4656-1D40-C556-A3A52D216521}"/>
+          </ac:spMkLst>
+        </pc:spChg>
+      </pc:sldChg>
+      <pc:sldChg chg="addSp modSp mod">
+        <pc:chgData name="Tallapragada, Mohan" userId="4944b131-e5bf-4343-bb80-a58175e245d3" providerId="ADAL" clId="{ACA01254-E322-4CC3-B12B-5BE06A5341F5}" dt="2025-02-04T16:45:36.368" v="45" actId="1076"/>
+        <pc:sldMkLst>
+          <pc:docMk/>
+          <pc:sldMk cId="2032856551" sldId="270"/>
+        </pc:sldMkLst>
+        <pc:spChg chg="add mod">
+          <ac:chgData name="Tallapragada, Mohan" userId="4944b131-e5bf-4343-bb80-a58175e245d3" providerId="ADAL" clId="{ACA01254-E322-4CC3-B12B-5BE06A5341F5}" dt="2025-02-04T16:45:30.719" v="44" actId="1076"/>
+          <ac:spMkLst>
+            <pc:docMk/>
+            <pc:sldMk cId="2032856551" sldId="270"/>
+            <ac:spMk id="2" creationId="{613D346F-CC87-128B-ABDE-3107408CE6F9}"/>
+          </ac:spMkLst>
+        </pc:spChg>
+        <pc:spChg chg="mod">
+          <ac:chgData name="Tallapragada, Mohan" userId="4944b131-e5bf-4343-bb80-a58175e245d3" providerId="ADAL" clId="{ACA01254-E322-4CC3-B12B-5BE06A5341F5}" dt="2025-02-04T16:45:36.368" v="45" actId="1076"/>
+          <ac:spMkLst>
+            <pc:docMk/>
+            <pc:sldMk cId="2032856551" sldId="270"/>
+            <ac:spMk id="4" creationId="{14045BC8-99DB-BF7F-3BD2-714F8DDF17C1}"/>
+          </ac:spMkLst>
+        </pc:spChg>
+      </pc:sldChg>
+      <pc:sldChg chg="addSp delSp modSp mod setBg">
+        <pc:chgData name="Tallapragada, Mohan" userId="4944b131-e5bf-4343-bb80-a58175e245d3" providerId="ADAL" clId="{ACA01254-E322-4CC3-B12B-5BE06A5341F5}" dt="2025-02-04T16:58:25.197" v="171" actId="26606"/>
+        <pc:sldMkLst>
+          <pc:docMk/>
+          <pc:sldMk cId="414533809" sldId="271"/>
+        </pc:sldMkLst>
+        <pc:spChg chg="mod">
+          <ac:chgData name="Tallapragada, Mohan" userId="4944b131-e5bf-4343-bb80-a58175e245d3" providerId="ADAL" clId="{ACA01254-E322-4CC3-B12B-5BE06A5341F5}" dt="2025-02-04T16:58:25.197" v="171" actId="26606"/>
+          <ac:spMkLst>
+            <pc:docMk/>
+            <pc:sldMk cId="414533809" sldId="271"/>
+            <ac:spMk id="2" creationId="{31D3BA9E-44D7-2069-2BA8-3C6D3E9BDD50}"/>
+          </ac:spMkLst>
+        </pc:spChg>
+        <pc:spChg chg="add del mod ord">
+          <ac:chgData name="Tallapragada, Mohan" userId="4944b131-e5bf-4343-bb80-a58175e245d3" providerId="ADAL" clId="{ACA01254-E322-4CC3-B12B-5BE06A5341F5}" dt="2025-02-04T16:57:37.057" v="163" actId="478"/>
+          <ac:spMkLst>
+            <pc:docMk/>
+            <pc:sldMk cId="414533809" sldId="271"/>
+            <ac:spMk id="9" creationId="{EAFC8269-FF00-D768-B288-ED6F96D17876}"/>
+          </ac:spMkLst>
+        </pc:spChg>
+        <pc:spChg chg="add del">
+          <ac:chgData name="Tallapragada, Mohan" userId="4944b131-e5bf-4343-bb80-a58175e245d3" providerId="ADAL" clId="{ACA01254-E322-4CC3-B12B-5BE06A5341F5}" dt="2025-02-04T16:57:30.138" v="162" actId="26606"/>
+          <ac:spMkLst>
+            <pc:docMk/>
+            <pc:sldMk cId="414533809" sldId="271"/>
+            <ac:spMk id="12" creationId="{C169E84F-4748-4D61-A105-357962627A38}"/>
+          </ac:spMkLst>
+        </pc:spChg>
+        <pc:spChg chg="add del">
+          <ac:chgData name="Tallapragada, Mohan" userId="4944b131-e5bf-4343-bb80-a58175e245d3" providerId="ADAL" clId="{ACA01254-E322-4CC3-B12B-5BE06A5341F5}" dt="2025-02-04T16:57:30.122" v="161" actId="26606"/>
+          <ac:spMkLst>
+            <pc:docMk/>
+            <pc:sldMk cId="414533809" sldId="271"/>
+            <ac:spMk id="17" creationId="{8B451719-3D51-4EAE-BFF2-306B3D2EE3EC}"/>
+          </ac:spMkLst>
+        </pc:spChg>
+        <pc:spChg chg="add del">
+          <ac:chgData name="Tallapragada, Mohan" userId="4944b131-e5bf-4343-bb80-a58175e245d3" providerId="ADAL" clId="{ACA01254-E322-4CC3-B12B-5BE06A5341F5}" dt="2025-02-04T16:57:39.961" v="164" actId="26606"/>
+          <ac:spMkLst>
+            <pc:docMk/>
+            <pc:sldMk cId="414533809" sldId="271"/>
+            <ac:spMk id="19" creationId="{10C239E5-48CB-4DB3-A778-3A01C488E965}"/>
+          </ac:spMkLst>
+        </pc:spChg>
+        <pc:spChg chg="add del">
+          <ac:chgData name="Tallapragada, Mohan" userId="4944b131-e5bf-4343-bb80-a58175e245d3" providerId="ADAL" clId="{ACA01254-E322-4CC3-B12B-5BE06A5341F5}" dt="2025-02-04T16:57:39.961" v="164" actId="26606"/>
+          <ac:spMkLst>
+            <pc:docMk/>
+            <pc:sldMk cId="414533809" sldId="271"/>
+            <ac:spMk id="20" creationId="{5742C426-FCE7-4673-BC1D-7E7D3A5FD099}"/>
+          </ac:spMkLst>
+        </pc:spChg>
+        <pc:spChg chg="add del">
+          <ac:chgData name="Tallapragada, Mohan" userId="4944b131-e5bf-4343-bb80-a58175e245d3" providerId="ADAL" clId="{ACA01254-E322-4CC3-B12B-5BE06A5341F5}" dt="2025-02-04T16:57:39.961" v="164" actId="26606"/>
+          <ac:spMkLst>
+            <pc:docMk/>
+            <pc:sldMk cId="414533809" sldId="271"/>
+            <ac:spMk id="21" creationId="{8D450192-3830-4F04-A1C0-F684D80AB9AE}"/>
+          </ac:spMkLst>
+        </pc:spChg>
+        <pc:spChg chg="add del">
+          <ac:chgData name="Tallapragada, Mohan" userId="4944b131-e5bf-4343-bb80-a58175e245d3" providerId="ADAL" clId="{ACA01254-E322-4CC3-B12B-5BE06A5341F5}" dt="2025-02-04T16:58:13.165" v="169" actId="26606"/>
+          <ac:spMkLst>
+            <pc:docMk/>
+            <pc:sldMk cId="414533809" sldId="271"/>
+            <ac:spMk id="84" creationId="{2A4362C1-4CBA-464D-98B4-208037B13219}"/>
+          </ac:spMkLst>
+        </pc:spChg>
+        <pc:spChg chg="add del">
+          <ac:chgData name="Tallapragada, Mohan" userId="4944b131-e5bf-4343-bb80-a58175e245d3" providerId="ADAL" clId="{ACA01254-E322-4CC3-B12B-5BE06A5341F5}" dt="2025-02-04T16:58:13.165" v="169" actId="26606"/>
+          <ac:spMkLst>
+            <pc:docMk/>
+            <pc:sldMk cId="414533809" sldId="271"/>
+            <ac:spMk id="86" creationId="{DAC8B1B5-358F-4498-A98B-80EE307C26AA}"/>
+          </ac:spMkLst>
+        </pc:spChg>
+        <pc:spChg chg="add del">
+          <ac:chgData name="Tallapragada, Mohan" userId="4944b131-e5bf-4343-bb80-a58175e245d3" providerId="ADAL" clId="{ACA01254-E322-4CC3-B12B-5BE06A5341F5}" dt="2025-02-04T16:58:13.165" v="169" actId="26606"/>
+          <ac:spMkLst>
+            <pc:docMk/>
+            <pc:sldMk cId="414533809" sldId="271"/>
+            <ac:spMk id="88" creationId="{AE9AA0E3-147E-4905-B268-5A9FFE34A4A5}"/>
+          </ac:spMkLst>
+        </pc:spChg>
+        <pc:spChg chg="add del">
+          <ac:chgData name="Tallapragada, Mohan" userId="4944b131-e5bf-4343-bb80-a58175e245d3" providerId="ADAL" clId="{ACA01254-E322-4CC3-B12B-5BE06A5341F5}" dt="2025-02-04T16:58:13.070" v="168" actId="26606"/>
+          <ac:spMkLst>
+            <pc:docMk/>
+            <pc:sldMk cId="414533809" sldId="271"/>
+            <ac:spMk id="151" creationId="{7A8D0637-9F8D-4B0C-9868-9B171AE51916}"/>
+          </ac:spMkLst>
+        </pc:spChg>
+        <pc:spChg chg="add del">
+          <ac:chgData name="Tallapragada, Mohan" userId="4944b131-e5bf-4343-bb80-a58175e245d3" providerId="ADAL" clId="{ACA01254-E322-4CC3-B12B-5BE06A5341F5}" dt="2025-02-04T16:58:13.070" v="168" actId="26606"/>
+          <ac:spMkLst>
+            <pc:docMk/>
+            <pc:sldMk cId="414533809" sldId="271"/>
+            <ac:spMk id="153" creationId="{69F77593-01B9-4AAA-AAB5-6F87A33A3AE9}"/>
+          </ac:spMkLst>
+        </pc:spChg>
+        <pc:spChg chg="add del">
+          <ac:chgData name="Tallapragada, Mohan" userId="4944b131-e5bf-4343-bb80-a58175e245d3" providerId="ADAL" clId="{ACA01254-E322-4CC3-B12B-5BE06A5341F5}" dt="2025-02-04T16:58:13.070" v="168" actId="26606"/>
+          <ac:spMkLst>
+            <pc:docMk/>
+            <pc:sldMk cId="414533809" sldId="271"/>
+            <ac:spMk id="155" creationId="{D63819FF-E2E5-4092-A1D8-1AEE11F782F9}"/>
+          </ac:spMkLst>
+        </pc:spChg>
+        <pc:spChg chg="add del">
+          <ac:chgData name="Tallapragada, Mohan" userId="4944b131-e5bf-4343-bb80-a58175e245d3" providerId="ADAL" clId="{ACA01254-E322-4CC3-B12B-5BE06A5341F5}" dt="2025-02-04T16:58:25.197" v="171" actId="26606"/>
+          <ac:spMkLst>
+            <pc:docMk/>
+            <pc:sldMk cId="414533809" sldId="271"/>
+            <ac:spMk id="213" creationId="{459B6567-AD51-4936-B9ED-A418E2F24362}"/>
+          </ac:spMkLst>
+        </pc:spChg>
+        <pc:spChg chg="add del">
+          <ac:chgData name="Tallapragada, Mohan" userId="4944b131-e5bf-4343-bb80-a58175e245d3" providerId="ADAL" clId="{ACA01254-E322-4CC3-B12B-5BE06A5341F5}" dt="2025-02-04T16:58:25.197" v="171" actId="26606"/>
+          <ac:spMkLst>
+            <pc:docMk/>
+            <pc:sldMk cId="414533809" sldId="271"/>
+            <ac:spMk id="214" creationId="{F24EB0D9-6A9D-4DBC-AB7D-9327D2F29E24}"/>
+          </ac:spMkLst>
+        </pc:spChg>
+        <pc:spChg chg="add del">
+          <ac:chgData name="Tallapragada, Mohan" userId="4944b131-e5bf-4343-bb80-a58175e245d3" providerId="ADAL" clId="{ACA01254-E322-4CC3-B12B-5BE06A5341F5}" dt="2025-02-04T16:58:25.197" v="171" actId="26606"/>
+          <ac:spMkLst>
+            <pc:docMk/>
+            <pc:sldMk cId="414533809" sldId="271"/>
+            <ac:spMk id="215" creationId="{7FFB7EA2-D46A-4E69-A631-6F6F9CA79B91}"/>
+          </ac:spMkLst>
+        </pc:spChg>
+        <pc:spChg chg="add">
+          <ac:chgData name="Tallapragada, Mohan" userId="4944b131-e5bf-4343-bb80-a58175e245d3" providerId="ADAL" clId="{ACA01254-E322-4CC3-B12B-5BE06A5341F5}" dt="2025-02-04T16:58:25.197" v="171" actId="26606"/>
+          <ac:spMkLst>
+            <pc:docMk/>
+            <pc:sldMk cId="414533809" sldId="271"/>
+            <ac:spMk id="278" creationId="{2A4362C1-4CBA-464D-98B4-208037B13219}"/>
+          </ac:spMkLst>
+        </pc:spChg>
+        <pc:spChg chg="add">
+          <ac:chgData name="Tallapragada, Mohan" userId="4944b131-e5bf-4343-bb80-a58175e245d3" providerId="ADAL" clId="{ACA01254-E322-4CC3-B12B-5BE06A5341F5}" dt="2025-02-04T16:58:25.197" v="171" actId="26606"/>
+          <ac:spMkLst>
+            <pc:docMk/>
+            <pc:sldMk cId="414533809" sldId="271"/>
+            <ac:spMk id="280" creationId="{DAC8B1B5-358F-4498-A98B-80EE307C26AA}"/>
+          </ac:spMkLst>
+        </pc:spChg>
+        <pc:spChg chg="add">
+          <ac:chgData name="Tallapragada, Mohan" userId="4944b131-e5bf-4343-bb80-a58175e245d3" providerId="ADAL" clId="{ACA01254-E322-4CC3-B12B-5BE06A5341F5}" dt="2025-02-04T16:58:25.197" v="171" actId="26606"/>
+          <ac:spMkLst>
+            <pc:docMk/>
+            <pc:sldMk cId="414533809" sldId="271"/>
+            <ac:spMk id="282" creationId="{AE9AA0E3-147E-4905-B268-5A9FFE34A4A5}"/>
+          </ac:spMkLst>
+        </pc:spChg>
+        <pc:grpChg chg="add del">
+          <ac:chgData name="Tallapragada, Mohan" userId="4944b131-e5bf-4343-bb80-a58175e245d3" providerId="ADAL" clId="{ACA01254-E322-4CC3-B12B-5BE06A5341F5}" dt="2025-02-04T16:58:13.165" v="169" actId="26606"/>
+          <ac:grpSpMkLst>
+            <pc:docMk/>
+            <pc:sldMk cId="414533809" sldId="271"/>
+            <ac:grpSpMk id="28" creationId="{F810FE48-5F0C-4E97-BD7F-FDE128D85371}"/>
+          </ac:grpSpMkLst>
+        </pc:grpChg>
+        <pc:grpChg chg="add del">
+          <ac:chgData name="Tallapragada, Mohan" userId="4944b131-e5bf-4343-bb80-a58175e245d3" providerId="ADAL" clId="{ACA01254-E322-4CC3-B12B-5BE06A5341F5}" dt="2025-02-04T16:58:13.070" v="168" actId="26606"/>
+          <ac:grpSpMkLst>
+            <pc:docMk/>
+            <pc:sldMk cId="414533809" sldId="271"/>
+            <ac:grpSpMk id="95" creationId="{F810FE48-5F0C-4E97-BD7F-FDE128D85371}"/>
+          </ac:grpSpMkLst>
+        </pc:grpChg>
+        <pc:grpChg chg="add del">
+          <ac:chgData name="Tallapragada, Mohan" userId="4944b131-e5bf-4343-bb80-a58175e245d3" providerId="ADAL" clId="{ACA01254-E322-4CC3-B12B-5BE06A5341F5}" dt="2025-02-04T16:58:25.197" v="171" actId="26606"/>
+          <ac:grpSpMkLst>
+            <pc:docMk/>
+            <pc:sldMk cId="414533809" sldId="271"/>
+            <ac:grpSpMk id="158" creationId="{F810FE48-5F0C-4E97-BD7F-FDE128D85371}"/>
+          </ac:grpSpMkLst>
+        </pc:grpChg>
+        <pc:grpChg chg="add">
+          <ac:chgData name="Tallapragada, Mohan" userId="4944b131-e5bf-4343-bb80-a58175e245d3" providerId="ADAL" clId="{ACA01254-E322-4CC3-B12B-5BE06A5341F5}" dt="2025-02-04T16:58:25.197" v="171" actId="26606"/>
+          <ac:grpSpMkLst>
+            <pc:docMk/>
+            <pc:sldMk cId="414533809" sldId="271"/>
+            <ac:grpSpMk id="222" creationId="{F810FE48-5F0C-4E97-BD7F-FDE128D85371}"/>
+          </ac:grpSpMkLst>
+        </pc:grpChg>
+        <pc:picChg chg="add mod ord">
+          <ac:chgData name="Tallapragada, Mohan" userId="4944b131-e5bf-4343-bb80-a58175e245d3" providerId="ADAL" clId="{ACA01254-E322-4CC3-B12B-5BE06A5341F5}" dt="2025-02-04T16:58:25.197" v="171" actId="26606"/>
+          <ac:picMkLst>
+            <pc:docMk/>
+            <pc:sldMk cId="414533809" sldId="271"/>
+            <ac:picMk id="3" creationId="{53609AA3-8CFA-3B45-4AF8-BD28F2F1D826}"/>
+          </ac:picMkLst>
+        </pc:picChg>
+        <pc:picChg chg="add mod">
+          <ac:chgData name="Tallapragada, Mohan" userId="4944b131-e5bf-4343-bb80-a58175e245d3" providerId="ADAL" clId="{ACA01254-E322-4CC3-B12B-5BE06A5341F5}" dt="2025-02-04T16:58:25.197" v="171" actId="26606"/>
+          <ac:picMkLst>
+            <pc:docMk/>
+            <pc:sldMk cId="414533809" sldId="271"/>
+            <ac:picMk id="4" creationId="{A8BD237D-C322-9C7A-8B1E-47221C33CF76}"/>
+          </ac:picMkLst>
+        </pc:picChg>
+        <pc:picChg chg="mod ord">
+          <ac:chgData name="Tallapragada, Mohan" userId="4944b131-e5bf-4343-bb80-a58175e245d3" providerId="ADAL" clId="{ACA01254-E322-4CC3-B12B-5BE06A5341F5}" dt="2025-02-04T16:58:25.197" v="171" actId="26606"/>
+          <ac:picMkLst>
+            <pc:docMk/>
+            <pc:sldMk cId="414533809" sldId="271"/>
+            <ac:picMk id="5" creationId="{583856AE-4520-5577-8FCC-33107F3C8891}"/>
+          </ac:picMkLst>
+        </pc:picChg>
+        <pc:picChg chg="add del">
+          <ac:chgData name="Tallapragada, Mohan" userId="4944b131-e5bf-4343-bb80-a58175e245d3" providerId="ADAL" clId="{ACA01254-E322-4CC3-B12B-5BE06A5341F5}" dt="2025-02-04T16:58:13.165" v="169" actId="26606"/>
+          <ac:picMkLst>
+            <pc:docMk/>
+            <pc:sldMk cId="414533809" sldId="271"/>
+            <ac:picMk id="26" creationId="{5BD33659-8797-414B-BBDC-24F942329570}"/>
+          </ac:picMkLst>
+        </pc:picChg>
+        <pc:picChg chg="add del">
+          <ac:chgData name="Tallapragada, Mohan" userId="4944b131-e5bf-4343-bb80-a58175e245d3" providerId="ADAL" clId="{ACA01254-E322-4CC3-B12B-5BE06A5341F5}" dt="2025-02-04T16:58:13.070" v="168" actId="26606"/>
+          <ac:picMkLst>
+            <pc:docMk/>
+            <pc:sldMk cId="414533809" sldId="271"/>
+            <ac:picMk id="93" creationId="{5BD33659-8797-414B-BBDC-24F942329570}"/>
+          </ac:picMkLst>
+        </pc:picChg>
+        <pc:picChg chg="add del">
+          <ac:chgData name="Tallapragada, Mohan" userId="4944b131-e5bf-4343-bb80-a58175e245d3" providerId="ADAL" clId="{ACA01254-E322-4CC3-B12B-5BE06A5341F5}" dt="2025-02-04T16:58:25.197" v="171" actId="26606"/>
+          <ac:picMkLst>
+            <pc:docMk/>
+            <pc:sldMk cId="414533809" sldId="271"/>
+            <ac:picMk id="157" creationId="{5BD33659-8797-414B-BBDC-24F942329570}"/>
+          </ac:picMkLst>
+        </pc:picChg>
+        <pc:picChg chg="add">
+          <ac:chgData name="Tallapragada, Mohan" userId="4944b131-e5bf-4343-bb80-a58175e245d3" providerId="ADAL" clId="{ACA01254-E322-4CC3-B12B-5BE06A5341F5}" dt="2025-02-04T16:58:25.197" v="171" actId="26606"/>
+          <ac:picMkLst>
+            <pc:docMk/>
+            <pc:sldMk cId="414533809" sldId="271"/>
+            <ac:picMk id="220" creationId="{5BD33659-8797-414B-BBDC-24F942329570}"/>
+          </ac:picMkLst>
+        </pc:picChg>
+      </pc:sldChg>
+      <pc:sldChg chg="addSp delSp modSp del mod">
+        <pc:chgData name="Tallapragada, Mohan" userId="4944b131-e5bf-4343-bb80-a58175e245d3" providerId="ADAL" clId="{ACA01254-E322-4CC3-B12B-5BE06A5341F5}" dt="2025-02-04T16:57:49.669" v="166" actId="47"/>
+        <pc:sldMkLst>
+          <pc:docMk/>
+          <pc:sldMk cId="1112197709" sldId="272"/>
+        </pc:sldMkLst>
+        <pc:spChg chg="add mod">
+          <ac:chgData name="Tallapragada, Mohan" userId="4944b131-e5bf-4343-bb80-a58175e245d3" providerId="ADAL" clId="{ACA01254-E322-4CC3-B12B-5BE06A5341F5}" dt="2025-02-04T16:57:03.101" v="150" actId="21"/>
+          <ac:spMkLst>
+            <pc:docMk/>
+            <pc:sldMk cId="1112197709" sldId="272"/>
+            <ac:spMk id="4" creationId="{B5FD7E06-B526-1171-60F1-BF66A5DE4F06}"/>
+          </ac:spMkLst>
+        </pc:spChg>
+        <pc:picChg chg="del">
+          <ac:chgData name="Tallapragada, Mohan" userId="4944b131-e5bf-4343-bb80-a58175e245d3" providerId="ADAL" clId="{ACA01254-E322-4CC3-B12B-5BE06A5341F5}" dt="2025-02-04T16:57:03.101" v="150" actId="21"/>
+          <ac:picMkLst>
+            <pc:docMk/>
+            <pc:sldMk cId="1112197709" sldId="272"/>
+            <ac:picMk id="5" creationId="{53609AA3-8CFA-3B45-4AF8-BD28F2F1D826}"/>
+          </ac:picMkLst>
+        </pc:picChg>
+      </pc:sldChg>
+      <pc:sldChg chg="addSp delSp modSp del mod">
+        <pc:chgData name="Tallapragada, Mohan" userId="4944b131-e5bf-4343-bb80-a58175e245d3" providerId="ADAL" clId="{ACA01254-E322-4CC3-B12B-5BE06A5341F5}" dt="2025-02-04T16:57:46.737" v="165" actId="47"/>
+        <pc:sldMkLst>
+          <pc:docMk/>
+          <pc:sldMk cId="3518907945" sldId="273"/>
+        </pc:sldMkLst>
+        <pc:spChg chg="add mod">
+          <ac:chgData name="Tallapragada, Mohan" userId="4944b131-e5bf-4343-bb80-a58175e245d3" providerId="ADAL" clId="{ACA01254-E322-4CC3-B12B-5BE06A5341F5}" dt="2025-02-04T16:57:22.038" v="157" actId="21"/>
+          <ac:spMkLst>
+            <pc:docMk/>
+            <pc:sldMk cId="3518907945" sldId="273"/>
+            <ac:spMk id="4" creationId="{B9FA255D-D211-EE44-6CE0-539D8E3AFF2F}"/>
+          </ac:spMkLst>
+        </pc:spChg>
+        <pc:picChg chg="del">
+          <ac:chgData name="Tallapragada, Mohan" userId="4944b131-e5bf-4343-bb80-a58175e245d3" providerId="ADAL" clId="{ACA01254-E322-4CC3-B12B-5BE06A5341F5}" dt="2025-02-04T16:57:22.038" v="157" actId="21"/>
+          <ac:picMkLst>
+            <pc:docMk/>
+            <pc:sldMk cId="3518907945" sldId="273"/>
+            <ac:picMk id="5" creationId="{A8BD237D-C322-9C7A-8B1E-47221C33CF76}"/>
+          </ac:picMkLst>
+        </pc:picChg>
+      </pc:sldChg>
+      <pc:sldChg chg="modSp mod ord">
+        <pc:chgData name="Tallapragada, Mohan" userId="4944b131-e5bf-4343-bb80-a58175e245d3" providerId="ADAL" clId="{ACA01254-E322-4CC3-B12B-5BE06A5341F5}" dt="2025-02-04T16:56:36.303" v="145"/>
         <pc:sldMkLst>
           <pc:docMk/>
           <pc:sldMk cId="2012100488" sldId="274"/>
         </pc:sldMkLst>
         <pc:spChg chg="mod">
-          <ac:chgData name="Tallapragada, Mohan" userId="4944b131-e5bf-4343-bb80-a58175e245d3" providerId="ADAL" clId="{ACA01254-E322-4CC3-B12B-5BE06A5341F5}" dt="2025-02-04T15:57:33.073" v="25" actId="20577"/>
+          <ac:chgData name="Tallapragada, Mohan" userId="4944b131-e5bf-4343-bb80-a58175e245d3" providerId="ADAL" clId="{ACA01254-E322-4CC3-B12B-5BE06A5341F5}" dt="2025-02-04T16:48:22.515" v="56" actId="1076"/>
           <ac:spMkLst>
             <pc:docMk/>
             <pc:sldMk cId="2012100488" sldId="274"/>
@@ -406,11 +806,42 @@
           </ac:spMkLst>
         </pc:spChg>
         <pc:spChg chg="mod">
-          <ac:chgData name="Tallapragada, Mohan" userId="4944b131-e5bf-4343-bb80-a58175e245d3" providerId="ADAL" clId="{ACA01254-E322-4CC3-B12B-5BE06A5341F5}" dt="2025-02-04T16:20:37.420" v="32" actId="207"/>
+          <ac:chgData name="Tallapragada, Mohan" userId="4944b131-e5bf-4343-bb80-a58175e245d3" providerId="ADAL" clId="{ACA01254-E322-4CC3-B12B-5BE06A5341F5}" dt="2025-02-04T16:49:30.863" v="93" actId="20577"/>
           <ac:spMkLst>
             <pc:docMk/>
             <pc:sldMk cId="2012100488" sldId="274"/>
             <ac:spMk id="3" creationId="{C147B79E-D5EF-26F5-036D-8E1907F9C5DF}"/>
+          </ac:spMkLst>
+        </pc:spChg>
+      </pc:sldChg>
+      <pc:sldChg chg="addSp modSp new mod">
+        <pc:chgData name="Tallapragada, Mohan" userId="4944b131-e5bf-4343-bb80-a58175e245d3" providerId="ADAL" clId="{ACA01254-E322-4CC3-B12B-5BE06A5341F5}" dt="2025-02-04T16:56:04.387" v="142" actId="1076"/>
+        <pc:sldMkLst>
+          <pc:docMk/>
+          <pc:sldMk cId="2988491034" sldId="275"/>
+        </pc:sldMkLst>
+        <pc:spChg chg="mod">
+          <ac:chgData name="Tallapragada, Mohan" userId="4944b131-e5bf-4343-bb80-a58175e245d3" providerId="ADAL" clId="{ACA01254-E322-4CC3-B12B-5BE06A5341F5}" dt="2025-02-04T16:56:00.569" v="141" actId="1076"/>
+          <ac:spMkLst>
+            <pc:docMk/>
+            <pc:sldMk cId="2988491034" sldId="275"/>
+            <ac:spMk id="2" creationId="{FAC66127-CEAF-2FE0-617D-ACFA6550D5B4}"/>
+          </ac:spMkLst>
+        </pc:spChg>
+        <pc:spChg chg="mod">
+          <ac:chgData name="Tallapragada, Mohan" userId="4944b131-e5bf-4343-bb80-a58175e245d3" providerId="ADAL" clId="{ACA01254-E322-4CC3-B12B-5BE06A5341F5}" dt="2025-02-04T16:56:04.387" v="142" actId="1076"/>
+          <ac:spMkLst>
+            <pc:docMk/>
+            <pc:sldMk cId="2988491034" sldId="275"/>
+            <ac:spMk id="3" creationId="{3DA235E0-9BDA-535D-3161-542BA450C7A7}"/>
+          </ac:spMkLst>
+        </pc:spChg>
+        <pc:spChg chg="add mod">
+          <ac:chgData name="Tallapragada, Mohan" userId="4944b131-e5bf-4343-bb80-a58175e245d3" providerId="ADAL" clId="{ACA01254-E322-4CC3-B12B-5BE06A5341F5}" dt="2025-02-04T16:55:54.138" v="140" actId="14100"/>
+          <ac:spMkLst>
+            <pc:docMk/>
+            <pc:sldMk cId="2988491034" sldId="275"/>
+            <ac:spMk id="4" creationId="{C2CD9098-DDE7-B016-955D-BB4FD4C88802}"/>
           </ac:spMkLst>
         </pc:spChg>
       </pc:sldChg>
@@ -12770,98 +13201,98 @@
           <a:lstStyle/>
           <a:p>
             <a:r>
-              <a:rPr lang="en-US" sz="2800" b="0" dirty="0">
+              <a:rPr lang="en-US" sz="2800" b="0">
                 <a:latin typeface="Arial MT"/>
                 <a:cs typeface="Arial MT"/>
               </a:rPr>
               <a:t>Telecom</a:t>
             </a:r>
             <a:r>
-              <a:rPr lang="en-US" sz="2800" b="0" spc="-105" dirty="0">
+              <a:rPr lang="en-US" sz="2800" b="0" spc="-105">
                 <a:latin typeface="Arial MT"/>
                 <a:cs typeface="Arial MT"/>
               </a:rPr>
               <a:t> </a:t>
             </a:r>
             <a:r>
-              <a:rPr lang="en-US" sz="2800" b="0" dirty="0">
+              <a:rPr lang="en-US" sz="2800" b="0">
                 <a:latin typeface="Arial MT"/>
                 <a:cs typeface="Arial MT"/>
               </a:rPr>
               <a:t>Churn</a:t>
             </a:r>
             <a:r>
-              <a:rPr lang="en-US" sz="2800" b="0" spc="-105" dirty="0">
+              <a:rPr lang="en-US" sz="2800" b="0" spc="-105">
                 <a:latin typeface="Arial MT"/>
                 <a:cs typeface="Arial MT"/>
               </a:rPr>
               <a:t> </a:t>
             </a:r>
             <a:r>
-              <a:rPr lang="en-US" sz="2800" b="0" dirty="0">
+              <a:rPr lang="en-US" sz="2800" b="0">
                 <a:latin typeface="Arial MT"/>
                 <a:cs typeface="Arial MT"/>
               </a:rPr>
               <a:t>–</a:t>
             </a:r>
             <a:r>
-              <a:rPr lang="en-US" sz="2800" b="0" spc="-135" dirty="0">
+              <a:rPr lang="en-US" sz="2800" b="0" spc="-135">
                 <a:latin typeface="Arial MT"/>
                 <a:cs typeface="Arial MT"/>
               </a:rPr>
               <a:t> </a:t>
             </a:r>
             <a:r>
-              <a:rPr lang="en-US" sz="2800" b="0" spc="-10" dirty="0">
+              <a:rPr lang="en-US" sz="2800" b="0" spc="-10">
                 <a:latin typeface="Arial MT"/>
                 <a:cs typeface="Arial MT"/>
               </a:rPr>
               <a:t>Domain- </a:t>
             </a:r>
             <a:r>
-              <a:rPr lang="en-US" sz="2800" b="0" dirty="0">
+              <a:rPr lang="en-US" sz="2800" b="0">
                 <a:latin typeface="Arial MT"/>
                 <a:cs typeface="Arial MT"/>
               </a:rPr>
               <a:t>Oriented</a:t>
             </a:r>
             <a:r>
-              <a:rPr lang="en-US" sz="2800" b="0" spc="-140" dirty="0">
+              <a:rPr lang="en-US" sz="2800" b="0" spc="-140">
                 <a:latin typeface="Arial MT"/>
                 <a:cs typeface="Arial MT"/>
               </a:rPr>
               <a:t> </a:t>
             </a:r>
             <a:r>
-              <a:rPr lang="en-US" sz="2800" b="0" dirty="0">
+              <a:rPr lang="en-US" sz="2800" b="0">
                 <a:latin typeface="Arial MT"/>
                 <a:cs typeface="Arial MT"/>
               </a:rPr>
               <a:t>Case</a:t>
             </a:r>
             <a:r>
-              <a:rPr lang="en-US" sz="2800" b="0" spc="-180" dirty="0">
+              <a:rPr lang="en-US" sz="2800" b="0" spc="-180">
                 <a:latin typeface="Arial MT"/>
                 <a:cs typeface="Arial MT"/>
               </a:rPr>
               <a:t> </a:t>
             </a:r>
             <a:r>
-              <a:rPr lang="en-US" sz="2800" b="0" spc="-10" dirty="0">
+              <a:rPr lang="en-US" sz="2800" b="0" spc="-10">
                 <a:latin typeface="Arial MT"/>
                 <a:cs typeface="Arial MT"/>
               </a:rPr>
               <a:t>Study</a:t>
             </a:r>
             <a:r>
-              <a:rPr lang="en-US" sz="2800" spc="-10" dirty="0">
+              <a:rPr lang="en-US" sz="2800" spc="-10">
                 <a:latin typeface="Arial MT"/>
                 <a:cs typeface="Arial MT"/>
               </a:rPr>
               <a:t> </a:t>
             </a:r>
             <a:r>
-              <a:rPr lang="en-US" sz="2800" b="0" spc="-10" dirty="0">
+              <a:rPr lang="en-US" sz="2800" b="0" spc="-10">
                 <a:latin typeface="Arial MT"/>
                 <a:cs typeface="Arial MT"/>
               </a:rPr>
@@ -12885,8 +13316,8 @@
         </p:nvSpPr>
         <p:spPr>
           <a:xfrm>
-            <a:off x="685800" y="1572816"/>
-            <a:ext cx="8001000" cy="2149306"/>
+            <a:off x="284560" y="1657350"/>
+            <a:ext cx="7640240" cy="2149306"/>
           </a:xfrm>
           <a:prstGeom prst="rect">
             <a:avLst/>
@@ -13322,19 +13753,8 @@
                 <a:latin typeface="Arial MT"/>
                 <a:cs typeface="Arial"/>
               </a:rPr>
-              <a:t>                                                                                                            Mohan </a:t>
-            </a:r>
-            <a:r>
-              <a:rPr lang="en-US" sz="1400" dirty="0" err="1">
-                <a:latin typeface="Arial MT"/>
-                <a:cs typeface="Arial"/>
-              </a:rPr>
-              <a:t>Tallapragada</a:t>
-            </a:r>
-            <a:endParaRPr lang="en-US" sz="1400" dirty="0">
-              <a:latin typeface="Arial MT"/>
-              <a:cs typeface="Arial"/>
-            </a:endParaRPr>
+              <a:t>                                                                                                            Mohan Tallapragada</a:t>
+            </a:r>
           </a:p>
           <a:p>
             <a:pPr>
@@ -13372,7 +13792,7465 @@
 </p:sld>
 </file>
 
-<file path=ppt/slides/slide10.xml><?xml version="1.0" encoding="utf-8"?>
+<file path=ppt/slides/slide2.xml><?xml version="1.0" encoding="utf-8"?>
+<p:sld xmlns:a="http://schemas.openxmlformats.org/drawingml/2006/main" xmlns:r="http://schemas.openxmlformats.org/officeDocument/2006/relationships" xmlns:p="http://schemas.openxmlformats.org/presentationml/2006/main">
+  <p:cSld>
+    <p:spTree>
+      <p:nvGrpSpPr>
+        <p:cNvPr id="1" name=""/>
+        <p:cNvGrpSpPr/>
+        <p:nvPr/>
+      </p:nvGrpSpPr>
+      <p:grpSpPr>
+        <a:xfrm>
+          <a:off x="0" y="0"/>
+          <a:ext cx="0" cy="0"/>
+          <a:chOff x="0" y="0"/>
+          <a:chExt cx="0" cy="0"/>
+        </a:xfrm>
+      </p:grpSpPr>
+      <p:sp>
+        <p:nvSpPr>
+          <p:cNvPr id="2" name="object 2"/>
+          <p:cNvSpPr txBox="1">
+            <a:spLocks noGrp="1"/>
+          </p:cNvSpPr>
+          <p:nvPr>
+            <p:ph type="title"/>
+          </p:nvPr>
+        </p:nvSpPr>
+        <p:spPr>
+          <a:xfrm>
+            <a:off x="838201" y="801270"/>
+            <a:ext cx="7696200" cy="505267"/>
+          </a:xfrm>
+          <a:prstGeom prst="rect">
+            <a:avLst/>
+          </a:prstGeom>
+        </p:spPr>
+        <p:txBody>
+          <a:bodyPr vert="horz" wrap="square" lIns="0" tIns="12700" rIns="0" bIns="0" rtlCol="0">
+            <a:spAutoFit/>
+          </a:bodyPr>
+          <a:lstStyle/>
+          <a:p>
+            <a:pPr marL="12700" marR="5080" indent="222250">
+              <a:lnSpc>
+                <a:spcPct val="100000"/>
+              </a:lnSpc>
+              <a:spcBef>
+                <a:spcPts val="100"/>
+              </a:spcBef>
+            </a:pPr>
+            <a:r>
+              <a:rPr sz="3200" b="0" spc="-10" dirty="0">
+                <a:solidFill>
+                  <a:srgbClr val="2A3990"/>
+                </a:solidFill>
+                <a:latin typeface="Arial MT"/>
+                <a:cs typeface="Arial MT"/>
+              </a:rPr>
+              <a:t>Problem Statement</a:t>
+            </a:r>
+            <a:endParaRPr sz="3200" dirty="0">
+              <a:latin typeface="Arial MT"/>
+              <a:cs typeface="Arial MT"/>
+            </a:endParaRPr>
+          </a:p>
+        </p:txBody>
+      </p:sp>
+      <p:sp>
+        <p:nvSpPr>
+          <p:cNvPr id="3" name="object 3"/>
+          <p:cNvSpPr txBox="1"/>
+          <p:nvPr/>
+        </p:nvSpPr>
+        <p:spPr>
+          <a:xfrm>
+            <a:off x="914400" y="1504950"/>
+            <a:ext cx="6400800" cy="941412"/>
+          </a:xfrm>
+          <a:prstGeom prst="rect">
+            <a:avLst/>
+          </a:prstGeom>
+        </p:spPr>
+        <p:txBody>
+          <a:bodyPr vert="horz" wrap="square" lIns="0" tIns="12700" rIns="0" bIns="0" rtlCol="0">
+            <a:spAutoFit/>
+          </a:bodyPr>
+          <a:lstStyle/>
+          <a:p>
+            <a:pPr marL="12700" marR="5080">
+              <a:lnSpc>
+                <a:spcPct val="114999"/>
+              </a:lnSpc>
+              <a:spcBef>
+                <a:spcPts val="100"/>
+              </a:spcBef>
+            </a:pPr>
+            <a:r>
+              <a:rPr sz="1800" dirty="0">
+                <a:solidFill>
+                  <a:srgbClr val="FFFFFF"/>
+                </a:solidFill>
+                <a:latin typeface="Arial MT"/>
+                <a:cs typeface="Arial MT"/>
+              </a:rPr>
+              <a:t>Analyze</a:t>
+            </a:r>
+            <a:r>
+              <a:rPr sz="1800" spc="10" dirty="0">
+                <a:solidFill>
+                  <a:srgbClr val="FFFFFF"/>
+                </a:solidFill>
+                <a:latin typeface="Arial MT"/>
+                <a:cs typeface="Arial MT"/>
+              </a:rPr>
+              <a:t> </a:t>
+            </a:r>
+            <a:r>
+              <a:rPr sz="1800" spc="-10" dirty="0">
+                <a:solidFill>
+                  <a:srgbClr val="FFFFFF"/>
+                </a:solidFill>
+                <a:latin typeface="Arial MT"/>
+                <a:cs typeface="Arial MT"/>
+              </a:rPr>
+              <a:t>customer-</a:t>
+            </a:r>
+            <a:r>
+              <a:rPr sz="1800" dirty="0">
+                <a:solidFill>
+                  <a:srgbClr val="FFFFFF"/>
+                </a:solidFill>
+                <a:latin typeface="Arial MT"/>
+                <a:cs typeface="Arial MT"/>
+              </a:rPr>
+              <a:t>level data</a:t>
+            </a:r>
+            <a:r>
+              <a:rPr sz="1800" spc="-15" dirty="0">
+                <a:solidFill>
+                  <a:srgbClr val="FFFFFF"/>
+                </a:solidFill>
+                <a:latin typeface="Arial MT"/>
+                <a:cs typeface="Arial MT"/>
+              </a:rPr>
+              <a:t> </a:t>
+            </a:r>
+            <a:r>
+              <a:rPr sz="1800" dirty="0">
+                <a:solidFill>
+                  <a:srgbClr val="FFFFFF"/>
+                </a:solidFill>
+                <a:latin typeface="Arial MT"/>
+                <a:cs typeface="Arial MT"/>
+              </a:rPr>
+              <a:t>of</a:t>
+            </a:r>
+            <a:r>
+              <a:rPr sz="1800" spc="-20" dirty="0">
+                <a:solidFill>
+                  <a:srgbClr val="FFFFFF"/>
+                </a:solidFill>
+                <a:latin typeface="Arial MT"/>
+                <a:cs typeface="Arial MT"/>
+              </a:rPr>
+              <a:t> </a:t>
+            </a:r>
+            <a:r>
+              <a:rPr sz="1800" dirty="0">
+                <a:solidFill>
+                  <a:srgbClr val="FFFFFF"/>
+                </a:solidFill>
+                <a:latin typeface="Arial MT"/>
+                <a:cs typeface="Arial MT"/>
+              </a:rPr>
+              <a:t>a</a:t>
+            </a:r>
+            <a:r>
+              <a:rPr sz="1800" spc="-15" dirty="0">
+                <a:solidFill>
+                  <a:srgbClr val="FFFFFF"/>
+                </a:solidFill>
+                <a:latin typeface="Arial MT"/>
+                <a:cs typeface="Arial MT"/>
+              </a:rPr>
+              <a:t> </a:t>
+            </a:r>
+            <a:r>
+              <a:rPr sz="1800" spc="-10" dirty="0">
+                <a:solidFill>
+                  <a:srgbClr val="FFFFFF"/>
+                </a:solidFill>
+                <a:latin typeface="Arial MT"/>
+                <a:cs typeface="Arial MT"/>
+              </a:rPr>
+              <a:t>leading </a:t>
+            </a:r>
+            <a:r>
+              <a:rPr sz="1800" dirty="0">
+                <a:solidFill>
+                  <a:srgbClr val="FFFFFF"/>
+                </a:solidFill>
+                <a:latin typeface="Arial MT"/>
+                <a:cs typeface="Arial MT"/>
+              </a:rPr>
+              <a:t>telecom</a:t>
+            </a:r>
+            <a:r>
+              <a:rPr sz="1800" spc="-45" dirty="0">
+                <a:solidFill>
+                  <a:srgbClr val="FFFFFF"/>
+                </a:solidFill>
+                <a:latin typeface="Arial MT"/>
+                <a:cs typeface="Arial MT"/>
+              </a:rPr>
+              <a:t> </a:t>
+            </a:r>
+            <a:r>
+              <a:rPr sz="1800" dirty="0">
+                <a:solidFill>
+                  <a:srgbClr val="FFFFFF"/>
+                </a:solidFill>
+                <a:latin typeface="Arial MT"/>
+                <a:cs typeface="Arial MT"/>
+              </a:rPr>
+              <a:t>firm,</a:t>
+            </a:r>
+            <a:r>
+              <a:rPr sz="1800" spc="-35" dirty="0">
+                <a:solidFill>
+                  <a:srgbClr val="FFFFFF"/>
+                </a:solidFill>
+                <a:latin typeface="Arial MT"/>
+                <a:cs typeface="Arial MT"/>
+              </a:rPr>
+              <a:t> </a:t>
+            </a:r>
+            <a:r>
+              <a:rPr sz="1800" dirty="0">
+                <a:solidFill>
+                  <a:srgbClr val="FFFFFF"/>
+                </a:solidFill>
+                <a:latin typeface="Arial MT"/>
+                <a:cs typeface="Arial MT"/>
+              </a:rPr>
+              <a:t>build</a:t>
+            </a:r>
+            <a:r>
+              <a:rPr sz="1800" spc="-30" dirty="0">
+                <a:solidFill>
+                  <a:srgbClr val="FFFFFF"/>
+                </a:solidFill>
+                <a:latin typeface="Arial MT"/>
+                <a:cs typeface="Arial MT"/>
+              </a:rPr>
+              <a:t> </a:t>
+            </a:r>
+            <a:r>
+              <a:rPr sz="1800" dirty="0">
+                <a:solidFill>
+                  <a:srgbClr val="FFFFFF"/>
+                </a:solidFill>
+                <a:latin typeface="Arial MT"/>
+                <a:cs typeface="Arial MT"/>
+              </a:rPr>
+              <a:t>predictive</a:t>
+            </a:r>
+            <a:r>
+              <a:rPr sz="1800" spc="-15" dirty="0">
+                <a:solidFill>
+                  <a:srgbClr val="FFFFFF"/>
+                </a:solidFill>
+                <a:latin typeface="Arial MT"/>
+                <a:cs typeface="Arial MT"/>
+              </a:rPr>
+              <a:t> </a:t>
+            </a:r>
+            <a:r>
+              <a:rPr sz="1800" dirty="0">
+                <a:solidFill>
+                  <a:srgbClr val="FFFFFF"/>
+                </a:solidFill>
+                <a:latin typeface="Arial MT"/>
+                <a:cs typeface="Arial MT"/>
+              </a:rPr>
+              <a:t>models</a:t>
+            </a:r>
+            <a:r>
+              <a:rPr sz="1800" spc="-25" dirty="0">
+                <a:solidFill>
+                  <a:srgbClr val="FFFFFF"/>
+                </a:solidFill>
+                <a:latin typeface="Arial MT"/>
+                <a:cs typeface="Arial MT"/>
+              </a:rPr>
+              <a:t> to </a:t>
+            </a:r>
+            <a:r>
+              <a:rPr sz="1800" dirty="0">
+                <a:solidFill>
+                  <a:srgbClr val="FFFFFF"/>
+                </a:solidFill>
+                <a:latin typeface="Arial MT"/>
+                <a:cs typeface="Arial MT"/>
+              </a:rPr>
+              <a:t>identify</a:t>
+            </a:r>
+            <a:r>
+              <a:rPr sz="1800" spc="-15" dirty="0">
+                <a:solidFill>
+                  <a:srgbClr val="FFFFFF"/>
+                </a:solidFill>
+                <a:latin typeface="Arial MT"/>
+                <a:cs typeface="Arial MT"/>
+              </a:rPr>
+              <a:t> </a:t>
+            </a:r>
+            <a:r>
+              <a:rPr sz="1800" dirty="0">
+                <a:solidFill>
+                  <a:srgbClr val="FFFFFF"/>
+                </a:solidFill>
+                <a:latin typeface="Arial MT"/>
+                <a:cs typeface="Arial MT"/>
+              </a:rPr>
+              <a:t>customers</a:t>
+            </a:r>
+            <a:r>
+              <a:rPr sz="1800" spc="-25" dirty="0">
+                <a:solidFill>
+                  <a:srgbClr val="FFFFFF"/>
+                </a:solidFill>
+                <a:latin typeface="Arial MT"/>
+                <a:cs typeface="Arial MT"/>
+              </a:rPr>
+              <a:t> </a:t>
+            </a:r>
+            <a:r>
+              <a:rPr sz="1800" dirty="0">
+                <a:solidFill>
+                  <a:srgbClr val="FFFFFF"/>
+                </a:solidFill>
+                <a:latin typeface="Arial MT"/>
+                <a:cs typeface="Arial MT"/>
+              </a:rPr>
+              <a:t>at</a:t>
+            </a:r>
+            <a:r>
+              <a:rPr sz="1800" spc="-25" dirty="0">
+                <a:solidFill>
+                  <a:srgbClr val="FFFFFF"/>
+                </a:solidFill>
+                <a:latin typeface="Arial MT"/>
+                <a:cs typeface="Arial MT"/>
+              </a:rPr>
+              <a:t> </a:t>
+            </a:r>
+            <a:r>
+              <a:rPr sz="1800" dirty="0">
+                <a:solidFill>
+                  <a:srgbClr val="FFFFFF"/>
+                </a:solidFill>
+                <a:latin typeface="Arial MT"/>
+                <a:cs typeface="Arial MT"/>
+              </a:rPr>
+              <a:t>high</a:t>
+            </a:r>
+            <a:r>
+              <a:rPr sz="1800" spc="-20" dirty="0">
+                <a:solidFill>
+                  <a:srgbClr val="FFFFFF"/>
+                </a:solidFill>
+                <a:latin typeface="Arial MT"/>
+                <a:cs typeface="Arial MT"/>
+              </a:rPr>
+              <a:t> </a:t>
+            </a:r>
+            <a:r>
+              <a:rPr sz="1800" dirty="0">
+                <a:solidFill>
+                  <a:srgbClr val="FFFFFF"/>
+                </a:solidFill>
+                <a:latin typeface="Arial MT"/>
+                <a:cs typeface="Arial MT"/>
+              </a:rPr>
+              <a:t>risk</a:t>
+            </a:r>
+            <a:r>
+              <a:rPr sz="1800" spc="-25" dirty="0">
+                <a:solidFill>
+                  <a:srgbClr val="FFFFFF"/>
+                </a:solidFill>
+                <a:latin typeface="Arial MT"/>
+                <a:cs typeface="Arial MT"/>
+              </a:rPr>
+              <a:t> </a:t>
+            </a:r>
+            <a:r>
+              <a:rPr sz="1800" dirty="0">
+                <a:solidFill>
+                  <a:srgbClr val="FFFFFF"/>
+                </a:solidFill>
+                <a:latin typeface="Arial MT"/>
+                <a:cs typeface="Arial MT"/>
+              </a:rPr>
+              <a:t>of</a:t>
+            </a:r>
+            <a:r>
+              <a:rPr sz="1800" spc="-35" dirty="0">
+                <a:solidFill>
+                  <a:srgbClr val="FFFFFF"/>
+                </a:solidFill>
+                <a:latin typeface="Arial MT"/>
+                <a:cs typeface="Arial MT"/>
+              </a:rPr>
+              <a:t> </a:t>
+            </a:r>
+            <a:r>
+              <a:rPr sz="1800" spc="-10" dirty="0">
+                <a:solidFill>
+                  <a:srgbClr val="FFFFFF"/>
+                </a:solidFill>
+                <a:latin typeface="Arial MT"/>
+                <a:cs typeface="Arial MT"/>
+              </a:rPr>
+              <a:t>churn, </a:t>
+            </a:r>
+            <a:r>
+              <a:rPr sz="1800" dirty="0">
+                <a:solidFill>
+                  <a:srgbClr val="FFFFFF"/>
+                </a:solidFill>
+                <a:latin typeface="Arial MT"/>
+                <a:cs typeface="Arial MT"/>
+              </a:rPr>
+              <a:t>and</a:t>
+            </a:r>
+            <a:r>
+              <a:rPr sz="1800" spc="-35" dirty="0">
+                <a:solidFill>
+                  <a:srgbClr val="FFFFFF"/>
+                </a:solidFill>
+                <a:latin typeface="Arial MT"/>
+                <a:cs typeface="Arial MT"/>
+              </a:rPr>
+              <a:t> </a:t>
+            </a:r>
+            <a:r>
+              <a:rPr sz="1800" dirty="0">
+                <a:solidFill>
+                  <a:srgbClr val="FFFFFF"/>
+                </a:solidFill>
+                <a:latin typeface="Arial MT"/>
+                <a:cs typeface="Arial MT"/>
+              </a:rPr>
+              <a:t>identify</a:t>
+            </a:r>
+            <a:r>
+              <a:rPr sz="1800" spc="-25" dirty="0">
+                <a:solidFill>
+                  <a:srgbClr val="FFFFFF"/>
+                </a:solidFill>
+                <a:latin typeface="Arial MT"/>
+                <a:cs typeface="Arial MT"/>
+              </a:rPr>
+              <a:t> </a:t>
+            </a:r>
+            <a:r>
+              <a:rPr sz="1800" dirty="0">
+                <a:solidFill>
+                  <a:srgbClr val="FFFFFF"/>
+                </a:solidFill>
+                <a:latin typeface="Arial MT"/>
+                <a:cs typeface="Arial MT"/>
+              </a:rPr>
+              <a:t>the</a:t>
+            </a:r>
+            <a:r>
+              <a:rPr sz="1800" spc="-35" dirty="0">
+                <a:solidFill>
+                  <a:srgbClr val="FFFFFF"/>
+                </a:solidFill>
+                <a:latin typeface="Arial MT"/>
+                <a:cs typeface="Arial MT"/>
+              </a:rPr>
+              <a:t> </a:t>
+            </a:r>
+            <a:r>
+              <a:rPr sz="1800" dirty="0">
+                <a:solidFill>
+                  <a:srgbClr val="FFFFFF"/>
+                </a:solidFill>
+                <a:latin typeface="Arial MT"/>
+                <a:cs typeface="Arial MT"/>
+              </a:rPr>
+              <a:t>main</a:t>
+            </a:r>
+            <a:r>
+              <a:rPr sz="1800" spc="-20" dirty="0">
+                <a:solidFill>
+                  <a:srgbClr val="FFFFFF"/>
+                </a:solidFill>
+                <a:latin typeface="Arial MT"/>
+                <a:cs typeface="Arial MT"/>
+              </a:rPr>
+              <a:t> </a:t>
+            </a:r>
+            <a:r>
+              <a:rPr sz="1800" dirty="0">
+                <a:solidFill>
+                  <a:srgbClr val="FFFFFF"/>
+                </a:solidFill>
+                <a:latin typeface="Arial MT"/>
+                <a:cs typeface="Arial MT"/>
+              </a:rPr>
+              <a:t>indicators</a:t>
+            </a:r>
+            <a:r>
+              <a:rPr sz="1800" spc="-15" dirty="0">
+                <a:solidFill>
+                  <a:srgbClr val="FFFFFF"/>
+                </a:solidFill>
+                <a:latin typeface="Arial MT"/>
+                <a:cs typeface="Arial MT"/>
+              </a:rPr>
+              <a:t> </a:t>
+            </a:r>
+            <a:r>
+              <a:rPr sz="1800" dirty="0">
+                <a:solidFill>
+                  <a:srgbClr val="FFFFFF"/>
+                </a:solidFill>
+                <a:latin typeface="Arial MT"/>
+                <a:cs typeface="Arial MT"/>
+              </a:rPr>
+              <a:t>of</a:t>
+            </a:r>
+            <a:r>
+              <a:rPr sz="1800" spc="-25" dirty="0">
+                <a:solidFill>
+                  <a:srgbClr val="FFFFFF"/>
+                </a:solidFill>
+                <a:latin typeface="Arial MT"/>
+                <a:cs typeface="Arial MT"/>
+              </a:rPr>
+              <a:t> </a:t>
+            </a:r>
+            <a:r>
+              <a:rPr sz="1800" spc="-10" dirty="0">
+                <a:solidFill>
+                  <a:srgbClr val="FFFFFF"/>
+                </a:solidFill>
+                <a:latin typeface="Arial MT"/>
+                <a:cs typeface="Arial MT"/>
+              </a:rPr>
+              <a:t>churn.</a:t>
+            </a:r>
+            <a:endParaRPr sz="1800" dirty="0">
+              <a:latin typeface="Arial MT"/>
+              <a:cs typeface="Arial MT"/>
+            </a:endParaRPr>
+          </a:p>
+        </p:txBody>
+      </p:sp>
+    </p:spTree>
+  </p:cSld>
+  <p:clrMapOvr>
+    <a:masterClrMapping/>
+  </p:clrMapOvr>
+</p:sld>
+</file>
+
+<file path=ppt/slides/slide3.xml><?xml version="1.0" encoding="utf-8"?>
+<p:sld xmlns:a="http://schemas.openxmlformats.org/drawingml/2006/main" xmlns:r="http://schemas.openxmlformats.org/officeDocument/2006/relationships" xmlns:p="http://schemas.openxmlformats.org/presentationml/2006/main">
+  <p:cSld>
+    <p:spTree>
+      <p:nvGrpSpPr>
+        <p:cNvPr id="1" name=""/>
+        <p:cNvGrpSpPr/>
+        <p:nvPr/>
+      </p:nvGrpSpPr>
+      <p:grpSpPr>
+        <a:xfrm>
+          <a:off x="0" y="0"/>
+          <a:ext cx="0" cy="0"/>
+          <a:chOff x="0" y="0"/>
+          <a:chExt cx="0" cy="0"/>
+        </a:xfrm>
+      </p:grpSpPr>
+      <p:sp>
+        <p:nvSpPr>
+          <p:cNvPr id="4" name="TextBox 3">
+            <a:extLst>
+              <a:ext uri="{FF2B5EF4-FFF2-40B4-BE49-F238E27FC236}">
+                <a16:creationId xmlns:a16="http://schemas.microsoft.com/office/drawing/2014/main" id="{14045BC8-99DB-BF7F-3BD2-714F8DDF17C1}"/>
+              </a:ext>
+            </a:extLst>
+          </p:cNvPr>
+          <p:cNvSpPr txBox="1"/>
+          <p:nvPr/>
+        </p:nvSpPr>
+        <p:spPr>
+          <a:xfrm>
+            <a:off x="304801" y="586591"/>
+            <a:ext cx="8839199" cy="3970318"/>
+          </a:xfrm>
+          <a:prstGeom prst="rect">
+            <a:avLst/>
+          </a:prstGeom>
+          <a:noFill/>
+        </p:spPr>
+        <p:txBody>
+          <a:bodyPr wrap="square">
+            <a:spAutoFit/>
+          </a:bodyPr>
+          <a:lstStyle/>
+          <a:p>
+            <a:pPr marL="0" indent="0" algn="just">
+              <a:buFont typeface="Arial" panose="020B0604020202020204" pitchFamily="34" charset="0"/>
+              <a:buNone/>
+            </a:pPr>
+            <a:endParaRPr lang="en-US" sz="1400" b="1" dirty="0"/>
+          </a:p>
+          <a:p>
+            <a:pPr marL="0" indent="0" algn="just">
+              <a:buFont typeface="Arial" panose="020B0604020202020204" pitchFamily="34" charset="0"/>
+              <a:buNone/>
+            </a:pPr>
+            <a:endParaRPr lang="en-US" sz="1400" b="1" dirty="0"/>
+          </a:p>
+          <a:p>
+            <a:pPr marL="0" indent="0" algn="just">
+              <a:buFont typeface="Arial" panose="020B0604020202020204" pitchFamily="34" charset="0"/>
+              <a:buNone/>
+            </a:pPr>
+            <a:r>
+              <a:rPr lang="en-US" sz="1400" b="1" dirty="0"/>
+              <a:t>Technical Aspects</a:t>
+            </a:r>
+          </a:p>
+          <a:p>
+            <a:pPr algn="l">
+              <a:buFont typeface="Arial" panose="020B0604020202020204" pitchFamily="34" charset="0"/>
+              <a:buChar char="•"/>
+            </a:pPr>
+            <a:r>
+              <a:rPr lang="en-IN" sz="1400" b="0" i="0" u="none" strike="noStrike" dirty="0">
+                <a:effectLst/>
+                <a:latin typeface="Söhne"/>
+              </a:rPr>
+              <a:t>Data pre-processing techniques such as handling missing values, feature scaling, and feature engineering</a:t>
+            </a:r>
+          </a:p>
+          <a:p>
+            <a:pPr algn="l">
+              <a:buFont typeface="Arial" panose="020B0604020202020204" pitchFamily="34" charset="0"/>
+              <a:buChar char="•"/>
+            </a:pPr>
+            <a:r>
+              <a:rPr lang="en-IN" sz="1400" b="0" i="0" u="none" strike="noStrike" dirty="0">
+                <a:effectLst/>
+                <a:latin typeface="Söhne"/>
+              </a:rPr>
+              <a:t>Exploratory data analysis to understand the distribution of various features and their impact on the target variable</a:t>
+            </a:r>
+          </a:p>
+          <a:p>
+            <a:pPr algn="l">
+              <a:buFont typeface="Arial" panose="020B0604020202020204" pitchFamily="34" charset="0"/>
+              <a:buChar char="•"/>
+            </a:pPr>
+            <a:r>
+              <a:rPr lang="en-IN" sz="1400" b="0" i="0" u="none" strike="noStrike" dirty="0">
+                <a:effectLst/>
+                <a:latin typeface="Söhne"/>
+              </a:rPr>
+              <a:t>Building and fine-tuning various classification models to predict churn</a:t>
+            </a:r>
+          </a:p>
+          <a:p>
+            <a:pPr algn="l">
+              <a:buFont typeface="Arial" panose="020B0604020202020204" pitchFamily="34" charset="0"/>
+              <a:buChar char="•"/>
+            </a:pPr>
+            <a:r>
+              <a:rPr lang="en-IN" sz="1400" b="0" i="0" u="none" strike="noStrike" dirty="0">
+                <a:effectLst/>
+                <a:latin typeface="Söhne"/>
+              </a:rPr>
+              <a:t>Evaluating model performance using various metrics such as accuracy, precision, recall, and AUC</a:t>
+            </a:r>
+          </a:p>
+          <a:p>
+            <a:pPr algn="l">
+              <a:buFont typeface="Arial" panose="020B0604020202020204" pitchFamily="34" charset="0"/>
+              <a:buChar char="•"/>
+            </a:pPr>
+            <a:r>
+              <a:rPr lang="en-IN" sz="1400" b="0" i="0" u="none" strike="noStrike" dirty="0">
+                <a:effectLst/>
+                <a:latin typeface="Söhne"/>
+              </a:rPr>
+              <a:t>Dealing with imbalanced classes using techniques such as oversampling, under sampling, and SMOTE</a:t>
+            </a:r>
+          </a:p>
+          <a:p>
+            <a:pPr algn="l">
+              <a:buFont typeface="Arial" panose="020B0604020202020204" pitchFamily="34" charset="0"/>
+              <a:buChar char="•"/>
+            </a:pPr>
+            <a:endParaRPr lang="en-IN" sz="1400" dirty="0">
+              <a:latin typeface="Söhne"/>
+            </a:endParaRPr>
+          </a:p>
+          <a:p>
+            <a:pPr algn="l">
+              <a:buFont typeface="Arial" panose="020B0604020202020204" pitchFamily="34" charset="0"/>
+              <a:buChar char="•"/>
+            </a:pPr>
+            <a:endParaRPr lang="en-IN" sz="1400" b="0" i="0" u="none" strike="noStrike" dirty="0">
+              <a:effectLst/>
+              <a:latin typeface="Söhne"/>
+            </a:endParaRPr>
+          </a:p>
+          <a:p>
+            <a:pPr algn="l">
+              <a:buFont typeface="Arial" panose="020B0604020202020204" pitchFamily="34" charset="0"/>
+              <a:buChar char="•"/>
+            </a:pPr>
+            <a:endParaRPr lang="en-IN" sz="1400" b="0" i="0" u="none" strike="noStrike" dirty="0">
+              <a:effectLst/>
+              <a:latin typeface="Söhne"/>
+            </a:endParaRPr>
+          </a:p>
+          <a:p>
+            <a:pPr marL="0" indent="0" algn="just">
+              <a:buFont typeface="Arial" panose="020B0604020202020204" pitchFamily="34" charset="0"/>
+              <a:buNone/>
+            </a:pPr>
+            <a:r>
+              <a:rPr lang="en-US" sz="1400" b="1" dirty="0"/>
+              <a:t>II. Business Aspects</a:t>
+            </a:r>
+          </a:p>
+          <a:p>
+            <a:pPr>
+              <a:buFont typeface="Arial" panose="020B0604020202020204" pitchFamily="34" charset="0"/>
+              <a:buChar char="•"/>
+            </a:pPr>
+            <a:r>
+              <a:rPr lang="en-US" sz="1400" dirty="0"/>
+              <a:t> </a:t>
+            </a:r>
+            <a:r>
+              <a:rPr lang="en-IN" sz="1400" b="0" i="0" u="none" strike="noStrike" dirty="0">
+                <a:effectLst/>
+                <a:latin typeface="Söhne"/>
+              </a:rPr>
+              <a:t>Understanding the key f</a:t>
+            </a:r>
+            <a:r>
+              <a:rPr lang="en-IN" sz="1400" dirty="0">
+                <a:latin typeface="Söhne"/>
+              </a:rPr>
+              <a:t>actors Identifying the most profitable customer segments</a:t>
+            </a:r>
+          </a:p>
+          <a:p>
+            <a:pPr algn="l">
+              <a:buFont typeface="Arial" panose="020B0604020202020204" pitchFamily="34" charset="0"/>
+              <a:buChar char="•"/>
+            </a:pPr>
+            <a:r>
+              <a:rPr lang="en-IN" sz="1400" dirty="0">
+                <a:latin typeface="Söhne"/>
+              </a:rPr>
+              <a:t>Fa</a:t>
+            </a:r>
+            <a:r>
+              <a:rPr lang="en-IN" sz="1400" b="0" i="0" u="none" strike="noStrike" dirty="0">
+                <a:effectLst/>
+                <a:latin typeface="Söhne"/>
+              </a:rPr>
+              <a:t>ctors that contribute to customer churn</a:t>
+            </a:r>
+          </a:p>
+          <a:p>
+            <a:pPr algn="l">
+              <a:buFont typeface="Arial" panose="020B0604020202020204" pitchFamily="34" charset="0"/>
+              <a:buChar char="•"/>
+            </a:pPr>
+            <a:r>
+              <a:rPr lang="en-IN" sz="1400" b="0" i="0" u="none" strike="noStrike" dirty="0">
+                <a:effectLst/>
+                <a:latin typeface="Söhne"/>
+              </a:rPr>
+              <a:t>Analysing the impact of various marketing and promotional campaigns on customer churn</a:t>
+            </a:r>
+          </a:p>
+          <a:p>
+            <a:pPr algn="l">
+              <a:buFont typeface="Arial" panose="020B0604020202020204" pitchFamily="34" charset="0"/>
+              <a:buChar char="•"/>
+            </a:pPr>
+            <a:r>
+              <a:rPr lang="en-IN" sz="1400" b="0" i="0" u="none" strike="noStrike" dirty="0">
+                <a:effectLst/>
+                <a:latin typeface="Söhne"/>
+              </a:rPr>
+              <a:t>Developing customer loyalty programs to retain customers</a:t>
+            </a:r>
+          </a:p>
+          <a:p>
+            <a:pPr algn="l">
+              <a:buFont typeface="Arial" panose="020B0604020202020204" pitchFamily="34" charset="0"/>
+              <a:buChar char="•"/>
+            </a:pPr>
+            <a:r>
+              <a:rPr lang="en-IN" sz="1400" b="0" i="0" u="none" strike="noStrike" dirty="0">
+                <a:effectLst/>
+                <a:latin typeface="Söhne"/>
+              </a:rPr>
+              <a:t>Identifying areas of improvement in customer service and support to increase customer satisfaction and reduce churn</a:t>
+            </a:r>
+          </a:p>
+          <a:p>
+            <a:pPr algn="l">
+              <a:buFont typeface="Arial" panose="020B0604020202020204" pitchFamily="34" charset="0"/>
+              <a:buChar char="•"/>
+            </a:pPr>
+            <a:r>
+              <a:rPr lang="en-IN" sz="1400" b="0" i="0" u="none" strike="noStrike" dirty="0">
+                <a:effectLst/>
+                <a:latin typeface="Söhne"/>
+              </a:rPr>
+              <a:t>Understanding the competitive landscape and devising strategies to stay ahead of competitors</a:t>
+            </a:r>
+          </a:p>
+        </p:txBody>
+      </p:sp>
+      <p:sp>
+        <p:nvSpPr>
+          <p:cNvPr id="2" name="object 2">
+            <a:extLst>
+              <a:ext uri="{FF2B5EF4-FFF2-40B4-BE49-F238E27FC236}">
+                <a16:creationId xmlns:a16="http://schemas.microsoft.com/office/drawing/2014/main" id="{613D346F-CC87-128B-ABDE-3107408CE6F9}"/>
+              </a:ext>
+            </a:extLst>
+          </p:cNvPr>
+          <p:cNvSpPr txBox="1">
+            <a:spLocks noGrp="1"/>
+          </p:cNvSpPr>
+          <p:nvPr>
+            <p:ph type="title"/>
+          </p:nvPr>
+        </p:nvSpPr>
+        <p:spPr>
+          <a:xfrm>
+            <a:off x="533400" y="207848"/>
+            <a:ext cx="7696200" cy="505267"/>
+          </a:xfrm>
+          <a:prstGeom prst="rect">
+            <a:avLst/>
+          </a:prstGeom>
+        </p:spPr>
+        <p:txBody>
+          <a:bodyPr vert="horz" wrap="square" lIns="0" tIns="12700" rIns="0" bIns="0" rtlCol="0">
+            <a:spAutoFit/>
+          </a:bodyPr>
+          <a:lstStyle/>
+          <a:p>
+            <a:pPr marL="12700" marR="5080" indent="222250">
+              <a:lnSpc>
+                <a:spcPct val="100000"/>
+              </a:lnSpc>
+              <a:spcBef>
+                <a:spcPts val="100"/>
+              </a:spcBef>
+            </a:pPr>
+            <a:r>
+              <a:rPr lang="en-US" sz="3200" b="0" spc="-10" dirty="0">
+                <a:solidFill>
+                  <a:srgbClr val="2A3990"/>
+                </a:solidFill>
+                <a:latin typeface="Arial MT"/>
+                <a:cs typeface="Arial MT"/>
+              </a:rPr>
+              <a:t>Approach</a:t>
+            </a:r>
+            <a:endParaRPr sz="3200" dirty="0">
+              <a:latin typeface="Arial MT"/>
+              <a:cs typeface="Arial MT"/>
+            </a:endParaRPr>
+          </a:p>
+        </p:txBody>
+      </p:sp>
+    </p:spTree>
+    <p:extLst>
+      <p:ext uri="{BB962C8B-B14F-4D97-AF65-F5344CB8AC3E}">
+        <p14:creationId xmlns:p14="http://schemas.microsoft.com/office/powerpoint/2010/main" val="2032856551"/>
+      </p:ext>
+    </p:extLst>
+  </p:cSld>
+  <p:clrMapOvr>
+    <a:masterClrMapping/>
+  </p:clrMapOvr>
+</p:sld>
+</file>
+
+<file path=ppt/slides/slide4.xml><?xml version="1.0" encoding="utf-8"?>
+<p:sld xmlns:a="http://schemas.openxmlformats.org/drawingml/2006/main" xmlns:r="http://schemas.openxmlformats.org/officeDocument/2006/relationships" xmlns:p="http://schemas.openxmlformats.org/presentationml/2006/main">
+  <p:cSld>
+    <p:bg>
+      <p:bgPr>
+        <a:blipFill>
+          <a:blip r:embed="rId2">
+            <a:duotone>
+              <a:schemeClr val="bg2">
+                <a:shade val="88000"/>
+                <a:hueMod val="106000"/>
+                <a:satMod val="140000"/>
+                <a:lumMod val="54000"/>
+              </a:schemeClr>
+              <a:schemeClr val="bg2">
+                <a:tint val="98000"/>
+                <a:hueMod val="90000"/>
+                <a:satMod val="150000"/>
+                <a:lumMod val="160000"/>
+              </a:schemeClr>
+            </a:duotone>
+          </a:blip>
+          <a:stretch/>
+        </a:blipFill>
+        <a:effectLst/>
+      </p:bgPr>
+    </p:bg>
+    <p:spTree>
+      <p:nvGrpSpPr>
+        <p:cNvPr id="1" name=""/>
+        <p:cNvGrpSpPr/>
+        <p:nvPr/>
+      </p:nvGrpSpPr>
+      <p:grpSpPr>
+        <a:xfrm>
+          <a:off x="0" y="0"/>
+          <a:ext cx="0" cy="0"/>
+          <a:chOff x="0" y="0"/>
+          <a:chExt cx="0" cy="0"/>
+        </a:xfrm>
+      </p:grpSpPr>
+      <p:pic>
+        <p:nvPicPr>
+          <p:cNvPr id="220" name="Picture 2">
+            <a:extLst>
+              <a:ext uri="{FF2B5EF4-FFF2-40B4-BE49-F238E27FC236}">
+                <a16:creationId xmlns:a16="http://schemas.microsoft.com/office/drawing/2014/main" id="{5BD33659-8797-414B-BBDC-24F942329570}"/>
+              </a:ext>
+              <a:ext uri="{C183D7F6-B498-43B3-948B-1728B52AA6E4}">
+                <adec:decorative xmlns:adec="http://schemas.microsoft.com/office/drawing/2017/decorative" val="1"/>
+              </a:ext>
+            </a:extLst>
+          </p:cNvPr>
+          <p:cNvPicPr>
+            <a:picLocks noGrp="1" noRot="1" noChangeAspect="1" noMove="1" noResize="1" noEditPoints="1" noAdjustHandles="1" noChangeArrowheads="1" noChangeShapeType="1" noCrop="1"/>
+          </p:cNvPicPr>
+          <p:nvPr>
+            <p:extLst>
+              <p:ext uri="{386F3935-93C4-4BCD-93E2-E3B085C9AB24}">
+                <p16:designElem xmlns:p16="http://schemas.microsoft.com/office/powerpoint/2015/main" val="1"/>
+              </p:ext>
+            </p:extLst>
+          </p:nvPr>
+        </p:nvPicPr>
+        <p:blipFill>
+          <a:blip r:embed="rId3">
+            <a:alphaModFix amt="30000"/>
+            <a:extLst>
+              <a:ext uri="{28A0092B-C50C-407E-A947-70E740481C1C}">
+                <a14:useLocalDpi xmlns:a14="http://schemas.microsoft.com/office/drawing/2010/main" val="0"/>
+              </a:ext>
+            </a:extLst>
+          </a:blip>
+          <a:srcRect/>
+          <a:stretch>
+            <a:fillRect/>
+          </a:stretch>
+        </p:blipFill>
+        <p:spPr bwMode="auto">
+          <a:xfrm>
+            <a:off x="0" y="0"/>
+            <a:ext cx="9144002" cy="5143500"/>
+          </a:xfrm>
+          <a:prstGeom prst="rect">
+            <a:avLst/>
+          </a:prstGeom>
+          <a:noFill/>
+          <a:extLst>
+            <a:ext uri="{909E8E84-426E-40dd-AFC4-6F175D3DCCD1}">
+              <a14:hiddenFill xmlns="" xmlns:a16="http://schemas.microsoft.com/office/drawing/2014/main" xmlns:p14="http://schemas.microsoft.com/office/powerpoint/2010/main" xmlns:a14="http://schemas.microsoft.com/office/drawing/2010/main">
+                <a:solidFill>
+                  <a:srgbClr val="FFFFFF"/>
+                </a:solidFill>
+              </a14:hiddenFill>
+            </a:ext>
+          </a:extLst>
+        </p:spPr>
+      </p:pic>
+      <p:grpSp>
+        <p:nvGrpSpPr>
+          <p:cNvPr id="222" name="Group 221">
+            <a:extLst>
+              <a:ext uri="{FF2B5EF4-FFF2-40B4-BE49-F238E27FC236}">
+                <a16:creationId xmlns:a16="http://schemas.microsoft.com/office/drawing/2014/main" id="{F810FE48-5F0C-4E97-BD7F-FDE128D85371}"/>
+              </a:ext>
+              <a:ext uri="{C183D7F6-B498-43B3-948B-1728B52AA6E4}">
+                <adec:decorative xmlns:adec="http://schemas.microsoft.com/office/drawing/2017/decorative" val="1"/>
+              </a:ext>
+            </a:extLst>
+          </p:cNvPr>
+          <p:cNvGrpSpPr>
+            <a:grpSpLocks noGrp="1" noUngrp="1" noRot="1" noChangeAspect="1" noMove="1" noResize="1"/>
+          </p:cNvGrpSpPr>
+          <p:nvPr>
+            <p:extLst>
+              <p:ext uri="{386F3935-93C4-4BCD-93E2-E3B085C9AB24}">
+                <p16:designElem xmlns:p16="http://schemas.microsoft.com/office/powerpoint/2015/main" val="1"/>
+              </p:ext>
+            </p:extLst>
+          </p:nvPr>
+        </p:nvGrpSpPr>
+        <p:grpSpPr>
+          <a:xfrm>
+            <a:off x="-1" y="0"/>
+            <a:ext cx="1728807" cy="5143499"/>
+            <a:chOff x="0" y="0"/>
+            <a:chExt cx="2305051" cy="6858001"/>
+          </a:xfrm>
+          <a:gradFill flip="none" rotWithShape="1">
+            <a:gsLst>
+              <a:gs pos="0">
+                <a:schemeClr val="tx2"/>
+              </a:gs>
+              <a:gs pos="100000">
+                <a:schemeClr val="bg2">
+                  <a:lumMod val="60000"/>
+                  <a:lumOff val="40000"/>
+                </a:schemeClr>
+              </a:gs>
+            </a:gsLst>
+            <a:lin ang="5400000" scaled="0"/>
+            <a:tileRect/>
+          </a:gradFill>
+        </p:grpSpPr>
+        <p:sp>
+          <p:nvSpPr>
+            <p:cNvPr id="223" name="Rectangle 5">
+              <a:extLst>
+                <a:ext uri="{FF2B5EF4-FFF2-40B4-BE49-F238E27FC236}">
+                  <a16:creationId xmlns:a16="http://schemas.microsoft.com/office/drawing/2014/main" id="{9E9C04BA-ABF7-4D41-9977-2AC221BD441A}"/>
+                </a:ext>
+                <a:ext uri="{C183D7F6-B498-43B3-948B-1728B52AA6E4}">
+                  <adec:decorative xmlns:adec="http://schemas.microsoft.com/office/drawing/2017/decorative" val="1"/>
+                </a:ext>
+              </a:extLst>
+            </p:cNvPr>
+            <p:cNvSpPr>
+              <a:spLocks noChangeArrowheads="1"/>
+            </p:cNvSpPr>
+            <p:nvPr>
+              <p:extLst>
+                <p:ext uri="{386F3935-93C4-4BCD-93E2-E3B085C9AB24}">
+                  <p16:designElem xmlns:p16="http://schemas.microsoft.com/office/powerpoint/2015/main" val="1"/>
+                </p:ext>
+              </p:extLst>
+            </p:nvPr>
+          </p:nvSpPr>
+          <p:spPr bwMode="auto">
+            <a:xfrm>
+              <a:off x="1209675" y="4763"/>
+              <a:ext cx="23813" cy="2181225"/>
+            </a:xfrm>
+            <a:prstGeom prst="rect">
+              <a:avLst/>
+            </a:prstGeom>
+            <a:grpFill/>
+            <a:ln>
+              <a:noFill/>
+            </a:ln>
+            <a:extLst>
+              <a:ext uri="{91240B29-F687-4f45-9708-019B960494DF}">
+                <a14:hiddenLine xmlns="" xmlns:a16="http://schemas.microsoft.com/office/drawing/2014/main" xmlns:p14="http://schemas.microsoft.com/office/powerpoint/2010/main" xmlns:a14="http://schemas.microsoft.com/office/drawing/2010/main" w="9525">
+                  <a:solidFill>
+                    <a:srgbClr val="000000"/>
+                  </a:solidFill>
+                  <a:miter lim="800000"/>
+                  <a:headEnd/>
+                  <a:tailEnd/>
+                </a14:hiddenLine>
+              </a:ext>
+            </a:extLst>
+          </p:spPr>
+          <p:txBody>
+            <a:bodyPr/>
+            <a:lstStyle/>
+            <a:p>
+              <a:endParaRPr lang="en-US"/>
+            </a:p>
+          </p:txBody>
+        </p:sp>
+        <p:sp>
+          <p:nvSpPr>
+            <p:cNvPr id="224" name="Freeform 6">
+              <a:extLst>
+                <a:ext uri="{FF2B5EF4-FFF2-40B4-BE49-F238E27FC236}">
+                  <a16:creationId xmlns:a16="http://schemas.microsoft.com/office/drawing/2014/main" id="{56AF6CAB-66FF-4AA8-8332-92421FA16CAB}"/>
+                </a:ext>
+                <a:ext uri="{C183D7F6-B498-43B3-948B-1728B52AA6E4}">
+                  <adec:decorative xmlns:adec="http://schemas.microsoft.com/office/drawing/2017/decorative" val="1"/>
+                </a:ext>
+              </a:extLst>
+            </p:cNvPr>
+            <p:cNvSpPr>
+              <a:spLocks noEditPoints="1"/>
+            </p:cNvSpPr>
+            <p:nvPr>
+              <p:extLst>
+                <p:ext uri="{386F3935-93C4-4BCD-93E2-E3B085C9AB24}">
+                  <p16:designElem xmlns:p16="http://schemas.microsoft.com/office/powerpoint/2015/main" val="1"/>
+                </p:ext>
+              </p:extLst>
+            </p:nvPr>
+          </p:nvSpPr>
+          <p:spPr bwMode="auto">
+            <a:xfrm>
+              <a:off x="1128713" y="2176463"/>
+              <a:ext cx="190500" cy="190500"/>
+            </a:xfrm>
+            <a:custGeom>
+              <a:avLst/>
+              <a:gdLst/>
+              <a:ahLst/>
+              <a:cxnLst/>
+              <a:rect l="0" t="0" r="r" b="b"/>
+              <a:pathLst>
+                <a:path w="40" h="40">
+                  <a:moveTo>
+                    <a:pt x="20" y="40"/>
+                  </a:moveTo>
+                  <a:cubicBezTo>
+                    <a:pt x="9" y="40"/>
+                    <a:pt x="0" y="31"/>
+                    <a:pt x="0" y="20"/>
+                  </a:cubicBezTo>
+                  <a:cubicBezTo>
+                    <a:pt x="0" y="9"/>
+                    <a:pt x="9" y="0"/>
+                    <a:pt x="20" y="0"/>
+                  </a:cubicBezTo>
+                  <a:cubicBezTo>
+                    <a:pt x="31" y="0"/>
+                    <a:pt x="40" y="9"/>
+                    <a:pt x="40" y="20"/>
+                  </a:cubicBezTo>
+                  <a:cubicBezTo>
+                    <a:pt x="40" y="31"/>
+                    <a:pt x="31" y="40"/>
+                    <a:pt x="20" y="40"/>
+                  </a:cubicBezTo>
+                  <a:close/>
+                  <a:moveTo>
+                    <a:pt x="20" y="4"/>
+                  </a:moveTo>
+                  <a:cubicBezTo>
+                    <a:pt x="11" y="4"/>
+                    <a:pt x="4" y="11"/>
+                    <a:pt x="4" y="20"/>
+                  </a:cubicBezTo>
+                  <a:cubicBezTo>
+                    <a:pt x="4" y="29"/>
+                    <a:pt x="11" y="36"/>
+                    <a:pt x="20" y="36"/>
+                  </a:cubicBezTo>
+                  <a:cubicBezTo>
+                    <a:pt x="28" y="36"/>
+                    <a:pt x="36" y="29"/>
+                    <a:pt x="36" y="20"/>
+                  </a:cubicBezTo>
+                  <a:cubicBezTo>
+                    <a:pt x="36" y="11"/>
+                    <a:pt x="28" y="4"/>
+                    <a:pt x="20" y="4"/>
+                  </a:cubicBezTo>
+                  <a:close/>
+                </a:path>
+              </a:pathLst>
+            </a:custGeom>
+            <a:grpFill/>
+            <a:ln>
+              <a:noFill/>
+            </a:ln>
+            <a:extLst>
+              <a:ext uri="{91240B29-F687-4f45-9708-019B960494DF}">
+                <a14:hiddenLine xmlns="" xmlns:a16="http://schemas.microsoft.com/office/drawing/2014/main" xmlns:p14="http://schemas.microsoft.com/office/powerpoint/2010/main" xmlns:a14="http://schemas.microsoft.com/office/drawing/2010/main" w="9525">
+                  <a:solidFill>
+                    <a:srgbClr val="000000"/>
+                  </a:solidFill>
+                  <a:round/>
+                  <a:headEnd/>
+                  <a:tailEnd/>
+                </a14:hiddenLine>
+              </a:ext>
+            </a:extLst>
+          </p:spPr>
+          <p:txBody>
+            <a:bodyPr/>
+            <a:lstStyle/>
+            <a:p>
+              <a:endParaRPr lang="en-US"/>
+            </a:p>
+          </p:txBody>
+        </p:sp>
+        <p:sp>
+          <p:nvSpPr>
+            <p:cNvPr id="225" name="Freeform 7">
+              <a:extLst>
+                <a:ext uri="{FF2B5EF4-FFF2-40B4-BE49-F238E27FC236}">
+                  <a16:creationId xmlns:a16="http://schemas.microsoft.com/office/drawing/2014/main" id="{2A7D0399-D212-4CE1-A9C0-9B98A2F0C19E}"/>
+                </a:ext>
+                <a:ext uri="{C183D7F6-B498-43B3-948B-1728B52AA6E4}">
+                  <adec:decorative xmlns:adec="http://schemas.microsoft.com/office/drawing/2017/decorative" val="1"/>
+                </a:ext>
+              </a:extLst>
+            </p:cNvPr>
+            <p:cNvSpPr>
+              <a:spLocks noEditPoints="1"/>
+            </p:cNvSpPr>
+            <p:nvPr>
+              <p:extLst>
+                <p:ext uri="{386F3935-93C4-4BCD-93E2-E3B085C9AB24}">
+                  <p16:designElem xmlns:p16="http://schemas.microsoft.com/office/powerpoint/2015/main" val="1"/>
+                </p:ext>
+              </p:extLst>
+            </p:nvPr>
+          </p:nvSpPr>
+          <p:spPr bwMode="auto">
+            <a:xfrm>
+              <a:off x="1123950" y="4021138"/>
+              <a:ext cx="190500" cy="188913"/>
+            </a:xfrm>
+            <a:custGeom>
+              <a:avLst/>
+              <a:gdLst/>
+              <a:ahLst/>
+              <a:cxnLst/>
+              <a:rect l="0" t="0" r="r" b="b"/>
+              <a:pathLst>
+                <a:path w="40" h="40">
+                  <a:moveTo>
+                    <a:pt x="20" y="40"/>
+                  </a:moveTo>
+                  <a:cubicBezTo>
+                    <a:pt x="9" y="40"/>
+                    <a:pt x="0" y="31"/>
+                    <a:pt x="0" y="20"/>
+                  </a:cubicBezTo>
+                  <a:cubicBezTo>
+                    <a:pt x="0" y="9"/>
+                    <a:pt x="9" y="0"/>
+                    <a:pt x="20" y="0"/>
+                  </a:cubicBezTo>
+                  <a:cubicBezTo>
+                    <a:pt x="31" y="0"/>
+                    <a:pt x="40" y="9"/>
+                    <a:pt x="40" y="20"/>
+                  </a:cubicBezTo>
+                  <a:cubicBezTo>
+                    <a:pt x="40" y="31"/>
+                    <a:pt x="31" y="40"/>
+                    <a:pt x="20" y="40"/>
+                  </a:cubicBezTo>
+                  <a:close/>
+                  <a:moveTo>
+                    <a:pt x="20" y="4"/>
+                  </a:moveTo>
+                  <a:cubicBezTo>
+                    <a:pt x="11" y="4"/>
+                    <a:pt x="4" y="11"/>
+                    <a:pt x="4" y="20"/>
+                  </a:cubicBezTo>
+                  <a:cubicBezTo>
+                    <a:pt x="4" y="29"/>
+                    <a:pt x="11" y="36"/>
+                    <a:pt x="20" y="36"/>
+                  </a:cubicBezTo>
+                  <a:cubicBezTo>
+                    <a:pt x="29" y="36"/>
+                    <a:pt x="36" y="29"/>
+                    <a:pt x="36" y="20"/>
+                  </a:cubicBezTo>
+                  <a:cubicBezTo>
+                    <a:pt x="36" y="11"/>
+                    <a:pt x="29" y="4"/>
+                    <a:pt x="20" y="4"/>
+                  </a:cubicBezTo>
+                  <a:close/>
+                </a:path>
+              </a:pathLst>
+            </a:custGeom>
+            <a:grpFill/>
+            <a:ln>
+              <a:noFill/>
+            </a:ln>
+            <a:extLst>
+              <a:ext uri="{91240B29-F687-4f45-9708-019B960494DF}">
+                <a14:hiddenLine xmlns="" xmlns:a16="http://schemas.microsoft.com/office/drawing/2014/main" xmlns:p14="http://schemas.microsoft.com/office/powerpoint/2010/main" xmlns:a14="http://schemas.microsoft.com/office/drawing/2010/main" w="9525">
+                  <a:solidFill>
+                    <a:srgbClr val="000000"/>
+                  </a:solidFill>
+                  <a:round/>
+                  <a:headEnd/>
+                  <a:tailEnd/>
+                </a14:hiddenLine>
+              </a:ext>
+            </a:extLst>
+          </p:spPr>
+          <p:txBody>
+            <a:bodyPr/>
+            <a:lstStyle/>
+            <a:p>
+              <a:endParaRPr lang="en-US"/>
+            </a:p>
+          </p:txBody>
+        </p:sp>
+        <p:sp>
+          <p:nvSpPr>
+            <p:cNvPr id="226" name="Rectangle 8">
+              <a:extLst>
+                <a:ext uri="{FF2B5EF4-FFF2-40B4-BE49-F238E27FC236}">
+                  <a16:creationId xmlns:a16="http://schemas.microsoft.com/office/drawing/2014/main" id="{18DF3D3C-1A48-496B-B941-76DF67EA739E}"/>
+                </a:ext>
+                <a:ext uri="{C183D7F6-B498-43B3-948B-1728B52AA6E4}">
+                  <adec:decorative xmlns:adec="http://schemas.microsoft.com/office/drawing/2017/decorative" val="1"/>
+                </a:ext>
+              </a:extLst>
+            </p:cNvPr>
+            <p:cNvSpPr>
+              <a:spLocks noChangeArrowheads="1"/>
+            </p:cNvSpPr>
+            <p:nvPr>
+              <p:extLst>
+                <p:ext uri="{386F3935-93C4-4BCD-93E2-E3B085C9AB24}">
+                  <p16:designElem xmlns:p16="http://schemas.microsoft.com/office/powerpoint/2015/main" val="1"/>
+                </p:ext>
+              </p:extLst>
+            </p:nvPr>
+          </p:nvSpPr>
+          <p:spPr bwMode="auto">
+            <a:xfrm>
+              <a:off x="414338" y="9525"/>
+              <a:ext cx="28575" cy="4481513"/>
+            </a:xfrm>
+            <a:prstGeom prst="rect">
+              <a:avLst/>
+            </a:prstGeom>
+            <a:grpFill/>
+            <a:ln>
+              <a:noFill/>
+            </a:ln>
+            <a:extLst>
+              <a:ext uri="{91240B29-F687-4f45-9708-019B960494DF}">
+                <a14:hiddenLine xmlns="" xmlns:a16="http://schemas.microsoft.com/office/drawing/2014/main" xmlns:p14="http://schemas.microsoft.com/office/powerpoint/2010/main" xmlns:a14="http://schemas.microsoft.com/office/drawing/2010/main" w="9525">
+                  <a:solidFill>
+                    <a:srgbClr val="000000"/>
+                  </a:solidFill>
+                  <a:miter lim="800000"/>
+                  <a:headEnd/>
+                  <a:tailEnd/>
+                </a14:hiddenLine>
+              </a:ext>
+            </a:extLst>
+          </p:spPr>
+          <p:txBody>
+            <a:bodyPr/>
+            <a:lstStyle/>
+            <a:p>
+              <a:endParaRPr lang="en-US"/>
+            </a:p>
+          </p:txBody>
+        </p:sp>
+        <p:sp>
+          <p:nvSpPr>
+            <p:cNvPr id="227" name="Freeform 9">
+              <a:extLst>
+                <a:ext uri="{FF2B5EF4-FFF2-40B4-BE49-F238E27FC236}">
+                  <a16:creationId xmlns:a16="http://schemas.microsoft.com/office/drawing/2014/main" id="{913F4BC7-7179-4E16-9FD6-A32BC13A0BD2}"/>
+                </a:ext>
+                <a:ext uri="{C183D7F6-B498-43B3-948B-1728B52AA6E4}">
+                  <adec:decorative xmlns:adec="http://schemas.microsoft.com/office/drawing/2017/decorative" val="1"/>
+                </a:ext>
+              </a:extLst>
+            </p:cNvPr>
+            <p:cNvSpPr>
+              <a:spLocks noEditPoints="1"/>
+            </p:cNvSpPr>
+            <p:nvPr>
+              <p:extLst>
+                <p:ext uri="{386F3935-93C4-4BCD-93E2-E3B085C9AB24}">
+                  <p16:designElem xmlns:p16="http://schemas.microsoft.com/office/powerpoint/2015/main" val="1"/>
+                </p:ext>
+              </p:extLst>
+            </p:nvPr>
+          </p:nvSpPr>
+          <p:spPr bwMode="auto">
+            <a:xfrm>
+              <a:off x="333375" y="4481513"/>
+              <a:ext cx="190500" cy="190500"/>
+            </a:xfrm>
+            <a:custGeom>
+              <a:avLst/>
+              <a:gdLst/>
+              <a:ahLst/>
+              <a:cxnLst/>
+              <a:rect l="0" t="0" r="r" b="b"/>
+              <a:pathLst>
+                <a:path w="40" h="40">
+                  <a:moveTo>
+                    <a:pt x="20" y="40"/>
+                  </a:moveTo>
+                  <a:cubicBezTo>
+                    <a:pt x="9" y="40"/>
+                    <a:pt x="0" y="31"/>
+                    <a:pt x="0" y="20"/>
+                  </a:cubicBezTo>
+                  <a:cubicBezTo>
+                    <a:pt x="0" y="9"/>
+                    <a:pt x="9" y="0"/>
+                    <a:pt x="20" y="0"/>
+                  </a:cubicBezTo>
+                  <a:cubicBezTo>
+                    <a:pt x="31" y="0"/>
+                    <a:pt x="40" y="9"/>
+                    <a:pt x="40" y="20"/>
+                  </a:cubicBezTo>
+                  <a:cubicBezTo>
+                    <a:pt x="40" y="31"/>
+                    <a:pt x="31" y="40"/>
+                    <a:pt x="20" y="40"/>
+                  </a:cubicBezTo>
+                  <a:close/>
+                  <a:moveTo>
+                    <a:pt x="20" y="4"/>
+                  </a:moveTo>
+                  <a:cubicBezTo>
+                    <a:pt x="11" y="4"/>
+                    <a:pt x="4" y="11"/>
+                    <a:pt x="4" y="20"/>
+                  </a:cubicBezTo>
+                  <a:cubicBezTo>
+                    <a:pt x="4" y="29"/>
+                    <a:pt x="11" y="36"/>
+                    <a:pt x="20" y="36"/>
+                  </a:cubicBezTo>
+                  <a:cubicBezTo>
+                    <a:pt x="29" y="36"/>
+                    <a:pt x="36" y="29"/>
+                    <a:pt x="36" y="20"/>
+                  </a:cubicBezTo>
+                  <a:cubicBezTo>
+                    <a:pt x="36" y="11"/>
+                    <a:pt x="29" y="4"/>
+                    <a:pt x="20" y="4"/>
+                  </a:cubicBezTo>
+                  <a:close/>
+                </a:path>
+              </a:pathLst>
+            </a:custGeom>
+            <a:grpFill/>
+            <a:ln>
+              <a:noFill/>
+            </a:ln>
+            <a:extLst>
+              <a:ext uri="{91240B29-F687-4f45-9708-019B960494DF}">
+                <a14:hiddenLine xmlns="" xmlns:a16="http://schemas.microsoft.com/office/drawing/2014/main" xmlns:p14="http://schemas.microsoft.com/office/powerpoint/2010/main" xmlns:a14="http://schemas.microsoft.com/office/drawing/2010/main" w="9525">
+                  <a:solidFill>
+                    <a:srgbClr val="000000"/>
+                  </a:solidFill>
+                  <a:round/>
+                  <a:headEnd/>
+                  <a:tailEnd/>
+                </a14:hiddenLine>
+              </a:ext>
+            </a:extLst>
+          </p:spPr>
+          <p:txBody>
+            <a:bodyPr/>
+            <a:lstStyle/>
+            <a:p>
+              <a:endParaRPr lang="en-US"/>
+            </a:p>
+          </p:txBody>
+        </p:sp>
+        <p:sp>
+          <p:nvSpPr>
+            <p:cNvPr id="228" name="Freeform 10">
+              <a:extLst>
+                <a:ext uri="{FF2B5EF4-FFF2-40B4-BE49-F238E27FC236}">
+                  <a16:creationId xmlns:a16="http://schemas.microsoft.com/office/drawing/2014/main" id="{509355FA-2026-4EBE-8C72-9B94B1F1B41B}"/>
+                </a:ext>
+                <a:ext uri="{C183D7F6-B498-43B3-948B-1728B52AA6E4}">
+                  <adec:decorative xmlns:adec="http://schemas.microsoft.com/office/drawing/2017/decorative" val="1"/>
+                </a:ext>
+              </a:extLst>
+            </p:cNvPr>
+            <p:cNvSpPr/>
+            <p:nvPr>
+              <p:extLst>
+                <p:ext uri="{386F3935-93C4-4BCD-93E2-E3B085C9AB24}">
+                  <p16:designElem xmlns:p16="http://schemas.microsoft.com/office/powerpoint/2015/main" val="1"/>
+                </p:ext>
+              </p:extLst>
+            </p:nvPr>
+          </p:nvSpPr>
+          <p:spPr bwMode="auto">
+            <a:xfrm>
+              <a:off x="190500" y="9525"/>
+              <a:ext cx="152400" cy="908050"/>
+            </a:xfrm>
+            <a:custGeom>
+              <a:avLst/>
+              <a:gdLst/>
+              <a:ahLst/>
+              <a:cxnLst/>
+              <a:rect l="0" t="0" r="r" b="b"/>
+              <a:pathLst>
+                <a:path w="96" h="572">
+                  <a:moveTo>
+                    <a:pt x="15" y="572"/>
+                  </a:moveTo>
+                  <a:lnTo>
+                    <a:pt x="0" y="566"/>
+                  </a:lnTo>
+                  <a:lnTo>
+                    <a:pt x="81" y="380"/>
+                  </a:lnTo>
+                  <a:lnTo>
+                    <a:pt x="81" y="0"/>
+                  </a:lnTo>
+                  <a:lnTo>
+                    <a:pt x="96" y="0"/>
+                  </a:lnTo>
+                  <a:lnTo>
+                    <a:pt x="96" y="383"/>
+                  </a:lnTo>
+                  <a:lnTo>
+                    <a:pt x="15" y="572"/>
+                  </a:lnTo>
+                  <a:close/>
+                </a:path>
+              </a:pathLst>
+            </a:custGeom>
+            <a:grpFill/>
+            <a:ln>
+              <a:noFill/>
+            </a:ln>
+            <a:extLst>
+              <a:ext uri="{91240B29-F687-4f45-9708-019B960494DF}">
+                <a14:hiddenLine xmlns="" xmlns:a16="http://schemas.microsoft.com/office/drawing/2014/main" xmlns:p14="http://schemas.microsoft.com/office/powerpoint/2010/main" xmlns:a14="http://schemas.microsoft.com/office/drawing/2010/main" w="9525">
+                  <a:solidFill>
+                    <a:srgbClr val="000000"/>
+                  </a:solidFill>
+                  <a:round/>
+                  <a:headEnd/>
+                  <a:tailEnd/>
+                </a14:hiddenLine>
+              </a:ext>
+            </a:extLst>
+          </p:spPr>
+          <p:txBody>
+            <a:bodyPr/>
+            <a:lstStyle/>
+            <a:p>
+              <a:endParaRPr lang="en-US"/>
+            </a:p>
+          </p:txBody>
+        </p:sp>
+        <p:sp>
+          <p:nvSpPr>
+            <p:cNvPr id="229" name="Freeform 11">
+              <a:extLst>
+                <a:ext uri="{FF2B5EF4-FFF2-40B4-BE49-F238E27FC236}">
+                  <a16:creationId xmlns:a16="http://schemas.microsoft.com/office/drawing/2014/main" id="{CDD190A1-6E3E-4C34-A19B-A52C6D31798B}"/>
+                </a:ext>
+                <a:ext uri="{C183D7F6-B498-43B3-948B-1728B52AA6E4}">
+                  <adec:decorative xmlns:adec="http://schemas.microsoft.com/office/drawing/2017/decorative" val="1"/>
+                </a:ext>
+              </a:extLst>
+            </p:cNvPr>
+            <p:cNvSpPr/>
+            <p:nvPr>
+              <p:extLst>
+                <p:ext uri="{386F3935-93C4-4BCD-93E2-E3B085C9AB24}">
+                  <p16:designElem xmlns:p16="http://schemas.microsoft.com/office/powerpoint/2015/main" val="1"/>
+                </p:ext>
+              </p:extLst>
+            </p:nvPr>
+          </p:nvSpPr>
+          <p:spPr bwMode="auto">
+            <a:xfrm>
+              <a:off x="1290638" y="14288"/>
+              <a:ext cx="376238" cy="1801813"/>
+            </a:xfrm>
+            <a:custGeom>
+              <a:avLst/>
+              <a:gdLst/>
+              <a:ahLst/>
+              <a:cxnLst/>
+              <a:rect l="0" t="0" r="r" b="b"/>
+              <a:pathLst>
+                <a:path w="237" h="1135">
+                  <a:moveTo>
+                    <a:pt x="222" y="1135"/>
+                  </a:moveTo>
+                  <a:lnTo>
+                    <a:pt x="0" y="620"/>
+                  </a:lnTo>
+                  <a:lnTo>
+                    <a:pt x="0" y="0"/>
+                  </a:lnTo>
+                  <a:lnTo>
+                    <a:pt x="18" y="0"/>
+                  </a:lnTo>
+                  <a:lnTo>
+                    <a:pt x="18" y="617"/>
+                  </a:lnTo>
+                  <a:lnTo>
+                    <a:pt x="237" y="1129"/>
+                  </a:lnTo>
+                  <a:lnTo>
+                    <a:pt x="222" y="1135"/>
+                  </a:lnTo>
+                  <a:close/>
+                </a:path>
+              </a:pathLst>
+            </a:custGeom>
+            <a:grpFill/>
+            <a:ln>
+              <a:noFill/>
+            </a:ln>
+            <a:extLst>
+              <a:ext uri="{91240B29-F687-4f45-9708-019B960494DF}">
+                <a14:hiddenLine xmlns="" xmlns:a16="http://schemas.microsoft.com/office/drawing/2014/main" xmlns:p14="http://schemas.microsoft.com/office/powerpoint/2010/main" xmlns:a14="http://schemas.microsoft.com/office/drawing/2010/main" w="9525">
+                  <a:solidFill>
+                    <a:srgbClr val="000000"/>
+                  </a:solidFill>
+                  <a:round/>
+                  <a:headEnd/>
+                  <a:tailEnd/>
+                </a14:hiddenLine>
+              </a:ext>
+            </a:extLst>
+          </p:spPr>
+          <p:txBody>
+            <a:bodyPr/>
+            <a:lstStyle/>
+            <a:p>
+              <a:endParaRPr lang="en-US"/>
+            </a:p>
+          </p:txBody>
+        </p:sp>
+        <p:sp>
+          <p:nvSpPr>
+            <p:cNvPr id="230" name="Freeform 12">
+              <a:extLst>
+                <a:ext uri="{FF2B5EF4-FFF2-40B4-BE49-F238E27FC236}">
+                  <a16:creationId xmlns:a16="http://schemas.microsoft.com/office/drawing/2014/main" id="{D5BA1962-F2E3-4CA2-BE44-53381D18F6DE}"/>
+                </a:ext>
+                <a:ext uri="{C183D7F6-B498-43B3-948B-1728B52AA6E4}">
+                  <adec:decorative xmlns:adec="http://schemas.microsoft.com/office/drawing/2017/decorative" val="1"/>
+                </a:ext>
+              </a:extLst>
+            </p:cNvPr>
+            <p:cNvSpPr>
+              <a:spLocks noEditPoints="1"/>
+            </p:cNvSpPr>
+            <p:nvPr>
+              <p:extLst>
+                <p:ext uri="{386F3935-93C4-4BCD-93E2-E3B085C9AB24}">
+                  <p16:designElem xmlns:p16="http://schemas.microsoft.com/office/powerpoint/2015/main" val="1"/>
+                </p:ext>
+              </p:extLst>
+            </p:nvPr>
+          </p:nvSpPr>
+          <p:spPr bwMode="auto">
+            <a:xfrm>
+              <a:off x="1600200" y="1801813"/>
+              <a:ext cx="190500" cy="188913"/>
+            </a:xfrm>
+            <a:custGeom>
+              <a:avLst/>
+              <a:gdLst/>
+              <a:ahLst/>
+              <a:cxnLst/>
+              <a:rect l="0" t="0" r="r" b="b"/>
+              <a:pathLst>
+                <a:path w="40" h="40">
+                  <a:moveTo>
+                    <a:pt x="20" y="40"/>
+                  </a:moveTo>
+                  <a:cubicBezTo>
+                    <a:pt x="9" y="40"/>
+                    <a:pt x="0" y="31"/>
+                    <a:pt x="0" y="20"/>
+                  </a:cubicBezTo>
+                  <a:cubicBezTo>
+                    <a:pt x="0" y="9"/>
+                    <a:pt x="9" y="0"/>
+                    <a:pt x="20" y="0"/>
+                  </a:cubicBezTo>
+                  <a:cubicBezTo>
+                    <a:pt x="31" y="0"/>
+                    <a:pt x="40" y="9"/>
+                    <a:pt x="40" y="20"/>
+                  </a:cubicBezTo>
+                  <a:cubicBezTo>
+                    <a:pt x="40" y="31"/>
+                    <a:pt x="31" y="40"/>
+                    <a:pt x="20" y="40"/>
+                  </a:cubicBezTo>
+                  <a:close/>
+                  <a:moveTo>
+                    <a:pt x="20" y="4"/>
+                  </a:moveTo>
+                  <a:cubicBezTo>
+                    <a:pt x="11" y="4"/>
+                    <a:pt x="4" y="11"/>
+                    <a:pt x="4" y="20"/>
+                  </a:cubicBezTo>
+                  <a:cubicBezTo>
+                    <a:pt x="4" y="29"/>
+                    <a:pt x="11" y="36"/>
+                    <a:pt x="20" y="36"/>
+                  </a:cubicBezTo>
+                  <a:cubicBezTo>
+                    <a:pt x="28" y="36"/>
+                    <a:pt x="36" y="29"/>
+                    <a:pt x="36" y="20"/>
+                  </a:cubicBezTo>
+                  <a:cubicBezTo>
+                    <a:pt x="36" y="11"/>
+                    <a:pt x="28" y="4"/>
+                    <a:pt x="20" y="4"/>
+                  </a:cubicBezTo>
+                  <a:close/>
+                </a:path>
+              </a:pathLst>
+            </a:custGeom>
+            <a:grpFill/>
+            <a:ln>
+              <a:noFill/>
+            </a:ln>
+            <a:extLst>
+              <a:ext uri="{91240B29-F687-4f45-9708-019B960494DF}">
+                <a14:hiddenLine xmlns="" xmlns:a16="http://schemas.microsoft.com/office/drawing/2014/main" xmlns:p14="http://schemas.microsoft.com/office/powerpoint/2010/main" xmlns:a14="http://schemas.microsoft.com/office/drawing/2010/main" w="9525">
+                  <a:solidFill>
+                    <a:srgbClr val="000000"/>
+                  </a:solidFill>
+                  <a:round/>
+                  <a:headEnd/>
+                  <a:tailEnd/>
+                </a14:hiddenLine>
+              </a:ext>
+            </a:extLst>
+          </p:spPr>
+          <p:txBody>
+            <a:bodyPr/>
+            <a:lstStyle/>
+            <a:p>
+              <a:endParaRPr lang="en-US"/>
+            </a:p>
+          </p:txBody>
+        </p:sp>
+        <p:sp>
+          <p:nvSpPr>
+            <p:cNvPr id="231" name="Freeform 13">
+              <a:extLst>
+                <a:ext uri="{FF2B5EF4-FFF2-40B4-BE49-F238E27FC236}">
+                  <a16:creationId xmlns:a16="http://schemas.microsoft.com/office/drawing/2014/main" id="{C2FA9E59-0DE1-449C-8D17-1475D5CC7E0D}"/>
+                </a:ext>
+                <a:ext uri="{C183D7F6-B498-43B3-948B-1728B52AA6E4}">
+                  <adec:decorative xmlns:adec="http://schemas.microsoft.com/office/drawing/2017/decorative" val="1"/>
+                </a:ext>
+              </a:extLst>
+            </p:cNvPr>
+            <p:cNvSpPr/>
+            <p:nvPr>
+              <p:extLst>
+                <p:ext uri="{386F3935-93C4-4BCD-93E2-E3B085C9AB24}">
+                  <p16:designElem xmlns:p16="http://schemas.microsoft.com/office/powerpoint/2015/main" val="1"/>
+                </p:ext>
+              </p:extLst>
+            </p:nvPr>
+          </p:nvSpPr>
+          <p:spPr bwMode="auto">
+            <a:xfrm>
+              <a:off x="1381125" y="9525"/>
+              <a:ext cx="371475" cy="1425575"/>
+            </a:xfrm>
+            <a:custGeom>
+              <a:avLst/>
+              <a:gdLst/>
+              <a:ahLst/>
+              <a:cxnLst/>
+              <a:rect l="0" t="0" r="r" b="b"/>
+              <a:pathLst>
+                <a:path w="234" h="898">
+                  <a:moveTo>
+                    <a:pt x="219" y="898"/>
+                  </a:moveTo>
+                  <a:lnTo>
+                    <a:pt x="0" y="383"/>
+                  </a:lnTo>
+                  <a:lnTo>
+                    <a:pt x="0" y="0"/>
+                  </a:lnTo>
+                  <a:lnTo>
+                    <a:pt x="15" y="0"/>
+                  </a:lnTo>
+                  <a:lnTo>
+                    <a:pt x="15" y="380"/>
+                  </a:lnTo>
+                  <a:lnTo>
+                    <a:pt x="234" y="892"/>
+                  </a:lnTo>
+                  <a:lnTo>
+                    <a:pt x="219" y="898"/>
+                  </a:lnTo>
+                  <a:close/>
+                </a:path>
+              </a:pathLst>
+            </a:custGeom>
+            <a:grpFill/>
+            <a:ln>
+              <a:noFill/>
+            </a:ln>
+            <a:extLst>
+              <a:ext uri="{91240B29-F687-4f45-9708-019B960494DF}">
+                <a14:hiddenLine xmlns="" xmlns:a16="http://schemas.microsoft.com/office/drawing/2014/main" xmlns:p14="http://schemas.microsoft.com/office/powerpoint/2010/main" xmlns:a14="http://schemas.microsoft.com/office/drawing/2010/main" w="9525">
+                  <a:solidFill>
+                    <a:srgbClr val="000000"/>
+                  </a:solidFill>
+                  <a:round/>
+                  <a:headEnd/>
+                  <a:tailEnd/>
+                </a14:hiddenLine>
+              </a:ext>
+            </a:extLst>
+          </p:spPr>
+          <p:txBody>
+            <a:bodyPr/>
+            <a:lstStyle/>
+            <a:p>
+              <a:endParaRPr lang="en-US"/>
+            </a:p>
+          </p:txBody>
+        </p:sp>
+        <p:sp>
+          <p:nvSpPr>
+            <p:cNvPr id="232" name="Freeform 14">
+              <a:extLst>
+                <a:ext uri="{FF2B5EF4-FFF2-40B4-BE49-F238E27FC236}">
+                  <a16:creationId xmlns:a16="http://schemas.microsoft.com/office/drawing/2014/main" id="{F1582807-3DE3-42F1-9941-728273E086BA}"/>
+                </a:ext>
+                <a:ext uri="{C183D7F6-B498-43B3-948B-1728B52AA6E4}">
+                  <adec:decorative xmlns:adec="http://schemas.microsoft.com/office/drawing/2017/decorative" val="1"/>
+                </a:ext>
+              </a:extLst>
+            </p:cNvPr>
+            <p:cNvSpPr/>
+            <p:nvPr>
+              <p:extLst>
+                <p:ext uri="{386F3935-93C4-4BCD-93E2-E3B085C9AB24}">
+                  <p16:designElem xmlns:p16="http://schemas.microsoft.com/office/powerpoint/2015/main" val="1"/>
+                </p:ext>
+              </p:extLst>
+            </p:nvPr>
+          </p:nvSpPr>
+          <p:spPr bwMode="auto">
+            <a:xfrm>
+              <a:off x="1643063" y="0"/>
+              <a:ext cx="152400" cy="912813"/>
+            </a:xfrm>
+            <a:custGeom>
+              <a:avLst/>
+              <a:gdLst/>
+              <a:ahLst/>
+              <a:cxnLst/>
+              <a:rect l="0" t="0" r="r" b="b"/>
+              <a:pathLst>
+                <a:path w="96" h="575">
+                  <a:moveTo>
+                    <a:pt x="96" y="575"/>
+                  </a:moveTo>
+                  <a:lnTo>
+                    <a:pt x="78" y="575"/>
+                  </a:lnTo>
+                  <a:lnTo>
+                    <a:pt x="78" y="192"/>
+                  </a:lnTo>
+                  <a:lnTo>
+                    <a:pt x="0" y="6"/>
+                  </a:lnTo>
+                  <a:lnTo>
+                    <a:pt x="15" y="0"/>
+                  </a:lnTo>
+                  <a:lnTo>
+                    <a:pt x="96" y="189"/>
+                  </a:lnTo>
+                  <a:lnTo>
+                    <a:pt x="96" y="575"/>
+                  </a:lnTo>
+                  <a:close/>
+                </a:path>
+              </a:pathLst>
+            </a:custGeom>
+            <a:grpFill/>
+            <a:ln>
+              <a:noFill/>
+            </a:ln>
+            <a:extLst>
+              <a:ext uri="{91240B29-F687-4f45-9708-019B960494DF}">
+                <a14:hiddenLine xmlns="" xmlns:a16="http://schemas.microsoft.com/office/drawing/2014/main" xmlns:p14="http://schemas.microsoft.com/office/powerpoint/2010/main" xmlns:a14="http://schemas.microsoft.com/office/drawing/2010/main" w="9525">
+                  <a:solidFill>
+                    <a:srgbClr val="000000"/>
+                  </a:solidFill>
+                  <a:round/>
+                  <a:headEnd/>
+                  <a:tailEnd/>
+                </a14:hiddenLine>
+              </a:ext>
+            </a:extLst>
+          </p:spPr>
+          <p:txBody>
+            <a:bodyPr/>
+            <a:lstStyle/>
+            <a:p>
+              <a:endParaRPr lang="en-US"/>
+            </a:p>
+          </p:txBody>
+        </p:sp>
+        <p:sp>
+          <p:nvSpPr>
+            <p:cNvPr id="233" name="Freeform 15">
+              <a:extLst>
+                <a:ext uri="{FF2B5EF4-FFF2-40B4-BE49-F238E27FC236}">
+                  <a16:creationId xmlns:a16="http://schemas.microsoft.com/office/drawing/2014/main" id="{6C574FB1-69C5-49C2-A1C4-2A6590BF45E1}"/>
+                </a:ext>
+                <a:ext uri="{C183D7F6-B498-43B3-948B-1728B52AA6E4}">
+                  <adec:decorative xmlns:adec="http://schemas.microsoft.com/office/drawing/2017/decorative" val="1"/>
+                </a:ext>
+              </a:extLst>
+            </p:cNvPr>
+            <p:cNvSpPr>
+              <a:spLocks noEditPoints="1"/>
+            </p:cNvSpPr>
+            <p:nvPr>
+              <p:extLst>
+                <p:ext uri="{386F3935-93C4-4BCD-93E2-E3B085C9AB24}">
+                  <p16:designElem xmlns:p16="http://schemas.microsoft.com/office/powerpoint/2015/main" val="1"/>
+                </p:ext>
+              </p:extLst>
+            </p:nvPr>
+          </p:nvSpPr>
+          <p:spPr bwMode="auto">
+            <a:xfrm>
+              <a:off x="1685925" y="1420813"/>
+              <a:ext cx="190500" cy="190500"/>
+            </a:xfrm>
+            <a:custGeom>
+              <a:avLst/>
+              <a:gdLst/>
+              <a:ahLst/>
+              <a:cxnLst/>
+              <a:rect l="0" t="0" r="r" b="b"/>
+              <a:pathLst>
+                <a:path w="40" h="40">
+                  <a:moveTo>
+                    <a:pt x="20" y="40"/>
+                  </a:moveTo>
+                  <a:cubicBezTo>
+                    <a:pt x="9" y="40"/>
+                    <a:pt x="0" y="31"/>
+                    <a:pt x="0" y="20"/>
+                  </a:cubicBezTo>
+                  <a:cubicBezTo>
+                    <a:pt x="0" y="9"/>
+                    <a:pt x="9" y="0"/>
+                    <a:pt x="20" y="0"/>
+                  </a:cubicBezTo>
+                  <a:cubicBezTo>
+                    <a:pt x="31" y="0"/>
+                    <a:pt x="40" y="9"/>
+                    <a:pt x="40" y="20"/>
+                  </a:cubicBezTo>
+                  <a:cubicBezTo>
+                    <a:pt x="40" y="31"/>
+                    <a:pt x="31" y="40"/>
+                    <a:pt x="20" y="40"/>
+                  </a:cubicBezTo>
+                  <a:close/>
+                  <a:moveTo>
+                    <a:pt x="20" y="4"/>
+                  </a:moveTo>
+                  <a:cubicBezTo>
+                    <a:pt x="11" y="4"/>
+                    <a:pt x="4" y="11"/>
+                    <a:pt x="4" y="20"/>
+                  </a:cubicBezTo>
+                  <a:cubicBezTo>
+                    <a:pt x="4" y="29"/>
+                    <a:pt x="11" y="36"/>
+                    <a:pt x="20" y="36"/>
+                  </a:cubicBezTo>
+                  <a:cubicBezTo>
+                    <a:pt x="29" y="36"/>
+                    <a:pt x="36" y="29"/>
+                    <a:pt x="36" y="20"/>
+                  </a:cubicBezTo>
+                  <a:cubicBezTo>
+                    <a:pt x="36" y="11"/>
+                    <a:pt x="29" y="4"/>
+                    <a:pt x="20" y="4"/>
+                  </a:cubicBezTo>
+                  <a:close/>
+                </a:path>
+              </a:pathLst>
+            </a:custGeom>
+            <a:grpFill/>
+            <a:ln>
+              <a:noFill/>
+            </a:ln>
+            <a:extLst>
+              <a:ext uri="{91240B29-F687-4f45-9708-019B960494DF}">
+                <a14:hiddenLine xmlns="" xmlns:a16="http://schemas.microsoft.com/office/drawing/2014/main" xmlns:p14="http://schemas.microsoft.com/office/powerpoint/2010/main" xmlns:a14="http://schemas.microsoft.com/office/drawing/2010/main" w="9525">
+                  <a:solidFill>
+                    <a:srgbClr val="000000"/>
+                  </a:solidFill>
+                  <a:round/>
+                  <a:headEnd/>
+                  <a:tailEnd/>
+                </a14:hiddenLine>
+              </a:ext>
+            </a:extLst>
+          </p:spPr>
+          <p:txBody>
+            <a:bodyPr/>
+            <a:lstStyle/>
+            <a:p>
+              <a:endParaRPr lang="en-US"/>
+            </a:p>
+          </p:txBody>
+        </p:sp>
+        <p:sp>
+          <p:nvSpPr>
+            <p:cNvPr id="234" name="Freeform 16">
+              <a:extLst>
+                <a:ext uri="{FF2B5EF4-FFF2-40B4-BE49-F238E27FC236}">
+                  <a16:creationId xmlns:a16="http://schemas.microsoft.com/office/drawing/2014/main" id="{D4175D29-82CB-41CD-9E0F-17524FB027A0}"/>
+                </a:ext>
+                <a:ext uri="{C183D7F6-B498-43B3-948B-1728B52AA6E4}">
+                  <adec:decorative xmlns:adec="http://schemas.microsoft.com/office/drawing/2017/decorative" val="1"/>
+                </a:ext>
+              </a:extLst>
+            </p:cNvPr>
+            <p:cNvSpPr>
+              <a:spLocks noEditPoints="1"/>
+            </p:cNvSpPr>
+            <p:nvPr>
+              <p:extLst>
+                <p:ext uri="{386F3935-93C4-4BCD-93E2-E3B085C9AB24}">
+                  <p16:designElem xmlns:p16="http://schemas.microsoft.com/office/powerpoint/2015/main" val="1"/>
+                </p:ext>
+              </p:extLst>
+            </p:nvPr>
+          </p:nvSpPr>
+          <p:spPr bwMode="auto">
+            <a:xfrm>
+              <a:off x="1685925" y="903288"/>
+              <a:ext cx="190500" cy="190500"/>
+            </a:xfrm>
+            <a:custGeom>
+              <a:avLst/>
+              <a:gdLst/>
+              <a:ahLst/>
+              <a:cxnLst/>
+              <a:rect l="0" t="0" r="r" b="b"/>
+              <a:pathLst>
+                <a:path w="40" h="40">
+                  <a:moveTo>
+                    <a:pt x="20" y="40"/>
+                  </a:moveTo>
+                  <a:cubicBezTo>
+                    <a:pt x="9" y="40"/>
+                    <a:pt x="0" y="31"/>
+                    <a:pt x="0" y="20"/>
+                  </a:cubicBezTo>
+                  <a:cubicBezTo>
+                    <a:pt x="0" y="9"/>
+                    <a:pt x="9" y="0"/>
+                    <a:pt x="20" y="0"/>
+                  </a:cubicBezTo>
+                  <a:cubicBezTo>
+                    <a:pt x="31" y="0"/>
+                    <a:pt x="40" y="9"/>
+                    <a:pt x="40" y="20"/>
+                  </a:cubicBezTo>
+                  <a:cubicBezTo>
+                    <a:pt x="40" y="31"/>
+                    <a:pt x="31" y="40"/>
+                    <a:pt x="20" y="40"/>
+                  </a:cubicBezTo>
+                  <a:close/>
+                  <a:moveTo>
+                    <a:pt x="20" y="4"/>
+                  </a:moveTo>
+                  <a:cubicBezTo>
+                    <a:pt x="11" y="4"/>
+                    <a:pt x="4" y="11"/>
+                    <a:pt x="4" y="20"/>
+                  </a:cubicBezTo>
+                  <a:cubicBezTo>
+                    <a:pt x="4" y="29"/>
+                    <a:pt x="11" y="36"/>
+                    <a:pt x="20" y="36"/>
+                  </a:cubicBezTo>
+                  <a:cubicBezTo>
+                    <a:pt x="29" y="36"/>
+                    <a:pt x="36" y="29"/>
+                    <a:pt x="36" y="20"/>
+                  </a:cubicBezTo>
+                  <a:cubicBezTo>
+                    <a:pt x="36" y="11"/>
+                    <a:pt x="29" y="4"/>
+                    <a:pt x="20" y="4"/>
+                  </a:cubicBezTo>
+                  <a:close/>
+                </a:path>
+              </a:pathLst>
+            </a:custGeom>
+            <a:grpFill/>
+            <a:ln>
+              <a:noFill/>
+            </a:ln>
+            <a:extLst>
+              <a:ext uri="{91240B29-F687-4f45-9708-019B960494DF}">
+                <a14:hiddenLine xmlns="" xmlns:a16="http://schemas.microsoft.com/office/drawing/2014/main" xmlns:p14="http://schemas.microsoft.com/office/powerpoint/2010/main" xmlns:a14="http://schemas.microsoft.com/office/drawing/2010/main" w="9525">
+                  <a:solidFill>
+                    <a:srgbClr val="000000"/>
+                  </a:solidFill>
+                  <a:round/>
+                  <a:headEnd/>
+                  <a:tailEnd/>
+                </a14:hiddenLine>
+              </a:ext>
+            </a:extLst>
+          </p:spPr>
+          <p:txBody>
+            <a:bodyPr/>
+            <a:lstStyle/>
+            <a:p>
+              <a:endParaRPr lang="en-US"/>
+            </a:p>
+          </p:txBody>
+        </p:sp>
+        <p:sp>
+          <p:nvSpPr>
+            <p:cNvPr id="235" name="Freeform 17">
+              <a:extLst>
+                <a:ext uri="{FF2B5EF4-FFF2-40B4-BE49-F238E27FC236}">
+                  <a16:creationId xmlns:a16="http://schemas.microsoft.com/office/drawing/2014/main" id="{9893387B-BD94-47D2-80DC-B9ADB6BD95EB}"/>
+                </a:ext>
+                <a:ext uri="{C183D7F6-B498-43B3-948B-1728B52AA6E4}">
+                  <adec:decorative xmlns:adec="http://schemas.microsoft.com/office/drawing/2017/decorative" val="1"/>
+                </a:ext>
+              </a:extLst>
+            </p:cNvPr>
+            <p:cNvSpPr/>
+            <p:nvPr>
+              <p:extLst>
+                <p:ext uri="{386F3935-93C4-4BCD-93E2-E3B085C9AB24}">
+                  <p16:designElem xmlns:p16="http://schemas.microsoft.com/office/powerpoint/2015/main" val="1"/>
+                </p:ext>
+              </p:extLst>
+            </p:nvPr>
+          </p:nvSpPr>
+          <p:spPr bwMode="auto">
+            <a:xfrm>
+              <a:off x="1743075" y="4763"/>
+              <a:ext cx="419100" cy="522288"/>
+            </a:xfrm>
+            <a:custGeom>
+              <a:avLst/>
+              <a:gdLst/>
+              <a:ahLst/>
+              <a:cxnLst/>
+              <a:rect l="0" t="0" r="r" b="b"/>
+              <a:pathLst>
+                <a:path w="264" h="329">
+                  <a:moveTo>
+                    <a:pt x="252" y="329"/>
+                  </a:moveTo>
+                  <a:lnTo>
+                    <a:pt x="45" y="120"/>
+                  </a:lnTo>
+                  <a:lnTo>
+                    <a:pt x="0" y="6"/>
+                  </a:lnTo>
+                  <a:lnTo>
+                    <a:pt x="15" y="0"/>
+                  </a:lnTo>
+                  <a:lnTo>
+                    <a:pt x="60" y="111"/>
+                  </a:lnTo>
+                  <a:lnTo>
+                    <a:pt x="264" y="317"/>
+                  </a:lnTo>
+                  <a:lnTo>
+                    <a:pt x="252" y="329"/>
+                  </a:lnTo>
+                  <a:close/>
+                </a:path>
+              </a:pathLst>
+            </a:custGeom>
+            <a:grpFill/>
+            <a:ln>
+              <a:noFill/>
+            </a:ln>
+            <a:extLst>
+              <a:ext uri="{91240B29-F687-4f45-9708-019B960494DF}">
+                <a14:hiddenLine xmlns="" xmlns:a16="http://schemas.microsoft.com/office/drawing/2014/main" xmlns:p14="http://schemas.microsoft.com/office/powerpoint/2010/main" xmlns:a14="http://schemas.microsoft.com/office/drawing/2010/main" w="9525">
+                  <a:solidFill>
+                    <a:srgbClr val="000000"/>
+                  </a:solidFill>
+                  <a:round/>
+                  <a:headEnd/>
+                  <a:tailEnd/>
+                </a14:hiddenLine>
+              </a:ext>
+            </a:extLst>
+          </p:spPr>
+          <p:txBody>
+            <a:bodyPr/>
+            <a:lstStyle/>
+            <a:p>
+              <a:endParaRPr lang="en-US"/>
+            </a:p>
+          </p:txBody>
+        </p:sp>
+        <p:sp>
+          <p:nvSpPr>
+            <p:cNvPr id="236" name="Freeform 18">
+              <a:extLst>
+                <a:ext uri="{FF2B5EF4-FFF2-40B4-BE49-F238E27FC236}">
+                  <a16:creationId xmlns:a16="http://schemas.microsoft.com/office/drawing/2014/main" id="{BC2223CF-E8B9-48C3-8E70-7B38DBE2A7CE}"/>
+                </a:ext>
+                <a:ext uri="{C183D7F6-B498-43B3-948B-1728B52AA6E4}">
+                  <adec:decorative xmlns:adec="http://schemas.microsoft.com/office/drawing/2017/decorative" val="1"/>
+                </a:ext>
+              </a:extLst>
+            </p:cNvPr>
+            <p:cNvSpPr>
+              <a:spLocks noEditPoints="1"/>
+            </p:cNvSpPr>
+            <p:nvPr>
+              <p:extLst>
+                <p:ext uri="{386F3935-93C4-4BCD-93E2-E3B085C9AB24}">
+                  <p16:designElem xmlns:p16="http://schemas.microsoft.com/office/powerpoint/2015/main" val="1"/>
+                </p:ext>
+              </p:extLst>
+            </p:nvPr>
+          </p:nvSpPr>
+          <p:spPr bwMode="auto">
+            <a:xfrm>
+              <a:off x="2119313" y="488950"/>
+              <a:ext cx="161925" cy="147638"/>
+            </a:xfrm>
+            <a:custGeom>
+              <a:avLst/>
+              <a:gdLst/>
+              <a:ahLst/>
+              <a:cxnLst/>
+              <a:rect l="0" t="0" r="r" b="b"/>
+              <a:pathLst>
+                <a:path w="34" h="31">
+                  <a:moveTo>
+                    <a:pt x="17" y="31"/>
+                  </a:moveTo>
+                  <a:cubicBezTo>
+                    <a:pt x="13" y="31"/>
+                    <a:pt x="9" y="30"/>
+                    <a:pt x="6" y="27"/>
+                  </a:cubicBezTo>
+                  <a:cubicBezTo>
+                    <a:pt x="0" y="20"/>
+                    <a:pt x="0" y="10"/>
+                    <a:pt x="6" y="4"/>
+                  </a:cubicBezTo>
+                  <a:cubicBezTo>
+                    <a:pt x="9" y="1"/>
+                    <a:pt x="13" y="0"/>
+                    <a:pt x="17" y="0"/>
+                  </a:cubicBezTo>
+                  <a:cubicBezTo>
+                    <a:pt x="21" y="0"/>
+                    <a:pt x="25" y="1"/>
+                    <a:pt x="28" y="4"/>
+                  </a:cubicBezTo>
+                  <a:cubicBezTo>
+                    <a:pt x="34" y="10"/>
+                    <a:pt x="34" y="20"/>
+                    <a:pt x="28" y="27"/>
+                  </a:cubicBezTo>
+                  <a:cubicBezTo>
+                    <a:pt x="25" y="30"/>
+                    <a:pt x="21" y="31"/>
+                    <a:pt x="17" y="31"/>
+                  </a:cubicBezTo>
+                  <a:close/>
+                  <a:moveTo>
+                    <a:pt x="17" y="4"/>
+                  </a:moveTo>
+                  <a:cubicBezTo>
+                    <a:pt x="14" y="4"/>
+                    <a:pt x="11" y="5"/>
+                    <a:pt x="9" y="7"/>
+                  </a:cubicBezTo>
+                  <a:cubicBezTo>
+                    <a:pt x="4" y="12"/>
+                    <a:pt x="4" y="19"/>
+                    <a:pt x="9" y="24"/>
+                  </a:cubicBezTo>
+                  <a:cubicBezTo>
+                    <a:pt x="11" y="26"/>
+                    <a:pt x="14" y="27"/>
+                    <a:pt x="17" y="27"/>
+                  </a:cubicBezTo>
+                  <a:cubicBezTo>
+                    <a:pt x="20" y="27"/>
+                    <a:pt x="23" y="26"/>
+                    <a:pt x="25" y="24"/>
+                  </a:cubicBezTo>
+                  <a:cubicBezTo>
+                    <a:pt x="30" y="19"/>
+                    <a:pt x="30" y="12"/>
+                    <a:pt x="25" y="7"/>
+                  </a:cubicBezTo>
+                  <a:cubicBezTo>
+                    <a:pt x="23" y="5"/>
+                    <a:pt x="20" y="4"/>
+                    <a:pt x="17" y="4"/>
+                  </a:cubicBezTo>
+                  <a:close/>
+                </a:path>
+              </a:pathLst>
+            </a:custGeom>
+            <a:grpFill/>
+            <a:ln>
+              <a:noFill/>
+            </a:ln>
+            <a:extLst>
+              <a:ext uri="{91240B29-F687-4f45-9708-019B960494DF}">
+                <a14:hiddenLine xmlns="" xmlns:a16="http://schemas.microsoft.com/office/drawing/2014/main" xmlns:p14="http://schemas.microsoft.com/office/powerpoint/2010/main" xmlns:a14="http://schemas.microsoft.com/office/drawing/2010/main" w="9525">
+                  <a:solidFill>
+                    <a:srgbClr val="000000"/>
+                  </a:solidFill>
+                  <a:round/>
+                  <a:headEnd/>
+                  <a:tailEnd/>
+                </a14:hiddenLine>
+              </a:ext>
+            </a:extLst>
+          </p:spPr>
+          <p:txBody>
+            <a:bodyPr/>
+            <a:lstStyle/>
+            <a:p>
+              <a:endParaRPr lang="en-US"/>
+            </a:p>
+          </p:txBody>
+        </p:sp>
+        <p:sp>
+          <p:nvSpPr>
+            <p:cNvPr id="237" name="Freeform 19">
+              <a:extLst>
+                <a:ext uri="{FF2B5EF4-FFF2-40B4-BE49-F238E27FC236}">
+                  <a16:creationId xmlns:a16="http://schemas.microsoft.com/office/drawing/2014/main" id="{CB660EF5-7021-48D0-B131-DA22FAF8DA65}"/>
+                </a:ext>
+                <a:ext uri="{C183D7F6-B498-43B3-948B-1728B52AA6E4}">
+                  <adec:decorative xmlns:adec="http://schemas.microsoft.com/office/drawing/2017/decorative" val="1"/>
+                </a:ext>
+              </a:extLst>
+            </p:cNvPr>
+            <p:cNvSpPr/>
+            <p:nvPr>
+              <p:extLst>
+                <p:ext uri="{386F3935-93C4-4BCD-93E2-E3B085C9AB24}">
+                  <p16:designElem xmlns:p16="http://schemas.microsoft.com/office/powerpoint/2015/main" val="1"/>
+                </p:ext>
+              </p:extLst>
+            </p:nvPr>
+          </p:nvSpPr>
+          <p:spPr bwMode="auto">
+            <a:xfrm>
+              <a:off x="952500" y="4763"/>
+              <a:ext cx="152400" cy="908050"/>
+            </a:xfrm>
+            <a:custGeom>
+              <a:avLst/>
+              <a:gdLst/>
+              <a:ahLst/>
+              <a:cxnLst/>
+              <a:rect l="0" t="0" r="r" b="b"/>
+              <a:pathLst>
+                <a:path w="96" h="572">
+                  <a:moveTo>
+                    <a:pt x="15" y="572"/>
+                  </a:moveTo>
+                  <a:lnTo>
+                    <a:pt x="0" y="572"/>
+                  </a:lnTo>
+                  <a:lnTo>
+                    <a:pt x="0" y="189"/>
+                  </a:lnTo>
+                  <a:lnTo>
+                    <a:pt x="81" y="0"/>
+                  </a:lnTo>
+                  <a:lnTo>
+                    <a:pt x="96" y="6"/>
+                  </a:lnTo>
+                  <a:lnTo>
+                    <a:pt x="15" y="192"/>
+                  </a:lnTo>
+                  <a:lnTo>
+                    <a:pt x="15" y="572"/>
+                  </a:lnTo>
+                  <a:close/>
+                </a:path>
+              </a:pathLst>
+            </a:custGeom>
+            <a:grpFill/>
+            <a:ln>
+              <a:noFill/>
+            </a:ln>
+            <a:extLst>
+              <a:ext uri="{91240B29-F687-4f45-9708-019B960494DF}">
+                <a14:hiddenLine xmlns="" xmlns:a16="http://schemas.microsoft.com/office/drawing/2014/main" xmlns:p14="http://schemas.microsoft.com/office/powerpoint/2010/main" xmlns:a14="http://schemas.microsoft.com/office/drawing/2010/main" w="9525">
+                  <a:solidFill>
+                    <a:srgbClr val="000000"/>
+                  </a:solidFill>
+                  <a:round/>
+                  <a:headEnd/>
+                  <a:tailEnd/>
+                </a14:hiddenLine>
+              </a:ext>
+            </a:extLst>
+          </p:spPr>
+          <p:txBody>
+            <a:bodyPr/>
+            <a:lstStyle/>
+            <a:p>
+              <a:endParaRPr lang="en-US"/>
+            </a:p>
+          </p:txBody>
+        </p:sp>
+        <p:sp>
+          <p:nvSpPr>
+            <p:cNvPr id="238" name="Freeform 20">
+              <a:extLst>
+                <a:ext uri="{FF2B5EF4-FFF2-40B4-BE49-F238E27FC236}">
+                  <a16:creationId xmlns:a16="http://schemas.microsoft.com/office/drawing/2014/main" id="{7A02052F-7B58-4423-9CBA-27D8D838A915}"/>
+                </a:ext>
+                <a:ext uri="{C183D7F6-B498-43B3-948B-1728B52AA6E4}">
+                  <adec:decorative xmlns:adec="http://schemas.microsoft.com/office/drawing/2017/decorative" val="1"/>
+                </a:ext>
+              </a:extLst>
+            </p:cNvPr>
+            <p:cNvSpPr>
+              <a:spLocks noEditPoints="1"/>
+            </p:cNvSpPr>
+            <p:nvPr>
+              <p:extLst>
+                <p:ext uri="{386F3935-93C4-4BCD-93E2-E3B085C9AB24}">
+                  <p16:designElem xmlns:p16="http://schemas.microsoft.com/office/powerpoint/2015/main" val="1"/>
+                </p:ext>
+              </p:extLst>
+            </p:nvPr>
+          </p:nvSpPr>
+          <p:spPr bwMode="auto">
+            <a:xfrm>
+              <a:off x="866775" y="903288"/>
+              <a:ext cx="190500" cy="190500"/>
+            </a:xfrm>
+            <a:custGeom>
+              <a:avLst/>
+              <a:gdLst/>
+              <a:ahLst/>
+              <a:cxnLst/>
+              <a:rect l="0" t="0" r="r" b="b"/>
+              <a:pathLst>
+                <a:path w="40" h="40">
+                  <a:moveTo>
+                    <a:pt x="20" y="40"/>
+                  </a:moveTo>
+                  <a:cubicBezTo>
+                    <a:pt x="9" y="40"/>
+                    <a:pt x="0" y="31"/>
+                    <a:pt x="0" y="20"/>
+                  </a:cubicBezTo>
+                  <a:cubicBezTo>
+                    <a:pt x="0" y="9"/>
+                    <a:pt x="9" y="0"/>
+                    <a:pt x="20" y="0"/>
+                  </a:cubicBezTo>
+                  <a:cubicBezTo>
+                    <a:pt x="31" y="0"/>
+                    <a:pt x="40" y="9"/>
+                    <a:pt x="40" y="20"/>
+                  </a:cubicBezTo>
+                  <a:cubicBezTo>
+                    <a:pt x="40" y="31"/>
+                    <a:pt x="31" y="40"/>
+                    <a:pt x="20" y="40"/>
+                  </a:cubicBezTo>
+                  <a:close/>
+                  <a:moveTo>
+                    <a:pt x="20" y="4"/>
+                  </a:moveTo>
+                  <a:cubicBezTo>
+                    <a:pt x="11" y="4"/>
+                    <a:pt x="4" y="12"/>
+                    <a:pt x="4" y="20"/>
+                  </a:cubicBezTo>
+                  <a:cubicBezTo>
+                    <a:pt x="4" y="29"/>
+                    <a:pt x="11" y="36"/>
+                    <a:pt x="20" y="36"/>
+                  </a:cubicBezTo>
+                  <a:cubicBezTo>
+                    <a:pt x="29" y="36"/>
+                    <a:pt x="36" y="29"/>
+                    <a:pt x="36" y="20"/>
+                  </a:cubicBezTo>
+                  <a:cubicBezTo>
+                    <a:pt x="36" y="12"/>
+                    <a:pt x="29" y="4"/>
+                    <a:pt x="20" y="4"/>
+                  </a:cubicBezTo>
+                  <a:close/>
+                </a:path>
+              </a:pathLst>
+            </a:custGeom>
+            <a:grpFill/>
+            <a:ln>
+              <a:noFill/>
+            </a:ln>
+            <a:extLst>
+              <a:ext uri="{91240B29-F687-4f45-9708-019B960494DF}">
+                <a14:hiddenLine xmlns="" xmlns:a16="http://schemas.microsoft.com/office/drawing/2014/main" xmlns:p14="http://schemas.microsoft.com/office/powerpoint/2010/main" xmlns:a14="http://schemas.microsoft.com/office/drawing/2010/main" w="9525">
+                  <a:solidFill>
+                    <a:srgbClr val="000000"/>
+                  </a:solidFill>
+                  <a:round/>
+                  <a:headEnd/>
+                  <a:tailEnd/>
+                </a14:hiddenLine>
+              </a:ext>
+            </a:extLst>
+          </p:spPr>
+          <p:txBody>
+            <a:bodyPr/>
+            <a:lstStyle/>
+            <a:p>
+              <a:endParaRPr lang="en-US"/>
+            </a:p>
+          </p:txBody>
+        </p:sp>
+        <p:sp>
+          <p:nvSpPr>
+            <p:cNvPr id="239" name="Freeform 21">
+              <a:extLst>
+                <a:ext uri="{FF2B5EF4-FFF2-40B4-BE49-F238E27FC236}">
+                  <a16:creationId xmlns:a16="http://schemas.microsoft.com/office/drawing/2014/main" id="{42231171-7F2B-4B11-B34A-D98DB4143906}"/>
+                </a:ext>
+                <a:ext uri="{C183D7F6-B498-43B3-948B-1728B52AA6E4}">
+                  <adec:decorative xmlns:adec="http://schemas.microsoft.com/office/drawing/2017/decorative" val="1"/>
+                </a:ext>
+              </a:extLst>
+            </p:cNvPr>
+            <p:cNvSpPr>
+              <a:spLocks noEditPoints="1"/>
+            </p:cNvSpPr>
+            <p:nvPr>
+              <p:extLst>
+                <p:ext uri="{386F3935-93C4-4BCD-93E2-E3B085C9AB24}">
+                  <p16:designElem xmlns:p16="http://schemas.microsoft.com/office/powerpoint/2015/main" val="1"/>
+                </p:ext>
+              </p:extLst>
+            </p:nvPr>
+          </p:nvSpPr>
+          <p:spPr bwMode="auto">
+            <a:xfrm>
+              <a:off x="890588" y="1554163"/>
+              <a:ext cx="190500" cy="190500"/>
+            </a:xfrm>
+            <a:custGeom>
+              <a:avLst/>
+              <a:gdLst/>
+              <a:ahLst/>
+              <a:cxnLst/>
+              <a:rect l="0" t="0" r="r" b="b"/>
+              <a:pathLst>
+                <a:path w="40" h="40">
+                  <a:moveTo>
+                    <a:pt x="20" y="40"/>
+                  </a:moveTo>
+                  <a:cubicBezTo>
+                    <a:pt x="9" y="40"/>
+                    <a:pt x="0" y="31"/>
+                    <a:pt x="0" y="20"/>
+                  </a:cubicBezTo>
+                  <a:cubicBezTo>
+                    <a:pt x="0" y="9"/>
+                    <a:pt x="9" y="0"/>
+                    <a:pt x="20" y="0"/>
+                  </a:cubicBezTo>
+                  <a:cubicBezTo>
+                    <a:pt x="31" y="0"/>
+                    <a:pt x="40" y="9"/>
+                    <a:pt x="40" y="20"/>
+                  </a:cubicBezTo>
+                  <a:cubicBezTo>
+                    <a:pt x="40" y="31"/>
+                    <a:pt x="31" y="40"/>
+                    <a:pt x="20" y="40"/>
+                  </a:cubicBezTo>
+                  <a:close/>
+                  <a:moveTo>
+                    <a:pt x="20" y="4"/>
+                  </a:moveTo>
+                  <a:cubicBezTo>
+                    <a:pt x="11" y="4"/>
+                    <a:pt x="4" y="11"/>
+                    <a:pt x="4" y="20"/>
+                  </a:cubicBezTo>
+                  <a:cubicBezTo>
+                    <a:pt x="4" y="28"/>
+                    <a:pt x="11" y="36"/>
+                    <a:pt x="20" y="36"/>
+                  </a:cubicBezTo>
+                  <a:cubicBezTo>
+                    <a:pt x="29" y="36"/>
+                    <a:pt x="36" y="28"/>
+                    <a:pt x="36" y="20"/>
+                  </a:cubicBezTo>
+                  <a:cubicBezTo>
+                    <a:pt x="36" y="11"/>
+                    <a:pt x="29" y="4"/>
+                    <a:pt x="20" y="4"/>
+                  </a:cubicBezTo>
+                  <a:close/>
+                </a:path>
+              </a:pathLst>
+            </a:custGeom>
+            <a:grpFill/>
+            <a:ln>
+              <a:noFill/>
+            </a:ln>
+            <a:extLst>
+              <a:ext uri="{91240B29-F687-4f45-9708-019B960494DF}">
+                <a14:hiddenLine xmlns="" xmlns:a16="http://schemas.microsoft.com/office/drawing/2014/main" xmlns:p14="http://schemas.microsoft.com/office/powerpoint/2010/main" xmlns:a14="http://schemas.microsoft.com/office/drawing/2010/main" w="9525">
+                  <a:solidFill>
+                    <a:srgbClr val="000000"/>
+                  </a:solidFill>
+                  <a:round/>
+                  <a:headEnd/>
+                  <a:tailEnd/>
+                </a14:hiddenLine>
+              </a:ext>
+            </a:extLst>
+          </p:spPr>
+          <p:txBody>
+            <a:bodyPr/>
+            <a:lstStyle/>
+            <a:p>
+              <a:endParaRPr lang="en-US"/>
+            </a:p>
+          </p:txBody>
+        </p:sp>
+        <p:sp>
+          <p:nvSpPr>
+            <p:cNvPr id="240" name="Freeform 22">
+              <a:extLst>
+                <a:ext uri="{FF2B5EF4-FFF2-40B4-BE49-F238E27FC236}">
+                  <a16:creationId xmlns:a16="http://schemas.microsoft.com/office/drawing/2014/main" id="{AED192E7-1105-4649-8D4D-C86FFEDF6156}"/>
+                </a:ext>
+                <a:ext uri="{C183D7F6-B498-43B3-948B-1728B52AA6E4}">
+                  <adec:decorative xmlns:adec="http://schemas.microsoft.com/office/drawing/2017/decorative" val="1"/>
+                </a:ext>
+              </a:extLst>
+            </p:cNvPr>
+            <p:cNvSpPr/>
+            <p:nvPr>
+              <p:extLst>
+                <p:ext uri="{386F3935-93C4-4BCD-93E2-E3B085C9AB24}">
+                  <p16:designElem xmlns:p16="http://schemas.microsoft.com/office/powerpoint/2015/main" val="1"/>
+                </p:ext>
+              </p:extLst>
+            </p:nvPr>
+          </p:nvSpPr>
+          <p:spPr bwMode="auto">
+            <a:xfrm>
+              <a:off x="738188" y="5622925"/>
+              <a:ext cx="338138" cy="1216025"/>
+            </a:xfrm>
+            <a:custGeom>
+              <a:avLst/>
+              <a:gdLst/>
+              <a:ahLst/>
+              <a:cxnLst/>
+              <a:rect l="0" t="0" r="r" b="b"/>
+              <a:pathLst>
+                <a:path w="213" h="766">
+                  <a:moveTo>
+                    <a:pt x="213" y="766"/>
+                  </a:moveTo>
+                  <a:lnTo>
+                    <a:pt x="195" y="766"/>
+                  </a:lnTo>
+                  <a:lnTo>
+                    <a:pt x="195" y="464"/>
+                  </a:lnTo>
+                  <a:lnTo>
+                    <a:pt x="0" y="6"/>
+                  </a:lnTo>
+                  <a:lnTo>
+                    <a:pt x="12" y="0"/>
+                  </a:lnTo>
+                  <a:lnTo>
+                    <a:pt x="213" y="461"/>
+                  </a:lnTo>
+                  <a:lnTo>
+                    <a:pt x="213" y="766"/>
+                  </a:lnTo>
+                  <a:close/>
+                </a:path>
+              </a:pathLst>
+            </a:custGeom>
+            <a:grpFill/>
+            <a:ln>
+              <a:noFill/>
+            </a:ln>
+            <a:extLst>
+              <a:ext uri="{91240B29-F687-4f45-9708-019B960494DF}">
+                <a14:hiddenLine xmlns="" xmlns:a16="http://schemas.microsoft.com/office/drawing/2014/main" xmlns:p14="http://schemas.microsoft.com/office/powerpoint/2010/main" xmlns:a14="http://schemas.microsoft.com/office/drawing/2010/main" w="9525">
+                  <a:solidFill>
+                    <a:srgbClr val="000000"/>
+                  </a:solidFill>
+                  <a:round/>
+                  <a:headEnd/>
+                  <a:tailEnd/>
+                </a14:hiddenLine>
+              </a:ext>
+            </a:extLst>
+          </p:spPr>
+          <p:txBody>
+            <a:bodyPr/>
+            <a:lstStyle/>
+            <a:p>
+              <a:endParaRPr lang="en-US"/>
+            </a:p>
+          </p:txBody>
+        </p:sp>
+        <p:sp>
+          <p:nvSpPr>
+            <p:cNvPr id="241" name="Freeform 23">
+              <a:extLst>
+                <a:ext uri="{FF2B5EF4-FFF2-40B4-BE49-F238E27FC236}">
+                  <a16:creationId xmlns:a16="http://schemas.microsoft.com/office/drawing/2014/main" id="{8BA48BFE-2223-4E9C-A0EE-DE11843C3DCA}"/>
+                </a:ext>
+                <a:ext uri="{C183D7F6-B498-43B3-948B-1728B52AA6E4}">
+                  <adec:decorative xmlns:adec="http://schemas.microsoft.com/office/drawing/2017/decorative" val="1"/>
+                </a:ext>
+              </a:extLst>
+            </p:cNvPr>
+            <p:cNvSpPr>
+              <a:spLocks noEditPoints="1"/>
+            </p:cNvSpPr>
+            <p:nvPr>
+              <p:extLst>
+                <p:ext uri="{386F3935-93C4-4BCD-93E2-E3B085C9AB24}">
+                  <p16:designElem xmlns:p16="http://schemas.microsoft.com/office/powerpoint/2015/main" val="1"/>
+                </p:ext>
+              </p:extLst>
+            </p:nvPr>
+          </p:nvSpPr>
+          <p:spPr bwMode="auto">
+            <a:xfrm>
+              <a:off x="647700" y="5480050"/>
+              <a:ext cx="157163" cy="157163"/>
+            </a:xfrm>
+            <a:custGeom>
+              <a:avLst/>
+              <a:gdLst/>
+              <a:ahLst/>
+              <a:cxnLst/>
+              <a:rect l="0" t="0" r="r" b="b"/>
+              <a:pathLst>
+                <a:path w="33" h="33">
+                  <a:moveTo>
+                    <a:pt x="17" y="33"/>
+                  </a:moveTo>
+                  <a:cubicBezTo>
+                    <a:pt x="8" y="33"/>
+                    <a:pt x="0" y="26"/>
+                    <a:pt x="0" y="17"/>
+                  </a:cubicBezTo>
+                  <a:cubicBezTo>
+                    <a:pt x="0" y="8"/>
+                    <a:pt x="8" y="0"/>
+                    <a:pt x="17" y="0"/>
+                  </a:cubicBezTo>
+                  <a:cubicBezTo>
+                    <a:pt x="26" y="0"/>
+                    <a:pt x="33" y="8"/>
+                    <a:pt x="33" y="17"/>
+                  </a:cubicBezTo>
+                  <a:cubicBezTo>
+                    <a:pt x="33" y="26"/>
+                    <a:pt x="26" y="33"/>
+                    <a:pt x="17" y="33"/>
+                  </a:cubicBezTo>
+                  <a:close/>
+                  <a:moveTo>
+                    <a:pt x="17" y="4"/>
+                  </a:moveTo>
+                  <a:cubicBezTo>
+                    <a:pt x="10" y="4"/>
+                    <a:pt x="4" y="10"/>
+                    <a:pt x="4" y="17"/>
+                  </a:cubicBezTo>
+                  <a:cubicBezTo>
+                    <a:pt x="4" y="24"/>
+                    <a:pt x="10" y="29"/>
+                    <a:pt x="17" y="29"/>
+                  </a:cubicBezTo>
+                  <a:cubicBezTo>
+                    <a:pt x="23" y="29"/>
+                    <a:pt x="29" y="24"/>
+                    <a:pt x="29" y="17"/>
+                  </a:cubicBezTo>
+                  <a:cubicBezTo>
+                    <a:pt x="29" y="10"/>
+                    <a:pt x="23" y="4"/>
+                    <a:pt x="17" y="4"/>
+                  </a:cubicBezTo>
+                  <a:close/>
+                </a:path>
+              </a:pathLst>
+            </a:custGeom>
+            <a:grpFill/>
+            <a:ln>
+              <a:noFill/>
+            </a:ln>
+            <a:extLst>
+              <a:ext uri="{91240B29-F687-4f45-9708-019B960494DF}">
+                <a14:hiddenLine xmlns="" xmlns:a16="http://schemas.microsoft.com/office/drawing/2014/main" xmlns:p14="http://schemas.microsoft.com/office/powerpoint/2010/main" xmlns:a14="http://schemas.microsoft.com/office/drawing/2010/main" w="9525">
+                  <a:solidFill>
+                    <a:srgbClr val="000000"/>
+                  </a:solidFill>
+                  <a:round/>
+                  <a:headEnd/>
+                  <a:tailEnd/>
+                </a14:hiddenLine>
+              </a:ext>
+            </a:extLst>
+          </p:spPr>
+          <p:txBody>
+            <a:bodyPr/>
+            <a:lstStyle/>
+            <a:p>
+              <a:endParaRPr lang="en-US"/>
+            </a:p>
+          </p:txBody>
+        </p:sp>
+        <p:sp>
+          <p:nvSpPr>
+            <p:cNvPr id="242" name="Freeform 24">
+              <a:extLst>
+                <a:ext uri="{FF2B5EF4-FFF2-40B4-BE49-F238E27FC236}">
+                  <a16:creationId xmlns:a16="http://schemas.microsoft.com/office/drawing/2014/main" id="{B3FB57C9-C83B-4ADC-8E93-312492D43174}"/>
+                </a:ext>
+                <a:ext uri="{C183D7F6-B498-43B3-948B-1728B52AA6E4}">
+                  <adec:decorative xmlns:adec="http://schemas.microsoft.com/office/drawing/2017/decorative" val="1"/>
+                </a:ext>
+              </a:extLst>
+            </p:cNvPr>
+            <p:cNvSpPr>
+              <a:spLocks noEditPoints="1"/>
+            </p:cNvSpPr>
+            <p:nvPr>
+              <p:extLst>
+                <p:ext uri="{386F3935-93C4-4BCD-93E2-E3B085C9AB24}">
+                  <p16:designElem xmlns:p16="http://schemas.microsoft.com/office/powerpoint/2015/main" val="1"/>
+                </p:ext>
+              </p:extLst>
+            </p:nvPr>
+          </p:nvSpPr>
+          <p:spPr bwMode="auto">
+            <a:xfrm>
+              <a:off x="66675" y="903288"/>
+              <a:ext cx="190500" cy="190500"/>
+            </a:xfrm>
+            <a:custGeom>
+              <a:avLst/>
+              <a:gdLst/>
+              <a:ahLst/>
+              <a:cxnLst/>
+              <a:rect l="0" t="0" r="r" b="b"/>
+              <a:pathLst>
+                <a:path w="40" h="40">
+                  <a:moveTo>
+                    <a:pt x="20" y="40"/>
+                  </a:moveTo>
+                  <a:cubicBezTo>
+                    <a:pt x="9" y="40"/>
+                    <a:pt x="0" y="31"/>
+                    <a:pt x="0" y="20"/>
+                  </a:cubicBezTo>
+                  <a:cubicBezTo>
+                    <a:pt x="0" y="9"/>
+                    <a:pt x="9" y="0"/>
+                    <a:pt x="20" y="0"/>
+                  </a:cubicBezTo>
+                  <a:cubicBezTo>
+                    <a:pt x="32" y="0"/>
+                    <a:pt x="40" y="9"/>
+                    <a:pt x="40" y="20"/>
+                  </a:cubicBezTo>
+                  <a:cubicBezTo>
+                    <a:pt x="40" y="31"/>
+                    <a:pt x="32" y="40"/>
+                    <a:pt x="20" y="40"/>
+                  </a:cubicBezTo>
+                  <a:close/>
+                  <a:moveTo>
+                    <a:pt x="20" y="4"/>
+                  </a:moveTo>
+                  <a:cubicBezTo>
+                    <a:pt x="12" y="4"/>
+                    <a:pt x="4" y="12"/>
+                    <a:pt x="4" y="20"/>
+                  </a:cubicBezTo>
+                  <a:cubicBezTo>
+                    <a:pt x="4" y="29"/>
+                    <a:pt x="12" y="36"/>
+                    <a:pt x="20" y="36"/>
+                  </a:cubicBezTo>
+                  <a:cubicBezTo>
+                    <a:pt x="29" y="36"/>
+                    <a:pt x="36" y="29"/>
+                    <a:pt x="36" y="20"/>
+                  </a:cubicBezTo>
+                  <a:cubicBezTo>
+                    <a:pt x="36" y="12"/>
+                    <a:pt x="29" y="4"/>
+                    <a:pt x="20" y="4"/>
+                  </a:cubicBezTo>
+                  <a:close/>
+                </a:path>
+              </a:pathLst>
+            </a:custGeom>
+            <a:grpFill/>
+            <a:ln>
+              <a:noFill/>
+            </a:ln>
+            <a:extLst>
+              <a:ext uri="{91240B29-F687-4f45-9708-019B960494DF}">
+                <a14:hiddenLine xmlns="" xmlns:a16="http://schemas.microsoft.com/office/drawing/2014/main" xmlns:p14="http://schemas.microsoft.com/office/powerpoint/2010/main" xmlns:a14="http://schemas.microsoft.com/office/drawing/2010/main" w="9525">
+                  <a:solidFill>
+                    <a:srgbClr val="000000"/>
+                  </a:solidFill>
+                  <a:round/>
+                  <a:headEnd/>
+                  <a:tailEnd/>
+                </a14:hiddenLine>
+              </a:ext>
+            </a:extLst>
+          </p:spPr>
+          <p:txBody>
+            <a:bodyPr/>
+            <a:lstStyle/>
+            <a:p>
+              <a:endParaRPr lang="en-US"/>
+            </a:p>
+          </p:txBody>
+        </p:sp>
+        <p:sp>
+          <p:nvSpPr>
+            <p:cNvPr id="243" name="Freeform 25">
+              <a:extLst>
+                <a:ext uri="{FF2B5EF4-FFF2-40B4-BE49-F238E27FC236}">
+                  <a16:creationId xmlns:a16="http://schemas.microsoft.com/office/drawing/2014/main" id="{AF6405A6-6E98-40DD-945A-E6D969231C26}"/>
+                </a:ext>
+                <a:ext uri="{C183D7F6-B498-43B3-948B-1728B52AA6E4}">
+                  <adec:decorative xmlns:adec="http://schemas.microsoft.com/office/drawing/2017/decorative" val="1"/>
+                </a:ext>
+              </a:extLst>
+            </p:cNvPr>
+            <p:cNvSpPr/>
+            <p:nvPr>
+              <p:extLst>
+                <p:ext uri="{386F3935-93C4-4BCD-93E2-E3B085C9AB24}">
+                  <p16:designElem xmlns:p16="http://schemas.microsoft.com/office/powerpoint/2015/main" val="1"/>
+                </p:ext>
+              </p:extLst>
+            </p:nvPr>
+          </p:nvSpPr>
+          <p:spPr bwMode="auto">
+            <a:xfrm>
+              <a:off x="0" y="3897313"/>
+              <a:ext cx="133350" cy="266700"/>
+            </a:xfrm>
+            <a:custGeom>
+              <a:avLst/>
+              <a:gdLst/>
+              <a:ahLst/>
+              <a:cxnLst/>
+              <a:rect l="0" t="0" r="r" b="b"/>
+              <a:pathLst>
+                <a:path w="84" h="168">
+                  <a:moveTo>
+                    <a:pt x="69" y="168"/>
+                  </a:moveTo>
+                  <a:lnTo>
+                    <a:pt x="0" y="6"/>
+                  </a:lnTo>
+                  <a:lnTo>
+                    <a:pt x="12" y="0"/>
+                  </a:lnTo>
+                  <a:lnTo>
+                    <a:pt x="84" y="162"/>
+                  </a:lnTo>
+                  <a:lnTo>
+                    <a:pt x="69" y="168"/>
+                  </a:lnTo>
+                  <a:close/>
+                </a:path>
+              </a:pathLst>
+            </a:custGeom>
+            <a:grpFill/>
+            <a:ln>
+              <a:noFill/>
+            </a:ln>
+            <a:extLst>
+              <a:ext uri="{91240B29-F687-4f45-9708-019B960494DF}">
+                <a14:hiddenLine xmlns="" xmlns:a16="http://schemas.microsoft.com/office/drawing/2014/main" xmlns:p14="http://schemas.microsoft.com/office/powerpoint/2010/main" xmlns:a14="http://schemas.microsoft.com/office/drawing/2010/main" w="9525">
+                  <a:solidFill>
+                    <a:srgbClr val="000000"/>
+                  </a:solidFill>
+                  <a:round/>
+                  <a:headEnd/>
+                  <a:tailEnd/>
+                </a14:hiddenLine>
+              </a:ext>
+            </a:extLst>
+          </p:spPr>
+          <p:txBody>
+            <a:bodyPr/>
+            <a:lstStyle/>
+            <a:p>
+              <a:endParaRPr lang="en-US"/>
+            </a:p>
+          </p:txBody>
+        </p:sp>
+        <p:sp>
+          <p:nvSpPr>
+            <p:cNvPr id="244" name="Freeform 26">
+              <a:extLst>
+                <a:ext uri="{FF2B5EF4-FFF2-40B4-BE49-F238E27FC236}">
+                  <a16:creationId xmlns:a16="http://schemas.microsoft.com/office/drawing/2014/main" id="{2D181A4A-23A5-4683-9F05-61228AD268F7}"/>
+                </a:ext>
+                <a:ext uri="{C183D7F6-B498-43B3-948B-1728B52AA6E4}">
+                  <adec:decorative xmlns:adec="http://schemas.microsoft.com/office/drawing/2017/decorative" val="1"/>
+                </a:ext>
+              </a:extLst>
+            </p:cNvPr>
+            <p:cNvSpPr>
+              <a:spLocks noEditPoints="1"/>
+            </p:cNvSpPr>
+            <p:nvPr>
+              <p:extLst>
+                <p:ext uri="{386F3935-93C4-4BCD-93E2-E3B085C9AB24}">
+                  <p16:designElem xmlns:p16="http://schemas.microsoft.com/office/powerpoint/2015/main" val="1"/>
+                </p:ext>
+              </p:extLst>
+            </p:nvPr>
+          </p:nvSpPr>
+          <p:spPr bwMode="auto">
+            <a:xfrm>
+              <a:off x="66675" y="4149725"/>
+              <a:ext cx="190500" cy="188913"/>
+            </a:xfrm>
+            <a:custGeom>
+              <a:avLst/>
+              <a:gdLst/>
+              <a:ahLst/>
+              <a:cxnLst/>
+              <a:rect l="0" t="0" r="r" b="b"/>
+              <a:pathLst>
+                <a:path w="40" h="40">
+                  <a:moveTo>
+                    <a:pt x="20" y="40"/>
+                  </a:moveTo>
+                  <a:cubicBezTo>
+                    <a:pt x="9" y="40"/>
+                    <a:pt x="0" y="31"/>
+                    <a:pt x="0" y="20"/>
+                  </a:cubicBezTo>
+                  <a:cubicBezTo>
+                    <a:pt x="0" y="9"/>
+                    <a:pt x="9" y="0"/>
+                    <a:pt x="20" y="0"/>
+                  </a:cubicBezTo>
+                  <a:cubicBezTo>
+                    <a:pt x="31" y="0"/>
+                    <a:pt x="40" y="9"/>
+                    <a:pt x="40" y="20"/>
+                  </a:cubicBezTo>
+                  <a:cubicBezTo>
+                    <a:pt x="40" y="31"/>
+                    <a:pt x="31" y="40"/>
+                    <a:pt x="20" y="40"/>
+                  </a:cubicBezTo>
+                  <a:close/>
+                  <a:moveTo>
+                    <a:pt x="20" y="4"/>
+                  </a:moveTo>
+                  <a:cubicBezTo>
+                    <a:pt x="11" y="4"/>
+                    <a:pt x="4" y="11"/>
+                    <a:pt x="4" y="20"/>
+                  </a:cubicBezTo>
+                  <a:cubicBezTo>
+                    <a:pt x="4" y="28"/>
+                    <a:pt x="11" y="36"/>
+                    <a:pt x="20" y="36"/>
+                  </a:cubicBezTo>
+                  <a:cubicBezTo>
+                    <a:pt x="29" y="36"/>
+                    <a:pt x="36" y="28"/>
+                    <a:pt x="36" y="20"/>
+                  </a:cubicBezTo>
+                  <a:cubicBezTo>
+                    <a:pt x="36" y="11"/>
+                    <a:pt x="29" y="4"/>
+                    <a:pt x="20" y="4"/>
+                  </a:cubicBezTo>
+                  <a:close/>
+                </a:path>
+              </a:pathLst>
+            </a:custGeom>
+            <a:grpFill/>
+            <a:ln>
+              <a:noFill/>
+            </a:ln>
+            <a:extLst>
+              <a:ext uri="{91240B29-F687-4f45-9708-019B960494DF}">
+                <a14:hiddenLine xmlns="" xmlns:a16="http://schemas.microsoft.com/office/drawing/2014/main" xmlns:p14="http://schemas.microsoft.com/office/powerpoint/2010/main" xmlns:a14="http://schemas.microsoft.com/office/drawing/2010/main" w="9525">
+                  <a:solidFill>
+                    <a:srgbClr val="000000"/>
+                  </a:solidFill>
+                  <a:round/>
+                  <a:headEnd/>
+                  <a:tailEnd/>
+                </a14:hiddenLine>
+              </a:ext>
+            </a:extLst>
+          </p:spPr>
+          <p:txBody>
+            <a:bodyPr/>
+            <a:lstStyle/>
+            <a:p>
+              <a:endParaRPr lang="en-US"/>
+            </a:p>
+          </p:txBody>
+        </p:sp>
+        <p:sp>
+          <p:nvSpPr>
+            <p:cNvPr id="245" name="Freeform 27">
+              <a:extLst>
+                <a:ext uri="{FF2B5EF4-FFF2-40B4-BE49-F238E27FC236}">
+                  <a16:creationId xmlns:a16="http://schemas.microsoft.com/office/drawing/2014/main" id="{201ABEF6-F58B-46EC-85FB-228E60962325}"/>
+                </a:ext>
+                <a:ext uri="{C183D7F6-B498-43B3-948B-1728B52AA6E4}">
+                  <adec:decorative xmlns:adec="http://schemas.microsoft.com/office/drawing/2017/decorative" val="1"/>
+                </a:ext>
+              </a:extLst>
+            </p:cNvPr>
+            <p:cNvSpPr/>
+            <p:nvPr>
+              <p:extLst>
+                <p:ext uri="{386F3935-93C4-4BCD-93E2-E3B085C9AB24}">
+                  <p16:designElem xmlns:p16="http://schemas.microsoft.com/office/powerpoint/2015/main" val="1"/>
+                </p:ext>
+              </p:extLst>
+            </p:nvPr>
+          </p:nvSpPr>
+          <p:spPr bwMode="auto">
+            <a:xfrm>
+              <a:off x="0" y="1644650"/>
+              <a:ext cx="133350" cy="269875"/>
+            </a:xfrm>
+            <a:custGeom>
+              <a:avLst/>
+              <a:gdLst/>
+              <a:ahLst/>
+              <a:cxnLst/>
+              <a:rect l="0" t="0" r="r" b="b"/>
+              <a:pathLst>
+                <a:path w="84" h="170">
+                  <a:moveTo>
+                    <a:pt x="12" y="170"/>
+                  </a:moveTo>
+                  <a:lnTo>
+                    <a:pt x="0" y="164"/>
+                  </a:lnTo>
+                  <a:lnTo>
+                    <a:pt x="69" y="0"/>
+                  </a:lnTo>
+                  <a:lnTo>
+                    <a:pt x="84" y="6"/>
+                  </a:lnTo>
+                  <a:lnTo>
+                    <a:pt x="12" y="170"/>
+                  </a:lnTo>
+                  <a:close/>
+                </a:path>
+              </a:pathLst>
+            </a:custGeom>
+            <a:grpFill/>
+            <a:ln>
+              <a:noFill/>
+            </a:ln>
+            <a:extLst>
+              <a:ext uri="{91240B29-F687-4f45-9708-019B960494DF}">
+                <a14:hiddenLine xmlns="" xmlns:a16="http://schemas.microsoft.com/office/drawing/2014/main" xmlns:p14="http://schemas.microsoft.com/office/powerpoint/2010/main" xmlns:a14="http://schemas.microsoft.com/office/drawing/2010/main" w="9525">
+                  <a:solidFill>
+                    <a:srgbClr val="000000"/>
+                  </a:solidFill>
+                  <a:round/>
+                  <a:headEnd/>
+                  <a:tailEnd/>
+                </a14:hiddenLine>
+              </a:ext>
+            </a:extLst>
+          </p:spPr>
+          <p:txBody>
+            <a:bodyPr/>
+            <a:lstStyle/>
+            <a:p>
+              <a:endParaRPr lang="en-US"/>
+            </a:p>
+          </p:txBody>
+        </p:sp>
+        <p:sp>
+          <p:nvSpPr>
+            <p:cNvPr id="246" name="Freeform 28">
+              <a:extLst>
+                <a:ext uri="{FF2B5EF4-FFF2-40B4-BE49-F238E27FC236}">
+                  <a16:creationId xmlns:a16="http://schemas.microsoft.com/office/drawing/2014/main" id="{D6EBECB6-1B5C-43E5-84BF-8D5385C030DD}"/>
+                </a:ext>
+                <a:ext uri="{C183D7F6-B498-43B3-948B-1728B52AA6E4}">
+                  <adec:decorative xmlns:adec="http://schemas.microsoft.com/office/drawing/2017/decorative" val="1"/>
+                </a:ext>
+              </a:extLst>
+            </p:cNvPr>
+            <p:cNvSpPr>
+              <a:spLocks noEditPoints="1"/>
+            </p:cNvSpPr>
+            <p:nvPr>
+              <p:extLst>
+                <p:ext uri="{386F3935-93C4-4BCD-93E2-E3B085C9AB24}">
+                  <p16:designElem xmlns:p16="http://schemas.microsoft.com/office/powerpoint/2015/main" val="1"/>
+                </p:ext>
+              </p:extLst>
+            </p:nvPr>
+          </p:nvSpPr>
+          <p:spPr bwMode="auto">
+            <a:xfrm>
+              <a:off x="66675" y="1468438"/>
+              <a:ext cx="190500" cy="190500"/>
+            </a:xfrm>
+            <a:custGeom>
+              <a:avLst/>
+              <a:gdLst/>
+              <a:ahLst/>
+              <a:cxnLst/>
+              <a:rect l="0" t="0" r="r" b="b"/>
+              <a:pathLst>
+                <a:path w="40" h="40">
+                  <a:moveTo>
+                    <a:pt x="20" y="40"/>
+                  </a:moveTo>
+                  <a:cubicBezTo>
+                    <a:pt x="9" y="40"/>
+                    <a:pt x="0" y="31"/>
+                    <a:pt x="0" y="20"/>
+                  </a:cubicBezTo>
+                  <a:cubicBezTo>
+                    <a:pt x="0" y="9"/>
+                    <a:pt x="9" y="0"/>
+                    <a:pt x="20" y="0"/>
+                  </a:cubicBezTo>
+                  <a:cubicBezTo>
+                    <a:pt x="31" y="0"/>
+                    <a:pt x="40" y="9"/>
+                    <a:pt x="40" y="20"/>
+                  </a:cubicBezTo>
+                  <a:cubicBezTo>
+                    <a:pt x="40" y="31"/>
+                    <a:pt x="31" y="40"/>
+                    <a:pt x="20" y="40"/>
+                  </a:cubicBezTo>
+                  <a:close/>
+                  <a:moveTo>
+                    <a:pt x="20" y="4"/>
+                  </a:moveTo>
+                  <a:cubicBezTo>
+                    <a:pt x="11" y="4"/>
+                    <a:pt x="4" y="11"/>
+                    <a:pt x="4" y="20"/>
+                  </a:cubicBezTo>
+                  <a:cubicBezTo>
+                    <a:pt x="4" y="28"/>
+                    <a:pt x="11" y="36"/>
+                    <a:pt x="20" y="36"/>
+                  </a:cubicBezTo>
+                  <a:cubicBezTo>
+                    <a:pt x="29" y="36"/>
+                    <a:pt x="36" y="28"/>
+                    <a:pt x="36" y="20"/>
+                  </a:cubicBezTo>
+                  <a:cubicBezTo>
+                    <a:pt x="36" y="11"/>
+                    <a:pt x="29" y="4"/>
+                    <a:pt x="20" y="4"/>
+                  </a:cubicBezTo>
+                  <a:close/>
+                </a:path>
+              </a:pathLst>
+            </a:custGeom>
+            <a:grpFill/>
+            <a:ln>
+              <a:noFill/>
+            </a:ln>
+            <a:extLst>
+              <a:ext uri="{91240B29-F687-4f45-9708-019B960494DF}">
+                <a14:hiddenLine xmlns="" xmlns:a16="http://schemas.microsoft.com/office/drawing/2014/main" xmlns:p14="http://schemas.microsoft.com/office/powerpoint/2010/main" xmlns:a14="http://schemas.microsoft.com/office/drawing/2010/main" w="9525">
+                  <a:solidFill>
+                    <a:srgbClr val="000000"/>
+                  </a:solidFill>
+                  <a:round/>
+                  <a:headEnd/>
+                  <a:tailEnd/>
+                </a14:hiddenLine>
+              </a:ext>
+            </a:extLst>
+          </p:spPr>
+          <p:txBody>
+            <a:bodyPr/>
+            <a:lstStyle/>
+            <a:p>
+              <a:endParaRPr lang="en-US"/>
+            </a:p>
+          </p:txBody>
+        </p:sp>
+        <p:sp>
+          <p:nvSpPr>
+            <p:cNvPr id="247" name="Freeform 29">
+              <a:extLst>
+                <a:ext uri="{FF2B5EF4-FFF2-40B4-BE49-F238E27FC236}">
+                  <a16:creationId xmlns:a16="http://schemas.microsoft.com/office/drawing/2014/main" id="{6D5B4EBF-EF44-4914-AE66-247EF3D359FA}"/>
+                </a:ext>
+                <a:ext uri="{C183D7F6-B498-43B3-948B-1728B52AA6E4}">
+                  <adec:decorative xmlns:adec="http://schemas.microsoft.com/office/drawing/2017/decorative" val="1"/>
+                </a:ext>
+              </a:extLst>
+            </p:cNvPr>
+            <p:cNvSpPr/>
+            <p:nvPr>
+              <p:extLst>
+                <p:ext uri="{386F3935-93C4-4BCD-93E2-E3B085C9AB24}">
+                  <p16:designElem xmlns:p16="http://schemas.microsoft.com/office/powerpoint/2015/main" val="1"/>
+                </p:ext>
+              </p:extLst>
+            </p:nvPr>
+          </p:nvSpPr>
+          <p:spPr bwMode="auto">
+            <a:xfrm>
+              <a:off x="695325" y="4763"/>
+              <a:ext cx="309563" cy="1558925"/>
+            </a:xfrm>
+            <a:custGeom>
+              <a:avLst/>
+              <a:gdLst/>
+              <a:ahLst/>
+              <a:cxnLst/>
+              <a:rect l="0" t="0" r="r" b="b"/>
+              <a:pathLst>
+                <a:path w="195" h="982">
+                  <a:moveTo>
+                    <a:pt x="195" y="982"/>
+                  </a:moveTo>
+                  <a:lnTo>
+                    <a:pt x="177" y="982"/>
+                  </a:lnTo>
+                  <a:lnTo>
+                    <a:pt x="177" y="805"/>
+                  </a:lnTo>
+                  <a:lnTo>
+                    <a:pt x="0" y="629"/>
+                  </a:lnTo>
+                  <a:lnTo>
+                    <a:pt x="0" y="0"/>
+                  </a:lnTo>
+                  <a:lnTo>
+                    <a:pt x="18" y="0"/>
+                  </a:lnTo>
+                  <a:lnTo>
+                    <a:pt x="18" y="623"/>
+                  </a:lnTo>
+                  <a:lnTo>
+                    <a:pt x="195" y="796"/>
+                  </a:lnTo>
+                  <a:lnTo>
+                    <a:pt x="195" y="982"/>
+                  </a:lnTo>
+                  <a:close/>
+                </a:path>
+              </a:pathLst>
+            </a:custGeom>
+            <a:grpFill/>
+            <a:ln>
+              <a:noFill/>
+            </a:ln>
+            <a:extLst>
+              <a:ext uri="{91240B29-F687-4f45-9708-019B960494DF}">
+                <a14:hiddenLine xmlns="" xmlns:a16="http://schemas.microsoft.com/office/drawing/2014/main" xmlns:p14="http://schemas.microsoft.com/office/powerpoint/2010/main" xmlns:a14="http://schemas.microsoft.com/office/drawing/2010/main" w="9525">
+                  <a:solidFill>
+                    <a:srgbClr val="000000"/>
+                  </a:solidFill>
+                  <a:round/>
+                  <a:headEnd/>
+                  <a:tailEnd/>
+                </a14:hiddenLine>
+              </a:ext>
+            </a:extLst>
+          </p:spPr>
+          <p:txBody>
+            <a:bodyPr/>
+            <a:lstStyle/>
+            <a:p>
+              <a:endParaRPr lang="en-US"/>
+            </a:p>
+          </p:txBody>
+        </p:sp>
+        <p:sp>
+          <p:nvSpPr>
+            <p:cNvPr id="248" name="Freeform 30">
+              <a:extLst>
+                <a:ext uri="{FF2B5EF4-FFF2-40B4-BE49-F238E27FC236}">
+                  <a16:creationId xmlns:a16="http://schemas.microsoft.com/office/drawing/2014/main" id="{43593E76-10EF-45B3-86EB-CA59047CC648}"/>
+                </a:ext>
+                <a:ext uri="{C183D7F6-B498-43B3-948B-1728B52AA6E4}">
+                  <adec:decorative xmlns:adec="http://schemas.microsoft.com/office/drawing/2017/decorative" val="1"/>
+                </a:ext>
+              </a:extLst>
+            </p:cNvPr>
+            <p:cNvSpPr>
+              <a:spLocks noEditPoints="1"/>
+            </p:cNvSpPr>
+            <p:nvPr>
+              <p:extLst>
+                <p:ext uri="{386F3935-93C4-4BCD-93E2-E3B085C9AB24}">
+                  <p16:designElem xmlns:p16="http://schemas.microsoft.com/office/powerpoint/2015/main" val="1"/>
+                </p:ext>
+              </p:extLst>
+            </p:nvPr>
+          </p:nvSpPr>
+          <p:spPr bwMode="auto">
+            <a:xfrm>
+              <a:off x="57150" y="4881563"/>
+              <a:ext cx="190500" cy="188913"/>
+            </a:xfrm>
+            <a:custGeom>
+              <a:avLst/>
+              <a:gdLst/>
+              <a:ahLst/>
+              <a:cxnLst/>
+              <a:rect l="0" t="0" r="r" b="b"/>
+              <a:pathLst>
+                <a:path w="40" h="40">
+                  <a:moveTo>
+                    <a:pt x="20" y="40"/>
+                  </a:moveTo>
+                  <a:cubicBezTo>
+                    <a:pt x="9" y="40"/>
+                    <a:pt x="0" y="31"/>
+                    <a:pt x="0" y="20"/>
+                  </a:cubicBezTo>
+                  <a:cubicBezTo>
+                    <a:pt x="0" y="9"/>
+                    <a:pt x="9" y="0"/>
+                    <a:pt x="20" y="0"/>
+                  </a:cubicBezTo>
+                  <a:cubicBezTo>
+                    <a:pt x="31" y="0"/>
+                    <a:pt x="40" y="9"/>
+                    <a:pt x="40" y="20"/>
+                  </a:cubicBezTo>
+                  <a:cubicBezTo>
+                    <a:pt x="40" y="31"/>
+                    <a:pt x="31" y="40"/>
+                    <a:pt x="20" y="40"/>
+                  </a:cubicBezTo>
+                  <a:close/>
+                  <a:moveTo>
+                    <a:pt x="20" y="4"/>
+                  </a:moveTo>
+                  <a:cubicBezTo>
+                    <a:pt x="12" y="4"/>
+                    <a:pt x="4" y="11"/>
+                    <a:pt x="4" y="20"/>
+                  </a:cubicBezTo>
+                  <a:cubicBezTo>
+                    <a:pt x="4" y="29"/>
+                    <a:pt x="12" y="36"/>
+                    <a:pt x="20" y="36"/>
+                  </a:cubicBezTo>
+                  <a:cubicBezTo>
+                    <a:pt x="29" y="36"/>
+                    <a:pt x="36" y="29"/>
+                    <a:pt x="36" y="20"/>
+                  </a:cubicBezTo>
+                  <a:cubicBezTo>
+                    <a:pt x="36" y="11"/>
+                    <a:pt x="29" y="4"/>
+                    <a:pt x="20" y="4"/>
+                  </a:cubicBezTo>
+                  <a:close/>
+                </a:path>
+              </a:pathLst>
+            </a:custGeom>
+            <a:grpFill/>
+            <a:ln>
+              <a:noFill/>
+            </a:ln>
+            <a:extLst>
+              <a:ext uri="{91240B29-F687-4f45-9708-019B960494DF}">
+                <a14:hiddenLine xmlns="" xmlns:a16="http://schemas.microsoft.com/office/drawing/2014/main" xmlns:p14="http://schemas.microsoft.com/office/powerpoint/2010/main" xmlns:a14="http://schemas.microsoft.com/office/drawing/2010/main" w="9525">
+                  <a:solidFill>
+                    <a:srgbClr val="000000"/>
+                  </a:solidFill>
+                  <a:round/>
+                  <a:headEnd/>
+                  <a:tailEnd/>
+                </a14:hiddenLine>
+              </a:ext>
+            </a:extLst>
+          </p:spPr>
+          <p:txBody>
+            <a:bodyPr/>
+            <a:lstStyle/>
+            <a:p>
+              <a:endParaRPr lang="en-US"/>
+            </a:p>
+          </p:txBody>
+        </p:sp>
+        <p:sp>
+          <p:nvSpPr>
+            <p:cNvPr id="249" name="Freeform 31">
+              <a:extLst>
+                <a:ext uri="{FF2B5EF4-FFF2-40B4-BE49-F238E27FC236}">
+                  <a16:creationId xmlns:a16="http://schemas.microsoft.com/office/drawing/2014/main" id="{FC3720B0-AA35-49D1-B5A6-9215D01383CF}"/>
+                </a:ext>
+                <a:ext uri="{C183D7F6-B498-43B3-948B-1728B52AA6E4}">
+                  <adec:decorative xmlns:adec="http://schemas.microsoft.com/office/drawing/2017/decorative" val="1"/>
+                </a:ext>
+              </a:extLst>
+            </p:cNvPr>
+            <p:cNvSpPr/>
+            <p:nvPr>
+              <p:extLst>
+                <p:ext uri="{386F3935-93C4-4BCD-93E2-E3B085C9AB24}">
+                  <p16:designElem xmlns:p16="http://schemas.microsoft.com/office/powerpoint/2015/main" val="1"/>
+                </p:ext>
+              </p:extLst>
+            </p:nvPr>
+          </p:nvSpPr>
+          <p:spPr bwMode="auto">
+            <a:xfrm>
+              <a:off x="138113" y="5060950"/>
+              <a:ext cx="304800" cy="1778000"/>
+            </a:xfrm>
+            <a:custGeom>
+              <a:avLst/>
+              <a:gdLst/>
+              <a:ahLst/>
+              <a:cxnLst/>
+              <a:rect l="0" t="0" r="r" b="b"/>
+              <a:pathLst>
+                <a:path w="192" h="1120">
+                  <a:moveTo>
+                    <a:pt x="192" y="1120"/>
+                  </a:moveTo>
+                  <a:lnTo>
+                    <a:pt x="177" y="1120"/>
+                  </a:lnTo>
+                  <a:lnTo>
+                    <a:pt x="177" y="360"/>
+                  </a:lnTo>
+                  <a:lnTo>
+                    <a:pt x="0" y="183"/>
+                  </a:lnTo>
+                  <a:lnTo>
+                    <a:pt x="0" y="0"/>
+                  </a:lnTo>
+                  <a:lnTo>
+                    <a:pt x="15" y="0"/>
+                  </a:lnTo>
+                  <a:lnTo>
+                    <a:pt x="15" y="177"/>
+                  </a:lnTo>
+                  <a:lnTo>
+                    <a:pt x="192" y="354"/>
+                  </a:lnTo>
+                  <a:lnTo>
+                    <a:pt x="192" y="1120"/>
+                  </a:lnTo>
+                  <a:close/>
+                </a:path>
+              </a:pathLst>
+            </a:custGeom>
+            <a:grpFill/>
+            <a:ln>
+              <a:noFill/>
+            </a:ln>
+            <a:extLst>
+              <a:ext uri="{91240B29-F687-4f45-9708-019B960494DF}">
+                <a14:hiddenLine xmlns="" xmlns:a16="http://schemas.microsoft.com/office/drawing/2014/main" xmlns:p14="http://schemas.microsoft.com/office/powerpoint/2010/main" xmlns:a14="http://schemas.microsoft.com/office/drawing/2010/main" w="9525">
+                  <a:solidFill>
+                    <a:srgbClr val="000000"/>
+                  </a:solidFill>
+                  <a:round/>
+                  <a:headEnd/>
+                  <a:tailEnd/>
+                </a14:hiddenLine>
+              </a:ext>
+            </a:extLst>
+          </p:spPr>
+          <p:txBody>
+            <a:bodyPr/>
+            <a:lstStyle/>
+            <a:p>
+              <a:endParaRPr lang="en-US"/>
+            </a:p>
+          </p:txBody>
+        </p:sp>
+        <p:sp>
+          <p:nvSpPr>
+            <p:cNvPr id="250" name="Freeform 32">
+              <a:extLst>
+                <a:ext uri="{FF2B5EF4-FFF2-40B4-BE49-F238E27FC236}">
+                  <a16:creationId xmlns:a16="http://schemas.microsoft.com/office/drawing/2014/main" id="{EEE267FA-B493-44EE-B372-8CB3A0450DD5}"/>
+                </a:ext>
+                <a:ext uri="{C183D7F6-B498-43B3-948B-1728B52AA6E4}">
+                  <adec:decorative xmlns:adec="http://schemas.microsoft.com/office/drawing/2017/decorative" val="1"/>
+                </a:ext>
+              </a:extLst>
+            </p:cNvPr>
+            <p:cNvSpPr>
+              <a:spLocks noEditPoints="1"/>
+            </p:cNvSpPr>
+            <p:nvPr>
+              <p:extLst>
+                <p:ext uri="{386F3935-93C4-4BCD-93E2-E3B085C9AB24}">
+                  <p16:designElem xmlns:p16="http://schemas.microsoft.com/office/powerpoint/2015/main" val="1"/>
+                </p:ext>
+              </p:extLst>
+            </p:nvPr>
+          </p:nvSpPr>
+          <p:spPr bwMode="auto">
+            <a:xfrm>
+              <a:off x="561975" y="6430963"/>
+              <a:ext cx="190500" cy="188913"/>
+            </a:xfrm>
+            <a:custGeom>
+              <a:avLst/>
+              <a:gdLst/>
+              <a:ahLst/>
+              <a:cxnLst/>
+              <a:rect l="0" t="0" r="r" b="b"/>
+              <a:pathLst>
+                <a:path w="40" h="40">
+                  <a:moveTo>
+                    <a:pt x="20" y="40"/>
+                  </a:moveTo>
+                  <a:cubicBezTo>
+                    <a:pt x="9" y="40"/>
+                    <a:pt x="0" y="31"/>
+                    <a:pt x="0" y="20"/>
+                  </a:cubicBezTo>
+                  <a:cubicBezTo>
+                    <a:pt x="0" y="9"/>
+                    <a:pt x="9" y="0"/>
+                    <a:pt x="20" y="0"/>
+                  </a:cubicBezTo>
+                  <a:cubicBezTo>
+                    <a:pt x="31" y="0"/>
+                    <a:pt x="40" y="9"/>
+                    <a:pt x="40" y="20"/>
+                  </a:cubicBezTo>
+                  <a:cubicBezTo>
+                    <a:pt x="40" y="31"/>
+                    <a:pt x="31" y="40"/>
+                    <a:pt x="20" y="40"/>
+                  </a:cubicBezTo>
+                  <a:close/>
+                  <a:moveTo>
+                    <a:pt x="20" y="4"/>
+                  </a:moveTo>
+                  <a:cubicBezTo>
+                    <a:pt x="12" y="4"/>
+                    <a:pt x="4" y="11"/>
+                    <a:pt x="4" y="20"/>
+                  </a:cubicBezTo>
+                  <a:cubicBezTo>
+                    <a:pt x="4" y="29"/>
+                    <a:pt x="12" y="36"/>
+                    <a:pt x="20" y="36"/>
+                  </a:cubicBezTo>
+                  <a:cubicBezTo>
+                    <a:pt x="29" y="36"/>
+                    <a:pt x="36" y="29"/>
+                    <a:pt x="36" y="20"/>
+                  </a:cubicBezTo>
+                  <a:cubicBezTo>
+                    <a:pt x="36" y="11"/>
+                    <a:pt x="29" y="4"/>
+                    <a:pt x="20" y="4"/>
+                  </a:cubicBezTo>
+                  <a:close/>
+                </a:path>
+              </a:pathLst>
+            </a:custGeom>
+            <a:grpFill/>
+            <a:ln>
+              <a:noFill/>
+            </a:ln>
+            <a:extLst>
+              <a:ext uri="{91240B29-F687-4f45-9708-019B960494DF}">
+                <a14:hiddenLine xmlns="" xmlns:a16="http://schemas.microsoft.com/office/drawing/2014/main" xmlns:p14="http://schemas.microsoft.com/office/powerpoint/2010/main" xmlns:a14="http://schemas.microsoft.com/office/drawing/2010/main" w="9525">
+                  <a:solidFill>
+                    <a:srgbClr val="000000"/>
+                  </a:solidFill>
+                  <a:round/>
+                  <a:headEnd/>
+                  <a:tailEnd/>
+                </a14:hiddenLine>
+              </a:ext>
+            </a:extLst>
+          </p:spPr>
+          <p:txBody>
+            <a:bodyPr/>
+            <a:lstStyle/>
+            <a:p>
+              <a:endParaRPr lang="en-US"/>
+            </a:p>
+          </p:txBody>
+        </p:sp>
+        <p:sp>
+          <p:nvSpPr>
+            <p:cNvPr id="251" name="Rectangle 33">
+              <a:extLst>
+                <a:ext uri="{FF2B5EF4-FFF2-40B4-BE49-F238E27FC236}">
+                  <a16:creationId xmlns:a16="http://schemas.microsoft.com/office/drawing/2014/main" id="{3DA75F6F-8EDF-4DF8-89BF-9C1137D17294}"/>
+                </a:ext>
+                <a:ext uri="{C183D7F6-B498-43B3-948B-1728B52AA6E4}">
+                  <adec:decorative xmlns:adec="http://schemas.microsoft.com/office/drawing/2017/decorative" val="1"/>
+                </a:ext>
+              </a:extLst>
+            </p:cNvPr>
+            <p:cNvSpPr>
+              <a:spLocks noChangeArrowheads="1"/>
+            </p:cNvSpPr>
+            <p:nvPr>
+              <p:extLst>
+                <p:ext uri="{386F3935-93C4-4BCD-93E2-E3B085C9AB24}">
+                  <p16:designElem xmlns:p16="http://schemas.microsoft.com/office/powerpoint/2015/main" val="1"/>
+                </p:ext>
+              </p:extLst>
+            </p:nvPr>
+          </p:nvSpPr>
+          <p:spPr bwMode="auto">
+            <a:xfrm>
+              <a:off x="642938" y="6610350"/>
+              <a:ext cx="23813" cy="242888"/>
+            </a:xfrm>
+            <a:prstGeom prst="rect">
+              <a:avLst/>
+            </a:prstGeom>
+            <a:grpFill/>
+            <a:ln>
+              <a:noFill/>
+            </a:ln>
+            <a:extLst>
+              <a:ext uri="{91240B29-F687-4f45-9708-019B960494DF}">
+                <a14:hiddenLine xmlns="" xmlns:a16="http://schemas.microsoft.com/office/drawing/2014/main" xmlns:p14="http://schemas.microsoft.com/office/powerpoint/2010/main" xmlns:a14="http://schemas.microsoft.com/office/drawing/2010/main" w="9525">
+                  <a:solidFill>
+                    <a:srgbClr val="000000"/>
+                  </a:solidFill>
+                  <a:miter lim="800000"/>
+                  <a:headEnd/>
+                  <a:tailEnd/>
+                </a14:hiddenLine>
+              </a:ext>
+            </a:extLst>
+          </p:spPr>
+          <p:txBody>
+            <a:bodyPr/>
+            <a:lstStyle/>
+            <a:p>
+              <a:endParaRPr lang="en-US"/>
+            </a:p>
+          </p:txBody>
+        </p:sp>
+        <p:sp>
+          <p:nvSpPr>
+            <p:cNvPr id="252" name="Freeform 34">
+              <a:extLst>
+                <a:ext uri="{FF2B5EF4-FFF2-40B4-BE49-F238E27FC236}">
+                  <a16:creationId xmlns:a16="http://schemas.microsoft.com/office/drawing/2014/main" id="{5BEEC465-A6AB-47E5-8FB5-DCA91F165F22}"/>
+                </a:ext>
+                <a:ext uri="{C183D7F6-B498-43B3-948B-1728B52AA6E4}">
+                  <adec:decorative xmlns:adec="http://schemas.microsoft.com/office/drawing/2017/decorative" val="1"/>
+                </a:ext>
+              </a:extLst>
+            </p:cNvPr>
+            <p:cNvSpPr>
+              <a:spLocks noEditPoints="1"/>
+            </p:cNvSpPr>
+            <p:nvPr>
+              <p:extLst>
+                <p:ext uri="{386F3935-93C4-4BCD-93E2-E3B085C9AB24}">
+                  <p16:designElem xmlns:p16="http://schemas.microsoft.com/office/powerpoint/2015/main" val="1"/>
+                </p:ext>
+              </p:extLst>
+            </p:nvPr>
+          </p:nvSpPr>
+          <p:spPr bwMode="auto">
+            <a:xfrm>
+              <a:off x="76200" y="6430963"/>
+              <a:ext cx="190500" cy="188913"/>
+            </a:xfrm>
+            <a:custGeom>
+              <a:avLst/>
+              <a:gdLst/>
+              <a:ahLst/>
+              <a:cxnLst/>
+              <a:rect l="0" t="0" r="r" b="b"/>
+              <a:pathLst>
+                <a:path w="40" h="40">
+                  <a:moveTo>
+                    <a:pt x="20" y="40"/>
+                  </a:moveTo>
+                  <a:cubicBezTo>
+                    <a:pt x="9" y="40"/>
+                    <a:pt x="0" y="31"/>
+                    <a:pt x="0" y="20"/>
+                  </a:cubicBezTo>
+                  <a:cubicBezTo>
+                    <a:pt x="0" y="9"/>
+                    <a:pt x="9" y="0"/>
+                    <a:pt x="20" y="0"/>
+                  </a:cubicBezTo>
+                  <a:cubicBezTo>
+                    <a:pt x="32" y="0"/>
+                    <a:pt x="40" y="9"/>
+                    <a:pt x="40" y="20"/>
+                  </a:cubicBezTo>
+                  <a:cubicBezTo>
+                    <a:pt x="40" y="31"/>
+                    <a:pt x="32" y="40"/>
+                    <a:pt x="20" y="40"/>
+                  </a:cubicBezTo>
+                  <a:close/>
+                  <a:moveTo>
+                    <a:pt x="20" y="4"/>
+                  </a:moveTo>
+                  <a:cubicBezTo>
+                    <a:pt x="12" y="4"/>
+                    <a:pt x="4" y="11"/>
+                    <a:pt x="4" y="20"/>
+                  </a:cubicBezTo>
+                  <a:cubicBezTo>
+                    <a:pt x="4" y="29"/>
+                    <a:pt x="12" y="36"/>
+                    <a:pt x="20" y="36"/>
+                  </a:cubicBezTo>
+                  <a:cubicBezTo>
+                    <a:pt x="29" y="36"/>
+                    <a:pt x="36" y="29"/>
+                    <a:pt x="36" y="20"/>
+                  </a:cubicBezTo>
+                  <a:cubicBezTo>
+                    <a:pt x="36" y="11"/>
+                    <a:pt x="29" y="4"/>
+                    <a:pt x="20" y="4"/>
+                  </a:cubicBezTo>
+                  <a:close/>
+                </a:path>
+              </a:pathLst>
+            </a:custGeom>
+            <a:grpFill/>
+            <a:ln>
+              <a:noFill/>
+            </a:ln>
+            <a:extLst>
+              <a:ext uri="{91240B29-F687-4f45-9708-019B960494DF}">
+                <a14:hiddenLine xmlns="" xmlns:a16="http://schemas.microsoft.com/office/drawing/2014/main" xmlns:p14="http://schemas.microsoft.com/office/powerpoint/2010/main" xmlns:a14="http://schemas.microsoft.com/office/drawing/2010/main" w="9525">
+                  <a:solidFill>
+                    <a:srgbClr val="000000"/>
+                  </a:solidFill>
+                  <a:round/>
+                  <a:headEnd/>
+                  <a:tailEnd/>
+                </a14:hiddenLine>
+              </a:ext>
+            </a:extLst>
+          </p:spPr>
+          <p:txBody>
+            <a:bodyPr/>
+            <a:lstStyle/>
+            <a:p>
+              <a:endParaRPr lang="en-US"/>
+            </a:p>
+          </p:txBody>
+        </p:sp>
+        <p:sp>
+          <p:nvSpPr>
+            <p:cNvPr id="253" name="Freeform 35">
+              <a:extLst>
+                <a:ext uri="{FF2B5EF4-FFF2-40B4-BE49-F238E27FC236}">
+                  <a16:creationId xmlns:a16="http://schemas.microsoft.com/office/drawing/2014/main" id="{89B9E785-F9F2-4951-8158-002B55126830}"/>
+                </a:ext>
+                <a:ext uri="{C183D7F6-B498-43B3-948B-1728B52AA6E4}">
+                  <adec:decorative xmlns:adec="http://schemas.microsoft.com/office/drawing/2017/decorative" val="1"/>
+                </a:ext>
+              </a:extLst>
+            </p:cNvPr>
+            <p:cNvSpPr/>
+            <p:nvPr>
+              <p:extLst>
+                <p:ext uri="{386F3935-93C4-4BCD-93E2-E3B085C9AB24}">
+                  <p16:designElem xmlns:p16="http://schemas.microsoft.com/office/powerpoint/2015/main" val="1"/>
+                </p:ext>
+              </p:extLst>
+            </p:nvPr>
+          </p:nvSpPr>
+          <p:spPr bwMode="auto">
+            <a:xfrm>
+              <a:off x="0" y="5978525"/>
+              <a:ext cx="190500" cy="461963"/>
+            </a:xfrm>
+            <a:custGeom>
+              <a:avLst/>
+              <a:gdLst/>
+              <a:ahLst/>
+              <a:cxnLst/>
+              <a:rect l="0" t="0" r="r" b="b"/>
+              <a:pathLst>
+                <a:path w="120" h="291">
+                  <a:moveTo>
+                    <a:pt x="120" y="291"/>
+                  </a:moveTo>
+                  <a:lnTo>
+                    <a:pt x="105" y="291"/>
+                  </a:lnTo>
+                  <a:lnTo>
+                    <a:pt x="105" y="114"/>
+                  </a:lnTo>
+                  <a:lnTo>
+                    <a:pt x="0" y="9"/>
+                  </a:lnTo>
+                  <a:lnTo>
+                    <a:pt x="12" y="0"/>
+                  </a:lnTo>
+                  <a:lnTo>
+                    <a:pt x="120" y="108"/>
+                  </a:lnTo>
+                  <a:lnTo>
+                    <a:pt x="120" y="291"/>
+                  </a:lnTo>
+                  <a:close/>
+                </a:path>
+              </a:pathLst>
+            </a:custGeom>
+            <a:grpFill/>
+            <a:ln>
+              <a:noFill/>
+            </a:ln>
+            <a:extLst>
+              <a:ext uri="{91240B29-F687-4f45-9708-019B960494DF}">
+                <a14:hiddenLine xmlns="" xmlns:a16="http://schemas.microsoft.com/office/drawing/2014/main" xmlns:p14="http://schemas.microsoft.com/office/powerpoint/2010/main" xmlns:a14="http://schemas.microsoft.com/office/drawing/2010/main" w="9525">
+                  <a:solidFill>
+                    <a:srgbClr val="000000"/>
+                  </a:solidFill>
+                  <a:round/>
+                  <a:headEnd/>
+                  <a:tailEnd/>
+                </a14:hiddenLine>
+              </a:ext>
+            </a:extLst>
+          </p:spPr>
+          <p:txBody>
+            <a:bodyPr/>
+            <a:lstStyle/>
+            <a:p>
+              <a:endParaRPr lang="en-US"/>
+            </a:p>
+          </p:txBody>
+        </p:sp>
+        <p:sp>
+          <p:nvSpPr>
+            <p:cNvPr id="254" name="Freeform 36">
+              <a:extLst>
+                <a:ext uri="{FF2B5EF4-FFF2-40B4-BE49-F238E27FC236}">
+                  <a16:creationId xmlns:a16="http://schemas.microsoft.com/office/drawing/2014/main" id="{E1F4058F-C686-4BF1-9DE9-C917CAB901DC}"/>
+                </a:ext>
+                <a:ext uri="{C183D7F6-B498-43B3-948B-1728B52AA6E4}">
+                  <adec:decorative xmlns:adec="http://schemas.microsoft.com/office/drawing/2017/decorative" val="1"/>
+                </a:ext>
+              </a:extLst>
+            </p:cNvPr>
+            <p:cNvSpPr/>
+            <p:nvPr>
+              <p:extLst>
+                <p:ext uri="{386F3935-93C4-4BCD-93E2-E3B085C9AB24}">
+                  <p16:designElem xmlns:p16="http://schemas.microsoft.com/office/powerpoint/2015/main" val="1"/>
+                </p:ext>
+              </p:extLst>
+            </p:nvPr>
+          </p:nvSpPr>
+          <p:spPr bwMode="auto">
+            <a:xfrm>
+              <a:off x="1014413" y="1801813"/>
+              <a:ext cx="214313" cy="755650"/>
+            </a:xfrm>
+            <a:custGeom>
+              <a:avLst/>
+              <a:gdLst/>
+              <a:ahLst/>
+              <a:cxnLst/>
+              <a:rect l="0" t="0" r="r" b="b"/>
+              <a:pathLst>
+                <a:path w="135" h="476">
+                  <a:moveTo>
+                    <a:pt x="12" y="476"/>
+                  </a:moveTo>
+                  <a:lnTo>
+                    <a:pt x="0" y="476"/>
+                  </a:lnTo>
+                  <a:lnTo>
+                    <a:pt x="0" y="128"/>
+                  </a:lnTo>
+                  <a:lnTo>
+                    <a:pt x="126" y="0"/>
+                  </a:lnTo>
+                  <a:lnTo>
+                    <a:pt x="135" y="9"/>
+                  </a:lnTo>
+                  <a:lnTo>
+                    <a:pt x="12" y="131"/>
+                  </a:lnTo>
+                  <a:lnTo>
+                    <a:pt x="12" y="476"/>
+                  </a:lnTo>
+                  <a:close/>
+                </a:path>
+              </a:pathLst>
+            </a:custGeom>
+            <a:grpFill/>
+            <a:ln>
+              <a:noFill/>
+            </a:ln>
+            <a:extLst>
+              <a:ext uri="{91240B29-F687-4f45-9708-019B960494DF}">
+                <a14:hiddenLine xmlns="" xmlns:a16="http://schemas.microsoft.com/office/drawing/2014/main" xmlns:p14="http://schemas.microsoft.com/office/powerpoint/2010/main" xmlns:a14="http://schemas.microsoft.com/office/drawing/2010/main" w="9525">
+                  <a:solidFill>
+                    <a:srgbClr val="000000"/>
+                  </a:solidFill>
+                  <a:round/>
+                  <a:headEnd/>
+                  <a:tailEnd/>
+                </a14:hiddenLine>
+              </a:ext>
+            </a:extLst>
+          </p:spPr>
+          <p:txBody>
+            <a:bodyPr/>
+            <a:lstStyle/>
+            <a:p>
+              <a:endParaRPr lang="en-US"/>
+            </a:p>
+          </p:txBody>
+        </p:sp>
+        <p:sp>
+          <p:nvSpPr>
+            <p:cNvPr id="255" name="Freeform 37">
+              <a:extLst>
+                <a:ext uri="{FF2B5EF4-FFF2-40B4-BE49-F238E27FC236}">
+                  <a16:creationId xmlns:a16="http://schemas.microsoft.com/office/drawing/2014/main" id="{F1337D0C-63AE-4024-A976-139287761430}"/>
+                </a:ext>
+                <a:ext uri="{C183D7F6-B498-43B3-948B-1728B52AA6E4}">
+                  <adec:decorative xmlns:adec="http://schemas.microsoft.com/office/drawing/2017/decorative" val="1"/>
+                </a:ext>
+              </a:extLst>
+            </p:cNvPr>
+            <p:cNvSpPr>
+              <a:spLocks noEditPoints="1"/>
+            </p:cNvSpPr>
+            <p:nvPr>
+              <p:extLst>
+                <p:ext uri="{386F3935-93C4-4BCD-93E2-E3B085C9AB24}">
+                  <p16:designElem xmlns:p16="http://schemas.microsoft.com/office/powerpoint/2015/main" val="1"/>
+                </p:ext>
+              </p:extLst>
+            </p:nvPr>
+          </p:nvSpPr>
+          <p:spPr bwMode="auto">
+            <a:xfrm>
+              <a:off x="938213" y="2547938"/>
+              <a:ext cx="166688" cy="160338"/>
+            </a:xfrm>
+            <a:custGeom>
+              <a:avLst/>
+              <a:gdLst/>
+              <a:ahLst/>
+              <a:cxnLst/>
+              <a:rect l="0" t="0" r="r" b="b"/>
+              <a:pathLst>
+                <a:path w="35" h="34">
+                  <a:moveTo>
+                    <a:pt x="18" y="34"/>
+                  </a:moveTo>
+                  <a:cubicBezTo>
+                    <a:pt x="8" y="34"/>
+                    <a:pt x="0" y="26"/>
+                    <a:pt x="0" y="17"/>
+                  </a:cubicBezTo>
+                  <a:cubicBezTo>
+                    <a:pt x="0" y="7"/>
+                    <a:pt x="8" y="0"/>
+                    <a:pt x="18" y="0"/>
+                  </a:cubicBezTo>
+                  <a:cubicBezTo>
+                    <a:pt x="27" y="0"/>
+                    <a:pt x="35" y="7"/>
+                    <a:pt x="35" y="17"/>
+                  </a:cubicBezTo>
+                  <a:cubicBezTo>
+                    <a:pt x="35" y="26"/>
+                    <a:pt x="27" y="34"/>
+                    <a:pt x="18" y="34"/>
+                  </a:cubicBezTo>
+                  <a:close/>
+                  <a:moveTo>
+                    <a:pt x="18" y="4"/>
+                  </a:moveTo>
+                  <a:cubicBezTo>
+                    <a:pt x="10" y="4"/>
+                    <a:pt x="4" y="10"/>
+                    <a:pt x="4" y="17"/>
+                  </a:cubicBezTo>
+                  <a:cubicBezTo>
+                    <a:pt x="4" y="24"/>
+                    <a:pt x="10" y="30"/>
+                    <a:pt x="18" y="30"/>
+                  </a:cubicBezTo>
+                  <a:cubicBezTo>
+                    <a:pt x="25" y="30"/>
+                    <a:pt x="31" y="24"/>
+                    <a:pt x="31" y="17"/>
+                  </a:cubicBezTo>
+                  <a:cubicBezTo>
+                    <a:pt x="31" y="10"/>
+                    <a:pt x="25" y="4"/>
+                    <a:pt x="18" y="4"/>
+                  </a:cubicBezTo>
+                  <a:close/>
+                </a:path>
+              </a:pathLst>
+            </a:custGeom>
+            <a:grpFill/>
+            <a:ln>
+              <a:noFill/>
+            </a:ln>
+            <a:extLst>
+              <a:ext uri="{91240B29-F687-4f45-9708-019B960494DF}">
+                <a14:hiddenLine xmlns="" xmlns:a16="http://schemas.microsoft.com/office/drawing/2014/main" xmlns:p14="http://schemas.microsoft.com/office/powerpoint/2010/main" xmlns:a14="http://schemas.microsoft.com/office/drawing/2010/main" w="9525">
+                  <a:solidFill>
+                    <a:srgbClr val="000000"/>
+                  </a:solidFill>
+                  <a:round/>
+                  <a:headEnd/>
+                  <a:tailEnd/>
+                </a14:hiddenLine>
+              </a:ext>
+            </a:extLst>
+          </p:spPr>
+          <p:txBody>
+            <a:bodyPr/>
+            <a:lstStyle/>
+            <a:p>
+              <a:endParaRPr lang="en-US"/>
+            </a:p>
+          </p:txBody>
+        </p:sp>
+        <p:sp>
+          <p:nvSpPr>
+            <p:cNvPr id="256" name="Freeform 38">
+              <a:extLst>
+                <a:ext uri="{FF2B5EF4-FFF2-40B4-BE49-F238E27FC236}">
+                  <a16:creationId xmlns:a16="http://schemas.microsoft.com/office/drawing/2014/main" id="{7F12E32F-60F1-4DA3-A0B8-05E6AF31DFE5}"/>
+                </a:ext>
+                <a:ext uri="{C183D7F6-B498-43B3-948B-1728B52AA6E4}">
+                  <adec:decorative xmlns:adec="http://schemas.microsoft.com/office/drawing/2017/decorative" val="1"/>
+                </a:ext>
+              </a:extLst>
+            </p:cNvPr>
+            <p:cNvSpPr/>
+            <p:nvPr>
+              <p:extLst>
+                <p:ext uri="{386F3935-93C4-4BCD-93E2-E3B085C9AB24}">
+                  <p16:designElem xmlns:p16="http://schemas.microsoft.com/office/powerpoint/2015/main" val="1"/>
+                </p:ext>
+              </p:extLst>
+            </p:nvPr>
+          </p:nvSpPr>
+          <p:spPr bwMode="auto">
+            <a:xfrm>
+              <a:off x="595313" y="4763"/>
+              <a:ext cx="638175" cy="4025900"/>
+            </a:xfrm>
+            <a:custGeom>
+              <a:avLst/>
+              <a:gdLst/>
+              <a:ahLst/>
+              <a:cxnLst/>
+              <a:rect l="0" t="0" r="r" b="b"/>
+              <a:pathLst>
+                <a:path w="402" h="2536">
+                  <a:moveTo>
+                    <a:pt x="402" y="2536"/>
+                  </a:moveTo>
+                  <a:lnTo>
+                    <a:pt x="387" y="2536"/>
+                  </a:lnTo>
+                  <a:lnTo>
+                    <a:pt x="387" y="2311"/>
+                  </a:lnTo>
+                  <a:lnTo>
+                    <a:pt x="0" y="1925"/>
+                  </a:lnTo>
+                  <a:lnTo>
+                    <a:pt x="0" y="0"/>
+                  </a:lnTo>
+                  <a:lnTo>
+                    <a:pt x="15" y="0"/>
+                  </a:lnTo>
+                  <a:lnTo>
+                    <a:pt x="15" y="1916"/>
+                  </a:lnTo>
+                  <a:lnTo>
+                    <a:pt x="402" y="2302"/>
+                  </a:lnTo>
+                  <a:lnTo>
+                    <a:pt x="402" y="2536"/>
+                  </a:lnTo>
+                  <a:close/>
+                </a:path>
+              </a:pathLst>
+            </a:custGeom>
+            <a:grpFill/>
+            <a:ln>
+              <a:noFill/>
+            </a:ln>
+            <a:extLst>
+              <a:ext uri="{91240B29-F687-4f45-9708-019B960494DF}">
+                <a14:hiddenLine xmlns="" xmlns:a16="http://schemas.microsoft.com/office/drawing/2014/main" xmlns:p14="http://schemas.microsoft.com/office/powerpoint/2010/main" xmlns:a14="http://schemas.microsoft.com/office/drawing/2010/main" w="9525">
+                  <a:solidFill>
+                    <a:srgbClr val="000000"/>
+                  </a:solidFill>
+                  <a:round/>
+                  <a:headEnd/>
+                  <a:tailEnd/>
+                </a14:hiddenLine>
+              </a:ext>
+            </a:extLst>
+          </p:spPr>
+          <p:txBody>
+            <a:bodyPr/>
+            <a:lstStyle/>
+            <a:p>
+              <a:endParaRPr lang="en-US"/>
+            </a:p>
+          </p:txBody>
+        </p:sp>
+        <p:sp>
+          <p:nvSpPr>
+            <p:cNvPr id="257" name="Freeform 39">
+              <a:extLst>
+                <a:ext uri="{FF2B5EF4-FFF2-40B4-BE49-F238E27FC236}">
+                  <a16:creationId xmlns:a16="http://schemas.microsoft.com/office/drawing/2014/main" id="{7CC92CAE-5F95-49A9-B9F9-94A1DEE987ED}"/>
+                </a:ext>
+                <a:ext uri="{C183D7F6-B498-43B3-948B-1728B52AA6E4}">
+                  <adec:decorative xmlns:adec="http://schemas.microsoft.com/office/drawing/2017/decorative" val="1"/>
+                </a:ext>
+              </a:extLst>
+            </p:cNvPr>
+            <p:cNvSpPr/>
+            <p:nvPr>
+              <p:extLst>
+                <p:ext uri="{386F3935-93C4-4BCD-93E2-E3B085C9AB24}">
+                  <p16:designElem xmlns:p16="http://schemas.microsoft.com/office/powerpoint/2015/main" val="1"/>
+                </p:ext>
+              </p:extLst>
+            </p:nvPr>
+          </p:nvSpPr>
+          <p:spPr bwMode="auto">
+            <a:xfrm>
+              <a:off x="1223963" y="1382713"/>
+              <a:ext cx="142875" cy="476250"/>
+            </a:xfrm>
+            <a:custGeom>
+              <a:avLst/>
+              <a:gdLst/>
+              <a:ahLst/>
+              <a:cxnLst/>
+              <a:rect l="0" t="0" r="r" b="b"/>
+              <a:pathLst>
+                <a:path w="90" h="300">
+                  <a:moveTo>
+                    <a:pt x="90" y="300"/>
+                  </a:moveTo>
+                  <a:lnTo>
+                    <a:pt x="78" y="300"/>
+                  </a:lnTo>
+                  <a:lnTo>
+                    <a:pt x="78" y="84"/>
+                  </a:lnTo>
+                  <a:lnTo>
+                    <a:pt x="0" y="9"/>
+                  </a:lnTo>
+                  <a:lnTo>
+                    <a:pt x="9" y="0"/>
+                  </a:lnTo>
+                  <a:lnTo>
+                    <a:pt x="90" y="81"/>
+                  </a:lnTo>
+                  <a:lnTo>
+                    <a:pt x="90" y="300"/>
+                  </a:lnTo>
+                  <a:close/>
+                </a:path>
+              </a:pathLst>
+            </a:custGeom>
+            <a:grpFill/>
+            <a:ln>
+              <a:noFill/>
+            </a:ln>
+            <a:extLst>
+              <a:ext uri="{91240B29-F687-4f45-9708-019B960494DF}">
+                <a14:hiddenLine xmlns="" xmlns:a16="http://schemas.microsoft.com/office/drawing/2014/main" xmlns:p14="http://schemas.microsoft.com/office/powerpoint/2010/main" xmlns:a14="http://schemas.microsoft.com/office/drawing/2010/main" w="9525">
+                  <a:solidFill>
+                    <a:srgbClr val="000000"/>
+                  </a:solidFill>
+                  <a:round/>
+                  <a:headEnd/>
+                  <a:tailEnd/>
+                </a14:hiddenLine>
+              </a:ext>
+            </a:extLst>
+          </p:spPr>
+          <p:txBody>
+            <a:bodyPr/>
+            <a:lstStyle/>
+            <a:p>
+              <a:endParaRPr lang="en-US"/>
+            </a:p>
+          </p:txBody>
+        </p:sp>
+        <p:sp>
+          <p:nvSpPr>
+            <p:cNvPr id="258" name="Freeform 40">
+              <a:extLst>
+                <a:ext uri="{FF2B5EF4-FFF2-40B4-BE49-F238E27FC236}">
+                  <a16:creationId xmlns:a16="http://schemas.microsoft.com/office/drawing/2014/main" id="{610BE2B0-1D02-4099-9DD8-339F22FEE215}"/>
+                </a:ext>
+                <a:ext uri="{C183D7F6-B498-43B3-948B-1728B52AA6E4}">
+                  <adec:decorative xmlns:adec="http://schemas.microsoft.com/office/drawing/2017/decorative" val="1"/>
+                </a:ext>
+              </a:extLst>
+            </p:cNvPr>
+            <p:cNvSpPr>
+              <a:spLocks noEditPoints="1"/>
+            </p:cNvSpPr>
+            <p:nvPr>
+              <p:extLst>
+                <p:ext uri="{386F3935-93C4-4BCD-93E2-E3B085C9AB24}">
+                  <p16:designElem xmlns:p16="http://schemas.microsoft.com/office/powerpoint/2015/main" val="1"/>
+                </p:ext>
+              </p:extLst>
+            </p:nvPr>
+          </p:nvSpPr>
+          <p:spPr bwMode="auto">
+            <a:xfrm>
+              <a:off x="1300163" y="1849438"/>
+              <a:ext cx="109538" cy="107950"/>
+            </a:xfrm>
+            <a:custGeom>
+              <a:avLst/>
+              <a:gdLst/>
+              <a:ahLst/>
+              <a:cxnLst/>
+              <a:rect l="0" t="0" r="r" b="b"/>
+              <a:pathLst>
+                <a:path w="23" h="23">
+                  <a:moveTo>
+                    <a:pt x="12" y="23"/>
+                  </a:moveTo>
+                  <a:cubicBezTo>
+                    <a:pt x="5" y="23"/>
+                    <a:pt x="0" y="18"/>
+                    <a:pt x="0" y="12"/>
+                  </a:cubicBezTo>
+                  <a:cubicBezTo>
+                    <a:pt x="0" y="5"/>
+                    <a:pt x="5" y="0"/>
+                    <a:pt x="12" y="0"/>
+                  </a:cubicBezTo>
+                  <a:cubicBezTo>
+                    <a:pt x="18" y="0"/>
+                    <a:pt x="23" y="5"/>
+                    <a:pt x="23" y="12"/>
+                  </a:cubicBezTo>
+                  <a:cubicBezTo>
+                    <a:pt x="23" y="18"/>
+                    <a:pt x="18" y="23"/>
+                    <a:pt x="12" y="23"/>
+                  </a:cubicBezTo>
+                  <a:close/>
+                  <a:moveTo>
+                    <a:pt x="12" y="4"/>
+                  </a:moveTo>
+                  <a:cubicBezTo>
+                    <a:pt x="8" y="4"/>
+                    <a:pt x="4" y="8"/>
+                    <a:pt x="4" y="12"/>
+                  </a:cubicBezTo>
+                  <a:cubicBezTo>
+                    <a:pt x="4" y="16"/>
+                    <a:pt x="8" y="19"/>
+                    <a:pt x="12" y="19"/>
+                  </a:cubicBezTo>
+                  <a:cubicBezTo>
+                    <a:pt x="16" y="19"/>
+                    <a:pt x="19" y="16"/>
+                    <a:pt x="19" y="12"/>
+                  </a:cubicBezTo>
+                  <a:cubicBezTo>
+                    <a:pt x="19" y="8"/>
+                    <a:pt x="16" y="4"/>
+                    <a:pt x="12" y="4"/>
+                  </a:cubicBezTo>
+                  <a:close/>
+                </a:path>
+              </a:pathLst>
+            </a:custGeom>
+            <a:grpFill/>
+            <a:ln>
+              <a:noFill/>
+            </a:ln>
+            <a:extLst>
+              <a:ext uri="{91240B29-F687-4f45-9708-019B960494DF}">
+                <a14:hiddenLine xmlns="" xmlns:a16="http://schemas.microsoft.com/office/drawing/2014/main" xmlns:p14="http://schemas.microsoft.com/office/powerpoint/2010/main" xmlns:a14="http://schemas.microsoft.com/office/drawing/2010/main" w="9525">
+                  <a:solidFill>
+                    <a:srgbClr val="000000"/>
+                  </a:solidFill>
+                  <a:round/>
+                  <a:headEnd/>
+                  <a:tailEnd/>
+                </a14:hiddenLine>
+              </a:ext>
+            </a:extLst>
+          </p:spPr>
+          <p:txBody>
+            <a:bodyPr/>
+            <a:lstStyle/>
+            <a:p>
+              <a:endParaRPr lang="en-US"/>
+            </a:p>
+          </p:txBody>
+        </p:sp>
+        <p:sp>
+          <p:nvSpPr>
+            <p:cNvPr id="259" name="Freeform 41">
+              <a:extLst>
+                <a:ext uri="{FF2B5EF4-FFF2-40B4-BE49-F238E27FC236}">
+                  <a16:creationId xmlns:a16="http://schemas.microsoft.com/office/drawing/2014/main" id="{E10409A3-2BB1-41E7-90AE-3D296FC1F70C}"/>
+                </a:ext>
+                <a:ext uri="{C183D7F6-B498-43B3-948B-1728B52AA6E4}">
+                  <adec:decorative xmlns:adec="http://schemas.microsoft.com/office/drawing/2017/decorative" val="1"/>
+                </a:ext>
+              </a:extLst>
+            </p:cNvPr>
+            <p:cNvSpPr/>
+            <p:nvPr>
+              <p:extLst>
+                <p:ext uri="{386F3935-93C4-4BCD-93E2-E3B085C9AB24}">
+                  <p16:designElem xmlns:p16="http://schemas.microsoft.com/office/powerpoint/2015/main" val="1"/>
+                </p:ext>
+              </p:extLst>
+            </p:nvPr>
+          </p:nvSpPr>
+          <p:spPr bwMode="auto">
+            <a:xfrm>
+              <a:off x="280988" y="3417888"/>
+              <a:ext cx="142875" cy="474663"/>
+            </a:xfrm>
+            <a:custGeom>
+              <a:avLst/>
+              <a:gdLst/>
+              <a:ahLst/>
+              <a:cxnLst/>
+              <a:rect l="0" t="0" r="r" b="b"/>
+              <a:pathLst>
+                <a:path w="90" h="299">
+                  <a:moveTo>
+                    <a:pt x="12" y="299"/>
+                  </a:moveTo>
+                  <a:lnTo>
+                    <a:pt x="0" y="299"/>
+                  </a:lnTo>
+                  <a:lnTo>
+                    <a:pt x="0" y="80"/>
+                  </a:lnTo>
+                  <a:lnTo>
+                    <a:pt x="81" y="0"/>
+                  </a:lnTo>
+                  <a:lnTo>
+                    <a:pt x="90" y="8"/>
+                  </a:lnTo>
+                  <a:lnTo>
+                    <a:pt x="12" y="83"/>
+                  </a:lnTo>
+                  <a:lnTo>
+                    <a:pt x="12" y="299"/>
+                  </a:lnTo>
+                  <a:close/>
+                </a:path>
+              </a:pathLst>
+            </a:custGeom>
+            <a:grpFill/>
+            <a:ln>
+              <a:noFill/>
+            </a:ln>
+            <a:extLst>
+              <a:ext uri="{91240B29-F687-4f45-9708-019B960494DF}">
+                <a14:hiddenLine xmlns="" xmlns:a16="http://schemas.microsoft.com/office/drawing/2014/main" xmlns:p14="http://schemas.microsoft.com/office/powerpoint/2010/main" xmlns:a14="http://schemas.microsoft.com/office/drawing/2010/main" w="9525">
+                  <a:solidFill>
+                    <a:srgbClr val="000000"/>
+                  </a:solidFill>
+                  <a:round/>
+                  <a:headEnd/>
+                  <a:tailEnd/>
+                </a14:hiddenLine>
+              </a:ext>
+            </a:extLst>
+          </p:spPr>
+          <p:txBody>
+            <a:bodyPr/>
+            <a:lstStyle/>
+            <a:p>
+              <a:endParaRPr lang="en-US"/>
+            </a:p>
+          </p:txBody>
+        </p:sp>
+        <p:sp>
+          <p:nvSpPr>
+            <p:cNvPr id="260" name="Freeform 42">
+              <a:extLst>
+                <a:ext uri="{FF2B5EF4-FFF2-40B4-BE49-F238E27FC236}">
+                  <a16:creationId xmlns:a16="http://schemas.microsoft.com/office/drawing/2014/main" id="{F8F8E99E-F806-4235-ADFB-25B49D4A83B3}"/>
+                </a:ext>
+                <a:ext uri="{C183D7F6-B498-43B3-948B-1728B52AA6E4}">
+                  <adec:decorative xmlns:adec="http://schemas.microsoft.com/office/drawing/2017/decorative" val="1"/>
+                </a:ext>
+              </a:extLst>
+            </p:cNvPr>
+            <p:cNvSpPr>
+              <a:spLocks noEditPoints="1"/>
+            </p:cNvSpPr>
+            <p:nvPr>
+              <p:extLst>
+                <p:ext uri="{386F3935-93C4-4BCD-93E2-E3B085C9AB24}">
+                  <p16:designElem xmlns:p16="http://schemas.microsoft.com/office/powerpoint/2015/main" val="1"/>
+                </p:ext>
+              </p:extLst>
+            </p:nvPr>
+          </p:nvSpPr>
+          <p:spPr bwMode="auto">
+            <a:xfrm>
+              <a:off x="238125" y="3883025"/>
+              <a:ext cx="109538" cy="109538"/>
+            </a:xfrm>
+            <a:custGeom>
+              <a:avLst/>
+              <a:gdLst/>
+              <a:ahLst/>
+              <a:cxnLst/>
+              <a:rect l="0" t="0" r="r" b="b"/>
+              <a:pathLst>
+                <a:path w="23" h="23">
+                  <a:moveTo>
+                    <a:pt x="11" y="23"/>
+                  </a:moveTo>
+                  <a:cubicBezTo>
+                    <a:pt x="5" y="23"/>
+                    <a:pt x="0" y="18"/>
+                    <a:pt x="0" y="12"/>
+                  </a:cubicBezTo>
+                  <a:cubicBezTo>
+                    <a:pt x="0" y="5"/>
+                    <a:pt x="5" y="0"/>
+                    <a:pt x="11" y="0"/>
+                  </a:cubicBezTo>
+                  <a:cubicBezTo>
+                    <a:pt x="17" y="0"/>
+                    <a:pt x="23" y="5"/>
+                    <a:pt x="23" y="12"/>
+                  </a:cubicBezTo>
+                  <a:cubicBezTo>
+                    <a:pt x="23" y="18"/>
+                    <a:pt x="17" y="23"/>
+                    <a:pt x="11" y="23"/>
+                  </a:cubicBezTo>
+                  <a:close/>
+                  <a:moveTo>
+                    <a:pt x="11" y="4"/>
+                  </a:moveTo>
+                  <a:cubicBezTo>
+                    <a:pt x="7" y="4"/>
+                    <a:pt x="4" y="8"/>
+                    <a:pt x="4" y="12"/>
+                  </a:cubicBezTo>
+                  <a:cubicBezTo>
+                    <a:pt x="4" y="16"/>
+                    <a:pt x="7" y="19"/>
+                    <a:pt x="11" y="19"/>
+                  </a:cubicBezTo>
+                  <a:cubicBezTo>
+                    <a:pt x="15" y="19"/>
+                    <a:pt x="19" y="16"/>
+                    <a:pt x="19" y="12"/>
+                  </a:cubicBezTo>
+                  <a:cubicBezTo>
+                    <a:pt x="19" y="8"/>
+                    <a:pt x="15" y="4"/>
+                    <a:pt x="11" y="4"/>
+                  </a:cubicBezTo>
+                  <a:close/>
+                </a:path>
+              </a:pathLst>
+            </a:custGeom>
+            <a:grpFill/>
+            <a:ln>
+              <a:noFill/>
+            </a:ln>
+            <a:extLst>
+              <a:ext uri="{91240B29-F687-4f45-9708-019B960494DF}">
+                <a14:hiddenLine xmlns="" xmlns:a16="http://schemas.microsoft.com/office/drawing/2014/main" xmlns:p14="http://schemas.microsoft.com/office/powerpoint/2010/main" xmlns:a14="http://schemas.microsoft.com/office/drawing/2010/main" w="9525">
+                  <a:solidFill>
+                    <a:srgbClr val="000000"/>
+                  </a:solidFill>
+                  <a:round/>
+                  <a:headEnd/>
+                  <a:tailEnd/>
+                </a14:hiddenLine>
+              </a:ext>
+            </a:extLst>
+          </p:spPr>
+          <p:txBody>
+            <a:bodyPr/>
+            <a:lstStyle/>
+            <a:p>
+              <a:endParaRPr lang="en-US"/>
+            </a:p>
+          </p:txBody>
+        </p:sp>
+        <p:sp>
+          <p:nvSpPr>
+            <p:cNvPr id="261" name="Freeform 43">
+              <a:extLst>
+                <a:ext uri="{FF2B5EF4-FFF2-40B4-BE49-F238E27FC236}">
+                  <a16:creationId xmlns:a16="http://schemas.microsoft.com/office/drawing/2014/main" id="{3C4715E6-9985-446B-ADB4-B8227298887F}"/>
+                </a:ext>
+                <a:ext uri="{C183D7F6-B498-43B3-948B-1728B52AA6E4}">
+                  <adec:decorative xmlns:adec="http://schemas.microsoft.com/office/drawing/2017/decorative" val="1"/>
+                </a:ext>
+              </a:extLst>
+            </p:cNvPr>
+            <p:cNvSpPr/>
+            <p:nvPr>
+              <p:extLst>
+                <p:ext uri="{386F3935-93C4-4BCD-93E2-E3B085C9AB24}">
+                  <p16:designElem xmlns:p16="http://schemas.microsoft.com/office/powerpoint/2015/main" val="1"/>
+                </p:ext>
+              </p:extLst>
+            </p:nvPr>
+          </p:nvSpPr>
+          <p:spPr bwMode="auto">
+            <a:xfrm>
+              <a:off x="4763" y="2166938"/>
+              <a:ext cx="114300" cy="452438"/>
+            </a:xfrm>
+            <a:custGeom>
+              <a:avLst/>
+              <a:gdLst/>
+              <a:ahLst/>
+              <a:cxnLst/>
+              <a:rect l="0" t="0" r="r" b="b"/>
+              <a:pathLst>
+                <a:path w="72" h="285">
+                  <a:moveTo>
+                    <a:pt x="6" y="285"/>
+                  </a:moveTo>
+                  <a:lnTo>
+                    <a:pt x="0" y="276"/>
+                  </a:lnTo>
+                  <a:lnTo>
+                    <a:pt x="60" y="216"/>
+                  </a:lnTo>
+                  <a:lnTo>
+                    <a:pt x="60" y="0"/>
+                  </a:lnTo>
+                  <a:lnTo>
+                    <a:pt x="72" y="0"/>
+                  </a:lnTo>
+                  <a:lnTo>
+                    <a:pt x="72" y="222"/>
+                  </a:lnTo>
+                  <a:lnTo>
+                    <a:pt x="6" y="285"/>
+                  </a:lnTo>
+                  <a:close/>
+                </a:path>
+              </a:pathLst>
+            </a:custGeom>
+            <a:grpFill/>
+            <a:ln>
+              <a:noFill/>
+            </a:ln>
+            <a:extLst>
+              <a:ext uri="{91240B29-F687-4f45-9708-019B960494DF}">
+                <a14:hiddenLine xmlns="" xmlns:a16="http://schemas.microsoft.com/office/drawing/2014/main" xmlns:p14="http://schemas.microsoft.com/office/powerpoint/2010/main" xmlns:a14="http://schemas.microsoft.com/office/drawing/2010/main" w="9525">
+                  <a:solidFill>
+                    <a:srgbClr val="000000"/>
+                  </a:solidFill>
+                  <a:round/>
+                  <a:headEnd/>
+                  <a:tailEnd/>
+                </a14:hiddenLine>
+              </a:ext>
+            </a:extLst>
+          </p:spPr>
+          <p:txBody>
+            <a:bodyPr/>
+            <a:lstStyle/>
+            <a:p>
+              <a:endParaRPr lang="en-US"/>
+            </a:p>
+          </p:txBody>
+        </p:sp>
+        <p:sp>
+          <p:nvSpPr>
+            <p:cNvPr id="262" name="Freeform 44">
+              <a:extLst>
+                <a:ext uri="{FF2B5EF4-FFF2-40B4-BE49-F238E27FC236}">
+                  <a16:creationId xmlns:a16="http://schemas.microsoft.com/office/drawing/2014/main" id="{071C6B3A-09E9-4DEC-ADEE-FA919B782DE9}"/>
+                </a:ext>
+                <a:ext uri="{C183D7F6-B498-43B3-948B-1728B52AA6E4}">
+                  <adec:decorative xmlns:adec="http://schemas.microsoft.com/office/drawing/2017/decorative" val="1"/>
+                </a:ext>
+              </a:extLst>
+            </p:cNvPr>
+            <p:cNvSpPr>
+              <a:spLocks noEditPoints="1"/>
+            </p:cNvSpPr>
+            <p:nvPr>
+              <p:extLst>
+                <p:ext uri="{386F3935-93C4-4BCD-93E2-E3B085C9AB24}">
+                  <p16:designElem xmlns:p16="http://schemas.microsoft.com/office/powerpoint/2015/main" val="1"/>
+                </p:ext>
+              </p:extLst>
+            </p:nvPr>
+          </p:nvSpPr>
+          <p:spPr bwMode="auto">
+            <a:xfrm>
+              <a:off x="52388" y="2066925"/>
+              <a:ext cx="109538" cy="109538"/>
+            </a:xfrm>
+            <a:custGeom>
+              <a:avLst/>
+              <a:gdLst/>
+              <a:ahLst/>
+              <a:cxnLst/>
+              <a:rect l="0" t="0" r="r" b="b"/>
+              <a:pathLst>
+                <a:path w="23" h="23">
+                  <a:moveTo>
+                    <a:pt x="12" y="23"/>
+                  </a:moveTo>
+                  <a:cubicBezTo>
+                    <a:pt x="5" y="23"/>
+                    <a:pt x="0" y="18"/>
+                    <a:pt x="0" y="12"/>
+                  </a:cubicBezTo>
+                  <a:cubicBezTo>
+                    <a:pt x="0" y="5"/>
+                    <a:pt x="5" y="0"/>
+                    <a:pt x="12" y="0"/>
+                  </a:cubicBezTo>
+                  <a:cubicBezTo>
+                    <a:pt x="18" y="0"/>
+                    <a:pt x="23" y="5"/>
+                    <a:pt x="23" y="12"/>
+                  </a:cubicBezTo>
+                  <a:cubicBezTo>
+                    <a:pt x="23" y="18"/>
+                    <a:pt x="18" y="23"/>
+                    <a:pt x="12" y="23"/>
+                  </a:cubicBezTo>
+                  <a:close/>
+                  <a:moveTo>
+                    <a:pt x="12" y="4"/>
+                  </a:moveTo>
+                  <a:cubicBezTo>
+                    <a:pt x="8" y="4"/>
+                    <a:pt x="4" y="8"/>
+                    <a:pt x="4" y="12"/>
+                  </a:cubicBezTo>
+                  <a:cubicBezTo>
+                    <a:pt x="4" y="16"/>
+                    <a:pt x="8" y="19"/>
+                    <a:pt x="12" y="19"/>
+                  </a:cubicBezTo>
+                  <a:cubicBezTo>
+                    <a:pt x="16" y="19"/>
+                    <a:pt x="19" y="16"/>
+                    <a:pt x="19" y="12"/>
+                  </a:cubicBezTo>
+                  <a:cubicBezTo>
+                    <a:pt x="19" y="8"/>
+                    <a:pt x="16" y="4"/>
+                    <a:pt x="12" y="4"/>
+                  </a:cubicBezTo>
+                  <a:close/>
+                </a:path>
+              </a:pathLst>
+            </a:custGeom>
+            <a:grpFill/>
+            <a:ln>
+              <a:noFill/>
+            </a:ln>
+            <a:extLst>
+              <a:ext uri="{91240B29-F687-4f45-9708-019B960494DF}">
+                <a14:hiddenLine xmlns="" xmlns:a16="http://schemas.microsoft.com/office/drawing/2014/main" xmlns:p14="http://schemas.microsoft.com/office/powerpoint/2010/main" xmlns:a14="http://schemas.microsoft.com/office/drawing/2010/main" w="9525">
+                  <a:solidFill>
+                    <a:srgbClr val="000000"/>
+                  </a:solidFill>
+                  <a:round/>
+                  <a:headEnd/>
+                  <a:tailEnd/>
+                </a14:hiddenLine>
+              </a:ext>
+            </a:extLst>
+          </p:spPr>
+          <p:txBody>
+            <a:bodyPr/>
+            <a:lstStyle/>
+            <a:p>
+              <a:endParaRPr lang="en-US"/>
+            </a:p>
+          </p:txBody>
+        </p:sp>
+        <p:sp>
+          <p:nvSpPr>
+            <p:cNvPr id="263" name="Rectangle 45">
+              <a:extLst>
+                <a:ext uri="{FF2B5EF4-FFF2-40B4-BE49-F238E27FC236}">
+                  <a16:creationId xmlns:a16="http://schemas.microsoft.com/office/drawing/2014/main" id="{DE1E82C9-0A74-451A-A063-6818E33B0E10}"/>
+                </a:ext>
+                <a:ext uri="{C183D7F6-B498-43B3-948B-1728B52AA6E4}">
+                  <adec:decorative xmlns:adec="http://schemas.microsoft.com/office/drawing/2017/decorative" val="1"/>
+                </a:ext>
+              </a:extLst>
+            </p:cNvPr>
+            <p:cNvSpPr>
+              <a:spLocks noChangeArrowheads="1"/>
+            </p:cNvSpPr>
+            <p:nvPr>
+              <p:extLst>
+                <p:ext uri="{386F3935-93C4-4BCD-93E2-E3B085C9AB24}">
+                  <p16:designElem xmlns:p16="http://schemas.microsoft.com/office/powerpoint/2015/main" val="1"/>
+                </p:ext>
+              </p:extLst>
+            </p:nvPr>
+          </p:nvSpPr>
+          <p:spPr bwMode="auto">
+            <a:xfrm>
+              <a:off x="1228725" y="4662488"/>
+              <a:ext cx="23813" cy="2181225"/>
+            </a:xfrm>
+            <a:prstGeom prst="rect">
+              <a:avLst/>
+            </a:prstGeom>
+            <a:grpFill/>
+            <a:ln>
+              <a:noFill/>
+            </a:ln>
+            <a:extLst>
+              <a:ext uri="{91240B29-F687-4f45-9708-019B960494DF}">
+                <a14:hiddenLine xmlns="" xmlns:a16="http://schemas.microsoft.com/office/drawing/2014/main" xmlns:p14="http://schemas.microsoft.com/office/powerpoint/2010/main" xmlns:a14="http://schemas.microsoft.com/office/drawing/2010/main" w="9525">
+                  <a:solidFill>
+                    <a:srgbClr val="000000"/>
+                  </a:solidFill>
+                  <a:miter lim="800000"/>
+                  <a:headEnd/>
+                  <a:tailEnd/>
+                </a14:hiddenLine>
+              </a:ext>
+            </a:extLst>
+          </p:spPr>
+          <p:txBody>
+            <a:bodyPr/>
+            <a:lstStyle/>
+            <a:p>
+              <a:endParaRPr lang="en-US"/>
+            </a:p>
+          </p:txBody>
+        </p:sp>
+        <p:sp>
+          <p:nvSpPr>
+            <p:cNvPr id="264" name="Freeform 46">
+              <a:extLst>
+                <a:ext uri="{FF2B5EF4-FFF2-40B4-BE49-F238E27FC236}">
+                  <a16:creationId xmlns:a16="http://schemas.microsoft.com/office/drawing/2014/main" id="{F3662B80-5B88-475B-89A9-8E6AFBDCAC69}"/>
+                </a:ext>
+                <a:ext uri="{C183D7F6-B498-43B3-948B-1728B52AA6E4}">
+                  <adec:decorative xmlns:adec="http://schemas.microsoft.com/office/drawing/2017/decorative" val="1"/>
+                </a:ext>
+              </a:extLst>
+            </p:cNvPr>
+            <p:cNvSpPr/>
+            <p:nvPr>
+              <p:extLst>
+                <p:ext uri="{386F3935-93C4-4BCD-93E2-E3B085C9AB24}">
+                  <p16:designElem xmlns:p16="http://schemas.microsoft.com/office/powerpoint/2015/main" val="1"/>
+                </p:ext>
+              </p:extLst>
+            </p:nvPr>
+          </p:nvSpPr>
+          <p:spPr bwMode="auto">
+            <a:xfrm>
+              <a:off x="1319213" y="5041900"/>
+              <a:ext cx="371475" cy="1801813"/>
+            </a:xfrm>
+            <a:custGeom>
+              <a:avLst/>
+              <a:gdLst/>
+              <a:ahLst/>
+              <a:cxnLst/>
+              <a:rect l="0" t="0" r="r" b="b"/>
+              <a:pathLst>
+                <a:path w="234" h="1135">
+                  <a:moveTo>
+                    <a:pt x="15" y="1135"/>
+                  </a:moveTo>
+                  <a:lnTo>
+                    <a:pt x="0" y="1135"/>
+                  </a:lnTo>
+                  <a:lnTo>
+                    <a:pt x="0" y="515"/>
+                  </a:lnTo>
+                  <a:lnTo>
+                    <a:pt x="0" y="512"/>
+                  </a:lnTo>
+                  <a:lnTo>
+                    <a:pt x="219" y="0"/>
+                  </a:lnTo>
+                  <a:lnTo>
+                    <a:pt x="234" y="6"/>
+                  </a:lnTo>
+                  <a:lnTo>
+                    <a:pt x="15" y="518"/>
+                  </a:lnTo>
+                  <a:lnTo>
+                    <a:pt x="15" y="1135"/>
+                  </a:lnTo>
+                  <a:close/>
+                </a:path>
+              </a:pathLst>
+            </a:custGeom>
+            <a:grpFill/>
+            <a:ln>
+              <a:noFill/>
+            </a:ln>
+            <a:extLst>
+              <a:ext uri="{91240B29-F687-4f45-9708-019B960494DF}">
+                <a14:hiddenLine xmlns="" xmlns:a16="http://schemas.microsoft.com/office/drawing/2014/main" xmlns:p14="http://schemas.microsoft.com/office/powerpoint/2010/main" xmlns:a14="http://schemas.microsoft.com/office/drawing/2010/main" w="9525">
+                  <a:solidFill>
+                    <a:srgbClr val="000000"/>
+                  </a:solidFill>
+                  <a:round/>
+                  <a:headEnd/>
+                  <a:tailEnd/>
+                </a14:hiddenLine>
+              </a:ext>
+            </a:extLst>
+          </p:spPr>
+          <p:txBody>
+            <a:bodyPr/>
+            <a:lstStyle/>
+            <a:p>
+              <a:endParaRPr lang="en-US"/>
+            </a:p>
+          </p:txBody>
+        </p:sp>
+        <p:sp>
+          <p:nvSpPr>
+            <p:cNvPr id="265" name="Freeform 47">
+              <a:extLst>
+                <a:ext uri="{FF2B5EF4-FFF2-40B4-BE49-F238E27FC236}">
+                  <a16:creationId xmlns:a16="http://schemas.microsoft.com/office/drawing/2014/main" id="{ECA55A40-ECA9-4F56-9D04-8C68C1910E83}"/>
+                </a:ext>
+                <a:ext uri="{C183D7F6-B498-43B3-948B-1728B52AA6E4}">
+                  <adec:decorative xmlns:adec="http://schemas.microsoft.com/office/drawing/2017/decorative" val="1"/>
+                </a:ext>
+              </a:extLst>
+            </p:cNvPr>
+            <p:cNvSpPr>
+              <a:spLocks noEditPoints="1"/>
+            </p:cNvSpPr>
+            <p:nvPr>
+              <p:extLst>
+                <p:ext uri="{386F3935-93C4-4BCD-93E2-E3B085C9AB24}">
+                  <p16:designElem xmlns:p16="http://schemas.microsoft.com/office/powerpoint/2015/main" val="1"/>
+                </p:ext>
+              </p:extLst>
+            </p:nvPr>
+          </p:nvSpPr>
+          <p:spPr bwMode="auto">
+            <a:xfrm>
+              <a:off x="1147763" y="4481513"/>
+              <a:ext cx="190500" cy="190500"/>
+            </a:xfrm>
+            <a:custGeom>
+              <a:avLst/>
+              <a:gdLst/>
+              <a:ahLst/>
+              <a:cxnLst/>
+              <a:rect l="0" t="0" r="r" b="b"/>
+              <a:pathLst>
+                <a:path w="40" h="40">
+                  <a:moveTo>
+                    <a:pt x="20" y="40"/>
+                  </a:moveTo>
+                  <a:cubicBezTo>
+                    <a:pt x="9" y="40"/>
+                    <a:pt x="0" y="31"/>
+                    <a:pt x="0" y="20"/>
+                  </a:cubicBezTo>
+                  <a:cubicBezTo>
+                    <a:pt x="0" y="9"/>
+                    <a:pt x="9" y="0"/>
+                    <a:pt x="20" y="0"/>
+                  </a:cubicBezTo>
+                  <a:cubicBezTo>
+                    <a:pt x="31" y="0"/>
+                    <a:pt x="40" y="9"/>
+                    <a:pt x="40" y="20"/>
+                  </a:cubicBezTo>
+                  <a:cubicBezTo>
+                    <a:pt x="40" y="31"/>
+                    <a:pt x="31" y="40"/>
+                    <a:pt x="20" y="40"/>
+                  </a:cubicBezTo>
+                  <a:close/>
+                  <a:moveTo>
+                    <a:pt x="20" y="4"/>
+                  </a:moveTo>
+                  <a:cubicBezTo>
+                    <a:pt x="11" y="4"/>
+                    <a:pt x="4" y="11"/>
+                    <a:pt x="4" y="20"/>
+                  </a:cubicBezTo>
+                  <a:cubicBezTo>
+                    <a:pt x="4" y="29"/>
+                    <a:pt x="11" y="36"/>
+                    <a:pt x="20" y="36"/>
+                  </a:cubicBezTo>
+                  <a:cubicBezTo>
+                    <a:pt x="28" y="36"/>
+                    <a:pt x="36" y="29"/>
+                    <a:pt x="36" y="20"/>
+                  </a:cubicBezTo>
+                  <a:cubicBezTo>
+                    <a:pt x="36" y="11"/>
+                    <a:pt x="28" y="4"/>
+                    <a:pt x="20" y="4"/>
+                  </a:cubicBezTo>
+                  <a:close/>
+                </a:path>
+              </a:pathLst>
+            </a:custGeom>
+            <a:grpFill/>
+            <a:ln>
+              <a:noFill/>
+            </a:ln>
+            <a:extLst>
+              <a:ext uri="{91240B29-F687-4f45-9708-019B960494DF}">
+                <a14:hiddenLine xmlns="" xmlns:a16="http://schemas.microsoft.com/office/drawing/2014/main" xmlns:p14="http://schemas.microsoft.com/office/powerpoint/2010/main" xmlns:a14="http://schemas.microsoft.com/office/drawing/2010/main" w="9525">
+                  <a:solidFill>
+                    <a:srgbClr val="000000"/>
+                  </a:solidFill>
+                  <a:round/>
+                  <a:headEnd/>
+                  <a:tailEnd/>
+                </a14:hiddenLine>
+              </a:ext>
+            </a:extLst>
+          </p:spPr>
+          <p:txBody>
+            <a:bodyPr/>
+            <a:lstStyle/>
+            <a:p>
+              <a:endParaRPr lang="en-US"/>
+            </a:p>
+          </p:txBody>
+        </p:sp>
+        <p:sp>
+          <p:nvSpPr>
+            <p:cNvPr id="266" name="Freeform 48">
+              <a:extLst>
+                <a:ext uri="{FF2B5EF4-FFF2-40B4-BE49-F238E27FC236}">
+                  <a16:creationId xmlns:a16="http://schemas.microsoft.com/office/drawing/2014/main" id="{D1CED64C-F0D9-4EA6-B88B-E4795F81D491}"/>
+                </a:ext>
+                <a:ext uri="{C183D7F6-B498-43B3-948B-1728B52AA6E4}">
+                  <adec:decorative xmlns:adec="http://schemas.microsoft.com/office/drawing/2017/decorative" val="1"/>
+                </a:ext>
+              </a:extLst>
+            </p:cNvPr>
+            <p:cNvSpPr/>
+            <p:nvPr>
+              <p:extLst>
+                <p:ext uri="{386F3935-93C4-4BCD-93E2-E3B085C9AB24}">
+                  <p16:designElem xmlns:p16="http://schemas.microsoft.com/office/powerpoint/2015/main" val="1"/>
+                </p:ext>
+              </p:extLst>
+            </p:nvPr>
+          </p:nvSpPr>
+          <p:spPr bwMode="auto">
+            <a:xfrm>
+              <a:off x="819150" y="3983038"/>
+              <a:ext cx="347663" cy="2860675"/>
+            </a:xfrm>
+            <a:custGeom>
+              <a:avLst/>
+              <a:gdLst/>
+              <a:ahLst/>
+              <a:cxnLst/>
+              <a:rect l="0" t="0" r="r" b="b"/>
+              <a:pathLst>
+                <a:path w="219" h="1802">
+                  <a:moveTo>
+                    <a:pt x="219" y="1802"/>
+                  </a:moveTo>
+                  <a:lnTo>
+                    <a:pt x="201" y="1802"/>
+                  </a:lnTo>
+                  <a:lnTo>
+                    <a:pt x="201" y="1185"/>
+                  </a:lnTo>
+                  <a:lnTo>
+                    <a:pt x="0" y="3"/>
+                  </a:lnTo>
+                  <a:lnTo>
+                    <a:pt x="15" y="0"/>
+                  </a:lnTo>
+                  <a:lnTo>
+                    <a:pt x="219" y="1185"/>
+                  </a:lnTo>
+                  <a:lnTo>
+                    <a:pt x="219" y="1802"/>
+                  </a:lnTo>
+                  <a:close/>
+                </a:path>
+              </a:pathLst>
+            </a:custGeom>
+            <a:grpFill/>
+            <a:ln>
+              <a:noFill/>
+            </a:ln>
+            <a:extLst>
+              <a:ext uri="{91240B29-F687-4f45-9708-019B960494DF}">
+                <a14:hiddenLine xmlns="" xmlns:a16="http://schemas.microsoft.com/office/drawing/2014/main" xmlns:p14="http://schemas.microsoft.com/office/powerpoint/2010/main" xmlns:a14="http://schemas.microsoft.com/office/drawing/2010/main" w="9525">
+                  <a:solidFill>
+                    <a:srgbClr val="000000"/>
+                  </a:solidFill>
+                  <a:round/>
+                  <a:headEnd/>
+                  <a:tailEnd/>
+                </a14:hiddenLine>
+              </a:ext>
+            </a:extLst>
+          </p:spPr>
+          <p:txBody>
+            <a:bodyPr/>
+            <a:lstStyle/>
+            <a:p>
+              <a:endParaRPr lang="en-US"/>
+            </a:p>
+          </p:txBody>
+        </p:sp>
+        <p:sp>
+          <p:nvSpPr>
+            <p:cNvPr id="267" name="Freeform 49">
+              <a:extLst>
+                <a:ext uri="{FF2B5EF4-FFF2-40B4-BE49-F238E27FC236}">
+                  <a16:creationId xmlns:a16="http://schemas.microsoft.com/office/drawing/2014/main" id="{4641FE6D-04B5-4BBE-B700-E3A0C057BFF4}"/>
+                </a:ext>
+                <a:ext uri="{C183D7F6-B498-43B3-948B-1728B52AA6E4}">
+                  <adec:decorative xmlns:adec="http://schemas.microsoft.com/office/drawing/2017/decorative" val="1"/>
+                </a:ext>
+              </a:extLst>
+            </p:cNvPr>
+            <p:cNvSpPr>
+              <a:spLocks noEditPoints="1"/>
+            </p:cNvSpPr>
+            <p:nvPr>
+              <p:extLst>
+                <p:ext uri="{386F3935-93C4-4BCD-93E2-E3B085C9AB24}">
+                  <p16:designElem xmlns:p16="http://schemas.microsoft.com/office/powerpoint/2015/main" val="1"/>
+                </p:ext>
+              </p:extLst>
+            </p:nvPr>
+          </p:nvSpPr>
+          <p:spPr bwMode="auto">
+            <a:xfrm>
+              <a:off x="728663" y="3806825"/>
+              <a:ext cx="190500" cy="190500"/>
+            </a:xfrm>
+            <a:custGeom>
+              <a:avLst/>
+              <a:gdLst/>
+              <a:ahLst/>
+              <a:cxnLst/>
+              <a:rect l="0" t="0" r="r" b="b"/>
+              <a:pathLst>
+                <a:path w="40" h="40">
+                  <a:moveTo>
+                    <a:pt x="20" y="40"/>
+                  </a:moveTo>
+                  <a:cubicBezTo>
+                    <a:pt x="9" y="40"/>
+                    <a:pt x="0" y="31"/>
+                    <a:pt x="0" y="20"/>
+                  </a:cubicBezTo>
+                  <a:cubicBezTo>
+                    <a:pt x="0" y="9"/>
+                    <a:pt x="9" y="0"/>
+                    <a:pt x="20" y="0"/>
+                  </a:cubicBezTo>
+                  <a:cubicBezTo>
+                    <a:pt x="31" y="0"/>
+                    <a:pt x="40" y="9"/>
+                    <a:pt x="40" y="20"/>
+                  </a:cubicBezTo>
+                  <a:cubicBezTo>
+                    <a:pt x="40" y="31"/>
+                    <a:pt x="31" y="40"/>
+                    <a:pt x="20" y="40"/>
+                  </a:cubicBezTo>
+                  <a:close/>
+                  <a:moveTo>
+                    <a:pt x="20" y="4"/>
+                  </a:moveTo>
+                  <a:cubicBezTo>
+                    <a:pt x="11" y="4"/>
+                    <a:pt x="4" y="11"/>
+                    <a:pt x="4" y="20"/>
+                  </a:cubicBezTo>
+                  <a:cubicBezTo>
+                    <a:pt x="4" y="28"/>
+                    <a:pt x="11" y="36"/>
+                    <a:pt x="20" y="36"/>
+                  </a:cubicBezTo>
+                  <a:cubicBezTo>
+                    <a:pt x="29" y="36"/>
+                    <a:pt x="36" y="28"/>
+                    <a:pt x="36" y="20"/>
+                  </a:cubicBezTo>
+                  <a:cubicBezTo>
+                    <a:pt x="36" y="11"/>
+                    <a:pt x="29" y="4"/>
+                    <a:pt x="20" y="4"/>
+                  </a:cubicBezTo>
+                  <a:close/>
+                </a:path>
+              </a:pathLst>
+            </a:custGeom>
+            <a:grpFill/>
+            <a:ln>
+              <a:noFill/>
+            </a:ln>
+            <a:extLst>
+              <a:ext uri="{91240B29-F687-4f45-9708-019B960494DF}">
+                <a14:hiddenLine xmlns="" xmlns:a16="http://schemas.microsoft.com/office/drawing/2014/main" xmlns:p14="http://schemas.microsoft.com/office/powerpoint/2010/main" xmlns:a14="http://schemas.microsoft.com/office/drawing/2010/main" w="9525">
+                  <a:solidFill>
+                    <a:srgbClr val="000000"/>
+                  </a:solidFill>
+                  <a:round/>
+                  <a:headEnd/>
+                  <a:tailEnd/>
+                </a14:hiddenLine>
+              </a:ext>
+            </a:extLst>
+          </p:spPr>
+          <p:txBody>
+            <a:bodyPr/>
+            <a:lstStyle/>
+            <a:p>
+              <a:endParaRPr lang="en-US"/>
+            </a:p>
+          </p:txBody>
+        </p:sp>
+        <p:sp>
+          <p:nvSpPr>
+            <p:cNvPr id="268" name="Freeform 50">
+              <a:extLst>
+                <a:ext uri="{FF2B5EF4-FFF2-40B4-BE49-F238E27FC236}">
+                  <a16:creationId xmlns:a16="http://schemas.microsoft.com/office/drawing/2014/main" id="{1426A56A-D27A-4C9A-A74C-5A73E5AD6F0B}"/>
+                </a:ext>
+                <a:ext uri="{C183D7F6-B498-43B3-948B-1728B52AA6E4}">
+                  <adec:decorative xmlns:adec="http://schemas.microsoft.com/office/drawing/2017/decorative" val="1"/>
+                </a:ext>
+              </a:extLst>
+            </p:cNvPr>
+            <p:cNvSpPr>
+              <a:spLocks noEditPoints="1"/>
+            </p:cNvSpPr>
+            <p:nvPr>
+              <p:extLst>
+                <p:ext uri="{386F3935-93C4-4BCD-93E2-E3B085C9AB24}">
+                  <p16:designElem xmlns:p16="http://schemas.microsoft.com/office/powerpoint/2015/main" val="1"/>
+                </p:ext>
+              </p:extLst>
+            </p:nvPr>
+          </p:nvSpPr>
+          <p:spPr bwMode="auto">
+            <a:xfrm>
+              <a:off x="1624013" y="4867275"/>
+              <a:ext cx="190500" cy="188913"/>
+            </a:xfrm>
+            <a:custGeom>
+              <a:avLst/>
+              <a:gdLst/>
+              <a:ahLst/>
+              <a:cxnLst/>
+              <a:rect l="0" t="0" r="r" b="b"/>
+              <a:pathLst>
+                <a:path w="40" h="40">
+                  <a:moveTo>
+                    <a:pt x="20" y="40"/>
+                  </a:moveTo>
+                  <a:cubicBezTo>
+                    <a:pt x="9" y="40"/>
+                    <a:pt x="0" y="31"/>
+                    <a:pt x="0" y="20"/>
+                  </a:cubicBezTo>
+                  <a:cubicBezTo>
+                    <a:pt x="0" y="9"/>
+                    <a:pt x="9" y="0"/>
+                    <a:pt x="20" y="0"/>
+                  </a:cubicBezTo>
+                  <a:cubicBezTo>
+                    <a:pt x="31" y="0"/>
+                    <a:pt x="40" y="9"/>
+                    <a:pt x="40" y="20"/>
+                  </a:cubicBezTo>
+                  <a:cubicBezTo>
+                    <a:pt x="40" y="31"/>
+                    <a:pt x="31" y="40"/>
+                    <a:pt x="20" y="40"/>
+                  </a:cubicBezTo>
+                  <a:close/>
+                  <a:moveTo>
+                    <a:pt x="20" y="4"/>
+                  </a:moveTo>
+                  <a:cubicBezTo>
+                    <a:pt x="11" y="4"/>
+                    <a:pt x="4" y="11"/>
+                    <a:pt x="4" y="20"/>
+                  </a:cubicBezTo>
+                  <a:cubicBezTo>
+                    <a:pt x="4" y="29"/>
+                    <a:pt x="11" y="36"/>
+                    <a:pt x="20" y="36"/>
+                  </a:cubicBezTo>
+                  <a:cubicBezTo>
+                    <a:pt x="28" y="36"/>
+                    <a:pt x="36" y="29"/>
+                    <a:pt x="36" y="20"/>
+                  </a:cubicBezTo>
+                  <a:cubicBezTo>
+                    <a:pt x="36" y="11"/>
+                    <a:pt x="28" y="4"/>
+                    <a:pt x="20" y="4"/>
+                  </a:cubicBezTo>
+                  <a:close/>
+                </a:path>
+              </a:pathLst>
+            </a:custGeom>
+            <a:grpFill/>
+            <a:ln>
+              <a:noFill/>
+            </a:ln>
+            <a:extLst>
+              <a:ext uri="{91240B29-F687-4f45-9708-019B960494DF}">
+                <a14:hiddenLine xmlns="" xmlns:a16="http://schemas.microsoft.com/office/drawing/2014/main" xmlns:p14="http://schemas.microsoft.com/office/powerpoint/2010/main" xmlns:a14="http://schemas.microsoft.com/office/drawing/2010/main" w="9525">
+                  <a:solidFill>
+                    <a:srgbClr val="000000"/>
+                  </a:solidFill>
+                  <a:round/>
+                  <a:headEnd/>
+                  <a:tailEnd/>
+                </a14:hiddenLine>
+              </a:ext>
+            </a:extLst>
+          </p:spPr>
+          <p:txBody>
+            <a:bodyPr/>
+            <a:lstStyle/>
+            <a:p>
+              <a:endParaRPr lang="en-US"/>
+            </a:p>
+          </p:txBody>
+        </p:sp>
+        <p:sp>
+          <p:nvSpPr>
+            <p:cNvPr id="269" name="Freeform 51">
+              <a:extLst>
+                <a:ext uri="{FF2B5EF4-FFF2-40B4-BE49-F238E27FC236}">
+                  <a16:creationId xmlns:a16="http://schemas.microsoft.com/office/drawing/2014/main" id="{0D2887A6-6597-4932-AEA0-A1B3C719B93C}"/>
+                </a:ext>
+                <a:ext uri="{C183D7F6-B498-43B3-948B-1728B52AA6E4}">
+                  <adec:decorative xmlns:adec="http://schemas.microsoft.com/office/drawing/2017/decorative" val="1"/>
+                </a:ext>
+              </a:extLst>
+            </p:cNvPr>
+            <p:cNvSpPr/>
+            <p:nvPr>
+              <p:extLst>
+                <p:ext uri="{386F3935-93C4-4BCD-93E2-E3B085C9AB24}">
+                  <p16:designElem xmlns:p16="http://schemas.microsoft.com/office/powerpoint/2015/main" val="1"/>
+                </p:ext>
+              </p:extLst>
+            </p:nvPr>
+          </p:nvSpPr>
+          <p:spPr bwMode="auto">
+            <a:xfrm>
+              <a:off x="1404938" y="5422900"/>
+              <a:ext cx="371475" cy="1425575"/>
+            </a:xfrm>
+            <a:custGeom>
+              <a:avLst/>
+              <a:gdLst/>
+              <a:ahLst/>
+              <a:cxnLst/>
+              <a:rect l="0" t="0" r="r" b="b"/>
+              <a:pathLst>
+                <a:path w="234" h="898">
+                  <a:moveTo>
+                    <a:pt x="18" y="898"/>
+                  </a:moveTo>
+                  <a:lnTo>
+                    <a:pt x="0" y="898"/>
+                  </a:lnTo>
+                  <a:lnTo>
+                    <a:pt x="0" y="515"/>
+                  </a:lnTo>
+                  <a:lnTo>
+                    <a:pt x="0" y="512"/>
+                  </a:lnTo>
+                  <a:lnTo>
+                    <a:pt x="222" y="0"/>
+                  </a:lnTo>
+                  <a:lnTo>
+                    <a:pt x="234" y="6"/>
+                  </a:lnTo>
+                  <a:lnTo>
+                    <a:pt x="18" y="518"/>
+                  </a:lnTo>
+                  <a:lnTo>
+                    <a:pt x="18" y="898"/>
+                  </a:lnTo>
+                  <a:close/>
+                </a:path>
+              </a:pathLst>
+            </a:custGeom>
+            <a:grpFill/>
+            <a:ln>
+              <a:noFill/>
+            </a:ln>
+            <a:extLst>
+              <a:ext uri="{91240B29-F687-4f45-9708-019B960494DF}">
+                <a14:hiddenLine xmlns="" xmlns:a16="http://schemas.microsoft.com/office/drawing/2014/main" xmlns:p14="http://schemas.microsoft.com/office/powerpoint/2010/main" xmlns:a14="http://schemas.microsoft.com/office/drawing/2010/main" w="9525">
+                  <a:solidFill>
+                    <a:srgbClr val="000000"/>
+                  </a:solidFill>
+                  <a:round/>
+                  <a:headEnd/>
+                  <a:tailEnd/>
+                </a14:hiddenLine>
+              </a:ext>
+            </a:extLst>
+          </p:spPr>
+          <p:txBody>
+            <a:bodyPr/>
+            <a:lstStyle/>
+            <a:p>
+              <a:endParaRPr lang="en-US"/>
+            </a:p>
+          </p:txBody>
+        </p:sp>
+        <p:sp>
+          <p:nvSpPr>
+            <p:cNvPr id="270" name="Freeform 52">
+              <a:extLst>
+                <a:ext uri="{FF2B5EF4-FFF2-40B4-BE49-F238E27FC236}">
+                  <a16:creationId xmlns:a16="http://schemas.microsoft.com/office/drawing/2014/main" id="{32CCC3DB-409A-48A3-A79A-2E37A9603C31}"/>
+                </a:ext>
+                <a:ext uri="{C183D7F6-B498-43B3-948B-1728B52AA6E4}">
+                  <adec:decorative xmlns:adec="http://schemas.microsoft.com/office/drawing/2017/decorative" val="1"/>
+                </a:ext>
+              </a:extLst>
+            </p:cNvPr>
+            <p:cNvSpPr/>
+            <p:nvPr>
+              <p:extLst>
+                <p:ext uri="{386F3935-93C4-4BCD-93E2-E3B085C9AB24}">
+                  <p16:designElem xmlns:p16="http://schemas.microsoft.com/office/powerpoint/2015/main" val="1"/>
+                </p:ext>
+              </p:extLst>
+            </p:nvPr>
+          </p:nvSpPr>
+          <p:spPr bwMode="auto">
+            <a:xfrm>
+              <a:off x="1666875" y="5945188"/>
+              <a:ext cx="152400" cy="912813"/>
+            </a:xfrm>
+            <a:custGeom>
+              <a:avLst/>
+              <a:gdLst/>
+              <a:ahLst/>
+              <a:cxnLst/>
+              <a:rect l="0" t="0" r="r" b="b"/>
+              <a:pathLst>
+                <a:path w="96" h="575">
+                  <a:moveTo>
+                    <a:pt x="15" y="575"/>
+                  </a:moveTo>
+                  <a:lnTo>
+                    <a:pt x="0" y="569"/>
+                  </a:lnTo>
+                  <a:lnTo>
+                    <a:pt x="81" y="383"/>
+                  </a:lnTo>
+                  <a:lnTo>
+                    <a:pt x="81" y="0"/>
+                  </a:lnTo>
+                  <a:lnTo>
+                    <a:pt x="96" y="0"/>
+                  </a:lnTo>
+                  <a:lnTo>
+                    <a:pt x="96" y="386"/>
+                  </a:lnTo>
+                  <a:lnTo>
+                    <a:pt x="15" y="575"/>
+                  </a:lnTo>
+                  <a:close/>
+                </a:path>
+              </a:pathLst>
+            </a:custGeom>
+            <a:grpFill/>
+            <a:ln>
+              <a:noFill/>
+            </a:ln>
+            <a:extLst>
+              <a:ext uri="{91240B29-F687-4f45-9708-019B960494DF}">
+                <a14:hiddenLine xmlns="" xmlns:a16="http://schemas.microsoft.com/office/drawing/2014/main" xmlns:p14="http://schemas.microsoft.com/office/powerpoint/2010/main" xmlns:a14="http://schemas.microsoft.com/office/drawing/2010/main" w="9525">
+                  <a:solidFill>
+                    <a:srgbClr val="000000"/>
+                  </a:solidFill>
+                  <a:round/>
+                  <a:headEnd/>
+                  <a:tailEnd/>
+                </a14:hiddenLine>
+              </a:ext>
+            </a:extLst>
+          </p:spPr>
+          <p:txBody>
+            <a:bodyPr/>
+            <a:lstStyle/>
+            <a:p>
+              <a:endParaRPr lang="en-US"/>
+            </a:p>
+          </p:txBody>
+        </p:sp>
+        <p:sp>
+          <p:nvSpPr>
+            <p:cNvPr id="271" name="Freeform 53">
+              <a:extLst>
+                <a:ext uri="{FF2B5EF4-FFF2-40B4-BE49-F238E27FC236}">
+                  <a16:creationId xmlns:a16="http://schemas.microsoft.com/office/drawing/2014/main" id="{1C2C9C8A-AD45-4AA6-817C-3010FCF2056A}"/>
+                </a:ext>
+                <a:ext uri="{C183D7F6-B498-43B3-948B-1728B52AA6E4}">
+                  <adec:decorative xmlns:adec="http://schemas.microsoft.com/office/drawing/2017/decorative" val="1"/>
+                </a:ext>
+              </a:extLst>
+            </p:cNvPr>
+            <p:cNvSpPr>
+              <a:spLocks noEditPoints="1"/>
+            </p:cNvSpPr>
+            <p:nvPr>
+              <p:extLst>
+                <p:ext uri="{386F3935-93C4-4BCD-93E2-E3B085C9AB24}">
+                  <p16:designElem xmlns:p16="http://schemas.microsoft.com/office/powerpoint/2015/main" val="1"/>
+                </p:ext>
+              </p:extLst>
+            </p:nvPr>
+          </p:nvSpPr>
+          <p:spPr bwMode="auto">
+            <a:xfrm>
+              <a:off x="1709738" y="5246688"/>
+              <a:ext cx="190500" cy="190500"/>
+            </a:xfrm>
+            <a:custGeom>
+              <a:avLst/>
+              <a:gdLst/>
+              <a:ahLst/>
+              <a:cxnLst/>
+              <a:rect l="0" t="0" r="r" b="b"/>
+              <a:pathLst>
+                <a:path w="40" h="40">
+                  <a:moveTo>
+                    <a:pt x="20" y="40"/>
+                  </a:moveTo>
+                  <a:cubicBezTo>
+                    <a:pt x="9" y="40"/>
+                    <a:pt x="0" y="31"/>
+                    <a:pt x="0" y="20"/>
+                  </a:cubicBezTo>
+                  <a:cubicBezTo>
+                    <a:pt x="0" y="9"/>
+                    <a:pt x="9" y="0"/>
+                    <a:pt x="20" y="0"/>
+                  </a:cubicBezTo>
+                  <a:cubicBezTo>
+                    <a:pt x="31" y="0"/>
+                    <a:pt x="40" y="9"/>
+                    <a:pt x="40" y="20"/>
+                  </a:cubicBezTo>
+                  <a:cubicBezTo>
+                    <a:pt x="40" y="31"/>
+                    <a:pt x="31" y="40"/>
+                    <a:pt x="20" y="40"/>
+                  </a:cubicBezTo>
+                  <a:close/>
+                  <a:moveTo>
+                    <a:pt x="20" y="4"/>
+                  </a:moveTo>
+                  <a:cubicBezTo>
+                    <a:pt x="11" y="4"/>
+                    <a:pt x="4" y="11"/>
+                    <a:pt x="4" y="20"/>
+                  </a:cubicBezTo>
+                  <a:cubicBezTo>
+                    <a:pt x="4" y="29"/>
+                    <a:pt x="11" y="36"/>
+                    <a:pt x="20" y="36"/>
+                  </a:cubicBezTo>
+                  <a:cubicBezTo>
+                    <a:pt x="29" y="36"/>
+                    <a:pt x="36" y="29"/>
+                    <a:pt x="36" y="20"/>
+                  </a:cubicBezTo>
+                  <a:cubicBezTo>
+                    <a:pt x="36" y="11"/>
+                    <a:pt x="29" y="4"/>
+                    <a:pt x="20" y="4"/>
+                  </a:cubicBezTo>
+                  <a:close/>
+                </a:path>
+              </a:pathLst>
+            </a:custGeom>
+            <a:grpFill/>
+            <a:ln>
+              <a:noFill/>
+            </a:ln>
+            <a:extLst>
+              <a:ext uri="{91240B29-F687-4f45-9708-019B960494DF}">
+                <a14:hiddenLine xmlns="" xmlns:a16="http://schemas.microsoft.com/office/drawing/2014/main" xmlns:p14="http://schemas.microsoft.com/office/powerpoint/2010/main" xmlns:a14="http://schemas.microsoft.com/office/drawing/2010/main" w="9525">
+                  <a:solidFill>
+                    <a:srgbClr val="000000"/>
+                  </a:solidFill>
+                  <a:round/>
+                  <a:headEnd/>
+                  <a:tailEnd/>
+                </a14:hiddenLine>
+              </a:ext>
+            </a:extLst>
+          </p:spPr>
+          <p:txBody>
+            <a:bodyPr/>
+            <a:lstStyle/>
+            <a:p>
+              <a:endParaRPr lang="en-US"/>
+            </a:p>
+          </p:txBody>
+        </p:sp>
+        <p:sp>
+          <p:nvSpPr>
+            <p:cNvPr id="272" name="Freeform 54">
+              <a:extLst>
+                <a:ext uri="{FF2B5EF4-FFF2-40B4-BE49-F238E27FC236}">
+                  <a16:creationId xmlns:a16="http://schemas.microsoft.com/office/drawing/2014/main" id="{BD8D346A-C641-4BD2-B5AE-C48CC6A451C0}"/>
+                </a:ext>
+                <a:ext uri="{C183D7F6-B498-43B3-948B-1728B52AA6E4}">
+                  <adec:decorative xmlns:adec="http://schemas.microsoft.com/office/drawing/2017/decorative" val="1"/>
+                </a:ext>
+              </a:extLst>
+            </p:cNvPr>
+            <p:cNvSpPr>
+              <a:spLocks noEditPoints="1"/>
+            </p:cNvSpPr>
+            <p:nvPr>
+              <p:extLst>
+                <p:ext uri="{386F3935-93C4-4BCD-93E2-E3B085C9AB24}">
+                  <p16:designElem xmlns:p16="http://schemas.microsoft.com/office/powerpoint/2015/main" val="1"/>
+                </p:ext>
+              </p:extLst>
+            </p:nvPr>
+          </p:nvSpPr>
+          <p:spPr bwMode="auto">
+            <a:xfrm>
+              <a:off x="1709738" y="5764213"/>
+              <a:ext cx="190500" cy="190500"/>
+            </a:xfrm>
+            <a:custGeom>
+              <a:avLst/>
+              <a:gdLst/>
+              <a:ahLst/>
+              <a:cxnLst/>
+              <a:rect l="0" t="0" r="r" b="b"/>
+              <a:pathLst>
+                <a:path w="40" h="40">
+                  <a:moveTo>
+                    <a:pt x="20" y="40"/>
+                  </a:moveTo>
+                  <a:cubicBezTo>
+                    <a:pt x="9" y="40"/>
+                    <a:pt x="0" y="31"/>
+                    <a:pt x="0" y="20"/>
+                  </a:cubicBezTo>
+                  <a:cubicBezTo>
+                    <a:pt x="0" y="9"/>
+                    <a:pt x="9" y="0"/>
+                    <a:pt x="20" y="0"/>
+                  </a:cubicBezTo>
+                  <a:cubicBezTo>
+                    <a:pt x="31" y="0"/>
+                    <a:pt x="40" y="9"/>
+                    <a:pt x="40" y="20"/>
+                  </a:cubicBezTo>
+                  <a:cubicBezTo>
+                    <a:pt x="40" y="31"/>
+                    <a:pt x="31" y="40"/>
+                    <a:pt x="20" y="40"/>
+                  </a:cubicBezTo>
+                  <a:close/>
+                  <a:moveTo>
+                    <a:pt x="20" y="4"/>
+                  </a:moveTo>
+                  <a:cubicBezTo>
+                    <a:pt x="11" y="4"/>
+                    <a:pt x="4" y="11"/>
+                    <a:pt x="4" y="20"/>
+                  </a:cubicBezTo>
+                  <a:cubicBezTo>
+                    <a:pt x="4" y="29"/>
+                    <a:pt x="11" y="36"/>
+                    <a:pt x="20" y="36"/>
+                  </a:cubicBezTo>
+                  <a:cubicBezTo>
+                    <a:pt x="29" y="36"/>
+                    <a:pt x="36" y="29"/>
+                    <a:pt x="36" y="20"/>
+                  </a:cubicBezTo>
+                  <a:cubicBezTo>
+                    <a:pt x="36" y="11"/>
+                    <a:pt x="29" y="4"/>
+                    <a:pt x="20" y="4"/>
+                  </a:cubicBezTo>
+                  <a:close/>
+                </a:path>
+              </a:pathLst>
+            </a:custGeom>
+            <a:grpFill/>
+            <a:ln>
+              <a:noFill/>
+            </a:ln>
+            <a:extLst>
+              <a:ext uri="{91240B29-F687-4f45-9708-019B960494DF}">
+                <a14:hiddenLine xmlns="" xmlns:a16="http://schemas.microsoft.com/office/drawing/2014/main" xmlns:p14="http://schemas.microsoft.com/office/powerpoint/2010/main" xmlns:a14="http://schemas.microsoft.com/office/drawing/2010/main" w="9525">
+                  <a:solidFill>
+                    <a:srgbClr val="000000"/>
+                  </a:solidFill>
+                  <a:round/>
+                  <a:headEnd/>
+                  <a:tailEnd/>
+                </a14:hiddenLine>
+              </a:ext>
+            </a:extLst>
+          </p:spPr>
+          <p:txBody>
+            <a:bodyPr/>
+            <a:lstStyle/>
+            <a:p>
+              <a:endParaRPr lang="en-US"/>
+            </a:p>
+          </p:txBody>
+        </p:sp>
+        <p:sp>
+          <p:nvSpPr>
+            <p:cNvPr id="273" name="Freeform 55">
+              <a:extLst>
+                <a:ext uri="{FF2B5EF4-FFF2-40B4-BE49-F238E27FC236}">
+                  <a16:creationId xmlns:a16="http://schemas.microsoft.com/office/drawing/2014/main" id="{6BD8EEEB-07A6-4582-9E40-4AA094FED4AB}"/>
+                </a:ext>
+                <a:ext uri="{C183D7F6-B498-43B3-948B-1728B52AA6E4}">
+                  <adec:decorative xmlns:adec="http://schemas.microsoft.com/office/drawing/2017/decorative" val="1"/>
+                </a:ext>
+              </a:extLst>
+            </p:cNvPr>
+            <p:cNvSpPr/>
+            <p:nvPr>
+              <p:extLst>
+                <p:ext uri="{386F3935-93C4-4BCD-93E2-E3B085C9AB24}">
+                  <p16:designElem xmlns:p16="http://schemas.microsoft.com/office/powerpoint/2015/main" val="1"/>
+                </p:ext>
+              </p:extLst>
+            </p:nvPr>
+          </p:nvSpPr>
+          <p:spPr bwMode="auto">
+            <a:xfrm>
+              <a:off x="1766888" y="6330950"/>
+              <a:ext cx="419100" cy="527050"/>
+            </a:xfrm>
+            <a:custGeom>
+              <a:avLst/>
+              <a:gdLst/>
+              <a:ahLst/>
+              <a:cxnLst/>
+              <a:rect l="0" t="0" r="r" b="b"/>
+              <a:pathLst>
+                <a:path w="264" h="332">
+                  <a:moveTo>
+                    <a:pt x="12" y="332"/>
+                  </a:moveTo>
+                  <a:lnTo>
+                    <a:pt x="0" y="326"/>
+                  </a:lnTo>
+                  <a:lnTo>
+                    <a:pt x="45" y="206"/>
+                  </a:lnTo>
+                  <a:lnTo>
+                    <a:pt x="255" y="0"/>
+                  </a:lnTo>
+                  <a:lnTo>
+                    <a:pt x="264" y="12"/>
+                  </a:lnTo>
+                  <a:lnTo>
+                    <a:pt x="60" y="215"/>
+                  </a:lnTo>
+                  <a:lnTo>
+                    <a:pt x="12" y="332"/>
+                  </a:lnTo>
+                  <a:close/>
+                </a:path>
+              </a:pathLst>
+            </a:custGeom>
+            <a:grpFill/>
+            <a:ln>
+              <a:noFill/>
+            </a:ln>
+            <a:extLst>
+              <a:ext uri="{91240B29-F687-4f45-9708-019B960494DF}">
+                <a14:hiddenLine xmlns="" xmlns:a16="http://schemas.microsoft.com/office/drawing/2014/main" xmlns:p14="http://schemas.microsoft.com/office/powerpoint/2010/main" xmlns:a14="http://schemas.microsoft.com/office/drawing/2010/main" w="9525">
+                  <a:solidFill>
+                    <a:srgbClr val="000000"/>
+                  </a:solidFill>
+                  <a:round/>
+                  <a:headEnd/>
+                  <a:tailEnd/>
+                </a14:hiddenLine>
+              </a:ext>
+            </a:extLst>
+          </p:spPr>
+          <p:txBody>
+            <a:bodyPr/>
+            <a:lstStyle/>
+            <a:p>
+              <a:endParaRPr lang="en-US"/>
+            </a:p>
+          </p:txBody>
+        </p:sp>
+        <p:sp>
+          <p:nvSpPr>
+            <p:cNvPr id="274" name="Freeform 56">
+              <a:extLst>
+                <a:ext uri="{FF2B5EF4-FFF2-40B4-BE49-F238E27FC236}">
+                  <a16:creationId xmlns:a16="http://schemas.microsoft.com/office/drawing/2014/main" id="{9E6A63A8-37FA-425D-86BE-BF9A568AFE98}"/>
+                </a:ext>
+                <a:ext uri="{C183D7F6-B498-43B3-948B-1728B52AA6E4}">
+                  <adec:decorative xmlns:adec="http://schemas.microsoft.com/office/drawing/2017/decorative" val="1"/>
+                </a:ext>
+              </a:extLst>
+            </p:cNvPr>
+            <p:cNvSpPr>
+              <a:spLocks noEditPoints="1"/>
+            </p:cNvSpPr>
+            <p:nvPr>
+              <p:extLst>
+                <p:ext uri="{386F3935-93C4-4BCD-93E2-E3B085C9AB24}">
+                  <p16:designElem xmlns:p16="http://schemas.microsoft.com/office/powerpoint/2015/main" val="1"/>
+                </p:ext>
+              </p:extLst>
+            </p:nvPr>
+          </p:nvSpPr>
+          <p:spPr bwMode="auto">
+            <a:xfrm>
+              <a:off x="2147888" y="6221413"/>
+              <a:ext cx="157163" cy="147638"/>
+            </a:xfrm>
+            <a:custGeom>
+              <a:avLst/>
+              <a:gdLst/>
+              <a:ahLst/>
+              <a:cxnLst/>
+              <a:rect l="0" t="0" r="r" b="b"/>
+              <a:pathLst>
+                <a:path w="33" h="31">
+                  <a:moveTo>
+                    <a:pt x="16" y="31"/>
+                  </a:moveTo>
+                  <a:cubicBezTo>
+                    <a:pt x="12" y="31"/>
+                    <a:pt x="8" y="29"/>
+                    <a:pt x="5" y="26"/>
+                  </a:cubicBezTo>
+                  <a:cubicBezTo>
+                    <a:pt x="2" y="24"/>
+                    <a:pt x="0" y="20"/>
+                    <a:pt x="0" y="15"/>
+                  </a:cubicBezTo>
+                  <a:cubicBezTo>
+                    <a:pt x="0" y="11"/>
+                    <a:pt x="2" y="7"/>
+                    <a:pt x="5" y="4"/>
+                  </a:cubicBezTo>
+                  <a:cubicBezTo>
+                    <a:pt x="8" y="1"/>
+                    <a:pt x="12" y="0"/>
+                    <a:pt x="16" y="0"/>
+                  </a:cubicBezTo>
+                  <a:cubicBezTo>
+                    <a:pt x="20" y="0"/>
+                    <a:pt x="24" y="1"/>
+                    <a:pt x="27" y="4"/>
+                  </a:cubicBezTo>
+                  <a:cubicBezTo>
+                    <a:pt x="33" y="10"/>
+                    <a:pt x="33" y="20"/>
+                    <a:pt x="27" y="26"/>
+                  </a:cubicBezTo>
+                  <a:cubicBezTo>
+                    <a:pt x="24" y="29"/>
+                    <a:pt x="20" y="31"/>
+                    <a:pt x="16" y="31"/>
+                  </a:cubicBezTo>
+                  <a:close/>
+                  <a:moveTo>
+                    <a:pt x="16" y="4"/>
+                  </a:moveTo>
+                  <a:cubicBezTo>
+                    <a:pt x="13" y="4"/>
+                    <a:pt x="10" y="5"/>
+                    <a:pt x="8" y="7"/>
+                  </a:cubicBezTo>
+                  <a:cubicBezTo>
+                    <a:pt x="6" y="9"/>
+                    <a:pt x="4" y="12"/>
+                    <a:pt x="4" y="15"/>
+                  </a:cubicBezTo>
+                  <a:cubicBezTo>
+                    <a:pt x="4" y="19"/>
+                    <a:pt x="6" y="21"/>
+                    <a:pt x="8" y="24"/>
+                  </a:cubicBezTo>
+                  <a:cubicBezTo>
+                    <a:pt x="10" y="26"/>
+                    <a:pt x="13" y="27"/>
+                    <a:pt x="16" y="27"/>
+                  </a:cubicBezTo>
+                  <a:cubicBezTo>
+                    <a:pt x="19" y="27"/>
+                    <a:pt x="22" y="26"/>
+                    <a:pt x="24" y="24"/>
+                  </a:cubicBezTo>
+                  <a:cubicBezTo>
+                    <a:pt x="29" y="19"/>
+                    <a:pt x="29" y="12"/>
+                    <a:pt x="24" y="7"/>
+                  </a:cubicBezTo>
+                  <a:cubicBezTo>
+                    <a:pt x="22" y="5"/>
+                    <a:pt x="19" y="4"/>
+                    <a:pt x="16" y="4"/>
+                  </a:cubicBezTo>
+                  <a:close/>
+                </a:path>
+              </a:pathLst>
+            </a:custGeom>
+            <a:grpFill/>
+            <a:ln>
+              <a:noFill/>
+            </a:ln>
+            <a:extLst>
+              <a:ext uri="{91240B29-F687-4f45-9708-019B960494DF}">
+                <a14:hiddenLine xmlns="" xmlns:a16="http://schemas.microsoft.com/office/drawing/2014/main" xmlns:p14="http://schemas.microsoft.com/office/powerpoint/2010/main" xmlns:a14="http://schemas.microsoft.com/office/drawing/2010/main" w="9525">
+                  <a:solidFill>
+                    <a:srgbClr val="000000"/>
+                  </a:solidFill>
+                  <a:round/>
+                  <a:headEnd/>
+                  <a:tailEnd/>
+                </a14:hiddenLine>
+              </a:ext>
+            </a:extLst>
+          </p:spPr>
+          <p:txBody>
+            <a:bodyPr/>
+            <a:lstStyle/>
+            <a:p>
+              <a:endParaRPr lang="en-US"/>
+            </a:p>
+          </p:txBody>
+        </p:sp>
+        <p:sp>
+          <p:nvSpPr>
+            <p:cNvPr id="275" name="Freeform 57">
+              <a:extLst>
+                <a:ext uri="{FF2B5EF4-FFF2-40B4-BE49-F238E27FC236}">
+                  <a16:creationId xmlns:a16="http://schemas.microsoft.com/office/drawing/2014/main" id="{3F5FAEF2-49E0-4F5C-A6D4-26C2FE15F0EB}"/>
+                </a:ext>
+                <a:ext uri="{C183D7F6-B498-43B3-948B-1728B52AA6E4}">
+                  <adec:decorative xmlns:adec="http://schemas.microsoft.com/office/drawing/2017/decorative" val="1"/>
+                </a:ext>
+              </a:extLst>
+            </p:cNvPr>
+            <p:cNvSpPr/>
+            <p:nvPr>
+              <p:extLst>
+                <p:ext uri="{386F3935-93C4-4BCD-93E2-E3B085C9AB24}">
+                  <p16:designElem xmlns:p16="http://schemas.microsoft.com/office/powerpoint/2015/main" val="1"/>
+                </p:ext>
+              </p:extLst>
+            </p:nvPr>
+          </p:nvSpPr>
+          <p:spPr bwMode="auto">
+            <a:xfrm>
+              <a:off x="504825" y="9525"/>
+              <a:ext cx="233363" cy="5103813"/>
+            </a:xfrm>
+            <a:custGeom>
+              <a:avLst/>
+              <a:gdLst/>
+              <a:ahLst/>
+              <a:cxnLst/>
+              <a:rect l="0" t="0" r="r" b="b"/>
+              <a:pathLst>
+                <a:path w="147" h="3215">
+                  <a:moveTo>
+                    <a:pt x="132" y="3215"/>
+                  </a:moveTo>
+                  <a:lnTo>
+                    <a:pt x="129" y="2754"/>
+                  </a:lnTo>
+                  <a:lnTo>
+                    <a:pt x="0" y="1901"/>
+                  </a:lnTo>
+                  <a:lnTo>
+                    <a:pt x="0" y="0"/>
+                  </a:lnTo>
+                  <a:lnTo>
+                    <a:pt x="15" y="0"/>
+                  </a:lnTo>
+                  <a:lnTo>
+                    <a:pt x="15" y="1898"/>
+                  </a:lnTo>
+                  <a:lnTo>
+                    <a:pt x="144" y="2754"/>
+                  </a:lnTo>
+                  <a:lnTo>
+                    <a:pt x="147" y="3215"/>
+                  </a:lnTo>
+                  <a:lnTo>
+                    <a:pt x="132" y="3215"/>
+                  </a:lnTo>
+                  <a:close/>
+                </a:path>
+              </a:pathLst>
+            </a:custGeom>
+            <a:grpFill/>
+            <a:ln>
+              <a:noFill/>
+            </a:ln>
+            <a:extLst>
+              <a:ext uri="{91240B29-F687-4f45-9708-019B960494DF}">
+                <a14:hiddenLine xmlns="" xmlns:a16="http://schemas.microsoft.com/office/drawing/2014/main" xmlns:p14="http://schemas.microsoft.com/office/powerpoint/2010/main" xmlns:a14="http://schemas.microsoft.com/office/drawing/2010/main" w="9525">
+                  <a:solidFill>
+                    <a:srgbClr val="000000"/>
+                  </a:solidFill>
+                  <a:round/>
+                  <a:headEnd/>
+                  <a:tailEnd/>
+                </a14:hiddenLine>
+              </a:ext>
+            </a:extLst>
+          </p:spPr>
+          <p:txBody>
+            <a:bodyPr/>
+            <a:lstStyle/>
+            <a:p>
+              <a:endParaRPr lang="en-US"/>
+            </a:p>
+          </p:txBody>
+        </p:sp>
+        <p:sp>
+          <p:nvSpPr>
+            <p:cNvPr id="276" name="Freeform 58">
+              <a:extLst>
+                <a:ext uri="{FF2B5EF4-FFF2-40B4-BE49-F238E27FC236}">
+                  <a16:creationId xmlns:a16="http://schemas.microsoft.com/office/drawing/2014/main" id="{BF106702-ED0E-4145-BF3A-08F15BCC2F28}"/>
+                </a:ext>
+                <a:ext uri="{C183D7F6-B498-43B3-948B-1728B52AA6E4}">
+                  <adec:decorative xmlns:adec="http://schemas.microsoft.com/office/drawing/2017/decorative" val="1"/>
+                </a:ext>
+              </a:extLst>
+            </p:cNvPr>
+            <p:cNvSpPr>
+              <a:spLocks noEditPoints="1"/>
+            </p:cNvSpPr>
+            <p:nvPr>
+              <p:extLst>
+                <p:ext uri="{386F3935-93C4-4BCD-93E2-E3B085C9AB24}">
+                  <p16:designElem xmlns:p16="http://schemas.microsoft.com/office/powerpoint/2015/main" val="1"/>
+                </p:ext>
+              </p:extLst>
+            </p:nvPr>
+          </p:nvSpPr>
+          <p:spPr bwMode="auto">
+            <a:xfrm>
+              <a:off x="633413" y="5103813"/>
+              <a:ext cx="185738" cy="185738"/>
+            </a:xfrm>
+            <a:custGeom>
+              <a:avLst/>
+              <a:gdLst/>
+              <a:ahLst/>
+              <a:cxnLst/>
+              <a:rect l="0" t="0" r="r" b="b"/>
+              <a:pathLst>
+                <a:path w="39" h="39">
+                  <a:moveTo>
+                    <a:pt x="20" y="39"/>
+                  </a:moveTo>
+                  <a:cubicBezTo>
+                    <a:pt x="9" y="39"/>
+                    <a:pt x="0" y="30"/>
+                    <a:pt x="0" y="19"/>
+                  </a:cubicBezTo>
+                  <a:cubicBezTo>
+                    <a:pt x="0" y="9"/>
+                    <a:pt x="9" y="0"/>
+                    <a:pt x="20" y="0"/>
+                  </a:cubicBezTo>
+                  <a:cubicBezTo>
+                    <a:pt x="30" y="0"/>
+                    <a:pt x="39" y="9"/>
+                    <a:pt x="39" y="19"/>
+                  </a:cubicBezTo>
+                  <a:cubicBezTo>
+                    <a:pt x="39" y="30"/>
+                    <a:pt x="30" y="39"/>
+                    <a:pt x="20" y="39"/>
+                  </a:cubicBezTo>
+                  <a:close/>
+                  <a:moveTo>
+                    <a:pt x="20" y="4"/>
+                  </a:moveTo>
+                  <a:cubicBezTo>
+                    <a:pt x="11" y="4"/>
+                    <a:pt x="4" y="11"/>
+                    <a:pt x="4" y="19"/>
+                  </a:cubicBezTo>
+                  <a:cubicBezTo>
+                    <a:pt x="4" y="28"/>
+                    <a:pt x="11" y="35"/>
+                    <a:pt x="20" y="35"/>
+                  </a:cubicBezTo>
+                  <a:cubicBezTo>
+                    <a:pt x="28" y="35"/>
+                    <a:pt x="35" y="28"/>
+                    <a:pt x="35" y="19"/>
+                  </a:cubicBezTo>
+                  <a:cubicBezTo>
+                    <a:pt x="35" y="11"/>
+                    <a:pt x="28" y="4"/>
+                    <a:pt x="20" y="4"/>
+                  </a:cubicBezTo>
+                  <a:close/>
+                </a:path>
+              </a:pathLst>
+            </a:custGeom>
+            <a:grpFill/>
+            <a:ln>
+              <a:noFill/>
+            </a:ln>
+            <a:extLst>
+              <a:ext uri="{91240B29-F687-4f45-9708-019B960494DF}">
+                <a14:hiddenLine xmlns="" xmlns:a16="http://schemas.microsoft.com/office/drawing/2014/main" xmlns:p14="http://schemas.microsoft.com/office/powerpoint/2010/main" xmlns:a14="http://schemas.microsoft.com/office/drawing/2010/main" w="9525">
+                  <a:solidFill>
+                    <a:srgbClr val="000000"/>
+                  </a:solidFill>
+                  <a:round/>
+                  <a:headEnd/>
+                  <a:tailEnd/>
+                </a14:hiddenLine>
+              </a:ext>
+            </a:extLst>
+          </p:spPr>
+          <p:txBody>
+            <a:bodyPr/>
+            <a:lstStyle/>
+            <a:p>
+              <a:endParaRPr lang="en-US"/>
+            </a:p>
+          </p:txBody>
+        </p:sp>
+      </p:grpSp>
+      <p:sp>
+        <p:nvSpPr>
+          <p:cNvPr id="2" name="Title 1">
+            <a:extLst>
+              <a:ext uri="{FF2B5EF4-FFF2-40B4-BE49-F238E27FC236}">
+                <a16:creationId xmlns:a16="http://schemas.microsoft.com/office/drawing/2014/main" id="{31D3BA9E-44D7-2069-2BA8-3C6D3E9BDD50}"/>
+              </a:ext>
+            </a:extLst>
+          </p:cNvPr>
+          <p:cNvSpPr>
+            <a:spLocks noGrp="1"/>
+          </p:cNvSpPr>
+          <p:nvPr>
+            <p:ph type="title"/>
+          </p:nvPr>
+        </p:nvSpPr>
+        <p:spPr>
+          <a:xfrm>
+            <a:off x="1212924" y="3404679"/>
+            <a:ext cx="6718151" cy="887129"/>
+          </a:xfrm>
+        </p:spPr>
+        <p:txBody>
+          <a:bodyPr vert="horz" lIns="91440" tIns="45720" rIns="91440" bIns="45720" rtlCol="0" anchor="b">
+            <a:normAutofit/>
+          </a:bodyPr>
+          <a:lstStyle/>
+          <a:p>
+            <a:pPr algn="ctr" defTabSz="914400"/>
+            <a:r>
+              <a:rPr lang="en-US" sz="2600" dirty="0"/>
+              <a:t>EDA -plot to Check </a:t>
+            </a:r>
+            <a:r>
+              <a:rPr lang="en-US" sz="2600" dirty="0" err="1"/>
+              <a:t>percetanges</a:t>
+            </a:r>
+            <a:r>
+              <a:rPr lang="en-US" sz="2600" dirty="0"/>
+              <a:t> of churn and non churn data</a:t>
+            </a:r>
+          </a:p>
+        </p:txBody>
+      </p:sp>
+      <p:sp>
+        <p:nvSpPr>
+          <p:cNvPr id="278" name="Round Single Corner Rectangle 4">
+            <a:extLst>
+              <a:ext uri="{FF2B5EF4-FFF2-40B4-BE49-F238E27FC236}">
+                <a16:creationId xmlns:a16="http://schemas.microsoft.com/office/drawing/2014/main" id="{2A4362C1-4CBA-464D-98B4-208037B13219}"/>
+              </a:ext>
+              <a:ext uri="{C183D7F6-B498-43B3-948B-1728B52AA6E4}">
+                <adec:decorative xmlns:adec="http://schemas.microsoft.com/office/drawing/2017/decorative" val="1"/>
+              </a:ext>
+            </a:extLst>
+          </p:cNvPr>
+          <p:cNvSpPr>
+            <a:spLocks noGrp="1" noRot="1" noChangeAspect="1" noMove="1" noResize="1" noEditPoints="1" noAdjustHandles="1" noChangeArrowheads="1" noChangeShapeType="1" noTextEdit="1"/>
+          </p:cNvSpPr>
+          <p:nvPr>
+            <p:extLst>
+              <p:ext uri="{386F3935-93C4-4BCD-93E2-E3B085C9AB24}">
+                <p16:designElem xmlns:p16="http://schemas.microsoft.com/office/powerpoint/2015/main" val="1"/>
+              </p:ext>
+            </p:extLst>
+          </p:nvPr>
+        </p:nvSpPr>
+        <p:spPr>
+          <a:xfrm flipH="1">
+            <a:off x="498405" y="477508"/>
+            <a:ext cx="2561828" cy="2701376"/>
+          </a:xfrm>
+          <a:prstGeom prst="round1Rect">
+            <a:avLst>
+              <a:gd name="adj" fmla="val 9975"/>
+            </a:avLst>
+          </a:prstGeom>
+          <a:solidFill>
+            <a:srgbClr val="FFFFFF"/>
+          </a:solidFill>
+          <a:ln w="19050" cap="sq">
+            <a:solidFill>
+              <a:schemeClr val="tx2">
+                <a:lumMod val="60000"/>
+                <a:lumOff val="40000"/>
+                <a:alpha val="60000"/>
+              </a:schemeClr>
+            </a:solidFill>
+            <a:miter lim="800000"/>
+          </a:ln>
+          <a:effectLst>
+            <a:outerShdw blurRad="88900" dist="38100" dir="5400000" algn="t" rotWithShape="0">
+              <a:prstClr val="black">
+                <a:alpha val="40000"/>
+              </a:prstClr>
+            </a:outerShdw>
+          </a:effectLst>
+        </p:spPr>
+        <p:style>
+          <a:lnRef idx="2">
+            <a:schemeClr val="accent1">
+              <a:shade val="50000"/>
+            </a:schemeClr>
+          </a:lnRef>
+          <a:fillRef idx="1">
+            <a:schemeClr val="accent1"/>
+          </a:fillRef>
+          <a:effectRef idx="0">
+            <a:schemeClr val="accent1"/>
+          </a:effectRef>
+          <a:fontRef idx="minor">
+            <a:schemeClr val="lt1"/>
+          </a:fontRef>
+        </p:style>
+        <p:txBody>
+          <a:bodyPr rtlCol="0" anchor="ctr"/>
+          <a:lstStyle/>
+          <a:p>
+            <a:pPr algn="ctr"/>
+            <a:endParaRPr lang="en-US"/>
+          </a:p>
+        </p:txBody>
+      </p:sp>
+      <p:pic>
+        <p:nvPicPr>
+          <p:cNvPr id="4" name="Content Placeholder 4">
+            <a:extLst>
+              <a:ext uri="{FF2B5EF4-FFF2-40B4-BE49-F238E27FC236}">
+                <a16:creationId xmlns:a16="http://schemas.microsoft.com/office/drawing/2014/main" id="{A8BD237D-C322-9C7A-8B1E-47221C33CF76}"/>
+              </a:ext>
+            </a:extLst>
+          </p:cNvPr>
+          <p:cNvPicPr>
+            <a:picLocks noChangeAspect="1"/>
+          </p:cNvPicPr>
+          <p:nvPr/>
+        </p:nvPicPr>
+        <p:blipFill>
+          <a:blip r:embed="rId4"/>
+          <a:stretch>
+            <a:fillRect/>
+          </a:stretch>
+        </p:blipFill>
+        <p:spPr>
+          <a:xfrm>
+            <a:off x="739287" y="1027371"/>
+            <a:ext cx="2080065" cy="1601649"/>
+          </a:xfrm>
+          <a:prstGeom prst="rect">
+            <a:avLst/>
+          </a:prstGeom>
+        </p:spPr>
+      </p:pic>
+      <p:sp>
+        <p:nvSpPr>
+          <p:cNvPr id="280" name="Round Diagonal Corner Rectangle 18">
+            <a:extLst>
+              <a:ext uri="{FF2B5EF4-FFF2-40B4-BE49-F238E27FC236}">
+                <a16:creationId xmlns:a16="http://schemas.microsoft.com/office/drawing/2014/main" id="{DAC8B1B5-358F-4498-A98B-80EE307C26AA}"/>
+              </a:ext>
+              <a:ext uri="{C183D7F6-B498-43B3-948B-1728B52AA6E4}">
+                <adec:decorative xmlns:adec="http://schemas.microsoft.com/office/drawing/2017/decorative" val="1"/>
+              </a:ext>
+            </a:extLst>
+          </p:cNvPr>
+          <p:cNvSpPr>
+            <a:spLocks noGrp="1" noRot="1" noChangeAspect="1" noMove="1" noResize="1" noEditPoints="1" noAdjustHandles="1" noChangeArrowheads="1" noChangeShapeType="1" noTextEdit="1"/>
+          </p:cNvSpPr>
+          <p:nvPr>
+            <p:extLst>
+              <p:ext uri="{386F3935-93C4-4BCD-93E2-E3B085C9AB24}">
+                <p16:designElem xmlns:p16="http://schemas.microsoft.com/office/powerpoint/2015/main" val="1"/>
+              </p:ext>
+            </p:extLst>
+          </p:nvPr>
+        </p:nvSpPr>
+        <p:spPr>
+          <a:xfrm>
+            <a:off x="3305181" y="479973"/>
+            <a:ext cx="2561827" cy="2698911"/>
+          </a:xfrm>
+          <a:prstGeom prst="round2DiagRect">
+            <a:avLst>
+              <a:gd name="adj1" fmla="val 0"/>
+              <a:gd name="adj2" fmla="val 0"/>
+            </a:avLst>
+          </a:prstGeom>
+          <a:solidFill>
+            <a:srgbClr val="FFFFFF"/>
+          </a:solidFill>
+          <a:ln w="19050" cap="sq">
+            <a:solidFill>
+              <a:schemeClr val="tx2">
+                <a:lumMod val="60000"/>
+                <a:lumOff val="40000"/>
+                <a:alpha val="60000"/>
+              </a:schemeClr>
+            </a:solidFill>
+            <a:miter lim="800000"/>
+          </a:ln>
+          <a:effectLst>
+            <a:outerShdw blurRad="88900" dist="38100" dir="5400000" algn="t" rotWithShape="0">
+              <a:prstClr val="black">
+                <a:alpha val="40000"/>
+              </a:prstClr>
+            </a:outerShdw>
+          </a:effectLst>
+        </p:spPr>
+        <p:style>
+          <a:lnRef idx="2">
+            <a:schemeClr val="accent1">
+              <a:shade val="50000"/>
+            </a:schemeClr>
+          </a:lnRef>
+          <a:fillRef idx="1">
+            <a:schemeClr val="accent1"/>
+          </a:fillRef>
+          <a:effectRef idx="0">
+            <a:schemeClr val="accent1"/>
+          </a:effectRef>
+          <a:fontRef idx="minor">
+            <a:schemeClr val="lt1"/>
+          </a:fontRef>
+        </p:style>
+        <p:txBody>
+          <a:bodyPr rtlCol="0" anchor="ctr"/>
+          <a:lstStyle/>
+          <a:p>
+            <a:pPr algn="ctr"/>
+            <a:endParaRPr lang="en-US"/>
+          </a:p>
+        </p:txBody>
+      </p:sp>
+      <p:pic>
+        <p:nvPicPr>
+          <p:cNvPr id="3" name="Content Placeholder 4">
+            <a:extLst>
+              <a:ext uri="{FF2B5EF4-FFF2-40B4-BE49-F238E27FC236}">
+                <a16:creationId xmlns:a16="http://schemas.microsoft.com/office/drawing/2014/main" id="{53609AA3-8CFA-3B45-4AF8-BD28F2F1D826}"/>
+              </a:ext>
+            </a:extLst>
+          </p:cNvPr>
+          <p:cNvPicPr>
+            <a:picLocks noChangeAspect="1"/>
+          </p:cNvPicPr>
+          <p:nvPr/>
+        </p:nvPicPr>
+        <p:blipFill>
+          <a:blip r:embed="rId5"/>
+          <a:stretch>
+            <a:fillRect/>
+          </a:stretch>
+        </p:blipFill>
+        <p:spPr>
+          <a:xfrm>
+            <a:off x="3546063" y="1059805"/>
+            <a:ext cx="2080064" cy="1539247"/>
+          </a:xfrm>
+          <a:prstGeom prst="rect">
+            <a:avLst/>
+          </a:prstGeom>
+        </p:spPr>
+      </p:pic>
+      <p:sp>
+        <p:nvSpPr>
+          <p:cNvPr id="282" name="Round Single Corner Rectangle 22">
+            <a:extLst>
+              <a:ext uri="{FF2B5EF4-FFF2-40B4-BE49-F238E27FC236}">
+                <a16:creationId xmlns:a16="http://schemas.microsoft.com/office/drawing/2014/main" id="{AE9AA0E3-147E-4905-B268-5A9FFE34A4A5}"/>
+              </a:ext>
+              <a:ext uri="{C183D7F6-B498-43B3-948B-1728B52AA6E4}">
+                <adec:decorative xmlns:adec="http://schemas.microsoft.com/office/drawing/2017/decorative" val="1"/>
+              </a:ext>
+            </a:extLst>
+          </p:cNvPr>
+          <p:cNvSpPr>
+            <a:spLocks noGrp="1" noRot="1" noChangeAspect="1" noMove="1" noResize="1" noEditPoints="1" noAdjustHandles="1" noChangeArrowheads="1" noChangeShapeType="1" noTextEdit="1"/>
+          </p:cNvSpPr>
+          <p:nvPr>
+            <p:extLst>
+              <p:ext uri="{386F3935-93C4-4BCD-93E2-E3B085C9AB24}">
+                <p16:designElem xmlns:p16="http://schemas.microsoft.com/office/powerpoint/2015/main" val="1"/>
+              </p:ext>
+            </p:extLst>
+          </p:nvPr>
+        </p:nvSpPr>
+        <p:spPr>
+          <a:xfrm flipV="1">
+            <a:off x="6110133" y="483197"/>
+            <a:ext cx="2561827" cy="2701376"/>
+          </a:xfrm>
+          <a:prstGeom prst="round1Rect">
+            <a:avLst>
+              <a:gd name="adj" fmla="val 9975"/>
+            </a:avLst>
+          </a:prstGeom>
+          <a:solidFill>
+            <a:srgbClr val="FFFFFF"/>
+          </a:solidFill>
+          <a:ln w="19050" cap="sq">
+            <a:solidFill>
+              <a:schemeClr val="tx2">
+                <a:lumMod val="60000"/>
+                <a:lumOff val="40000"/>
+                <a:alpha val="60000"/>
+              </a:schemeClr>
+            </a:solidFill>
+            <a:miter lim="800000"/>
+          </a:ln>
+          <a:effectLst>
+            <a:outerShdw blurRad="88900" dist="38100" dir="5400000" algn="t" rotWithShape="0">
+              <a:prstClr val="black">
+                <a:alpha val="40000"/>
+              </a:prstClr>
+            </a:outerShdw>
+          </a:effectLst>
+        </p:spPr>
+        <p:style>
+          <a:lnRef idx="2">
+            <a:schemeClr val="accent1">
+              <a:shade val="50000"/>
+            </a:schemeClr>
+          </a:lnRef>
+          <a:fillRef idx="1">
+            <a:schemeClr val="accent1"/>
+          </a:fillRef>
+          <a:effectRef idx="0">
+            <a:schemeClr val="accent1"/>
+          </a:effectRef>
+          <a:fontRef idx="minor">
+            <a:schemeClr val="lt1"/>
+          </a:fontRef>
+        </p:style>
+        <p:txBody>
+          <a:bodyPr rot="0" spcFirstLastPara="0" vertOverflow="overflow" horzOverflow="overflow" vert="horz" wrap="square" lIns="91440" tIns="45720" rIns="91440" bIns="45720" numCol="1" spcCol="0" rtlCol="0" fromWordArt="0" anchor="ctr" anchorCtr="0" forceAA="0" compatLnSpc="1">
+            <a:prstTxWarp prst="textNoShape">
+              <a:avLst/>
+            </a:prstTxWarp>
+            <a:noAutofit/>
+          </a:bodyPr>
+          <a:lstStyle/>
+          <a:p>
+            <a:pPr algn="ctr"/>
+            <a:endParaRPr lang="en-US"/>
+          </a:p>
+        </p:txBody>
+      </p:sp>
+      <p:pic>
+        <p:nvPicPr>
+          <p:cNvPr id="5" name="Content Placeholder 4">
+            <a:extLst>
+              <a:ext uri="{FF2B5EF4-FFF2-40B4-BE49-F238E27FC236}">
+                <a16:creationId xmlns:a16="http://schemas.microsoft.com/office/drawing/2014/main" id="{583856AE-4520-5577-8FCC-33107F3C8891}"/>
+              </a:ext>
+            </a:extLst>
+          </p:cNvPr>
+          <p:cNvPicPr>
+            <a:picLocks noChangeAspect="1"/>
+          </p:cNvPicPr>
+          <p:nvPr/>
+        </p:nvPicPr>
+        <p:blipFill>
+          <a:blip r:embed="rId6"/>
+          <a:stretch>
+            <a:fillRect/>
+          </a:stretch>
+        </p:blipFill>
+        <p:spPr>
+          <a:xfrm>
+            <a:off x="6351015" y="1064261"/>
+            <a:ext cx="2080064" cy="1539247"/>
+          </a:xfrm>
+          <a:prstGeom prst="rect">
+            <a:avLst/>
+          </a:prstGeom>
+        </p:spPr>
+      </p:pic>
+    </p:spTree>
+    <p:extLst>
+      <p:ext uri="{BB962C8B-B14F-4D97-AF65-F5344CB8AC3E}">
+        <p14:creationId xmlns:p14="http://schemas.microsoft.com/office/powerpoint/2010/main" val="414533809"/>
+      </p:ext>
+    </p:extLst>
+  </p:cSld>
+  <p:clrMapOvr>
+    <a:masterClrMapping/>
+  </p:clrMapOvr>
+</p:sld>
+</file>
+
+<file path=ppt/slides/slide5.xml><?xml version="1.0" encoding="utf-8"?>
+<p:sld xmlns:a="http://schemas.openxmlformats.org/drawingml/2006/main" xmlns:r="http://schemas.openxmlformats.org/officeDocument/2006/relationships" xmlns:p="http://schemas.openxmlformats.org/presentationml/2006/main">
+  <p:cSld>
+    <p:spTree>
+      <p:nvGrpSpPr>
+        <p:cNvPr id="1" name=""/>
+        <p:cNvGrpSpPr/>
+        <p:nvPr/>
+      </p:nvGrpSpPr>
+      <p:grpSpPr>
+        <a:xfrm>
+          <a:off x="0" y="0"/>
+          <a:ext cx="0" cy="0"/>
+          <a:chOff x="0" y="0"/>
+          <a:chExt cx="0" cy="0"/>
+        </a:xfrm>
+      </p:grpSpPr>
+      <p:sp>
+        <p:nvSpPr>
+          <p:cNvPr id="2" name="Title 1">
+            <a:extLst>
+              <a:ext uri="{FF2B5EF4-FFF2-40B4-BE49-F238E27FC236}">
+                <a16:creationId xmlns:a16="http://schemas.microsoft.com/office/drawing/2014/main" id="{FAC66127-CEAF-2FE0-617D-ACFA6550D5B4}"/>
+              </a:ext>
+            </a:extLst>
+          </p:cNvPr>
+          <p:cNvSpPr>
+            <a:spLocks noGrp="1"/>
+          </p:cNvSpPr>
+          <p:nvPr>
+            <p:ph type="title"/>
+          </p:nvPr>
+        </p:nvSpPr>
+        <p:spPr>
+          <a:xfrm>
+            <a:off x="552450" y="6350"/>
+            <a:ext cx="7429499" cy="1108928"/>
+          </a:xfrm>
+        </p:spPr>
+        <p:txBody>
+          <a:bodyPr/>
+          <a:lstStyle/>
+          <a:p>
+            <a:r>
+              <a:rPr lang="en-US" dirty="0"/>
+              <a:t>Key Observations</a:t>
+            </a:r>
+          </a:p>
+        </p:txBody>
+      </p:sp>
+      <p:sp>
+        <p:nvSpPr>
+          <p:cNvPr id="3" name="Content Placeholder 2">
+            <a:extLst>
+              <a:ext uri="{FF2B5EF4-FFF2-40B4-BE49-F238E27FC236}">
+                <a16:creationId xmlns:a16="http://schemas.microsoft.com/office/drawing/2014/main" id="{3DA235E0-9BDA-535D-3161-542BA450C7A7}"/>
+              </a:ext>
+            </a:extLst>
+          </p:cNvPr>
+          <p:cNvSpPr>
+            <a:spLocks noGrp="1"/>
+          </p:cNvSpPr>
+          <p:nvPr>
+            <p:ph idx="1"/>
+          </p:nvPr>
+        </p:nvSpPr>
+        <p:spPr>
+          <a:xfrm>
+            <a:off x="304800" y="666750"/>
+            <a:ext cx="5105400" cy="2656286"/>
+          </a:xfrm>
+        </p:spPr>
+        <p:txBody>
+          <a:bodyPr>
+            <a:noAutofit/>
+          </a:bodyPr>
+          <a:lstStyle/>
+          <a:p>
+            <a:r>
+              <a:rPr lang="en-US" dirty="0"/>
+              <a:t>Logistic Regression:</a:t>
+            </a:r>
+          </a:p>
+          <a:p>
+            <a:r>
+              <a:rPr lang="en-US" dirty="0"/>
+              <a:t>Accuracy 0.8438162985149132</a:t>
+            </a:r>
+          </a:p>
+          <a:p>
+            <a:r>
+              <a:rPr lang="en-US" dirty="0"/>
+              <a:t>Precision 0.8232809199718376</a:t>
+            </a:r>
+          </a:p>
+          <a:p>
+            <a:r>
+              <a:rPr lang="en-US" dirty="0"/>
+              <a:t>Recall 0.8755771870710096</a:t>
+            </a:r>
+          </a:p>
+          <a:p>
+            <a:r>
+              <a:rPr lang="en-US" dirty="0"/>
+              <a:t>f1score 0.8486241306319927</a:t>
+            </a:r>
+          </a:p>
+          <a:p>
+            <a:r>
+              <a:rPr lang="en-US" dirty="0"/>
+              <a:t>Decision Tree:</a:t>
+            </a:r>
+          </a:p>
+          <a:p>
+            <a:r>
+              <a:rPr lang="en-US" dirty="0"/>
+              <a:t>Accuracy 0.7928469241773963</a:t>
+            </a:r>
+          </a:p>
+          <a:p>
+            <a:r>
+              <a:rPr lang="en-US" dirty="0"/>
+              <a:t>Precision 0.037138927097661624</a:t>
+            </a:r>
+          </a:p>
+          <a:p>
+            <a:r>
+              <a:rPr lang="en-US" dirty="0"/>
+              <a:t>Recall 0.5294117647058824</a:t>
+            </a:r>
+          </a:p>
+          <a:p>
+            <a:r>
+              <a:rPr lang="en-US" dirty="0"/>
+              <a:t>f1score 0.06940874035989718</a:t>
+            </a:r>
+          </a:p>
+          <a:p>
+            <a:endParaRPr lang="en-US" dirty="0"/>
+          </a:p>
+        </p:txBody>
+      </p:sp>
+      <p:sp>
+        <p:nvSpPr>
+          <p:cNvPr id="4" name="Content Placeholder 2">
+            <a:extLst>
+              <a:ext uri="{FF2B5EF4-FFF2-40B4-BE49-F238E27FC236}">
+                <a16:creationId xmlns:a16="http://schemas.microsoft.com/office/drawing/2014/main" id="{C2CD9098-DDE7-B016-955D-BB4FD4C88802}"/>
+              </a:ext>
+            </a:extLst>
+          </p:cNvPr>
+          <p:cNvSpPr txBox="1">
+            <a:spLocks/>
+          </p:cNvSpPr>
+          <p:nvPr/>
+        </p:nvSpPr>
+        <p:spPr>
+          <a:xfrm>
+            <a:off x="4267200" y="1035247"/>
+            <a:ext cx="5334000" cy="3822504"/>
+          </a:xfrm>
+          <a:prstGeom prst="rect">
+            <a:avLst/>
+          </a:prstGeom>
+        </p:spPr>
+        <p:txBody>
+          <a:bodyPr vert="horz" lIns="91440" tIns="45720" rIns="91440" bIns="45720" rtlCol="0">
+            <a:noAutofit/>
+          </a:bodyPr>
+          <a:lstStyle>
+            <a:lvl1pPr marL="171450" indent="-171450" algn="l" defTabSz="685800" rtl="0" eaLnBrk="1" latinLnBrk="0" hangingPunct="1">
+              <a:lnSpc>
+                <a:spcPct val="120000"/>
+              </a:lnSpc>
+              <a:spcBef>
+                <a:spcPts val="750"/>
+              </a:spcBef>
+              <a:buSzPct val="125000"/>
+              <a:buFont typeface="Arial" panose="020B0604020202020204" pitchFamily="34" charset="0"/>
+              <a:buChar char="•"/>
+              <a:defRPr sz="1800" kern="1200">
+                <a:solidFill>
+                  <a:schemeClr val="tx1"/>
+                </a:solidFill>
+                <a:latin typeface="+mn-lt"/>
+                <a:ea typeface="+mn-ea"/>
+                <a:cs typeface="+mn-cs"/>
+              </a:defRPr>
+            </a:lvl1pPr>
+            <a:lvl2pPr marL="514350" indent="-171450" algn="l" defTabSz="685800" rtl="0" eaLnBrk="1" latinLnBrk="0" hangingPunct="1">
+              <a:lnSpc>
+                <a:spcPct val="120000"/>
+              </a:lnSpc>
+              <a:spcBef>
+                <a:spcPts val="375"/>
+              </a:spcBef>
+              <a:buSzPct val="125000"/>
+              <a:buFont typeface="Arial" panose="020B0604020202020204" pitchFamily="34" charset="0"/>
+              <a:buChar char="•"/>
+              <a:defRPr sz="1500" kern="1200">
+                <a:solidFill>
+                  <a:schemeClr val="tx1"/>
+                </a:solidFill>
+                <a:latin typeface="+mn-lt"/>
+                <a:ea typeface="+mn-ea"/>
+                <a:cs typeface="+mn-cs"/>
+              </a:defRPr>
+            </a:lvl2pPr>
+            <a:lvl3pPr marL="857250" indent="-171450" algn="l" defTabSz="685800" rtl="0" eaLnBrk="1" latinLnBrk="0" hangingPunct="1">
+              <a:lnSpc>
+                <a:spcPct val="120000"/>
+              </a:lnSpc>
+              <a:spcBef>
+                <a:spcPts val="375"/>
+              </a:spcBef>
+              <a:buSzPct val="125000"/>
+              <a:buFont typeface="Arial" panose="020B0604020202020204" pitchFamily="34" charset="0"/>
+              <a:buChar char="•"/>
+              <a:defRPr sz="1350" kern="1200">
+                <a:solidFill>
+                  <a:schemeClr val="tx1"/>
+                </a:solidFill>
+                <a:latin typeface="+mn-lt"/>
+                <a:ea typeface="+mn-ea"/>
+                <a:cs typeface="+mn-cs"/>
+              </a:defRPr>
+            </a:lvl3pPr>
+            <a:lvl4pPr marL="1200150" indent="-171450" algn="l" defTabSz="685800" rtl="0" eaLnBrk="1" latinLnBrk="0" hangingPunct="1">
+              <a:lnSpc>
+                <a:spcPct val="120000"/>
+              </a:lnSpc>
+              <a:spcBef>
+                <a:spcPts val="375"/>
+              </a:spcBef>
+              <a:buSzPct val="125000"/>
+              <a:buFont typeface="Arial" panose="020B0604020202020204" pitchFamily="34" charset="0"/>
+              <a:buChar char="•"/>
+              <a:defRPr sz="1200" kern="1200">
+                <a:solidFill>
+                  <a:schemeClr val="tx1"/>
+                </a:solidFill>
+                <a:latin typeface="+mn-lt"/>
+                <a:ea typeface="+mn-ea"/>
+                <a:cs typeface="+mn-cs"/>
+              </a:defRPr>
+            </a:lvl4pPr>
+            <a:lvl5pPr marL="1543050" indent="-171450" algn="l" defTabSz="685800" rtl="0" eaLnBrk="1" latinLnBrk="0" hangingPunct="1">
+              <a:lnSpc>
+                <a:spcPct val="120000"/>
+              </a:lnSpc>
+              <a:spcBef>
+                <a:spcPts val="375"/>
+              </a:spcBef>
+              <a:buSzPct val="125000"/>
+              <a:buFont typeface="Arial" panose="020B0604020202020204" pitchFamily="34" charset="0"/>
+              <a:buChar char="•"/>
+              <a:defRPr sz="1200" kern="1200">
+                <a:solidFill>
+                  <a:schemeClr val="tx1"/>
+                </a:solidFill>
+                <a:latin typeface="+mn-lt"/>
+                <a:ea typeface="+mn-ea"/>
+                <a:cs typeface="+mn-cs"/>
+              </a:defRPr>
+            </a:lvl5pPr>
+            <a:lvl6pPr marL="1885950" indent="-171450" algn="l" defTabSz="685800" rtl="0" eaLnBrk="1" latinLnBrk="0" hangingPunct="1">
+              <a:lnSpc>
+                <a:spcPct val="120000"/>
+              </a:lnSpc>
+              <a:spcBef>
+                <a:spcPts val="375"/>
+              </a:spcBef>
+              <a:buSzPct val="125000"/>
+              <a:buFont typeface="Arial" panose="020B0604020202020204" pitchFamily="34" charset="0"/>
+              <a:buChar char="•"/>
+              <a:defRPr sz="1050" kern="1200">
+                <a:solidFill>
+                  <a:schemeClr val="tx1"/>
+                </a:solidFill>
+                <a:latin typeface="+mn-lt"/>
+                <a:ea typeface="+mn-ea"/>
+                <a:cs typeface="+mn-cs"/>
+              </a:defRPr>
+            </a:lvl6pPr>
+            <a:lvl7pPr marL="2228850" indent="-171450" algn="l" defTabSz="685800" rtl="0" eaLnBrk="1" latinLnBrk="0" hangingPunct="1">
+              <a:lnSpc>
+                <a:spcPct val="120000"/>
+              </a:lnSpc>
+              <a:spcBef>
+                <a:spcPts val="375"/>
+              </a:spcBef>
+              <a:buSzPct val="125000"/>
+              <a:buFont typeface="Arial" panose="020B0604020202020204" pitchFamily="34" charset="0"/>
+              <a:buChar char="•"/>
+              <a:defRPr sz="1050" kern="1200">
+                <a:solidFill>
+                  <a:schemeClr val="tx1"/>
+                </a:solidFill>
+                <a:latin typeface="+mn-lt"/>
+                <a:ea typeface="+mn-ea"/>
+                <a:cs typeface="+mn-cs"/>
+              </a:defRPr>
+            </a:lvl7pPr>
+            <a:lvl8pPr marL="2571750" indent="-171450" algn="l" defTabSz="685800" rtl="0" eaLnBrk="1" latinLnBrk="0" hangingPunct="1">
+              <a:lnSpc>
+                <a:spcPct val="120000"/>
+              </a:lnSpc>
+              <a:spcBef>
+                <a:spcPts val="375"/>
+              </a:spcBef>
+              <a:buSzPct val="125000"/>
+              <a:buFont typeface="Arial" panose="020B0604020202020204" pitchFamily="34" charset="0"/>
+              <a:buChar char="•"/>
+              <a:defRPr sz="1050" kern="1200">
+                <a:solidFill>
+                  <a:schemeClr val="tx1"/>
+                </a:solidFill>
+                <a:latin typeface="+mn-lt"/>
+                <a:ea typeface="+mn-ea"/>
+                <a:cs typeface="+mn-cs"/>
+              </a:defRPr>
+            </a:lvl8pPr>
+            <a:lvl9pPr marL="2914650" indent="-171450" algn="l" defTabSz="685800" rtl="0" eaLnBrk="1" latinLnBrk="0" hangingPunct="1">
+              <a:lnSpc>
+                <a:spcPct val="120000"/>
+              </a:lnSpc>
+              <a:spcBef>
+                <a:spcPts val="375"/>
+              </a:spcBef>
+              <a:buSzPct val="125000"/>
+              <a:buFont typeface="Arial" panose="020B0604020202020204" pitchFamily="34" charset="0"/>
+              <a:buChar char="•"/>
+              <a:defRPr sz="1050" kern="1200">
+                <a:solidFill>
+                  <a:schemeClr val="tx1"/>
+                </a:solidFill>
+                <a:latin typeface="+mn-lt"/>
+                <a:ea typeface="+mn-ea"/>
+                <a:cs typeface="+mn-cs"/>
+              </a:defRPr>
+            </a:lvl9pPr>
+          </a:lstStyle>
+          <a:p>
+            <a:r>
+              <a:rPr lang="en-US" dirty="0"/>
+              <a:t>Top Features:</a:t>
+            </a:r>
+          </a:p>
+          <a:p>
+            <a:r>
+              <a:rPr lang="en-US" dirty="0"/>
+              <a:t>['std_og_t2f_mou_8', 'og_others_7',</a:t>
+            </a:r>
+          </a:p>
+          <a:p>
+            <a:r>
+              <a:rPr lang="en-US" dirty="0"/>
+              <a:t> 'og_others_8', 'loc_ic_mou_6',</a:t>
+            </a:r>
+          </a:p>
+          <a:p>
+            <a:r>
+              <a:rPr lang="en-US" dirty="0"/>
+              <a:t> 'spl_ic_mou_7', 'spl_ic_mou_8',</a:t>
+            </a:r>
+          </a:p>
+          <a:p>
+            <a:r>
+              <a:rPr lang="en-US" dirty="0"/>
+              <a:t> 'total_rech_num_7', 'total_rech_num_8',</a:t>
+            </a:r>
+          </a:p>
+          <a:p>
+            <a:r>
+              <a:rPr lang="en-US" dirty="0"/>
+              <a:t> 'last_day_rch_amt_8', 'count_rech_2g_8',</a:t>
+            </a:r>
+          </a:p>
+          <a:p>
+            <a:r>
+              <a:rPr lang="en-US" dirty="0"/>
+              <a:t> 'sachet_2g_8', 'sep_vbc_3g',</a:t>
+            </a:r>
+          </a:p>
+          <a:p>
+            <a:r>
+              <a:rPr lang="en-US" dirty="0"/>
+              <a:t> 'tenure', '</a:t>
+            </a:r>
+            <a:r>
+              <a:rPr lang="en-US" dirty="0" err="1"/>
+              <a:t>loc_ic_mou_diff</a:t>
+            </a:r>
+            <a:r>
+              <a:rPr lang="en-US" dirty="0"/>
+              <a:t>', '</a:t>
+            </a:r>
+            <a:r>
+              <a:rPr lang="en-US" dirty="0" err="1"/>
+              <a:t>spl_ic_mou_diff</a:t>
+            </a:r>
+            <a:r>
+              <a:rPr lang="en-US" dirty="0"/>
+              <a:t>'</a:t>
+            </a:r>
+          </a:p>
+        </p:txBody>
+      </p:sp>
+    </p:spTree>
+    <p:extLst>
+      <p:ext uri="{BB962C8B-B14F-4D97-AF65-F5344CB8AC3E}">
+        <p14:creationId xmlns:p14="http://schemas.microsoft.com/office/powerpoint/2010/main" val="2988491034"/>
+      </p:ext>
+    </p:extLst>
+  </p:cSld>
+  <p:clrMapOvr>
+    <a:masterClrMapping/>
+  </p:clrMapOvr>
+</p:sld>
+</file>
+
+<file path=ppt/slides/slide6.xml><?xml version="1.0" encoding="utf-8"?>
+<p:sld xmlns:a="http://schemas.openxmlformats.org/drawingml/2006/main" xmlns:r="http://schemas.openxmlformats.org/officeDocument/2006/relationships" xmlns:p="http://schemas.openxmlformats.org/presentationml/2006/main">
+  <p:cSld>
+    <p:spTree>
+      <p:nvGrpSpPr>
+        <p:cNvPr id="1" name=""/>
+        <p:cNvGrpSpPr/>
+        <p:nvPr/>
+      </p:nvGrpSpPr>
+      <p:grpSpPr>
+        <a:xfrm>
+          <a:off x="0" y="0"/>
+          <a:ext cx="0" cy="0"/>
+          <a:chOff x="0" y="0"/>
+          <a:chExt cx="0" cy="0"/>
+        </a:xfrm>
+      </p:grpSpPr>
+      <p:sp>
+        <p:nvSpPr>
+          <p:cNvPr id="2" name="Title 1">
+            <a:extLst>
+              <a:ext uri="{FF2B5EF4-FFF2-40B4-BE49-F238E27FC236}">
+                <a16:creationId xmlns:a16="http://schemas.microsoft.com/office/drawing/2014/main" id="{14BFACD9-804C-3D5A-5127-85D12BA9CF56}"/>
+              </a:ext>
+            </a:extLst>
+          </p:cNvPr>
+          <p:cNvSpPr>
+            <a:spLocks noGrp="1"/>
+          </p:cNvSpPr>
+          <p:nvPr>
+            <p:ph type="title"/>
+          </p:nvPr>
+        </p:nvSpPr>
+        <p:spPr>
+          <a:xfrm>
+            <a:off x="762000" y="275372"/>
+            <a:ext cx="7429499" cy="1108928"/>
+          </a:xfrm>
+        </p:spPr>
+        <p:txBody>
+          <a:bodyPr/>
+          <a:lstStyle/>
+          <a:p>
+            <a:r>
+              <a:rPr lang="en-IN" dirty="0"/>
+              <a:t>Conclusion</a:t>
+            </a:r>
+          </a:p>
+        </p:txBody>
+      </p:sp>
+      <p:sp>
+        <p:nvSpPr>
+          <p:cNvPr id="3" name="Content Placeholder 2">
+            <a:extLst>
+              <a:ext uri="{FF2B5EF4-FFF2-40B4-BE49-F238E27FC236}">
+                <a16:creationId xmlns:a16="http://schemas.microsoft.com/office/drawing/2014/main" id="{C147B79E-D5EF-26F5-036D-8E1907F9C5DF}"/>
+              </a:ext>
+            </a:extLst>
+          </p:cNvPr>
+          <p:cNvSpPr>
+            <a:spLocks noGrp="1"/>
+          </p:cNvSpPr>
+          <p:nvPr>
+            <p:ph idx="1"/>
+          </p:nvPr>
+        </p:nvSpPr>
+        <p:spPr>
+          <a:xfrm>
+            <a:off x="856059" y="1352550"/>
+            <a:ext cx="7429499" cy="3048000"/>
+          </a:xfrm>
+        </p:spPr>
+        <p:txBody>
+          <a:bodyPr>
+            <a:normAutofit fontScale="85000" lnSpcReduction="20000"/>
+          </a:bodyPr>
+          <a:lstStyle/>
+          <a:p>
+            <a:r>
+              <a:rPr lang="en-US" b="0" dirty="0">
+                <a:effectLst/>
+                <a:latin typeface="Courier New" panose="02070309020205020404" pitchFamily="49" charset="0"/>
+              </a:rPr>
+              <a:t>Last month reach amount is playing crucial indicator of Churn.</a:t>
+            </a:r>
+          </a:p>
+          <a:p>
+            <a:r>
+              <a:rPr lang="en-US" b="0" dirty="0">
+                <a:effectLst/>
+                <a:latin typeface="Courier New" panose="02070309020205020404" pitchFamily="49" charset="0"/>
+              </a:rPr>
+              <a:t>Roam outgoing, std outgoing &amp; last recharge for 8th Month  are the most important columns to predict churn..</a:t>
+            </a:r>
+          </a:p>
+          <a:p>
+            <a:r>
+              <a:rPr lang="en-US" b="0" dirty="0">
+                <a:effectLst/>
+                <a:latin typeface="Courier New" panose="02070309020205020404" pitchFamily="49" charset="0"/>
+              </a:rPr>
+              <a:t>ARPU difference is a crucial indicator for churn</a:t>
+            </a:r>
+          </a:p>
+          <a:p>
+            <a:r>
+              <a:rPr lang="en-US" b="0" dirty="0">
+                <a:effectLst/>
+                <a:latin typeface="Courier New" panose="02070309020205020404" pitchFamily="49" charset="0"/>
+              </a:rPr>
+              <a:t>customers with tenure less than 4 yrs are more likely to churn.</a:t>
+            </a:r>
+          </a:p>
+          <a:p>
+            <a:r>
+              <a:rPr lang="en-US" b="0" dirty="0">
+                <a:effectLst/>
+                <a:latin typeface="Courier New" panose="02070309020205020404" pitchFamily="49" charset="0"/>
+              </a:rPr>
+              <a:t>Max Recharge Amount is a strong feature to predict churn.</a:t>
+            </a:r>
+          </a:p>
+          <a:p>
+            <a:r>
+              <a:rPr lang="en-US" b="0" dirty="0">
+                <a:effectLst/>
+                <a:latin typeface="Courier New" panose="02070309020205020404" pitchFamily="49" charset="0"/>
+              </a:rPr>
+              <a:t>Random Forest produced the best results followed by Logistic Regression</a:t>
+            </a:r>
+          </a:p>
+          <a:p>
+            <a:endParaRPr lang="en-IN" dirty="0"/>
+          </a:p>
+        </p:txBody>
+      </p:sp>
+    </p:spTree>
+    <p:extLst>
+      <p:ext uri="{BB962C8B-B14F-4D97-AF65-F5344CB8AC3E}">
+        <p14:creationId xmlns:p14="http://schemas.microsoft.com/office/powerpoint/2010/main" val="2012100488"/>
+      </p:ext>
+    </p:extLst>
+  </p:cSld>
+  <p:clrMapOvr>
+    <a:masterClrMapping/>
+  </p:clrMapOvr>
+</p:sld>
+</file>
+
+<file path=ppt/slides/slide7.xml><?xml version="1.0" encoding="utf-8"?>
+<p:sld xmlns:a="http://schemas.openxmlformats.org/drawingml/2006/main" xmlns:r="http://schemas.openxmlformats.org/officeDocument/2006/relationships" xmlns:p="http://schemas.openxmlformats.org/presentationml/2006/main">
+  <p:cSld>
+    <p:spTree>
+      <p:nvGrpSpPr>
+        <p:cNvPr id="1" name=""/>
+        <p:cNvGrpSpPr/>
+        <p:nvPr/>
+      </p:nvGrpSpPr>
+      <p:grpSpPr>
+        <a:xfrm>
+          <a:off x="0" y="0"/>
+          <a:ext cx="0" cy="0"/>
+          <a:chOff x="0" y="0"/>
+          <a:chExt cx="0" cy="0"/>
+        </a:xfrm>
+      </p:grpSpPr>
+      <p:sp>
+        <p:nvSpPr>
+          <p:cNvPr id="2" name="Title 1">
+            <a:extLst>
+              <a:ext uri="{FF2B5EF4-FFF2-40B4-BE49-F238E27FC236}">
+                <a16:creationId xmlns:a16="http://schemas.microsoft.com/office/drawing/2014/main" id="{6565F399-2B21-300A-A509-B8B4A9AFBA34}"/>
+              </a:ext>
+            </a:extLst>
+          </p:cNvPr>
+          <p:cNvSpPr>
+            <a:spLocks noGrp="1"/>
+          </p:cNvSpPr>
+          <p:nvPr>
+            <p:ph type="title"/>
+          </p:nvPr>
+        </p:nvSpPr>
+        <p:spPr>
+          <a:xfrm>
+            <a:off x="862518" y="285750"/>
+            <a:ext cx="7429499" cy="514349"/>
+          </a:xfrm>
+        </p:spPr>
+        <p:txBody>
+          <a:bodyPr>
+            <a:normAutofit/>
+          </a:bodyPr>
+          <a:lstStyle/>
+          <a:p>
+            <a:r>
+              <a:rPr lang="en-US" dirty="0"/>
+              <a:t>RECOMMENDATIONS</a:t>
+            </a:r>
+            <a:endParaRPr lang="en-IN" dirty="0"/>
+          </a:p>
+        </p:txBody>
+      </p:sp>
+      <p:sp>
+        <p:nvSpPr>
+          <p:cNvPr id="3" name="Content Placeholder 2">
+            <a:extLst>
+              <a:ext uri="{FF2B5EF4-FFF2-40B4-BE49-F238E27FC236}">
+                <a16:creationId xmlns:a16="http://schemas.microsoft.com/office/drawing/2014/main" id="{5884C10A-4656-1D40-C556-A3A52D216521}"/>
+              </a:ext>
+            </a:extLst>
+          </p:cNvPr>
+          <p:cNvSpPr>
+            <a:spLocks noGrp="1"/>
+          </p:cNvSpPr>
+          <p:nvPr>
+            <p:ph idx="1"/>
+          </p:nvPr>
+        </p:nvSpPr>
+        <p:spPr>
+          <a:xfrm>
+            <a:off x="317715" y="847724"/>
+            <a:ext cx="8216685" cy="3448051"/>
+          </a:xfrm>
+        </p:spPr>
+        <p:txBody>
+          <a:bodyPr>
+            <a:normAutofit fontScale="77500" lnSpcReduction="20000"/>
+          </a:bodyPr>
+          <a:lstStyle/>
+          <a:p>
+            <a:pPr marL="0" indent="0" algn="l">
+              <a:buNone/>
+            </a:pPr>
+            <a:r>
+              <a:rPr lang="en-IN" sz="1800" b="0" i="0" u="none" strike="noStrike" dirty="0">
+                <a:effectLst/>
+                <a:latin typeface="Söhne"/>
+              </a:rPr>
+              <a:t>Overall, the analysis provides valuable insights into the factors that lead to customer churn and offers actionable recommendations that can be used to reduce churn and improve customer retention.</a:t>
+            </a:r>
+            <a:r>
+              <a:rPr lang="en-IN" sz="1800" dirty="0">
+                <a:latin typeface="Söhne"/>
+              </a:rPr>
+              <a:t> </a:t>
+            </a:r>
+            <a:r>
+              <a:rPr lang="en-IN" sz="1800" b="0" i="0" u="none" strike="noStrike" dirty="0">
+                <a:effectLst/>
+                <a:latin typeface="Söhne"/>
+              </a:rPr>
+              <a:t>The analysis also showed that the random forest classifier model performed the best in predicting churn with an accuracy of </a:t>
+            </a:r>
+            <a:r>
+              <a:rPr lang="en-IN" dirty="0">
+                <a:latin typeface="Söhne"/>
+              </a:rPr>
+              <a:t>~78</a:t>
+            </a:r>
+            <a:r>
+              <a:rPr lang="en-IN" sz="1800" b="0" i="0" u="none" strike="noStrike" dirty="0">
+                <a:effectLst/>
+                <a:latin typeface="Söhne"/>
+              </a:rPr>
+              <a:t>%. The use of imbalanced data techniques such as SMOTE helped improve the performance of the model by addressing the class imbalance problem.</a:t>
+            </a:r>
+          </a:p>
+          <a:p>
+            <a:pPr algn="l">
+              <a:buFont typeface="Arial" panose="020B0604020202020204" pitchFamily="34" charset="0"/>
+              <a:buChar char="•"/>
+            </a:pPr>
+            <a:endParaRPr lang="en-IN" sz="1800" dirty="0">
+              <a:latin typeface="Söhne"/>
+            </a:endParaRPr>
+          </a:p>
+          <a:p>
+            <a:pPr algn="l">
+              <a:buFont typeface="Arial" panose="020B0604020202020204" pitchFamily="34" charset="0"/>
+              <a:buChar char="•"/>
+            </a:pPr>
+            <a:r>
+              <a:rPr lang="en-IN" sz="1800" b="0" i="0" u="none" strike="noStrike" dirty="0">
+                <a:effectLst/>
+                <a:latin typeface="Söhne"/>
+              </a:rPr>
+              <a:t>Provide incentives to customers who have been with the company for a longer period to encourage them to stay with the company.</a:t>
+            </a:r>
+          </a:p>
+          <a:p>
+            <a:pPr algn="l">
+              <a:buFont typeface="Arial" panose="020B0604020202020204" pitchFamily="34" charset="0"/>
+              <a:buChar char="•"/>
+            </a:pPr>
+            <a:r>
+              <a:rPr lang="en-IN" sz="1800" b="0" i="0" u="none" strike="noStrike" dirty="0">
+                <a:effectLst/>
+                <a:latin typeface="Söhne"/>
+              </a:rPr>
+              <a:t>Offer discounts or other benefits to customers who sign up for long-term contracts.</a:t>
+            </a:r>
+          </a:p>
+          <a:p>
+            <a:pPr algn="l">
+              <a:buFont typeface="Arial" panose="020B0604020202020204" pitchFamily="34" charset="0"/>
+              <a:buChar char="•"/>
+            </a:pPr>
+            <a:r>
+              <a:rPr lang="en-IN" sz="1800" b="0" i="0" u="none" strike="noStrike" dirty="0">
+                <a:effectLst/>
+                <a:latin typeface="Söhne"/>
+              </a:rPr>
+              <a:t>Encourage customers to use payment methods other than electronic check by providing incentives or simplifying the payment process.</a:t>
+            </a:r>
+          </a:p>
+          <a:p>
+            <a:pPr algn="l">
+              <a:buFont typeface="Arial" panose="020B0604020202020204" pitchFamily="34" charset="0"/>
+              <a:buChar char="•"/>
+            </a:pPr>
+            <a:r>
+              <a:rPr lang="en-IN" sz="1800" b="0" i="0" u="none" strike="noStrike" dirty="0">
+                <a:effectLst/>
+                <a:latin typeface="Söhne"/>
+              </a:rPr>
+              <a:t>Provide better value for money by offering packages that provide services at a lower cost for customers with high monthly charges.</a:t>
+            </a:r>
+          </a:p>
+          <a:p>
+            <a:endParaRPr lang="en-IN" dirty="0"/>
+          </a:p>
+        </p:txBody>
+      </p:sp>
+    </p:spTree>
+    <p:extLst>
+      <p:ext uri="{BB962C8B-B14F-4D97-AF65-F5344CB8AC3E}">
+        <p14:creationId xmlns:p14="http://schemas.microsoft.com/office/powerpoint/2010/main" val="3529415568"/>
+      </p:ext>
+    </p:extLst>
+  </p:cSld>
+  <p:clrMapOvr>
+    <a:masterClrMapping/>
+  </p:clrMapOvr>
+</p:sld>
+</file>
+
+<file path=ppt/slides/slide8.xml><?xml version="1.0" encoding="utf-8"?>
 <p:sld xmlns:a="http://schemas.openxmlformats.org/drawingml/2006/main" xmlns:r="http://schemas.openxmlformats.org/officeDocument/2006/relationships" xmlns:p="http://schemas.openxmlformats.org/presentationml/2006/main">
   <p:cSld>
     <p:spTree>
@@ -13467,1583 +21345,6 @@
     <p:extLst>
       <p:ext uri="{BB962C8B-B14F-4D97-AF65-F5344CB8AC3E}">
         <p14:creationId xmlns:p14="http://schemas.microsoft.com/office/powerpoint/2010/main" val="4079363541"/>
-      </p:ext>
-    </p:extLst>
-  </p:cSld>
-  <p:clrMapOvr>
-    <a:masterClrMapping/>
-  </p:clrMapOvr>
-</p:sld>
-</file>
-
-<file path=ppt/slides/slide2.xml><?xml version="1.0" encoding="utf-8"?>
-<p:sld xmlns:a="http://schemas.openxmlformats.org/drawingml/2006/main" xmlns:r="http://schemas.openxmlformats.org/officeDocument/2006/relationships" xmlns:p="http://schemas.openxmlformats.org/presentationml/2006/main">
-  <p:cSld>
-    <p:spTree>
-      <p:nvGrpSpPr>
-        <p:cNvPr id="1" name=""/>
-        <p:cNvGrpSpPr/>
-        <p:nvPr/>
-      </p:nvGrpSpPr>
-      <p:grpSpPr>
-        <a:xfrm>
-          <a:off x="0" y="0"/>
-          <a:ext cx="0" cy="0"/>
-          <a:chOff x="0" y="0"/>
-          <a:chExt cx="0" cy="0"/>
-        </a:xfrm>
-      </p:grpSpPr>
-      <p:sp>
-        <p:nvSpPr>
-          <p:cNvPr id="2" name="object 2"/>
-          <p:cNvSpPr txBox="1">
-            <a:spLocks noGrp="1"/>
-          </p:cNvSpPr>
-          <p:nvPr>
-            <p:ph type="title"/>
-          </p:nvPr>
-        </p:nvSpPr>
-        <p:spPr>
-          <a:xfrm>
-            <a:off x="838201" y="801270"/>
-            <a:ext cx="7696200" cy="505267"/>
-          </a:xfrm>
-          <a:prstGeom prst="rect">
-            <a:avLst/>
-          </a:prstGeom>
-        </p:spPr>
-        <p:txBody>
-          <a:bodyPr vert="horz" wrap="square" lIns="0" tIns="12700" rIns="0" bIns="0" rtlCol="0">
-            <a:spAutoFit/>
-          </a:bodyPr>
-          <a:lstStyle/>
-          <a:p>
-            <a:pPr marL="12700" marR="5080" indent="222250">
-              <a:lnSpc>
-                <a:spcPct val="100000"/>
-              </a:lnSpc>
-              <a:spcBef>
-                <a:spcPts val="100"/>
-              </a:spcBef>
-            </a:pPr>
-            <a:r>
-              <a:rPr sz="3200" b="0" spc="-10" dirty="0">
-                <a:solidFill>
-                  <a:srgbClr val="2A3990"/>
-                </a:solidFill>
-                <a:latin typeface="Arial MT"/>
-                <a:cs typeface="Arial MT"/>
-              </a:rPr>
-              <a:t>Problem Statement</a:t>
-            </a:r>
-            <a:endParaRPr sz="3200" dirty="0">
-              <a:latin typeface="Arial MT"/>
-              <a:cs typeface="Arial MT"/>
-            </a:endParaRPr>
-          </a:p>
-        </p:txBody>
-      </p:sp>
-      <p:sp>
-        <p:nvSpPr>
-          <p:cNvPr id="3" name="object 3"/>
-          <p:cNvSpPr txBox="1"/>
-          <p:nvPr/>
-        </p:nvSpPr>
-        <p:spPr>
-          <a:xfrm>
-            <a:off x="914400" y="1504950"/>
-            <a:ext cx="6400800" cy="941412"/>
-          </a:xfrm>
-          <a:prstGeom prst="rect">
-            <a:avLst/>
-          </a:prstGeom>
-        </p:spPr>
-        <p:txBody>
-          <a:bodyPr vert="horz" wrap="square" lIns="0" tIns="12700" rIns="0" bIns="0" rtlCol="0">
-            <a:spAutoFit/>
-          </a:bodyPr>
-          <a:lstStyle/>
-          <a:p>
-            <a:pPr marL="12700" marR="5080">
-              <a:lnSpc>
-                <a:spcPct val="114999"/>
-              </a:lnSpc>
-              <a:spcBef>
-                <a:spcPts val="100"/>
-              </a:spcBef>
-            </a:pPr>
-            <a:r>
-              <a:rPr sz="1800" dirty="0">
-                <a:solidFill>
-                  <a:srgbClr val="FFFFFF"/>
-                </a:solidFill>
-                <a:latin typeface="Arial MT"/>
-                <a:cs typeface="Arial MT"/>
-              </a:rPr>
-              <a:t>Analyze</a:t>
-            </a:r>
-            <a:r>
-              <a:rPr sz="1800" spc="10" dirty="0">
-                <a:solidFill>
-                  <a:srgbClr val="FFFFFF"/>
-                </a:solidFill>
-                <a:latin typeface="Arial MT"/>
-                <a:cs typeface="Arial MT"/>
-              </a:rPr>
-              <a:t> </a:t>
-            </a:r>
-            <a:r>
-              <a:rPr sz="1800" spc="-10" dirty="0">
-                <a:solidFill>
-                  <a:srgbClr val="FFFFFF"/>
-                </a:solidFill>
-                <a:latin typeface="Arial MT"/>
-                <a:cs typeface="Arial MT"/>
-              </a:rPr>
-              <a:t>customer-</a:t>
-            </a:r>
-            <a:r>
-              <a:rPr sz="1800" dirty="0">
-                <a:solidFill>
-                  <a:srgbClr val="FFFFFF"/>
-                </a:solidFill>
-                <a:latin typeface="Arial MT"/>
-                <a:cs typeface="Arial MT"/>
-              </a:rPr>
-              <a:t>level data</a:t>
-            </a:r>
-            <a:r>
-              <a:rPr sz="1800" spc="-15" dirty="0">
-                <a:solidFill>
-                  <a:srgbClr val="FFFFFF"/>
-                </a:solidFill>
-                <a:latin typeface="Arial MT"/>
-                <a:cs typeface="Arial MT"/>
-              </a:rPr>
-              <a:t> </a:t>
-            </a:r>
-            <a:r>
-              <a:rPr sz="1800" dirty="0">
-                <a:solidFill>
-                  <a:srgbClr val="FFFFFF"/>
-                </a:solidFill>
-                <a:latin typeface="Arial MT"/>
-                <a:cs typeface="Arial MT"/>
-              </a:rPr>
-              <a:t>of</a:t>
-            </a:r>
-            <a:r>
-              <a:rPr sz="1800" spc="-20" dirty="0">
-                <a:solidFill>
-                  <a:srgbClr val="FFFFFF"/>
-                </a:solidFill>
-                <a:latin typeface="Arial MT"/>
-                <a:cs typeface="Arial MT"/>
-              </a:rPr>
-              <a:t> </a:t>
-            </a:r>
-            <a:r>
-              <a:rPr sz="1800" dirty="0">
-                <a:solidFill>
-                  <a:srgbClr val="FFFFFF"/>
-                </a:solidFill>
-                <a:latin typeface="Arial MT"/>
-                <a:cs typeface="Arial MT"/>
-              </a:rPr>
-              <a:t>a</a:t>
-            </a:r>
-            <a:r>
-              <a:rPr sz="1800" spc="-15" dirty="0">
-                <a:solidFill>
-                  <a:srgbClr val="FFFFFF"/>
-                </a:solidFill>
-                <a:latin typeface="Arial MT"/>
-                <a:cs typeface="Arial MT"/>
-              </a:rPr>
-              <a:t> </a:t>
-            </a:r>
-            <a:r>
-              <a:rPr sz="1800" spc="-10" dirty="0">
-                <a:solidFill>
-                  <a:srgbClr val="FFFFFF"/>
-                </a:solidFill>
-                <a:latin typeface="Arial MT"/>
-                <a:cs typeface="Arial MT"/>
-              </a:rPr>
-              <a:t>leading </a:t>
-            </a:r>
-            <a:r>
-              <a:rPr sz="1800" dirty="0">
-                <a:solidFill>
-                  <a:srgbClr val="FFFFFF"/>
-                </a:solidFill>
-                <a:latin typeface="Arial MT"/>
-                <a:cs typeface="Arial MT"/>
-              </a:rPr>
-              <a:t>telecom</a:t>
-            </a:r>
-            <a:r>
-              <a:rPr sz="1800" spc="-45" dirty="0">
-                <a:solidFill>
-                  <a:srgbClr val="FFFFFF"/>
-                </a:solidFill>
-                <a:latin typeface="Arial MT"/>
-                <a:cs typeface="Arial MT"/>
-              </a:rPr>
-              <a:t> </a:t>
-            </a:r>
-            <a:r>
-              <a:rPr sz="1800" dirty="0">
-                <a:solidFill>
-                  <a:srgbClr val="FFFFFF"/>
-                </a:solidFill>
-                <a:latin typeface="Arial MT"/>
-                <a:cs typeface="Arial MT"/>
-              </a:rPr>
-              <a:t>firm,</a:t>
-            </a:r>
-            <a:r>
-              <a:rPr sz="1800" spc="-35" dirty="0">
-                <a:solidFill>
-                  <a:srgbClr val="FFFFFF"/>
-                </a:solidFill>
-                <a:latin typeface="Arial MT"/>
-                <a:cs typeface="Arial MT"/>
-              </a:rPr>
-              <a:t> </a:t>
-            </a:r>
-            <a:r>
-              <a:rPr sz="1800" dirty="0">
-                <a:solidFill>
-                  <a:srgbClr val="FFFFFF"/>
-                </a:solidFill>
-                <a:latin typeface="Arial MT"/>
-                <a:cs typeface="Arial MT"/>
-              </a:rPr>
-              <a:t>build</a:t>
-            </a:r>
-            <a:r>
-              <a:rPr sz="1800" spc="-30" dirty="0">
-                <a:solidFill>
-                  <a:srgbClr val="FFFFFF"/>
-                </a:solidFill>
-                <a:latin typeface="Arial MT"/>
-                <a:cs typeface="Arial MT"/>
-              </a:rPr>
-              <a:t> </a:t>
-            </a:r>
-            <a:r>
-              <a:rPr sz="1800" dirty="0">
-                <a:solidFill>
-                  <a:srgbClr val="FFFFFF"/>
-                </a:solidFill>
-                <a:latin typeface="Arial MT"/>
-                <a:cs typeface="Arial MT"/>
-              </a:rPr>
-              <a:t>predictive</a:t>
-            </a:r>
-            <a:r>
-              <a:rPr sz="1800" spc="-15" dirty="0">
-                <a:solidFill>
-                  <a:srgbClr val="FFFFFF"/>
-                </a:solidFill>
-                <a:latin typeface="Arial MT"/>
-                <a:cs typeface="Arial MT"/>
-              </a:rPr>
-              <a:t> </a:t>
-            </a:r>
-            <a:r>
-              <a:rPr sz="1800" dirty="0">
-                <a:solidFill>
-                  <a:srgbClr val="FFFFFF"/>
-                </a:solidFill>
-                <a:latin typeface="Arial MT"/>
-                <a:cs typeface="Arial MT"/>
-              </a:rPr>
-              <a:t>models</a:t>
-            </a:r>
-            <a:r>
-              <a:rPr sz="1800" spc="-25" dirty="0">
-                <a:solidFill>
-                  <a:srgbClr val="FFFFFF"/>
-                </a:solidFill>
-                <a:latin typeface="Arial MT"/>
-                <a:cs typeface="Arial MT"/>
-              </a:rPr>
-              <a:t> to </a:t>
-            </a:r>
-            <a:r>
-              <a:rPr sz="1800" dirty="0">
-                <a:solidFill>
-                  <a:srgbClr val="FFFFFF"/>
-                </a:solidFill>
-                <a:latin typeface="Arial MT"/>
-                <a:cs typeface="Arial MT"/>
-              </a:rPr>
-              <a:t>identify</a:t>
-            </a:r>
-            <a:r>
-              <a:rPr sz="1800" spc="-15" dirty="0">
-                <a:solidFill>
-                  <a:srgbClr val="FFFFFF"/>
-                </a:solidFill>
-                <a:latin typeface="Arial MT"/>
-                <a:cs typeface="Arial MT"/>
-              </a:rPr>
-              <a:t> </a:t>
-            </a:r>
-            <a:r>
-              <a:rPr sz="1800" dirty="0">
-                <a:solidFill>
-                  <a:srgbClr val="FFFFFF"/>
-                </a:solidFill>
-                <a:latin typeface="Arial MT"/>
-                <a:cs typeface="Arial MT"/>
-              </a:rPr>
-              <a:t>customers</a:t>
-            </a:r>
-            <a:r>
-              <a:rPr sz="1800" spc="-25" dirty="0">
-                <a:solidFill>
-                  <a:srgbClr val="FFFFFF"/>
-                </a:solidFill>
-                <a:latin typeface="Arial MT"/>
-                <a:cs typeface="Arial MT"/>
-              </a:rPr>
-              <a:t> </a:t>
-            </a:r>
-            <a:r>
-              <a:rPr sz="1800" dirty="0">
-                <a:solidFill>
-                  <a:srgbClr val="FFFFFF"/>
-                </a:solidFill>
-                <a:latin typeface="Arial MT"/>
-                <a:cs typeface="Arial MT"/>
-              </a:rPr>
-              <a:t>at</a:t>
-            </a:r>
-            <a:r>
-              <a:rPr sz="1800" spc="-25" dirty="0">
-                <a:solidFill>
-                  <a:srgbClr val="FFFFFF"/>
-                </a:solidFill>
-                <a:latin typeface="Arial MT"/>
-                <a:cs typeface="Arial MT"/>
-              </a:rPr>
-              <a:t> </a:t>
-            </a:r>
-            <a:r>
-              <a:rPr sz="1800" dirty="0">
-                <a:solidFill>
-                  <a:srgbClr val="FFFFFF"/>
-                </a:solidFill>
-                <a:latin typeface="Arial MT"/>
-                <a:cs typeface="Arial MT"/>
-              </a:rPr>
-              <a:t>high</a:t>
-            </a:r>
-            <a:r>
-              <a:rPr sz="1800" spc="-20" dirty="0">
-                <a:solidFill>
-                  <a:srgbClr val="FFFFFF"/>
-                </a:solidFill>
-                <a:latin typeface="Arial MT"/>
-                <a:cs typeface="Arial MT"/>
-              </a:rPr>
-              <a:t> </a:t>
-            </a:r>
-            <a:r>
-              <a:rPr sz="1800" dirty="0">
-                <a:solidFill>
-                  <a:srgbClr val="FFFFFF"/>
-                </a:solidFill>
-                <a:latin typeface="Arial MT"/>
-                <a:cs typeface="Arial MT"/>
-              </a:rPr>
-              <a:t>risk</a:t>
-            </a:r>
-            <a:r>
-              <a:rPr sz="1800" spc="-25" dirty="0">
-                <a:solidFill>
-                  <a:srgbClr val="FFFFFF"/>
-                </a:solidFill>
-                <a:latin typeface="Arial MT"/>
-                <a:cs typeface="Arial MT"/>
-              </a:rPr>
-              <a:t> </a:t>
-            </a:r>
-            <a:r>
-              <a:rPr sz="1800" dirty="0">
-                <a:solidFill>
-                  <a:srgbClr val="FFFFFF"/>
-                </a:solidFill>
-                <a:latin typeface="Arial MT"/>
-                <a:cs typeface="Arial MT"/>
-              </a:rPr>
-              <a:t>of</a:t>
-            </a:r>
-            <a:r>
-              <a:rPr sz="1800" spc="-35" dirty="0">
-                <a:solidFill>
-                  <a:srgbClr val="FFFFFF"/>
-                </a:solidFill>
-                <a:latin typeface="Arial MT"/>
-                <a:cs typeface="Arial MT"/>
-              </a:rPr>
-              <a:t> </a:t>
-            </a:r>
-            <a:r>
-              <a:rPr sz="1800" spc="-10" dirty="0">
-                <a:solidFill>
-                  <a:srgbClr val="FFFFFF"/>
-                </a:solidFill>
-                <a:latin typeface="Arial MT"/>
-                <a:cs typeface="Arial MT"/>
-              </a:rPr>
-              <a:t>churn, </a:t>
-            </a:r>
-            <a:r>
-              <a:rPr sz="1800" dirty="0">
-                <a:solidFill>
-                  <a:srgbClr val="FFFFFF"/>
-                </a:solidFill>
-                <a:latin typeface="Arial MT"/>
-                <a:cs typeface="Arial MT"/>
-              </a:rPr>
-              <a:t>and</a:t>
-            </a:r>
-            <a:r>
-              <a:rPr sz="1800" spc="-35" dirty="0">
-                <a:solidFill>
-                  <a:srgbClr val="FFFFFF"/>
-                </a:solidFill>
-                <a:latin typeface="Arial MT"/>
-                <a:cs typeface="Arial MT"/>
-              </a:rPr>
-              <a:t> </a:t>
-            </a:r>
-            <a:r>
-              <a:rPr sz="1800" dirty="0">
-                <a:solidFill>
-                  <a:srgbClr val="FFFFFF"/>
-                </a:solidFill>
-                <a:latin typeface="Arial MT"/>
-                <a:cs typeface="Arial MT"/>
-              </a:rPr>
-              <a:t>identify</a:t>
-            </a:r>
-            <a:r>
-              <a:rPr sz="1800" spc="-25" dirty="0">
-                <a:solidFill>
-                  <a:srgbClr val="FFFFFF"/>
-                </a:solidFill>
-                <a:latin typeface="Arial MT"/>
-                <a:cs typeface="Arial MT"/>
-              </a:rPr>
-              <a:t> </a:t>
-            </a:r>
-            <a:r>
-              <a:rPr sz="1800" dirty="0">
-                <a:solidFill>
-                  <a:srgbClr val="FFFFFF"/>
-                </a:solidFill>
-                <a:latin typeface="Arial MT"/>
-                <a:cs typeface="Arial MT"/>
-              </a:rPr>
-              <a:t>the</a:t>
-            </a:r>
-            <a:r>
-              <a:rPr sz="1800" spc="-35" dirty="0">
-                <a:solidFill>
-                  <a:srgbClr val="FFFFFF"/>
-                </a:solidFill>
-                <a:latin typeface="Arial MT"/>
-                <a:cs typeface="Arial MT"/>
-              </a:rPr>
-              <a:t> </a:t>
-            </a:r>
-            <a:r>
-              <a:rPr sz="1800" dirty="0">
-                <a:solidFill>
-                  <a:srgbClr val="FFFFFF"/>
-                </a:solidFill>
-                <a:latin typeface="Arial MT"/>
-                <a:cs typeface="Arial MT"/>
-              </a:rPr>
-              <a:t>main</a:t>
-            </a:r>
-            <a:r>
-              <a:rPr sz="1800" spc="-20" dirty="0">
-                <a:solidFill>
-                  <a:srgbClr val="FFFFFF"/>
-                </a:solidFill>
-                <a:latin typeface="Arial MT"/>
-                <a:cs typeface="Arial MT"/>
-              </a:rPr>
-              <a:t> </a:t>
-            </a:r>
-            <a:r>
-              <a:rPr sz="1800" dirty="0">
-                <a:solidFill>
-                  <a:srgbClr val="FFFFFF"/>
-                </a:solidFill>
-                <a:latin typeface="Arial MT"/>
-                <a:cs typeface="Arial MT"/>
-              </a:rPr>
-              <a:t>indicators</a:t>
-            </a:r>
-            <a:r>
-              <a:rPr sz="1800" spc="-15" dirty="0">
-                <a:solidFill>
-                  <a:srgbClr val="FFFFFF"/>
-                </a:solidFill>
-                <a:latin typeface="Arial MT"/>
-                <a:cs typeface="Arial MT"/>
-              </a:rPr>
-              <a:t> </a:t>
-            </a:r>
-            <a:r>
-              <a:rPr sz="1800" dirty="0">
-                <a:solidFill>
-                  <a:srgbClr val="FFFFFF"/>
-                </a:solidFill>
-                <a:latin typeface="Arial MT"/>
-                <a:cs typeface="Arial MT"/>
-              </a:rPr>
-              <a:t>of</a:t>
-            </a:r>
-            <a:r>
-              <a:rPr sz="1800" spc="-25" dirty="0">
-                <a:solidFill>
-                  <a:srgbClr val="FFFFFF"/>
-                </a:solidFill>
-                <a:latin typeface="Arial MT"/>
-                <a:cs typeface="Arial MT"/>
-              </a:rPr>
-              <a:t> </a:t>
-            </a:r>
-            <a:r>
-              <a:rPr sz="1800" spc="-10" dirty="0">
-                <a:solidFill>
-                  <a:srgbClr val="FFFFFF"/>
-                </a:solidFill>
-                <a:latin typeface="Arial MT"/>
-                <a:cs typeface="Arial MT"/>
-              </a:rPr>
-              <a:t>churn.</a:t>
-            </a:r>
-            <a:endParaRPr sz="1800" dirty="0">
-              <a:latin typeface="Arial MT"/>
-              <a:cs typeface="Arial MT"/>
-            </a:endParaRPr>
-          </a:p>
-        </p:txBody>
-      </p:sp>
-    </p:spTree>
-  </p:cSld>
-  <p:clrMapOvr>
-    <a:masterClrMapping/>
-  </p:clrMapOvr>
-</p:sld>
-</file>
-
-<file path=ppt/slides/slide3.xml><?xml version="1.0" encoding="utf-8"?>
-<p:sld xmlns:a="http://schemas.openxmlformats.org/drawingml/2006/main" xmlns:r="http://schemas.openxmlformats.org/officeDocument/2006/relationships" xmlns:p="http://schemas.openxmlformats.org/presentationml/2006/main">
-  <p:cSld>
-    <p:spTree>
-      <p:nvGrpSpPr>
-        <p:cNvPr id="1" name=""/>
-        <p:cNvGrpSpPr/>
-        <p:nvPr/>
-      </p:nvGrpSpPr>
-      <p:grpSpPr>
-        <a:xfrm>
-          <a:off x="0" y="0"/>
-          <a:ext cx="0" cy="0"/>
-          <a:chOff x="0" y="0"/>
-          <a:chExt cx="0" cy="0"/>
-        </a:xfrm>
-      </p:grpSpPr>
-      <p:sp>
-        <p:nvSpPr>
-          <p:cNvPr id="4" name="TextBox 3">
-            <a:extLst>
-              <a:ext uri="{FF2B5EF4-FFF2-40B4-BE49-F238E27FC236}">
-                <a16:creationId xmlns:a16="http://schemas.microsoft.com/office/drawing/2014/main" id="{14045BC8-99DB-BF7F-3BD2-714F8DDF17C1}"/>
-              </a:ext>
-            </a:extLst>
-          </p:cNvPr>
-          <p:cNvSpPr txBox="1"/>
-          <p:nvPr/>
-        </p:nvSpPr>
-        <p:spPr>
-          <a:xfrm>
-            <a:off x="76200" y="209550"/>
-            <a:ext cx="8839199" cy="3970318"/>
-          </a:xfrm>
-          <a:prstGeom prst="rect">
-            <a:avLst/>
-          </a:prstGeom>
-          <a:noFill/>
-        </p:spPr>
-        <p:txBody>
-          <a:bodyPr wrap="square">
-            <a:spAutoFit/>
-          </a:bodyPr>
-          <a:lstStyle/>
-          <a:p>
-            <a:pPr marL="0" indent="0" algn="just">
-              <a:buFont typeface="Arial" panose="020B0604020202020204" pitchFamily="34" charset="0"/>
-              <a:buNone/>
-            </a:pPr>
-            <a:endParaRPr lang="en-US" sz="1400" b="1" dirty="0"/>
-          </a:p>
-          <a:p>
-            <a:pPr marL="0" indent="0" algn="just">
-              <a:buFont typeface="Arial" panose="020B0604020202020204" pitchFamily="34" charset="0"/>
-              <a:buNone/>
-            </a:pPr>
-            <a:endParaRPr lang="en-US" sz="1400" b="1" dirty="0"/>
-          </a:p>
-          <a:p>
-            <a:pPr marL="0" indent="0" algn="just">
-              <a:buFont typeface="Arial" panose="020B0604020202020204" pitchFamily="34" charset="0"/>
-              <a:buNone/>
-            </a:pPr>
-            <a:r>
-              <a:rPr lang="en-US" sz="1400" b="1" dirty="0"/>
-              <a:t>Technical Aspects</a:t>
-            </a:r>
-          </a:p>
-          <a:p>
-            <a:pPr algn="l">
-              <a:buFont typeface="Arial" panose="020B0604020202020204" pitchFamily="34" charset="0"/>
-              <a:buChar char="•"/>
-            </a:pPr>
-            <a:r>
-              <a:rPr lang="en-IN" sz="1400" b="0" i="0" u="none" strike="noStrike" dirty="0">
-                <a:effectLst/>
-                <a:latin typeface="Söhne"/>
-              </a:rPr>
-              <a:t>Data pre-processing techniques such as handling missing values, feature scaling, and feature engineering</a:t>
-            </a:r>
-          </a:p>
-          <a:p>
-            <a:pPr algn="l">
-              <a:buFont typeface="Arial" panose="020B0604020202020204" pitchFamily="34" charset="0"/>
-              <a:buChar char="•"/>
-            </a:pPr>
-            <a:r>
-              <a:rPr lang="en-IN" sz="1400" b="0" i="0" u="none" strike="noStrike" dirty="0">
-                <a:effectLst/>
-                <a:latin typeface="Söhne"/>
-              </a:rPr>
-              <a:t>Exploratory data analysis to understand the distribution of various features and their impact on the target variable</a:t>
-            </a:r>
-          </a:p>
-          <a:p>
-            <a:pPr algn="l">
-              <a:buFont typeface="Arial" panose="020B0604020202020204" pitchFamily="34" charset="0"/>
-              <a:buChar char="•"/>
-            </a:pPr>
-            <a:r>
-              <a:rPr lang="en-IN" sz="1400" b="0" i="0" u="none" strike="noStrike" dirty="0">
-                <a:effectLst/>
-                <a:latin typeface="Söhne"/>
-              </a:rPr>
-              <a:t>Building and fine-tuning various classification models to predict churn</a:t>
-            </a:r>
-          </a:p>
-          <a:p>
-            <a:pPr algn="l">
-              <a:buFont typeface="Arial" panose="020B0604020202020204" pitchFamily="34" charset="0"/>
-              <a:buChar char="•"/>
-            </a:pPr>
-            <a:r>
-              <a:rPr lang="en-IN" sz="1400" b="0" i="0" u="none" strike="noStrike" dirty="0">
-                <a:effectLst/>
-                <a:latin typeface="Söhne"/>
-              </a:rPr>
-              <a:t>Evaluating model performance using various metrics such as accuracy, precision, recall, and AUC</a:t>
-            </a:r>
-          </a:p>
-          <a:p>
-            <a:pPr algn="l">
-              <a:buFont typeface="Arial" panose="020B0604020202020204" pitchFamily="34" charset="0"/>
-              <a:buChar char="•"/>
-            </a:pPr>
-            <a:r>
-              <a:rPr lang="en-IN" sz="1400" b="0" i="0" u="none" strike="noStrike" dirty="0">
-                <a:effectLst/>
-                <a:latin typeface="Söhne"/>
-              </a:rPr>
-              <a:t>Dealing with imbalanced classes using techniques such as oversampling, under sampling, and SMOTE</a:t>
-            </a:r>
-          </a:p>
-          <a:p>
-            <a:pPr algn="l">
-              <a:buFont typeface="Arial" panose="020B0604020202020204" pitchFamily="34" charset="0"/>
-              <a:buChar char="•"/>
-            </a:pPr>
-            <a:endParaRPr lang="en-IN" sz="1400" dirty="0">
-              <a:latin typeface="Söhne"/>
-            </a:endParaRPr>
-          </a:p>
-          <a:p>
-            <a:pPr algn="l">
-              <a:buFont typeface="Arial" panose="020B0604020202020204" pitchFamily="34" charset="0"/>
-              <a:buChar char="•"/>
-            </a:pPr>
-            <a:endParaRPr lang="en-IN" sz="1400" b="0" i="0" u="none" strike="noStrike" dirty="0">
-              <a:effectLst/>
-              <a:latin typeface="Söhne"/>
-            </a:endParaRPr>
-          </a:p>
-          <a:p>
-            <a:pPr algn="l">
-              <a:buFont typeface="Arial" panose="020B0604020202020204" pitchFamily="34" charset="0"/>
-              <a:buChar char="•"/>
-            </a:pPr>
-            <a:endParaRPr lang="en-IN" sz="1400" b="0" i="0" u="none" strike="noStrike" dirty="0">
-              <a:effectLst/>
-              <a:latin typeface="Söhne"/>
-            </a:endParaRPr>
-          </a:p>
-          <a:p>
-            <a:pPr marL="0" indent="0" algn="just">
-              <a:buFont typeface="Arial" panose="020B0604020202020204" pitchFamily="34" charset="0"/>
-              <a:buNone/>
-            </a:pPr>
-            <a:r>
-              <a:rPr lang="en-US" sz="1400" b="1" dirty="0"/>
-              <a:t>II. Business Aspects</a:t>
-            </a:r>
-          </a:p>
-          <a:p>
-            <a:pPr>
-              <a:buFont typeface="Arial" panose="020B0604020202020204" pitchFamily="34" charset="0"/>
-              <a:buChar char="•"/>
-            </a:pPr>
-            <a:r>
-              <a:rPr lang="en-US" sz="1400" dirty="0"/>
-              <a:t> </a:t>
-            </a:r>
-            <a:r>
-              <a:rPr lang="en-IN" sz="1400" b="0" i="0" u="none" strike="noStrike" dirty="0">
-                <a:effectLst/>
-                <a:latin typeface="Söhne"/>
-              </a:rPr>
-              <a:t>Understanding the key f</a:t>
-            </a:r>
-            <a:r>
-              <a:rPr lang="en-IN" sz="1400" dirty="0">
-                <a:latin typeface="Söhne"/>
-              </a:rPr>
-              <a:t>actors Identifying the most profitable customer segments</a:t>
-            </a:r>
-          </a:p>
-          <a:p>
-            <a:pPr algn="l">
-              <a:buFont typeface="Arial" panose="020B0604020202020204" pitchFamily="34" charset="0"/>
-              <a:buChar char="•"/>
-            </a:pPr>
-            <a:r>
-              <a:rPr lang="en-IN" sz="1400">
-                <a:latin typeface="Söhne"/>
-              </a:rPr>
-              <a:t>Fa</a:t>
-            </a:r>
-            <a:r>
-              <a:rPr lang="en-IN" sz="1400" b="0" i="0" u="none" strike="noStrike">
-                <a:effectLst/>
-                <a:latin typeface="Söhne"/>
-              </a:rPr>
-              <a:t>ctors </a:t>
-            </a:r>
-            <a:r>
-              <a:rPr lang="en-IN" sz="1400" b="0" i="0" u="none" strike="noStrike" dirty="0">
-                <a:effectLst/>
-                <a:latin typeface="Söhne"/>
-              </a:rPr>
-              <a:t>that contribute to customer churn</a:t>
-            </a:r>
-          </a:p>
-          <a:p>
-            <a:pPr algn="l">
-              <a:buFont typeface="Arial" panose="020B0604020202020204" pitchFamily="34" charset="0"/>
-              <a:buChar char="•"/>
-            </a:pPr>
-            <a:r>
-              <a:rPr lang="en-IN" sz="1400" b="0" i="0" u="none" strike="noStrike" dirty="0">
-                <a:effectLst/>
-                <a:latin typeface="Söhne"/>
-              </a:rPr>
-              <a:t>Analysing the impact of various marketing and promotional campaigns on customer churn</a:t>
-            </a:r>
-          </a:p>
-          <a:p>
-            <a:pPr algn="l">
-              <a:buFont typeface="Arial" panose="020B0604020202020204" pitchFamily="34" charset="0"/>
-              <a:buChar char="•"/>
-            </a:pPr>
-            <a:r>
-              <a:rPr lang="en-IN" sz="1400" b="0" i="0" u="none" strike="noStrike" dirty="0">
-                <a:effectLst/>
-                <a:latin typeface="Söhne"/>
-              </a:rPr>
-              <a:t>Developing customer loyalty programs to retain customers</a:t>
-            </a:r>
-          </a:p>
-          <a:p>
-            <a:pPr algn="l">
-              <a:buFont typeface="Arial" panose="020B0604020202020204" pitchFamily="34" charset="0"/>
-              <a:buChar char="•"/>
-            </a:pPr>
-            <a:r>
-              <a:rPr lang="en-IN" sz="1400" b="0" i="0" u="none" strike="noStrike" dirty="0">
-                <a:effectLst/>
-                <a:latin typeface="Söhne"/>
-              </a:rPr>
-              <a:t>Identifying areas of improvement in customer service and support to increase customer satisfaction and reduce churn</a:t>
-            </a:r>
-          </a:p>
-          <a:p>
-            <a:pPr algn="l">
-              <a:buFont typeface="Arial" panose="020B0604020202020204" pitchFamily="34" charset="0"/>
-              <a:buChar char="•"/>
-            </a:pPr>
-            <a:r>
-              <a:rPr lang="en-IN" sz="1400" b="0" i="0" u="none" strike="noStrike" dirty="0">
-                <a:effectLst/>
-                <a:latin typeface="Söhne"/>
-              </a:rPr>
-              <a:t>Understanding the competitive landscape and devising strategies to stay ahead of competitors</a:t>
-            </a:r>
-          </a:p>
-        </p:txBody>
-      </p:sp>
-    </p:spTree>
-    <p:extLst>
-      <p:ext uri="{BB962C8B-B14F-4D97-AF65-F5344CB8AC3E}">
-        <p14:creationId xmlns:p14="http://schemas.microsoft.com/office/powerpoint/2010/main" val="2032856551"/>
-      </p:ext>
-    </p:extLst>
-  </p:cSld>
-  <p:clrMapOvr>
-    <a:masterClrMapping/>
-  </p:clrMapOvr>
-</p:sld>
-</file>
-
-<file path=ppt/slides/slide4.xml><?xml version="1.0" encoding="utf-8"?>
-<p:sld xmlns:a="http://schemas.openxmlformats.org/drawingml/2006/main" xmlns:r="http://schemas.openxmlformats.org/officeDocument/2006/relationships" xmlns:p="http://schemas.openxmlformats.org/presentationml/2006/main">
-  <p:cSld>
-    <p:spTree>
-      <p:nvGrpSpPr>
-        <p:cNvPr id="1" name=""/>
-        <p:cNvGrpSpPr/>
-        <p:nvPr/>
-      </p:nvGrpSpPr>
-      <p:grpSpPr>
-        <a:xfrm>
-          <a:off x="0" y="0"/>
-          <a:ext cx="0" cy="0"/>
-          <a:chOff x="0" y="0"/>
-          <a:chExt cx="0" cy="0"/>
-        </a:xfrm>
-      </p:grpSpPr>
-      <p:sp>
-        <p:nvSpPr>
-          <p:cNvPr id="2" name="Title 1">
-            <a:extLst>
-              <a:ext uri="{FF2B5EF4-FFF2-40B4-BE49-F238E27FC236}">
-                <a16:creationId xmlns:a16="http://schemas.microsoft.com/office/drawing/2014/main" id="{31D3BA9E-44D7-2069-2BA8-3C6D3E9BDD50}"/>
-              </a:ext>
-            </a:extLst>
-          </p:cNvPr>
-          <p:cNvSpPr>
-            <a:spLocks noGrp="1"/>
-          </p:cNvSpPr>
-          <p:nvPr>
-            <p:ph type="title"/>
-          </p:nvPr>
-        </p:nvSpPr>
-        <p:spPr>
-          <a:xfrm>
-            <a:off x="609600" y="463888"/>
-            <a:ext cx="7675959" cy="812462"/>
-          </a:xfrm>
-        </p:spPr>
-        <p:txBody>
-          <a:bodyPr>
-            <a:normAutofit fontScale="90000"/>
-          </a:bodyPr>
-          <a:lstStyle/>
-          <a:p>
-            <a:r>
-              <a:rPr lang="en-US" dirty="0"/>
-              <a:t>EDA -plot to Check </a:t>
-            </a:r>
-            <a:r>
-              <a:rPr lang="en-US" dirty="0" err="1"/>
-              <a:t>percetanges</a:t>
-            </a:r>
-            <a:r>
-              <a:rPr lang="en-US" dirty="0"/>
-              <a:t> of churn and non churn data</a:t>
-            </a:r>
-            <a:endParaRPr lang="en-IN" dirty="0"/>
-          </a:p>
-        </p:txBody>
-      </p:sp>
-      <p:pic>
-        <p:nvPicPr>
-          <p:cNvPr id="5" name="Content Placeholder 4">
-            <a:extLst>
-              <a:ext uri="{FF2B5EF4-FFF2-40B4-BE49-F238E27FC236}">
-                <a16:creationId xmlns:a16="http://schemas.microsoft.com/office/drawing/2014/main" id="{583856AE-4520-5577-8FCC-33107F3C8891}"/>
-              </a:ext>
-            </a:extLst>
-          </p:cNvPr>
-          <p:cNvPicPr>
-            <a:picLocks noGrp="1" noChangeAspect="1"/>
-          </p:cNvPicPr>
-          <p:nvPr>
-            <p:ph idx="1"/>
-          </p:nvPr>
-        </p:nvPicPr>
-        <p:blipFill>
-          <a:blip r:embed="rId2"/>
-          <a:stretch>
-            <a:fillRect/>
-          </a:stretch>
-        </p:blipFill>
-        <p:spPr>
-          <a:xfrm>
-            <a:off x="1600199" y="1504950"/>
-            <a:ext cx="5544837" cy="2884487"/>
-          </a:xfrm>
-        </p:spPr>
-      </p:pic>
-    </p:spTree>
-    <p:extLst>
-      <p:ext uri="{BB962C8B-B14F-4D97-AF65-F5344CB8AC3E}">
-        <p14:creationId xmlns:p14="http://schemas.microsoft.com/office/powerpoint/2010/main" val="414533809"/>
-      </p:ext>
-    </p:extLst>
-  </p:cSld>
-  <p:clrMapOvr>
-    <a:masterClrMapping/>
-  </p:clrMapOvr>
-</p:sld>
-</file>
-
-<file path=ppt/slides/slide5.xml><?xml version="1.0" encoding="utf-8"?>
-<p:sld xmlns:a="http://schemas.openxmlformats.org/drawingml/2006/main" xmlns:r="http://schemas.openxmlformats.org/officeDocument/2006/relationships" xmlns:p="http://schemas.openxmlformats.org/presentationml/2006/main">
-  <p:cSld>
-    <p:spTree>
-      <p:nvGrpSpPr>
-        <p:cNvPr id="1" name=""/>
-        <p:cNvGrpSpPr/>
-        <p:nvPr/>
-      </p:nvGrpSpPr>
-      <p:grpSpPr>
-        <a:xfrm>
-          <a:off x="0" y="0"/>
-          <a:ext cx="0" cy="0"/>
-          <a:chOff x="0" y="0"/>
-          <a:chExt cx="0" cy="0"/>
-        </a:xfrm>
-      </p:grpSpPr>
-      <p:sp>
-        <p:nvSpPr>
-          <p:cNvPr id="2" name="Title 1">
-            <a:extLst>
-              <a:ext uri="{FF2B5EF4-FFF2-40B4-BE49-F238E27FC236}">
-                <a16:creationId xmlns:a16="http://schemas.microsoft.com/office/drawing/2014/main" id="{285AABF0-D34E-002E-4859-B9573401043F}"/>
-              </a:ext>
-            </a:extLst>
-          </p:cNvPr>
-          <p:cNvSpPr>
-            <a:spLocks noGrp="1"/>
-          </p:cNvSpPr>
-          <p:nvPr>
-            <p:ph type="title"/>
-          </p:nvPr>
-        </p:nvSpPr>
-        <p:spPr>
-          <a:xfrm>
-            <a:off x="457200" y="463888"/>
-            <a:ext cx="8153400" cy="507662"/>
-          </a:xfrm>
-        </p:spPr>
-        <p:txBody>
-          <a:bodyPr>
-            <a:normAutofit/>
-          </a:bodyPr>
-          <a:lstStyle/>
-          <a:p>
-            <a:r>
-              <a:rPr lang="en-US" dirty="0"/>
-              <a:t>Plot to visualize average revenue per user (ARPU)</a:t>
-            </a:r>
-            <a:endParaRPr lang="en-IN" dirty="0"/>
-          </a:p>
-        </p:txBody>
-      </p:sp>
-      <p:pic>
-        <p:nvPicPr>
-          <p:cNvPr id="5" name="Content Placeholder 4">
-            <a:extLst>
-              <a:ext uri="{FF2B5EF4-FFF2-40B4-BE49-F238E27FC236}">
-                <a16:creationId xmlns:a16="http://schemas.microsoft.com/office/drawing/2014/main" id="{53609AA3-8CFA-3B45-4AF8-BD28F2F1D826}"/>
-              </a:ext>
-            </a:extLst>
-          </p:cNvPr>
-          <p:cNvPicPr>
-            <a:picLocks noGrp="1" noChangeAspect="1"/>
-          </p:cNvPicPr>
-          <p:nvPr>
-            <p:ph idx="1"/>
-          </p:nvPr>
-        </p:nvPicPr>
-        <p:blipFill>
-          <a:blip r:embed="rId2"/>
-          <a:stretch>
-            <a:fillRect/>
-          </a:stretch>
-        </p:blipFill>
-        <p:spPr>
-          <a:xfrm>
-            <a:off x="1143000" y="1326812"/>
-            <a:ext cx="6248400" cy="3352800"/>
-          </a:xfrm>
-        </p:spPr>
-      </p:pic>
-    </p:spTree>
-    <p:extLst>
-      <p:ext uri="{BB962C8B-B14F-4D97-AF65-F5344CB8AC3E}">
-        <p14:creationId xmlns:p14="http://schemas.microsoft.com/office/powerpoint/2010/main" val="1112197709"/>
-      </p:ext>
-    </p:extLst>
-  </p:cSld>
-  <p:clrMapOvr>
-    <a:masterClrMapping/>
-  </p:clrMapOvr>
-</p:sld>
-</file>
-
-<file path=ppt/slides/slide6.xml><?xml version="1.0" encoding="utf-8"?>
-<p:sld xmlns:a="http://schemas.openxmlformats.org/drawingml/2006/main" xmlns:r="http://schemas.openxmlformats.org/officeDocument/2006/relationships" xmlns:p="http://schemas.openxmlformats.org/presentationml/2006/main">
-  <p:cSld>
-    <p:spTree>
-      <p:nvGrpSpPr>
-        <p:cNvPr id="1" name=""/>
-        <p:cNvGrpSpPr/>
-        <p:nvPr/>
-      </p:nvGrpSpPr>
-      <p:grpSpPr>
-        <a:xfrm>
-          <a:off x="0" y="0"/>
-          <a:ext cx="0" cy="0"/>
-          <a:chOff x="0" y="0"/>
-          <a:chExt cx="0" cy="0"/>
-        </a:xfrm>
-      </p:grpSpPr>
-      <p:sp>
-        <p:nvSpPr>
-          <p:cNvPr id="2" name="Title 1">
-            <a:extLst>
-              <a:ext uri="{FF2B5EF4-FFF2-40B4-BE49-F238E27FC236}">
-                <a16:creationId xmlns:a16="http://schemas.microsoft.com/office/drawing/2014/main" id="{B1A392F5-B778-BE4C-6B84-78A0B732A87B}"/>
-              </a:ext>
-            </a:extLst>
-          </p:cNvPr>
-          <p:cNvSpPr>
-            <a:spLocks noGrp="1"/>
-          </p:cNvSpPr>
-          <p:nvPr>
-            <p:ph type="title"/>
-          </p:nvPr>
-        </p:nvSpPr>
-        <p:spPr>
-          <a:xfrm>
-            <a:off x="856060" y="463888"/>
-            <a:ext cx="7429499" cy="583862"/>
-          </a:xfrm>
-        </p:spPr>
-        <p:txBody>
-          <a:bodyPr/>
-          <a:lstStyle/>
-          <a:p>
-            <a:r>
-              <a:rPr lang="en-IN" dirty="0"/>
-              <a:t>Network</a:t>
-            </a:r>
-          </a:p>
-        </p:txBody>
-      </p:sp>
-      <p:pic>
-        <p:nvPicPr>
-          <p:cNvPr id="5" name="Content Placeholder 4">
-            <a:extLst>
-              <a:ext uri="{FF2B5EF4-FFF2-40B4-BE49-F238E27FC236}">
-                <a16:creationId xmlns:a16="http://schemas.microsoft.com/office/drawing/2014/main" id="{A8BD237D-C322-9C7A-8B1E-47221C33CF76}"/>
-              </a:ext>
-            </a:extLst>
-          </p:cNvPr>
-          <p:cNvPicPr>
-            <a:picLocks noGrp="1" noChangeAspect="1"/>
-          </p:cNvPicPr>
-          <p:nvPr>
-            <p:ph idx="1"/>
-          </p:nvPr>
-        </p:nvPicPr>
-        <p:blipFill>
-          <a:blip r:embed="rId2"/>
-          <a:stretch>
-            <a:fillRect/>
-          </a:stretch>
-        </p:blipFill>
-        <p:spPr>
-          <a:xfrm>
-            <a:off x="1066800" y="1276351"/>
-            <a:ext cx="6248399" cy="3067050"/>
-          </a:xfrm>
-        </p:spPr>
-      </p:pic>
-    </p:spTree>
-    <p:extLst>
-      <p:ext uri="{BB962C8B-B14F-4D97-AF65-F5344CB8AC3E}">
-        <p14:creationId xmlns:p14="http://schemas.microsoft.com/office/powerpoint/2010/main" val="3518907945"/>
-      </p:ext>
-    </p:extLst>
-  </p:cSld>
-  <p:clrMapOvr>
-    <a:masterClrMapping/>
-  </p:clrMapOvr>
-</p:sld>
-</file>
-
-<file path=ppt/slides/slide7.xml><?xml version="1.0" encoding="utf-8"?>
-<p:sld xmlns:a="http://schemas.openxmlformats.org/drawingml/2006/main" xmlns:r="http://schemas.openxmlformats.org/officeDocument/2006/relationships" xmlns:p="http://schemas.openxmlformats.org/presentationml/2006/main">
-  <p:cSld>
-    <p:spTree>
-      <p:nvGrpSpPr>
-        <p:cNvPr id="1" name=""/>
-        <p:cNvGrpSpPr/>
-        <p:nvPr/>
-      </p:nvGrpSpPr>
-      <p:grpSpPr>
-        <a:xfrm>
-          <a:off x="0" y="0"/>
-          <a:ext cx="0" cy="0"/>
-          <a:chOff x="0" y="0"/>
-          <a:chExt cx="0" cy="0"/>
-        </a:xfrm>
-      </p:grpSpPr>
-      <p:sp>
-        <p:nvSpPr>
-          <p:cNvPr id="2" name="Title 1">
-            <a:extLst>
-              <a:ext uri="{FF2B5EF4-FFF2-40B4-BE49-F238E27FC236}">
-                <a16:creationId xmlns:a16="http://schemas.microsoft.com/office/drawing/2014/main" id="{14BFACD9-804C-3D5A-5127-85D12BA9CF56}"/>
-              </a:ext>
-            </a:extLst>
-          </p:cNvPr>
-          <p:cNvSpPr>
-            <a:spLocks noGrp="1"/>
-          </p:cNvSpPr>
-          <p:nvPr>
-            <p:ph type="title"/>
-          </p:nvPr>
-        </p:nvSpPr>
-        <p:spPr/>
-        <p:txBody>
-          <a:bodyPr/>
-          <a:lstStyle/>
-          <a:p>
-            <a:r>
-              <a:rPr lang="en-IN" dirty="0"/>
-              <a:t>Conclusion</a:t>
-            </a:r>
-          </a:p>
-        </p:txBody>
-      </p:sp>
-      <p:sp>
-        <p:nvSpPr>
-          <p:cNvPr id="3" name="Content Placeholder 2">
-            <a:extLst>
-              <a:ext uri="{FF2B5EF4-FFF2-40B4-BE49-F238E27FC236}">
-                <a16:creationId xmlns:a16="http://schemas.microsoft.com/office/drawing/2014/main" id="{C147B79E-D5EF-26F5-036D-8E1907F9C5DF}"/>
-              </a:ext>
-            </a:extLst>
-          </p:cNvPr>
-          <p:cNvSpPr>
-            <a:spLocks noGrp="1"/>
-          </p:cNvSpPr>
-          <p:nvPr>
-            <p:ph idx="1"/>
-          </p:nvPr>
-        </p:nvSpPr>
-        <p:spPr>
-          <a:xfrm>
-            <a:off x="856059" y="1352550"/>
-            <a:ext cx="7429499" cy="3048000"/>
-          </a:xfrm>
-        </p:spPr>
-        <p:txBody>
-          <a:bodyPr>
-            <a:normAutofit fontScale="85000" lnSpcReduction="20000"/>
-          </a:bodyPr>
-          <a:lstStyle/>
-          <a:p>
-            <a:r>
-              <a:rPr lang="en-US" b="0" dirty="0">
-                <a:effectLst/>
-                <a:latin typeface="Courier New" panose="02070309020205020404" pitchFamily="49" charset="0"/>
-              </a:rPr>
-              <a:t>Last month reach amount is playing crucial indicator of Churn.</a:t>
-            </a:r>
-          </a:p>
-          <a:p>
-            <a:r>
-              <a:rPr lang="en-US" b="0" dirty="0">
-                <a:effectLst/>
-                <a:latin typeface="Courier New" panose="02070309020205020404" pitchFamily="49" charset="0"/>
-              </a:rPr>
-              <a:t>Roam outgoing, std outgoing &amp; last recharge for 8th Month  are the most important columns to predict churn..</a:t>
-            </a:r>
-          </a:p>
-          <a:p>
-            <a:r>
-              <a:rPr lang="en-US" b="0" dirty="0">
-                <a:effectLst/>
-                <a:latin typeface="Courier New" panose="02070309020205020404" pitchFamily="49" charset="0"/>
-              </a:rPr>
-              <a:t>ARPU difference is a crucial indicator for churn</a:t>
-            </a:r>
-          </a:p>
-          <a:p>
-            <a:r>
-              <a:rPr lang="en-US" b="0" dirty="0">
-                <a:effectLst/>
-                <a:latin typeface="Courier New" panose="02070309020205020404" pitchFamily="49" charset="0"/>
-              </a:rPr>
-              <a:t>customers with tenure less than 4 yrs are more likely to churn.</a:t>
-            </a:r>
-          </a:p>
-          <a:p>
-            <a:r>
-              <a:rPr lang="en-US" b="0" dirty="0">
-                <a:effectLst/>
-                <a:latin typeface="Courier New" panose="02070309020205020404" pitchFamily="49" charset="0"/>
-              </a:rPr>
-              <a:t>Max Recharge Amount is a strong feature to predict churn.</a:t>
-            </a:r>
-          </a:p>
-          <a:p>
-            <a:r>
-              <a:rPr lang="en-US" b="0" dirty="0">
-                <a:effectLst/>
-                <a:latin typeface="Courier New" panose="02070309020205020404" pitchFamily="49" charset="0"/>
-              </a:rPr>
-              <a:t>Random Forest produced the best prediction results followed by Decision tree</a:t>
-            </a:r>
-          </a:p>
-          <a:p>
-            <a:endParaRPr lang="en-IN" dirty="0"/>
-          </a:p>
-        </p:txBody>
-      </p:sp>
-    </p:spTree>
-    <p:extLst>
-      <p:ext uri="{BB962C8B-B14F-4D97-AF65-F5344CB8AC3E}">
-        <p14:creationId xmlns:p14="http://schemas.microsoft.com/office/powerpoint/2010/main" val="2012100488"/>
-      </p:ext>
-    </p:extLst>
-  </p:cSld>
-  <p:clrMapOvr>
-    <a:masterClrMapping/>
-  </p:clrMapOvr>
-</p:sld>
-</file>
-
-<file path=ppt/slides/slide8.xml><?xml version="1.0" encoding="utf-8"?>
-<p:sld xmlns:a="http://schemas.openxmlformats.org/drawingml/2006/main" xmlns:r="http://schemas.openxmlformats.org/officeDocument/2006/relationships" xmlns:p="http://schemas.openxmlformats.org/presentationml/2006/main">
-  <p:cSld>
-    <p:spTree>
-      <p:nvGrpSpPr>
-        <p:cNvPr id="1" name=""/>
-        <p:cNvGrpSpPr/>
-        <p:nvPr/>
-      </p:nvGrpSpPr>
-      <p:grpSpPr>
-        <a:xfrm>
-          <a:off x="0" y="0"/>
-          <a:ext cx="0" cy="0"/>
-          <a:chOff x="0" y="0"/>
-          <a:chExt cx="0" cy="0"/>
-        </a:xfrm>
-      </p:grpSpPr>
-      <p:sp>
-        <p:nvSpPr>
-          <p:cNvPr id="2" name="Title 1">
-            <a:extLst>
-              <a:ext uri="{FF2B5EF4-FFF2-40B4-BE49-F238E27FC236}">
-                <a16:creationId xmlns:a16="http://schemas.microsoft.com/office/drawing/2014/main" id="{6565F399-2B21-300A-A509-B8B4A9AFBA34}"/>
-              </a:ext>
-            </a:extLst>
-          </p:cNvPr>
-          <p:cNvSpPr>
-            <a:spLocks noGrp="1"/>
-          </p:cNvSpPr>
-          <p:nvPr>
-            <p:ph type="title"/>
-          </p:nvPr>
-        </p:nvSpPr>
-        <p:spPr>
-          <a:xfrm>
-            <a:off x="862518" y="285750"/>
-            <a:ext cx="7429499" cy="514349"/>
-          </a:xfrm>
-        </p:spPr>
-        <p:txBody>
-          <a:bodyPr>
-            <a:normAutofit/>
-          </a:bodyPr>
-          <a:lstStyle/>
-          <a:p>
-            <a:r>
-              <a:rPr lang="en-US" dirty="0"/>
-              <a:t>RECOMMENDATIONS</a:t>
-            </a:r>
-            <a:endParaRPr lang="en-IN" dirty="0"/>
-          </a:p>
-        </p:txBody>
-      </p:sp>
-      <p:sp>
-        <p:nvSpPr>
-          <p:cNvPr id="3" name="Content Placeholder 2">
-            <a:extLst>
-              <a:ext uri="{FF2B5EF4-FFF2-40B4-BE49-F238E27FC236}">
-                <a16:creationId xmlns:a16="http://schemas.microsoft.com/office/drawing/2014/main" id="{5884C10A-4656-1D40-C556-A3A52D216521}"/>
-              </a:ext>
-            </a:extLst>
-          </p:cNvPr>
-          <p:cNvSpPr>
-            <a:spLocks noGrp="1"/>
-          </p:cNvSpPr>
-          <p:nvPr>
-            <p:ph idx="1"/>
-          </p:nvPr>
-        </p:nvSpPr>
-        <p:spPr>
-          <a:xfrm>
-            <a:off x="317715" y="847724"/>
-            <a:ext cx="8216685" cy="3448051"/>
-          </a:xfrm>
-        </p:spPr>
-        <p:txBody>
-          <a:bodyPr>
-            <a:normAutofit fontScale="77500" lnSpcReduction="20000"/>
-          </a:bodyPr>
-          <a:lstStyle/>
-          <a:p>
-            <a:pPr marL="0" indent="0" algn="l">
-              <a:buNone/>
-            </a:pPr>
-            <a:r>
-              <a:rPr lang="en-IN" sz="1800" b="0" i="0" u="none" strike="noStrike" dirty="0">
-                <a:effectLst/>
-                <a:latin typeface="Söhne"/>
-              </a:rPr>
-              <a:t>Overall, the analysis provides valuable insights into the factors that lead to customer churn and offers actionable recommendations that can be used to reduce churn and improve customer retention.</a:t>
-            </a:r>
-            <a:r>
-              <a:rPr lang="en-IN" sz="1800" dirty="0">
-                <a:latin typeface="Söhne"/>
-              </a:rPr>
-              <a:t> </a:t>
-            </a:r>
-            <a:r>
-              <a:rPr lang="en-IN" sz="1800" b="0" i="0" u="none" strike="noStrike" dirty="0">
-                <a:effectLst/>
-                <a:latin typeface="Söhne"/>
-              </a:rPr>
-              <a:t>The analysis also showed that the random forest classifier model performed the best in predicting churn with an accuracy of </a:t>
-            </a:r>
-            <a:r>
-              <a:rPr lang="en-IN" dirty="0">
-                <a:latin typeface="Söhne"/>
-              </a:rPr>
-              <a:t>----------</a:t>
-            </a:r>
-            <a:r>
-              <a:rPr lang="en-IN" sz="1800" b="0" i="0" u="none" strike="noStrike" dirty="0">
-                <a:effectLst/>
-                <a:latin typeface="Söhne"/>
-              </a:rPr>
-              <a:t>%. The use of imbalanced data techniques such as SMOTE helped improve the performance of the model by addressing the class imbalance problem.</a:t>
-            </a:r>
-          </a:p>
-          <a:p>
-            <a:pPr algn="l">
-              <a:buFont typeface="Arial" panose="020B0604020202020204" pitchFamily="34" charset="0"/>
-              <a:buChar char="•"/>
-            </a:pPr>
-            <a:endParaRPr lang="en-IN" sz="1800" dirty="0">
-              <a:latin typeface="Söhne"/>
-            </a:endParaRPr>
-          </a:p>
-          <a:p>
-            <a:pPr algn="l">
-              <a:buFont typeface="Arial" panose="020B0604020202020204" pitchFamily="34" charset="0"/>
-              <a:buChar char="•"/>
-            </a:pPr>
-            <a:r>
-              <a:rPr lang="en-IN" sz="1800" b="0" i="0" u="none" strike="noStrike" dirty="0">
-                <a:effectLst/>
-                <a:latin typeface="Söhne"/>
-              </a:rPr>
-              <a:t>Provide incentives to customers who have been with the company for a longer period to encourage them to stay with the company.</a:t>
-            </a:r>
-          </a:p>
-          <a:p>
-            <a:pPr algn="l">
-              <a:buFont typeface="Arial" panose="020B0604020202020204" pitchFamily="34" charset="0"/>
-              <a:buChar char="•"/>
-            </a:pPr>
-            <a:r>
-              <a:rPr lang="en-IN" sz="1800" b="0" i="0" u="none" strike="noStrike" dirty="0">
-                <a:effectLst/>
-                <a:latin typeface="Söhne"/>
-              </a:rPr>
-              <a:t>Offer discounts or other benefits to customers who sign up for long-term contracts.</a:t>
-            </a:r>
-          </a:p>
-          <a:p>
-            <a:pPr algn="l">
-              <a:buFont typeface="Arial" panose="020B0604020202020204" pitchFamily="34" charset="0"/>
-              <a:buChar char="•"/>
-            </a:pPr>
-            <a:r>
-              <a:rPr lang="en-IN" sz="1800" b="0" i="0" u="none" strike="noStrike" dirty="0">
-                <a:effectLst/>
-                <a:latin typeface="Söhne"/>
-              </a:rPr>
-              <a:t>Encourage customers to use payment methods other than electronic check by providing incentives or simplifying the payment process.</a:t>
-            </a:r>
-          </a:p>
-          <a:p>
-            <a:pPr algn="l">
-              <a:buFont typeface="Arial" panose="020B0604020202020204" pitchFamily="34" charset="0"/>
-              <a:buChar char="•"/>
-            </a:pPr>
-            <a:r>
-              <a:rPr lang="en-IN" sz="1800" b="0" i="0" u="none" strike="noStrike" dirty="0">
-                <a:effectLst/>
-                <a:latin typeface="Söhne"/>
-              </a:rPr>
-              <a:t>Provide better value for money by offering packages that provide services at a lower cost for customers with high monthly charges.</a:t>
-            </a:r>
-          </a:p>
-          <a:p>
-            <a:endParaRPr lang="en-IN" dirty="0"/>
-          </a:p>
-        </p:txBody>
-      </p:sp>
-    </p:spTree>
-    <p:extLst>
-      <p:ext uri="{BB962C8B-B14F-4D97-AF65-F5344CB8AC3E}">
-        <p14:creationId xmlns:p14="http://schemas.microsoft.com/office/powerpoint/2010/main" val="3529415568"/>
-      </p:ext>
-    </p:extLst>
-  </p:cSld>
-  <p:clrMapOvr>
-    <a:masterClrMapping/>
-  </p:clrMapOvr>
-</p:sld>
-</file>
-
-<file path=ppt/slides/slide9.xml><?xml version="1.0" encoding="utf-8"?>
-<p:sld xmlns:a="http://schemas.openxmlformats.org/drawingml/2006/main" xmlns:r="http://schemas.openxmlformats.org/officeDocument/2006/relationships" xmlns:p="http://schemas.openxmlformats.org/presentationml/2006/main">
-  <p:cSld>
-    <p:spTree>
-      <p:nvGrpSpPr>
-        <p:cNvPr id="1" name=""/>
-        <p:cNvGrpSpPr/>
-        <p:nvPr/>
-      </p:nvGrpSpPr>
-      <p:grpSpPr>
-        <a:xfrm>
-          <a:off x="0" y="0"/>
-          <a:ext cx="0" cy="0"/>
-          <a:chOff x="0" y="0"/>
-          <a:chExt cx="0" cy="0"/>
-        </a:xfrm>
-      </p:grpSpPr>
-      <p:sp>
-        <p:nvSpPr>
-          <p:cNvPr id="2" name="Title 1">
-            <a:extLst>
-              <a:ext uri="{FF2B5EF4-FFF2-40B4-BE49-F238E27FC236}">
-                <a16:creationId xmlns:a16="http://schemas.microsoft.com/office/drawing/2014/main" id="{941B3A8A-C955-DC97-8260-2ABE07855AA6}"/>
-              </a:ext>
-            </a:extLst>
-          </p:cNvPr>
-          <p:cNvSpPr>
-            <a:spLocks noGrp="1"/>
-          </p:cNvSpPr>
-          <p:nvPr>
-            <p:ph type="title"/>
-          </p:nvPr>
-        </p:nvSpPr>
-        <p:spPr/>
-        <p:txBody>
-          <a:bodyPr/>
-          <a:lstStyle/>
-          <a:p>
-            <a:r>
-              <a:rPr lang="en-IN" sz="2800" b="0" dirty="0">
-                <a:latin typeface="Arial MT"/>
-                <a:cs typeface="Arial MT"/>
-              </a:rPr>
-              <a:t>Conclusions:</a:t>
-            </a:r>
-            <a:endParaRPr lang="en-IN" dirty="0"/>
-          </a:p>
-        </p:txBody>
-      </p:sp>
-      <p:sp>
-        <p:nvSpPr>
-          <p:cNvPr id="3" name="Content Placeholder 2">
-            <a:extLst>
-              <a:ext uri="{FF2B5EF4-FFF2-40B4-BE49-F238E27FC236}">
-                <a16:creationId xmlns:a16="http://schemas.microsoft.com/office/drawing/2014/main" id="{E7BFA631-8EFF-659E-C987-77A55D552655}"/>
-              </a:ext>
-            </a:extLst>
-          </p:cNvPr>
-          <p:cNvSpPr>
-            <a:spLocks noGrp="1"/>
-          </p:cNvSpPr>
-          <p:nvPr>
-            <p:ph idx="1"/>
-          </p:nvPr>
-        </p:nvSpPr>
-        <p:spPr/>
-        <p:txBody>
-          <a:bodyPr/>
-          <a:lstStyle/>
-          <a:p>
-            <a:endParaRPr lang="en-IN"/>
-          </a:p>
-        </p:txBody>
-      </p:sp>
-    </p:spTree>
-    <p:extLst>
-      <p:ext uri="{BB962C8B-B14F-4D97-AF65-F5344CB8AC3E}">
-        <p14:creationId xmlns:p14="http://schemas.microsoft.com/office/powerpoint/2010/main" val="232802554"/>
       </p:ext>
     </p:extLst>
   </p:cSld>
